--- a/Kotlin初探.pptx
+++ b/Kotlin初探.pptx
@@ -129,6 +129,22 @@
       </a:defRPr>
     </a:lvl9pPr>
   </p:defaultTextStyle>
+  <p:extLst>
+    <p:ext uri="{EFAFB233-063F-42B5-8137-9DF3F51BA10A}">
+      <p15:sldGuideLst xmlns:p15="http://schemas.microsoft.com/office/powerpoint/2012/main">
+        <p15:guide id="1" orient="horz" pos="2160">
+          <p15:clr>
+            <a:srgbClr val="A4A3A4"/>
+          </p15:clr>
+        </p15:guide>
+        <p15:guide id="2" pos="2880">
+          <p15:clr>
+            <a:srgbClr val="A4A3A4"/>
+          </p15:clr>
+        </p15:guide>
+      </p15:sldGuideLst>
+    </p:ext>
+  </p:extLst>
 </p:presentation>
 </file>
 
@@ -313,7 +329,7 @@
           <a:p>
             <a:fld id="{530820CF-B880-4189-942D-D702A7CBA730}" type="datetimeFigureOut">
               <a:rPr lang="zh-CN" altLang="en-US" smtClean="0"/>
-              <a:t>2017/9/12</a:t>
+              <a:t>2017/9/13</a:t>
             </a:fld>
             <a:endParaRPr lang="zh-CN" altLang="en-US"/>
           </a:p>
@@ -478,7 +494,7 @@
           <a:p>
             <a:fld id="{530820CF-B880-4189-942D-D702A7CBA730}" type="datetimeFigureOut">
               <a:rPr lang="zh-CN" altLang="en-US" smtClean="0"/>
-              <a:t>2017/9/12</a:t>
+              <a:t>2017/9/13</a:t>
             </a:fld>
             <a:endParaRPr lang="zh-CN" altLang="en-US"/>
           </a:p>
@@ -653,7 +669,7 @@
           <a:p>
             <a:fld id="{530820CF-B880-4189-942D-D702A7CBA730}" type="datetimeFigureOut">
               <a:rPr lang="zh-CN" altLang="en-US" smtClean="0"/>
-              <a:t>2017/9/12</a:t>
+              <a:t>2017/9/13</a:t>
             </a:fld>
             <a:endParaRPr lang="zh-CN" altLang="en-US"/>
           </a:p>
@@ -818,7 +834,7 @@
           <a:p>
             <a:fld id="{530820CF-B880-4189-942D-D702A7CBA730}" type="datetimeFigureOut">
               <a:rPr lang="zh-CN" altLang="en-US" smtClean="0"/>
-              <a:t>2017/9/12</a:t>
+              <a:t>2017/9/13</a:t>
             </a:fld>
             <a:endParaRPr lang="zh-CN" altLang="en-US"/>
           </a:p>
@@ -1059,7 +1075,7 @@
           <a:p>
             <a:fld id="{530820CF-B880-4189-942D-D702A7CBA730}" type="datetimeFigureOut">
               <a:rPr lang="zh-CN" altLang="en-US" smtClean="0"/>
-              <a:t>2017/9/12</a:t>
+              <a:t>2017/9/13</a:t>
             </a:fld>
             <a:endParaRPr lang="zh-CN" altLang="en-US"/>
           </a:p>
@@ -1342,7 +1358,7 @@
           <a:p>
             <a:fld id="{530820CF-B880-4189-942D-D702A7CBA730}" type="datetimeFigureOut">
               <a:rPr lang="zh-CN" altLang="en-US" smtClean="0"/>
-              <a:t>2017/9/12</a:t>
+              <a:t>2017/9/13</a:t>
             </a:fld>
             <a:endParaRPr lang="zh-CN" altLang="en-US"/>
           </a:p>
@@ -1759,7 +1775,7 @@
           <a:p>
             <a:fld id="{530820CF-B880-4189-942D-D702A7CBA730}" type="datetimeFigureOut">
               <a:rPr lang="zh-CN" altLang="en-US" smtClean="0"/>
-              <a:t>2017/9/12</a:t>
+              <a:t>2017/9/13</a:t>
             </a:fld>
             <a:endParaRPr lang="zh-CN" altLang="en-US"/>
           </a:p>
@@ -1872,7 +1888,7 @@
           <a:p>
             <a:fld id="{530820CF-B880-4189-942D-D702A7CBA730}" type="datetimeFigureOut">
               <a:rPr lang="zh-CN" altLang="en-US" smtClean="0"/>
-              <a:t>2017/9/12</a:t>
+              <a:t>2017/9/13</a:t>
             </a:fld>
             <a:endParaRPr lang="zh-CN" altLang="en-US"/>
           </a:p>
@@ -1962,7 +1978,7 @@
           <a:p>
             <a:fld id="{530820CF-B880-4189-942D-D702A7CBA730}" type="datetimeFigureOut">
               <a:rPr lang="zh-CN" altLang="en-US" smtClean="0"/>
-              <a:t>2017/9/12</a:t>
+              <a:t>2017/9/13</a:t>
             </a:fld>
             <a:endParaRPr lang="zh-CN" altLang="en-US"/>
           </a:p>
@@ -2234,7 +2250,7 @@
           <a:p>
             <a:fld id="{530820CF-B880-4189-942D-D702A7CBA730}" type="datetimeFigureOut">
               <a:rPr lang="zh-CN" altLang="en-US" smtClean="0"/>
-              <a:t>2017/9/12</a:t>
+              <a:t>2017/9/13</a:t>
             </a:fld>
             <a:endParaRPr lang="zh-CN" altLang="en-US"/>
           </a:p>
@@ -2482,7 +2498,7 @@
           <a:p>
             <a:fld id="{530820CF-B880-4189-942D-D702A7CBA730}" type="datetimeFigureOut">
               <a:rPr lang="zh-CN" altLang="en-US" smtClean="0"/>
-              <a:t>2017/9/12</a:t>
+              <a:t>2017/9/13</a:t>
             </a:fld>
             <a:endParaRPr lang="zh-CN" altLang="en-US"/>
           </a:p>
@@ -2690,7 +2706,7 @@
           <a:p>
             <a:fld id="{530820CF-B880-4189-942D-D702A7CBA730}" type="datetimeFigureOut">
               <a:rPr lang="zh-CN" altLang="en-US" smtClean="0"/>
-              <a:t>2017/9/12</a:t>
+              <a:t>2017/9/13</a:t>
             </a:fld>
             <a:endParaRPr lang="zh-CN" altLang="en-US"/>
           </a:p>
@@ -10593,7 +10609,7 @@
         <p:spPr>
           <a:xfrm>
             <a:off x="457200" y="274638"/>
-            <a:ext cx="1522512" cy="346050"/>
+            <a:ext cx="3322712" cy="346050"/>
           </a:xfrm>
         </p:spPr>
         <p:txBody>
@@ -10605,7 +10621,7 @@
             <a:pPr algn="l"/>
             <a:r>
               <a:rPr lang="zh-CN" altLang="en-US" sz="2800" dirty="0" smtClean="0"/>
-              <a:t>条件语句</a:t>
+              <a:t>映射对象到变量中</a:t>
             </a:r>
             <a:endParaRPr lang="zh-CN" altLang="en-US" sz="2800" dirty="0"/>
           </a:p>
@@ -10634,6 +10650,32 @@
           <a:lstStyle/>
           <a:p>
             <a:endParaRPr lang="zh-CN" altLang="en-US" sz="1800" dirty="0"/>
+          </a:p>
+        </p:txBody>
+      </p:sp>
+      <p:sp>
+        <p:nvSpPr>
+          <p:cNvPr id="4" name="文本框 3"/>
+          <p:cNvSpPr txBox="1"/>
+          <p:nvPr/>
+        </p:nvSpPr>
+        <p:spPr>
+          <a:xfrm>
+            <a:off x="1941816" y="462337"/>
+            <a:ext cx="184731" cy="369332"/>
+          </a:xfrm>
+          <a:prstGeom prst="rect">
+            <a:avLst/>
+          </a:prstGeom>
+          <a:noFill/>
+        </p:spPr>
+        <p:txBody>
+          <a:bodyPr wrap="none" rtlCol="0">
+            <a:spAutoFit/>
+          </a:bodyPr>
+          <a:lstStyle/>
+          <a:p>
+            <a:endParaRPr kumimoji="1" lang="zh-CN" altLang="en-US" dirty="0"/>
           </a:p>
         </p:txBody>
       </p:sp>

--- a/Kotlin初探.pptx
+++ b/Kotlin初探.pptx
@@ -24,13 +24,20 @@
     <p:sldId id="271" r:id="rId18"/>
     <p:sldId id="272" r:id="rId19"/>
     <p:sldId id="273" r:id="rId20"/>
-    <p:sldId id="274" r:id="rId21"/>
-    <p:sldId id="275" r:id="rId22"/>
+    <p:sldId id="275" r:id="rId21"/>
+    <p:sldId id="279" r:id="rId22"/>
     <p:sldId id="276" r:id="rId23"/>
     <p:sldId id="277" r:id="rId24"/>
     <p:sldId id="278" r:id="rId25"/>
-    <p:sldId id="279" r:id="rId26"/>
+    <p:sldId id="274" r:id="rId26"/>
     <p:sldId id="280" r:id="rId27"/>
+    <p:sldId id="290" r:id="rId28"/>
+    <p:sldId id="284" r:id="rId29"/>
+    <p:sldId id="285" r:id="rId30"/>
+    <p:sldId id="286" r:id="rId31"/>
+    <p:sldId id="287" r:id="rId32"/>
+    <p:sldId id="288" r:id="rId33"/>
+    <p:sldId id="289" r:id="rId34"/>
   </p:sldIdLst>
   <p:sldSz cx="9144000" cy="6858000" type="screen4x3"/>
   <p:notesSz cx="6858000" cy="9144000"/>
@@ -131,7 +138,7 @@
   </p:defaultTextStyle>
   <p:extLst>
     <p:ext uri="{EFAFB233-063F-42B5-8137-9DF3F51BA10A}">
-      <p15:sldGuideLst xmlns:p15="http://schemas.microsoft.com/office/powerpoint/2012/main">
+      <p15:sldGuideLst xmlns:p15="http://schemas.microsoft.com/office/powerpoint/2012/main" xmlns="">
         <p15:guide id="1" orient="horz" pos="2160">
           <p15:clr>
             <a:srgbClr val="A4A3A4"/>
@@ -3136,6 +3143,13 @@
   <p:clrMapOvr>
     <a:masterClrMapping/>
   </p:clrMapOvr>
+  <p:timing>
+    <p:tnLst>
+      <p:par>
+        <p:cTn id="1" dur="indefinite" restart="never" nodeType="tmRoot"/>
+      </p:par>
+    </p:tnLst>
+  </p:timing>
 </p:sld>
 </file>
 
@@ -3549,6 +3563,13 @@
   <p:clrMapOvr>
     <a:masterClrMapping/>
   </p:clrMapOvr>
+  <p:timing>
+    <p:tnLst>
+      <p:par>
+        <p:cTn id="1" dur="indefinite" restart="never" nodeType="tmRoot"/>
+      </p:par>
+    </p:tnLst>
+  </p:timing>
 </p:sld>
 </file>
 
@@ -4060,6 +4081,13 @@
   <p:clrMapOvr>
     <a:masterClrMapping/>
   </p:clrMapOvr>
+  <p:timing>
+    <p:tnLst>
+      <p:par>
+        <p:cTn id="1" dur="indefinite" restart="never" nodeType="tmRoot"/>
+      </p:par>
+    </p:tnLst>
+  </p:timing>
 </p:sld>
 </file>
 
@@ -4632,6 +4660,13 @@
   <p:clrMapOvr>
     <a:masterClrMapping/>
   </p:clrMapOvr>
+  <p:timing>
+    <p:tnLst>
+      <p:par>
+        <p:cTn id="1" dur="indefinite" restart="never" nodeType="tmRoot"/>
+      </p:par>
+    </p:tnLst>
+  </p:timing>
 </p:sld>
 </file>
 
@@ -5154,6 +5189,13 @@
   <p:clrMapOvr>
     <a:masterClrMapping/>
   </p:clrMapOvr>
+  <p:timing>
+    <p:tnLst>
+      <p:par>
+        <p:cTn id="1" dur="indefinite" restart="never" nodeType="tmRoot"/>
+      </p:par>
+    </p:tnLst>
+  </p:timing>
 </p:sld>
 </file>
 
@@ -5654,6 +5696,13 @@
   <p:clrMapOvr>
     <a:masterClrMapping/>
   </p:clrMapOvr>
+  <p:timing>
+    <p:tnLst>
+      <p:par>
+        <p:cTn id="1" dur="indefinite" restart="never" nodeType="tmRoot"/>
+      </p:par>
+    </p:tnLst>
+  </p:timing>
 </p:sld>
 </file>
 
@@ -6175,6 +6224,13 @@
   <p:clrMapOvr>
     <a:masterClrMapping/>
   </p:clrMapOvr>
+  <p:timing>
+    <p:tnLst>
+      <p:par>
+        <p:cTn id="1" dur="indefinite" restart="never" nodeType="tmRoot"/>
+      </p:par>
+    </p:tnLst>
+  </p:timing>
 </p:sld>
 </file>
 
@@ -6549,6 +6605,13 @@
   <p:clrMapOvr>
     <a:masterClrMapping/>
   </p:clrMapOvr>
+  <p:timing>
+    <p:tnLst>
+      <p:par>
+        <p:cTn id="1" dur="indefinite" restart="never" nodeType="tmRoot"/>
+      </p:par>
+    </p:tnLst>
+  </p:timing>
 </p:sld>
 </file>
 
@@ -6955,6 +7018,13 @@
   <p:clrMapOvr>
     <a:masterClrMapping/>
   </p:clrMapOvr>
+  <p:timing>
+    <p:tnLst>
+      <p:par>
+        <p:cTn id="1" dur="indefinite" restart="never" nodeType="tmRoot"/>
+      </p:par>
+    </p:tnLst>
+  </p:timing>
 </p:sld>
 </file>
 
@@ -7579,6 +7649,13 @@
   <p:clrMapOvr>
     <a:masterClrMapping/>
   </p:clrMapOvr>
+  <p:timing>
+    <p:tnLst>
+      <p:par>
+        <p:cTn id="1" dur="indefinite" restart="never" nodeType="tmRoot"/>
+      </p:par>
+    </p:tnLst>
+  </p:timing>
 </p:sld>
 </file>
 
@@ -8364,6 +8441,13 @@
   <p:clrMapOvr>
     <a:masterClrMapping/>
   </p:clrMapOvr>
+  <p:timing>
+    <p:tnLst>
+      <p:par>
+        <p:cTn id="1" dur="indefinite" restart="never" nodeType="tmRoot"/>
+      </p:par>
+    </p:tnLst>
+  </p:timing>
 </p:sld>
 </file>
 
@@ -8492,7 +8576,7 @@
             <a:pPr algn="l"/>
             <a:r>
               <a:rPr lang="zh-CN" altLang="en-US" sz="2800" dirty="0" smtClean="0"/>
-              <a:t>密封类</a:t>
+              <a:t>接口</a:t>
             </a:r>
             <a:endParaRPr lang="zh-CN" altLang="en-US" sz="2800" dirty="0"/>
           </a:p>
@@ -8516,49 +8600,288 @@
         </p:spPr>
         <p:txBody>
           <a:bodyPr>
-            <a:normAutofit lnSpcReduction="10000"/>
+            <a:normAutofit/>
           </a:bodyPr>
           <a:lstStyle/>
           <a:p>
             <a:r>
+              <a:rPr lang="en-US" altLang="zh-CN" sz="1800" dirty="0" err="1"/>
+              <a:t>Kotlin</a:t>
+            </a:r>
+            <a:r>
+              <a:rPr lang="en-US" altLang="zh-CN" sz="1800" dirty="0"/>
+              <a:t> </a:t>
+            </a:r>
+            <a:r>
               <a:rPr lang="zh-CN" altLang="en-US" sz="1800" dirty="0"/>
-              <a:t>密封类用于代表严格的类结构，值只能是有限集合中的某中类型，不可以是任何其它类型。这就相当于一个枚举类的扩展：枚举值集合的类型是严格限制的，但每个枚举常量只有一个实例，而密封类的子类可以有包含不同状态的多个实例。</a:t>
-            </a:r>
-          </a:p>
-          <a:p>
+              <a:t>的接口很像 </a:t>
+            </a:r>
+            <a:r>
+              <a:rPr lang="en-US" altLang="zh-CN" sz="1800" dirty="0"/>
+              <a:t>java 8</a:t>
+            </a:r>
             <a:r>
               <a:rPr lang="zh-CN" altLang="en-US" sz="1800" dirty="0"/>
-              <a:t>声明密封类需要在 </a:t>
-            </a:r>
-            <a:r>
-              <a:rPr lang="en-US" altLang="zh-CN" sz="1800" dirty="0"/>
+              <a:t>。它们都可以包含抽象方法，以及方法的实现。和抽象类不同的是，接口不能保存状态。可以有属性但必须是抽象的，或者提供访问器的实现。</a:t>
+            </a:r>
+            <a:endParaRPr lang="en-US" altLang="zh-CN" sz="1800" dirty="0" smtClean="0">
+              <a:solidFill>
+                <a:srgbClr val="CC7832"/>
+              </a:solidFill>
+            </a:endParaRPr>
+          </a:p>
+          <a:p>
+            <a:r>
+              <a:rPr lang="en-US" altLang="zh-CN" sz="1800" dirty="0" smtClean="0">
+                <a:solidFill>
+                  <a:srgbClr val="CC7832"/>
+                </a:solidFill>
+              </a:rPr>
+              <a:t>interface </a:t>
+            </a:r>
+            <a:r>
+              <a:rPr lang="en-US" altLang="zh-CN" sz="1800" dirty="0" err="1"/>
+              <a:t>MyInterface</a:t>
+            </a:r>
+            <a:r>
+              <a:rPr lang="en-US" altLang="zh-CN" sz="1800" dirty="0"/>
+              <a:t> {</a:t>
+            </a:r>
+            <a:br>
+              <a:rPr lang="en-US" altLang="zh-CN" sz="1800" dirty="0"/>
+            </a:br>
+            <a:r>
+              <a:rPr lang="en-US" altLang="zh-CN" sz="1800" dirty="0"/>
+              <a:t>    </a:t>
+            </a:r>
+            <a:r>
+              <a:rPr lang="en-US" altLang="zh-CN" sz="1800" dirty="0" err="1">
+                <a:solidFill>
+                  <a:srgbClr val="CC7832"/>
+                </a:solidFill>
+              </a:rPr>
+              <a:t>val</a:t>
+            </a:r>
+            <a:r>
+              <a:rPr lang="en-US" altLang="zh-CN" sz="1800" dirty="0">
+                <a:solidFill>
+                  <a:srgbClr val="CC7832"/>
+                </a:solidFill>
+              </a:rPr>
+              <a:t> </a:t>
+            </a:r>
+            <a:r>
+              <a:rPr lang="en-US" altLang="zh-CN" sz="1800" dirty="0">
+                <a:solidFill>
+                  <a:srgbClr val="9876AA"/>
+                </a:solidFill>
+              </a:rPr>
+              <a:t>property</a:t>
+            </a:r>
+            <a:r>
+              <a:rPr lang="en-US" altLang="zh-CN" sz="1800" dirty="0"/>
+              <a:t>: </a:t>
+            </a:r>
+            <a:r>
+              <a:rPr lang="en-US" altLang="zh-CN" sz="1800" dirty="0" err="1"/>
+              <a:t>Int</a:t>
+            </a:r>
+            <a:r>
+              <a:rPr lang="en-US" altLang="zh-CN" sz="1800" dirty="0"/>
+              <a:t> </a:t>
+            </a:r>
+            <a:r>
+              <a:rPr lang="en-US" altLang="zh-CN" sz="1800" dirty="0">
+                <a:solidFill>
+                  <a:srgbClr val="808080"/>
+                </a:solidFill>
+              </a:rPr>
+              <a:t>// abstract</a:t>
+            </a:r>
+            <a:br>
+              <a:rPr lang="en-US" altLang="zh-CN" sz="1800" dirty="0">
+                <a:solidFill>
+                  <a:srgbClr val="808080"/>
+                </a:solidFill>
+              </a:rPr>
+            </a:br>
+            <a:r>
+              <a:rPr lang="en-US" altLang="zh-CN" sz="1800" dirty="0" smtClean="0">
+                <a:solidFill>
+                  <a:srgbClr val="808080"/>
+                </a:solidFill>
+              </a:rPr>
+              <a:t>    </a:t>
+            </a:r>
+            <a:r>
+              <a:rPr lang="en-US" altLang="zh-CN" sz="1800" dirty="0" err="1">
+                <a:solidFill>
+                  <a:srgbClr val="CC7832"/>
+                </a:solidFill>
+              </a:rPr>
+              <a:t>val</a:t>
+            </a:r>
+            <a:r>
+              <a:rPr lang="en-US" altLang="zh-CN" sz="1800" dirty="0">
+                <a:solidFill>
+                  <a:srgbClr val="CC7832"/>
+                </a:solidFill>
+              </a:rPr>
+              <a:t> </a:t>
+            </a:r>
+            <a:r>
+              <a:rPr lang="en-US" altLang="zh-CN" sz="1800" dirty="0" err="1" smtClean="0">
+                <a:solidFill>
+                  <a:srgbClr val="9876AA"/>
+                </a:solidFill>
+              </a:rPr>
+              <a:t>propertyWithImp</a:t>
+            </a:r>
+            <a:r>
+              <a:rPr lang="en-US" altLang="zh-CN" sz="1800" dirty="0" smtClean="0"/>
+              <a:t>: </a:t>
+            </a:r>
+            <a:r>
+              <a:rPr lang="en-US" altLang="zh-CN" sz="1800" dirty="0"/>
+              <a:t>String</a:t>
+            </a:r>
+            <a:br>
+              <a:rPr lang="en-US" altLang="zh-CN" sz="1800" dirty="0"/>
+            </a:br>
+            <a:r>
+              <a:rPr lang="en-US" altLang="zh-CN" sz="1800" dirty="0"/>
+              <a:t>        </a:t>
+            </a:r>
+            <a:r>
+              <a:rPr lang="en-US" altLang="zh-CN" sz="1800" dirty="0">
+                <a:solidFill>
+                  <a:srgbClr val="CC7832"/>
+                </a:solidFill>
+              </a:rPr>
+              <a:t>get</a:t>
+            </a:r>
+            <a:r>
+              <a:rPr lang="en-US" altLang="zh-CN" sz="1800" dirty="0"/>
+              <a:t>() = </a:t>
+            </a:r>
+            <a:r>
+              <a:rPr lang="en-US" altLang="zh-CN" sz="1800" dirty="0" smtClean="0">
+                <a:solidFill>
+                  <a:srgbClr val="6A8759"/>
+                </a:solidFill>
+              </a:rPr>
+              <a:t>“my"</a:t>
+            </a:r>
+            <a:r>
+              <a:rPr lang="en-US" altLang="zh-CN" sz="1800" dirty="0">
+                <a:solidFill>
+                  <a:srgbClr val="6A8759"/>
+                </a:solidFill>
+              </a:rPr>
+              <a:t/>
+            </a:r>
+            <a:br>
+              <a:rPr lang="en-US" altLang="zh-CN" sz="1800" dirty="0">
+                <a:solidFill>
+                  <a:srgbClr val="6A8759"/>
+                </a:solidFill>
+              </a:rPr>
+            </a:br>
+            <a:r>
+              <a:rPr lang="en-US" altLang="zh-CN" sz="1800" dirty="0" smtClean="0">
+                <a:solidFill>
+                  <a:srgbClr val="6A8759"/>
+                </a:solidFill>
+              </a:rPr>
+              <a:t>    </a:t>
+            </a:r>
+            <a:r>
+              <a:rPr lang="en-US" altLang="zh-CN" sz="1800" dirty="0">
+                <a:solidFill>
+                  <a:srgbClr val="CC7832"/>
+                </a:solidFill>
+              </a:rPr>
+              <a:t>fun </a:t>
+            </a:r>
+            <a:r>
+              <a:rPr lang="en-US" altLang="zh-CN" sz="1800" dirty="0">
+                <a:solidFill>
+                  <a:srgbClr val="FFC66D"/>
+                </a:solidFill>
+              </a:rPr>
+              <a:t>foo</a:t>
+            </a:r>
+            <a:r>
+              <a:rPr lang="en-US" altLang="zh-CN" sz="1800" dirty="0"/>
+              <a:t>() {</a:t>
+            </a:r>
+            <a:br>
+              <a:rPr lang="en-US" altLang="zh-CN" sz="1800" dirty="0"/>
+            </a:br>
+            <a:r>
+              <a:rPr lang="en-US" altLang="zh-CN" sz="1800" dirty="0"/>
+              <a:t>        </a:t>
+            </a:r>
+            <a:r>
+              <a:rPr lang="en-US" altLang="zh-CN" sz="1800" i="1" dirty="0"/>
+              <a:t>print</a:t>
+            </a:r>
+            <a:r>
+              <a:rPr lang="en-US" altLang="zh-CN" sz="1800" dirty="0"/>
+              <a:t>(</a:t>
+            </a:r>
+            <a:r>
+              <a:rPr lang="en-US" altLang="zh-CN" sz="1800" dirty="0">
+                <a:solidFill>
+                  <a:srgbClr val="9876AA"/>
+                </a:solidFill>
+              </a:rPr>
+              <a:t>property</a:t>
+            </a:r>
+            <a:r>
+              <a:rPr lang="en-US" altLang="zh-CN" sz="1800" dirty="0"/>
+              <a:t>)</a:t>
+            </a:r>
+            <a:br>
+              <a:rPr lang="en-US" altLang="zh-CN" sz="1800" dirty="0"/>
+            </a:br>
+            <a:r>
+              <a:rPr lang="en-US" altLang="zh-CN" sz="1800" dirty="0"/>
+              <a:t>    }</a:t>
+            </a:r>
+            <a:br>
+              <a:rPr lang="en-US" altLang="zh-CN" sz="1800" dirty="0"/>
+            </a:br>
+            <a:r>
+              <a:rPr lang="en-US" altLang="zh-CN" sz="1800" dirty="0" smtClean="0"/>
+              <a:t>}</a:t>
+            </a:r>
+            <a:r>
+              <a:rPr lang="en-US" altLang="zh-CN" sz="1800" dirty="0"/>
+              <a:t/>
+            </a:r>
+            <a:br>
+              <a:rPr lang="en-US" altLang="zh-CN" sz="1800" dirty="0"/>
+            </a:br>
+            <a:r>
+              <a:rPr lang="en-US" altLang="zh-CN" sz="1800" dirty="0">
+                <a:solidFill>
+                  <a:srgbClr val="CC7832"/>
+                </a:solidFill>
+              </a:rPr>
               <a:t>class </a:t>
             </a:r>
             <a:r>
-              <a:rPr lang="zh-CN" altLang="en-US" sz="1800" dirty="0"/>
-              <a:t>前加一个 </a:t>
-            </a:r>
-            <a:r>
-              <a:rPr lang="en-US" altLang="zh-CN" sz="1800" dirty="0"/>
-              <a:t>sealed </a:t>
-            </a:r>
-            <a:r>
-              <a:rPr lang="zh-CN" altLang="en-US" sz="1800" dirty="0"/>
-              <a:t>修饰符。密封类可以有子类但必须全部嵌套在密封类声明内部、</a:t>
-            </a:r>
-          </a:p>
-          <a:p>
-            <a:r>
-              <a:rPr lang="en-US" altLang="zh-CN" sz="1800" dirty="0">
-                <a:solidFill>
-                  <a:srgbClr val="CC7832"/>
-                </a:solidFill>
-              </a:rPr>
-              <a:t>sealed class </a:t>
-            </a:r>
-            <a:r>
-              <a:rPr lang="en-US" altLang="zh-CN" sz="1800" dirty="0"/>
-              <a:t>Expr {</a:t>
+              <a:rPr lang="en-US" altLang="zh-CN" sz="1800" dirty="0"/>
+              <a:t>Child : </a:t>
+            </a:r>
+            <a:r>
+              <a:rPr lang="en-US" altLang="zh-CN" sz="1800" dirty="0" err="1"/>
+              <a:t>MyInterface</a:t>
+            </a:r>
+            <a:r>
+              <a:rPr lang="en-US" altLang="zh-CN" sz="1800" dirty="0"/>
+              <a:t> {</a:t>
             </a:r>
             <a:br>
               <a:rPr lang="en-US" altLang="zh-CN" sz="1800" dirty="0"/>
@@ -8573,15 +8896,74 @@
                   <a:srgbClr val="CC7832"/>
                 </a:solidFill>
               </a:rPr>
-              <a:t>class </a:t>
+              <a:t>override </a:t>
+            </a:r>
+            <a:r>
+              <a:rPr lang="en-US" altLang="zh-CN" sz="1800" dirty="0" err="1">
+                <a:solidFill>
+                  <a:srgbClr val="CC7832"/>
+                </a:solidFill>
+              </a:rPr>
+              <a:t>val</a:t>
+            </a:r>
+            <a:r>
+              <a:rPr lang="en-US" altLang="zh-CN" sz="1800" dirty="0">
+                <a:solidFill>
+                  <a:srgbClr val="CC7832"/>
+                </a:solidFill>
+              </a:rPr>
+              <a:t> </a:t>
+            </a:r>
+            <a:r>
+              <a:rPr lang="en-US" altLang="zh-CN" sz="1800" dirty="0">
+                <a:solidFill>
+                  <a:srgbClr val="9876AA"/>
+                </a:solidFill>
+              </a:rPr>
+              <a:t>property</a:t>
+            </a:r>
+            <a:r>
+              <a:rPr lang="en-US" altLang="zh-CN" sz="1800" dirty="0"/>
+              <a:t>: </a:t>
             </a:r>
             <a:r>
               <a:rPr lang="en-US" altLang="zh-CN" sz="1800" dirty="0" err="1"/>
-              <a:t>Const</a:t>
-            </a:r>
-            <a:r>
-              <a:rPr lang="en-US" altLang="zh-CN" sz="1800" dirty="0"/>
-              <a:t>(</a:t>
+              <a:t>Int</a:t>
+            </a:r>
+            <a:r>
+              <a:rPr lang="en-US" altLang="zh-CN" sz="1800" dirty="0"/>
+              <a:t> = </a:t>
+            </a:r>
+            <a:r>
+              <a:rPr lang="en-US" altLang="zh-CN" sz="1800" dirty="0">
+                <a:solidFill>
+                  <a:srgbClr val="6897BB"/>
+                </a:solidFill>
+              </a:rPr>
+              <a:t>29</a:t>
+            </a:r>
+            <a:br>
+              <a:rPr lang="en-US" altLang="zh-CN" sz="1800" dirty="0">
+                <a:solidFill>
+                  <a:srgbClr val="6897BB"/>
+                </a:solidFill>
+              </a:rPr>
+            </a:br>
+            <a:r>
+              <a:rPr lang="en-US" altLang="zh-CN" sz="1800" dirty="0">
+                <a:solidFill>
+                  <a:srgbClr val="6897BB"/>
+                </a:solidFill>
+              </a:rPr>
+              <a:t>    </a:t>
+            </a:r>
+            <a:r>
+              <a:rPr lang="en-US" altLang="zh-CN" sz="1800" dirty="0">
+                <a:solidFill>
+                  <a:srgbClr val="CC7832"/>
+                </a:solidFill>
+              </a:rPr>
+              <a:t>override </a:t>
             </a:r>
             <a:r>
               <a:rPr lang="en-US" altLang="zh-CN" sz="1800" dirty="0" err="1">
@@ -8600,22 +8982,97 @@
               <a:t> </a:t>
             </a:r>
             <a:r>
-              <a:rPr lang="en-US" altLang="zh-CN" sz="1800" dirty="0">
+              <a:rPr lang="en-US" altLang="zh-CN" sz="1800" dirty="0" err="1">
                 <a:solidFill>
                   <a:srgbClr val="9876AA"/>
                 </a:solidFill>
               </a:rPr>
-              <a:t>number</a:t>
-            </a:r>
-            <a:r>
-              <a:rPr lang="en-US" altLang="zh-CN" sz="1800" dirty="0"/>
-              <a:t>: Double) : Expr()</a:t>
-            </a:r>
-            <a:br>
-              <a:rPr lang="en-US" altLang="zh-CN" sz="1800" dirty="0"/>
-            </a:br>
-            <a:r>
-              <a:rPr lang="en-US" altLang="zh-CN" sz="1800" dirty="0"/>
+              <a:t>propertyWithImp</a:t>
+            </a:r>
+            <a:r>
+              <a:rPr lang="en-US" altLang="zh-CN" sz="1800" dirty="0">
+                <a:solidFill>
+                  <a:srgbClr val="9876AA"/>
+                </a:solidFill>
+              </a:rPr>
+              <a:t> </a:t>
+            </a:r>
+            <a:r>
+              <a:rPr lang="en-US" altLang="zh-CN" sz="1800" dirty="0" smtClean="0"/>
+              <a:t>: </a:t>
+            </a:r>
+            <a:r>
+              <a:rPr lang="en-US" altLang="zh-CN" sz="1800" dirty="0"/>
+              <a:t>String</a:t>
+            </a:r>
+            <a:br>
+              <a:rPr lang="en-US" altLang="zh-CN" sz="1800" dirty="0"/>
+            </a:br>
+            <a:r>
+              <a:rPr lang="en-US" altLang="zh-CN" sz="1800" dirty="0"/>
+              <a:t>        </a:t>
+            </a:r>
+            <a:r>
+              <a:rPr lang="en-US" altLang="zh-CN" sz="1800" dirty="0">
+                <a:solidFill>
+                  <a:srgbClr val="CC7832"/>
+                </a:solidFill>
+              </a:rPr>
+              <a:t>get</a:t>
+            </a:r>
+            <a:r>
+              <a:rPr lang="en-US" altLang="zh-CN" sz="1800" dirty="0"/>
+              <a:t>() = </a:t>
+            </a:r>
+            <a:r>
+              <a:rPr lang="en-US" altLang="zh-CN" sz="1800" dirty="0">
+                <a:solidFill>
+                  <a:srgbClr val="CC7832"/>
+                </a:solidFill>
+              </a:rPr>
+              <a:t>super</a:t>
+            </a:r>
+            <a:r>
+              <a:rPr lang="en-US" altLang="zh-CN" sz="1800" dirty="0" smtClean="0"/>
+              <a:t>.</a:t>
+            </a:r>
+            <a:r>
+              <a:rPr lang="en-US" altLang="zh-CN" sz="1800" dirty="0">
+                <a:solidFill>
+                  <a:srgbClr val="9876AA"/>
+                </a:solidFill>
+              </a:rPr>
+              <a:t> </a:t>
+            </a:r>
+            <a:r>
+              <a:rPr lang="en-US" altLang="zh-CN" sz="1800" dirty="0" err="1">
+                <a:solidFill>
+                  <a:srgbClr val="9876AA"/>
+                </a:solidFill>
+              </a:rPr>
+              <a:t>propertyWithImp</a:t>
+            </a:r>
+            <a:r>
+              <a:rPr lang="en-US" altLang="zh-CN" sz="1800" dirty="0">
+                <a:solidFill>
+                  <a:srgbClr val="9876AA"/>
+                </a:solidFill>
+              </a:rPr>
+              <a:t/>
+            </a:r>
+            <a:br>
+              <a:rPr lang="en-US" altLang="zh-CN" sz="1800" dirty="0">
+                <a:solidFill>
+                  <a:srgbClr val="9876AA"/>
+                </a:solidFill>
+              </a:rPr>
+            </a:br>
+            <a:r>
+              <a:rPr lang="en-US" altLang="zh-CN" sz="1800" dirty="0" smtClean="0">
+                <a:solidFill>
+                  <a:srgbClr val="9876AA"/>
+                </a:solidFill>
+              </a:rPr>
               <a:t>    </a:t>
             </a:r>
             <a:r>
@@ -8624,109 +9081,24 @@
                   <a:srgbClr val="CC7832"/>
                 </a:solidFill>
               </a:rPr>
-              <a:t>class </a:t>
-            </a:r>
-            <a:r>
-              <a:rPr lang="en-US" altLang="zh-CN" sz="1800" dirty="0"/>
-              <a:t>Sum(</a:t>
-            </a:r>
-            <a:r>
-              <a:rPr lang="en-US" altLang="zh-CN" sz="1800" dirty="0" err="1">
-                <a:solidFill>
-                  <a:srgbClr val="CC7832"/>
-                </a:solidFill>
-              </a:rPr>
-              <a:t>val</a:t>
-            </a:r>
-            <a:r>
-              <a:rPr lang="en-US" altLang="zh-CN" sz="1800" dirty="0">
-                <a:solidFill>
-                  <a:srgbClr val="CC7832"/>
-                </a:solidFill>
-              </a:rPr>
-              <a:t> </a:t>
-            </a:r>
-            <a:r>
-              <a:rPr lang="en-US" altLang="zh-CN" sz="1800" dirty="0">
-                <a:solidFill>
-                  <a:srgbClr val="9876AA"/>
-                </a:solidFill>
-              </a:rPr>
-              <a:t>e1</a:t>
-            </a:r>
-            <a:r>
-              <a:rPr lang="en-US" altLang="zh-CN" sz="1800" dirty="0"/>
-              <a:t>: Expr</a:t>
-            </a:r>
-            <a:r>
-              <a:rPr lang="en-US" altLang="zh-CN" sz="1800" dirty="0">
-                <a:solidFill>
-                  <a:srgbClr val="CC7832"/>
-                </a:solidFill>
-              </a:rPr>
-              <a:t>, </a:t>
-            </a:r>
-            <a:r>
-              <a:rPr lang="en-US" altLang="zh-CN" sz="1800" dirty="0" err="1">
-                <a:solidFill>
-                  <a:srgbClr val="CC7832"/>
-                </a:solidFill>
-              </a:rPr>
-              <a:t>val</a:t>
-            </a:r>
-            <a:r>
-              <a:rPr lang="en-US" altLang="zh-CN" sz="1800" dirty="0">
-                <a:solidFill>
-                  <a:srgbClr val="CC7832"/>
-                </a:solidFill>
-              </a:rPr>
-              <a:t> </a:t>
-            </a:r>
-            <a:r>
-              <a:rPr lang="en-US" altLang="zh-CN" sz="1800" dirty="0">
-                <a:solidFill>
-                  <a:srgbClr val="9876AA"/>
-                </a:solidFill>
-              </a:rPr>
-              <a:t>e2</a:t>
-            </a:r>
-            <a:r>
-              <a:rPr lang="en-US" altLang="zh-CN" sz="1800" dirty="0"/>
-              <a:t>: Expr) : Expr()</a:t>
-            </a:r>
-            <a:br>
-              <a:rPr lang="en-US" altLang="zh-CN" sz="1800" dirty="0"/>
-            </a:br>
-            <a:r>
-              <a:rPr lang="en-US" altLang="zh-CN" sz="1800" dirty="0"/>
-              <a:t>    </a:t>
-            </a:r>
-            <a:r>
-              <a:rPr lang="en-US" altLang="zh-CN" sz="1800" dirty="0">
-                <a:solidFill>
-                  <a:srgbClr val="CC7832"/>
-                </a:solidFill>
-              </a:rPr>
-              <a:t>object </a:t>
-            </a:r>
-            <a:r>
-              <a:rPr lang="en-US" altLang="zh-CN" sz="1800" dirty="0" err="1"/>
-              <a:t>NotANumber</a:t>
-            </a:r>
-            <a:r>
-              <a:rPr lang="en-US" altLang="zh-CN" sz="1800" dirty="0"/>
-              <a:t> : Expr()</a:t>
-            </a:r>
-            <a:br>
-              <a:rPr lang="en-US" altLang="zh-CN" sz="1800" dirty="0"/>
-            </a:br>
-            <a:r>
-              <a:rPr lang="en-US" altLang="zh-CN" sz="1800" dirty="0"/>
-              <a:t>}</a:t>
-            </a:r>
-            <a:br>
-              <a:rPr lang="en-US" altLang="zh-CN" sz="1800" dirty="0"/>
-            </a:br>
+              <a:t>override fun </a:t>
+            </a:r>
+            <a:r>
+              <a:rPr lang="en-US" altLang="zh-CN" sz="1800" dirty="0">
+                <a:solidFill>
+                  <a:srgbClr val="FFC66D"/>
+                </a:solidFill>
+              </a:rPr>
+              <a:t>foo</a:t>
+            </a:r>
+            <a:r>
+              <a:rPr lang="en-US" altLang="zh-CN" sz="1800" dirty="0"/>
+              <a:t>() </a:t>
+            </a:r>
+            <a:r>
+              <a:rPr lang="en-US" altLang="zh-CN" sz="1800" dirty="0" smtClean="0"/>
+              <a:t>{        </a:t>
+            </a:r>
             <a:r>
               <a:rPr lang="en-US" altLang="zh-CN" sz="1800" dirty="0"/>
               <a:t/>
@@ -8736,165 +9108,10 @@
             </a:br>
             <a:r>
               <a:rPr lang="en-US" altLang="zh-CN" sz="1800" dirty="0"/>
-              <a:t/>
-            </a:r>
-            <a:br>
-              <a:rPr lang="en-US" altLang="zh-CN" sz="1800" dirty="0"/>
-            </a:br>
-            <a:r>
-              <a:rPr lang="en-US" altLang="zh-CN" sz="1800" dirty="0">
-                <a:solidFill>
-                  <a:srgbClr val="CC7832"/>
-                </a:solidFill>
-              </a:rPr>
-              <a:t>fun </a:t>
-            </a:r>
-            <a:r>
-              <a:rPr lang="en-US" altLang="zh-CN" sz="1800" dirty="0" err="1">
-                <a:solidFill>
-                  <a:srgbClr val="FFC66D"/>
-                </a:solidFill>
-              </a:rPr>
-              <a:t>eval</a:t>
-            </a:r>
-            <a:r>
-              <a:rPr lang="en-US" altLang="zh-CN" sz="1800" dirty="0"/>
-              <a:t>(expr: Expr): Double = </a:t>
-            </a:r>
-            <a:r>
-              <a:rPr lang="en-US" altLang="zh-CN" sz="1800" dirty="0">
-                <a:solidFill>
-                  <a:srgbClr val="CC7832"/>
-                </a:solidFill>
-              </a:rPr>
-              <a:t>when</a:t>
-            </a:r>
-            <a:r>
-              <a:rPr lang="en-US" altLang="zh-CN" sz="1800" dirty="0"/>
-              <a:t>(expr) {</a:t>
-            </a:r>
-            <a:br>
-              <a:rPr lang="en-US" altLang="zh-CN" sz="1800" dirty="0"/>
-            </a:br>
-            <a:r>
-              <a:rPr lang="en-US" altLang="zh-CN" sz="1800" dirty="0"/>
-              <a:t>    </a:t>
-            </a:r>
-            <a:r>
-              <a:rPr lang="en-US" altLang="zh-CN" sz="1800" dirty="0">
-                <a:solidFill>
-                  <a:srgbClr val="CC7832"/>
-                </a:solidFill>
-              </a:rPr>
-              <a:t>is </a:t>
-            </a:r>
-            <a:r>
-              <a:rPr lang="en-US" altLang="zh-CN" sz="1800" dirty="0" err="1"/>
-              <a:t>Const</a:t>
-            </a:r>
-            <a:r>
-              <a:rPr lang="en-US" altLang="zh-CN" sz="1800" dirty="0"/>
-              <a:t> -&gt; </a:t>
-            </a:r>
-            <a:r>
-              <a:rPr lang="en-US" altLang="zh-CN" sz="1800" dirty="0" err="1"/>
-              <a:t>expr.number</a:t>
-            </a:r>
-            <a:r>
-              <a:rPr lang="en-US" altLang="zh-CN" sz="1800" dirty="0"/>
-              <a:t/>
-            </a:r>
-            <a:br>
-              <a:rPr lang="en-US" altLang="zh-CN" sz="1800" dirty="0"/>
-            </a:br>
-            <a:r>
-              <a:rPr lang="en-US" altLang="zh-CN" sz="1800" dirty="0"/>
-              <a:t>    </a:t>
-            </a:r>
-            <a:r>
-              <a:rPr lang="en-US" altLang="zh-CN" sz="1800" dirty="0">
-                <a:solidFill>
-                  <a:srgbClr val="CC7832"/>
-                </a:solidFill>
-              </a:rPr>
-              <a:t>is </a:t>
-            </a:r>
-            <a:r>
-              <a:rPr lang="en-US" altLang="zh-CN" sz="1800" dirty="0"/>
-              <a:t>Sum -&gt; </a:t>
-            </a:r>
-            <a:r>
-              <a:rPr lang="en-US" altLang="zh-CN" sz="1800" i="1" dirty="0" err="1"/>
-              <a:t>eval</a:t>
-            </a:r>
-            <a:r>
-              <a:rPr lang="en-US" altLang="zh-CN" sz="1800" dirty="0"/>
-              <a:t>(expr.e1) + </a:t>
-            </a:r>
-            <a:r>
-              <a:rPr lang="en-US" altLang="zh-CN" sz="1800" i="1" dirty="0" err="1"/>
-              <a:t>eval</a:t>
-            </a:r>
-            <a:r>
-              <a:rPr lang="en-US" altLang="zh-CN" sz="1800" dirty="0"/>
-              <a:t>(expr.e2)</a:t>
-            </a:r>
-            <a:br>
-              <a:rPr lang="en-US" altLang="zh-CN" sz="1800" dirty="0"/>
-            </a:br>
-            <a:r>
-              <a:rPr lang="en-US" altLang="zh-CN" sz="1800" dirty="0"/>
-              <a:t>    </a:t>
-            </a:r>
-            <a:r>
-              <a:rPr lang="en-US" altLang="zh-CN" sz="1800" dirty="0" err="1"/>
-              <a:t>NotANumber</a:t>
-            </a:r>
-            <a:r>
-              <a:rPr lang="en-US" altLang="zh-CN" sz="1800" dirty="0"/>
-              <a:t> -&gt; </a:t>
-            </a:r>
-            <a:r>
-              <a:rPr lang="en-US" altLang="zh-CN" sz="1800" dirty="0" err="1"/>
-              <a:t>Double.</a:t>
-            </a:r>
-            <a:r>
-              <a:rPr lang="en-US" altLang="zh-CN" sz="1800" dirty="0" err="1">
-                <a:solidFill>
-                  <a:srgbClr val="9876AA"/>
-                </a:solidFill>
-              </a:rPr>
-              <a:t>NaN</a:t>
-            </a:r>
-            <a:r>
-              <a:rPr lang="en-US" altLang="zh-CN" sz="1800" dirty="0">
-                <a:solidFill>
-                  <a:srgbClr val="9876AA"/>
-                </a:solidFill>
-              </a:rPr>
-              <a:t/>
-            </a:r>
-            <a:br>
-              <a:rPr lang="en-US" altLang="zh-CN" sz="1800" dirty="0">
-                <a:solidFill>
-                  <a:srgbClr val="9876AA"/>
-                </a:solidFill>
-              </a:rPr>
-            </a:br>
-            <a:r>
-              <a:rPr lang="en-US" altLang="zh-CN" sz="1800" dirty="0">
-                <a:solidFill>
-                  <a:srgbClr val="808080"/>
-                </a:solidFill>
-              </a:rPr>
-              <a:t>// the `else` clause is not required because we've covered all the cases</a:t>
-            </a:r>
-            <a:br>
-              <a:rPr lang="en-US" altLang="zh-CN" sz="1800" dirty="0">
-                <a:solidFill>
-                  <a:srgbClr val="808080"/>
-                </a:solidFill>
-              </a:rPr>
+              <a:t>    }</a:t>
+            </a:r>
+            <a:br>
+              <a:rPr lang="en-US" altLang="zh-CN" sz="1800" dirty="0"/>
             </a:br>
             <a:r>
               <a:rPr lang="en-US" altLang="zh-CN" sz="1800" dirty="0"/>
@@ -8914,6 +9131,13 @@
   <p:clrMapOvr>
     <a:masterClrMapping/>
   </p:clrMapOvr>
+  <p:timing>
+    <p:tnLst>
+      <p:par>
+        <p:cTn id="1" dur="indefinite" restart="never" nodeType="tmRoot"/>
+      </p:par>
+    </p:tnLst>
+  </p:timing>
 </p:sld>
 </file>
 
@@ -8947,7 +9171,7 @@
         <p:spPr>
           <a:xfrm>
             <a:off x="457200" y="274638"/>
-            <a:ext cx="1522512" cy="346050"/>
+            <a:ext cx="3322712" cy="346050"/>
           </a:xfrm>
         </p:spPr>
         <p:txBody>
@@ -8959,7 +9183,7 @@
             <a:pPr algn="l"/>
             <a:r>
               <a:rPr lang="zh-CN" altLang="en-US" sz="2800" dirty="0" smtClean="0"/>
-              <a:t>接口</a:t>
+              <a:t>单函数接口的实现</a:t>
             </a:r>
             <a:endParaRPr lang="zh-CN" altLang="en-US" sz="2800" dirty="0"/>
           </a:p>
@@ -8983,262 +9207,653 @@
         </p:spPr>
         <p:txBody>
           <a:bodyPr>
-            <a:normAutofit/>
+            <a:normAutofit fontScale="92500" lnSpcReduction="20000"/>
           </a:bodyPr>
           <a:lstStyle/>
           <a:p>
             <a:r>
-              <a:rPr lang="en-US" altLang="zh-CN" sz="1800" dirty="0" err="1"/>
-              <a:t>Kotlin</a:t>
-            </a:r>
-            <a:r>
-              <a:rPr lang="en-US" altLang="zh-CN" sz="1800" dirty="0"/>
-              <a:t> </a:t>
-            </a:r>
-            <a:r>
-              <a:rPr lang="zh-CN" altLang="en-US" sz="1800" dirty="0"/>
-              <a:t>的接口很像 </a:t>
-            </a:r>
-            <a:r>
-              <a:rPr lang="en-US" altLang="zh-CN" sz="1800" dirty="0"/>
-              <a:t>java 8</a:t>
-            </a:r>
-            <a:r>
-              <a:rPr lang="zh-CN" altLang="en-US" sz="1800" dirty="0"/>
-              <a:t>。它们都可以包含抽象方法，以及方法的实现。和抽象类不同的是，接口不能保存状态。可以有属性但必须是抽象的，或者提供访问器的实现。</a:t>
+              <a:rPr lang="zh-CN" altLang="en-US" sz="1800" dirty="0" smtClean="0">
+                <a:solidFill>
+                  <a:srgbClr val="000000"/>
+                </a:solidFill>
+                <a:latin typeface="LiberationMono"/>
+              </a:rPr>
+              <a:t>比如设置一个</a:t>
+            </a:r>
+            <a:r>
+              <a:rPr lang="en-US" altLang="zh-CN" sz="1800" dirty="0" err="1" smtClean="0">
+                <a:solidFill>
+                  <a:srgbClr val="000000"/>
+                </a:solidFill>
+                <a:latin typeface="LiberationMono"/>
+              </a:rPr>
+              <a:t>onclickListner</a:t>
             </a:r>
             <a:endParaRPr lang="en-US" altLang="zh-CN" sz="1800" dirty="0" smtClean="0">
               <a:solidFill>
-                <a:srgbClr val="CC7832"/>
+                <a:srgbClr val="000000"/>
               </a:solidFill>
+              <a:latin typeface="LiberationMono"/>
             </a:endParaRPr>
           </a:p>
           <a:p>
             <a:r>
+              <a:rPr lang="en-US" altLang="zh-CN" sz="1800" dirty="0" err="1" smtClean="0">
+                <a:solidFill>
+                  <a:srgbClr val="000000"/>
+                </a:solidFill>
+                <a:latin typeface="LiberationMono"/>
+              </a:rPr>
+              <a:t>view.setOnClickListener</a:t>
+            </a:r>
+            <a:r>
               <a:rPr lang="en-US" altLang="zh-CN" sz="1800" dirty="0" smtClean="0">
                 <a:solidFill>
-                  <a:srgbClr val="CC7832"/>
-                </a:solidFill>
-              </a:rPr>
-              <a:t>interface </a:t>
-            </a:r>
-            <a:r>
-              <a:rPr lang="en-US" altLang="zh-CN" sz="1800" dirty="0" err="1"/>
-              <a:t>MyInterface</a:t>
-            </a:r>
-            <a:r>
-              <a:rPr lang="en-US" altLang="zh-CN" sz="1800" dirty="0"/>
+                  <a:srgbClr val="000000"/>
+                </a:solidFill>
+                <a:latin typeface="LiberationMono"/>
+              </a:rPr>
+              <a:t>(</a:t>
+            </a:r>
+            <a:r>
+              <a:rPr lang="en-US" altLang="zh-CN" sz="1800" dirty="0" smtClean="0">
+                <a:solidFill>
+                  <a:srgbClr val="8959A8"/>
+                </a:solidFill>
+                <a:latin typeface="LiberationMono"/>
+              </a:rPr>
+              <a:t>new </a:t>
+            </a:r>
+            <a:r>
+              <a:rPr lang="en-US" altLang="zh-CN" sz="1800" dirty="0" err="1" smtClean="0">
+                <a:solidFill>
+                  <a:srgbClr val="8959A8"/>
+                </a:solidFill>
+                <a:latin typeface="LiberationMono"/>
+              </a:rPr>
+              <a:t>View.</a:t>
+            </a:r>
+            <a:r>
+              <a:rPr lang="en-US" altLang="zh-CN" sz="1800" dirty="0" err="1" smtClean="0">
+                <a:solidFill>
+                  <a:srgbClr val="000000"/>
+                </a:solidFill>
+                <a:latin typeface="LiberationMono"/>
+              </a:rPr>
+              <a:t>OnClickListener</a:t>
+            </a:r>
+            <a:r>
+              <a:rPr lang="en-US" altLang="zh-CN" sz="1800" dirty="0">
+                <a:solidFill>
+                  <a:srgbClr val="000000"/>
+                </a:solidFill>
+                <a:latin typeface="LiberationMono"/>
+              </a:rPr>
+              <a:t>(){</a:t>
+            </a:r>
+            <a:br>
+              <a:rPr lang="en-US" altLang="zh-CN" sz="1800" dirty="0">
+                <a:solidFill>
+                  <a:srgbClr val="000000"/>
+                </a:solidFill>
+                <a:latin typeface="LiberationMono"/>
+              </a:rPr>
+            </a:br>
+            <a:r>
+              <a:rPr lang="en-US" altLang="zh-CN" sz="1800" dirty="0" smtClean="0">
+                <a:solidFill>
+                  <a:srgbClr val="000000"/>
+                </a:solidFill>
+                <a:latin typeface="LiberationMono"/>
+              </a:rPr>
+              <a:t> @</a:t>
+            </a:r>
+            <a:r>
+              <a:rPr lang="en-US" altLang="zh-CN" sz="1800" dirty="0">
+                <a:solidFill>
+                  <a:srgbClr val="000000"/>
+                </a:solidFill>
+                <a:latin typeface="LiberationMono"/>
+              </a:rPr>
+              <a:t>Override</a:t>
+            </a:r>
+            <a:br>
+              <a:rPr lang="en-US" altLang="zh-CN" sz="1800" dirty="0">
+                <a:solidFill>
+                  <a:srgbClr val="000000"/>
+                </a:solidFill>
+                <a:latin typeface="LiberationMono"/>
+              </a:rPr>
+            </a:br>
+            <a:r>
+              <a:rPr lang="en-US" altLang="zh-CN" sz="1800" dirty="0" smtClean="0">
+                <a:solidFill>
+                  <a:srgbClr val="000000"/>
+                </a:solidFill>
+                <a:latin typeface="LiberationMono"/>
+              </a:rPr>
+              <a:t> </a:t>
+            </a:r>
+            <a:r>
+              <a:rPr lang="en-US" altLang="zh-CN" sz="1800" dirty="0" smtClean="0">
+                <a:solidFill>
+                  <a:srgbClr val="8959A8"/>
+                </a:solidFill>
+                <a:latin typeface="LiberationMono"/>
+              </a:rPr>
+              <a:t>public </a:t>
+            </a:r>
+            <a:r>
+              <a:rPr lang="en-US" altLang="zh-CN" sz="1800" dirty="0">
+                <a:solidFill>
+                  <a:srgbClr val="8959A8"/>
+                </a:solidFill>
+                <a:latin typeface="LiberationMono"/>
+              </a:rPr>
+              <a:t>void </a:t>
+            </a:r>
+            <a:r>
+              <a:rPr lang="en-US" altLang="zh-CN" sz="1800" dirty="0" err="1">
+                <a:solidFill>
+                  <a:srgbClr val="8E908C"/>
+                </a:solidFill>
+                <a:latin typeface="LiberationMono"/>
+              </a:rPr>
+              <a:t>onClick</a:t>
+            </a:r>
+            <a:r>
+              <a:rPr lang="en-US" altLang="zh-CN" sz="1800" dirty="0">
+                <a:solidFill>
+                  <a:srgbClr val="F5871F"/>
+                </a:solidFill>
+                <a:latin typeface="LiberationMono"/>
+              </a:rPr>
+              <a:t>(View v) </a:t>
+            </a:r>
+            <a:r>
+              <a:rPr lang="en-US" altLang="zh-CN" sz="1800" dirty="0">
+                <a:solidFill>
+                  <a:srgbClr val="000000"/>
+                </a:solidFill>
+                <a:latin typeface="LiberationMono"/>
+              </a:rPr>
+              <a:t>{</a:t>
+            </a:r>
+            <a:br>
+              <a:rPr lang="en-US" altLang="zh-CN" sz="1800" dirty="0">
+                <a:solidFill>
+                  <a:srgbClr val="000000"/>
+                </a:solidFill>
+                <a:latin typeface="LiberationMono"/>
+              </a:rPr>
+            </a:br>
+            <a:r>
+              <a:rPr lang="en-US" altLang="zh-CN" sz="1800" dirty="0" smtClean="0">
+                <a:solidFill>
+                  <a:srgbClr val="000000"/>
+                </a:solidFill>
+                <a:latin typeface="LiberationMono"/>
+              </a:rPr>
+              <a:t>  </a:t>
+            </a:r>
+            <a:r>
+              <a:rPr lang="en-US" altLang="zh-CN" sz="1800" dirty="0" err="1" smtClean="0">
+                <a:solidFill>
+                  <a:srgbClr val="000000"/>
+                </a:solidFill>
+                <a:latin typeface="LiberationMono"/>
+              </a:rPr>
+              <a:t>Toast.makeText</a:t>
+            </a:r>
+            <a:r>
+              <a:rPr lang="en-US" altLang="zh-CN" sz="1800" dirty="0" smtClean="0">
+                <a:solidFill>
+                  <a:srgbClr val="000000"/>
+                </a:solidFill>
+                <a:latin typeface="LiberationMono"/>
+              </a:rPr>
+              <a:t>(</a:t>
+            </a:r>
+            <a:r>
+              <a:rPr lang="en-US" altLang="zh-CN" sz="1800" dirty="0" err="1" smtClean="0">
+                <a:solidFill>
+                  <a:srgbClr val="000000"/>
+                </a:solidFill>
+                <a:latin typeface="LiberationMono"/>
+              </a:rPr>
+              <a:t>v.getContext</a:t>
+            </a:r>
+            <a:r>
+              <a:rPr lang="en-US" altLang="zh-CN" sz="1800" dirty="0">
+                <a:solidFill>
+                  <a:srgbClr val="000000"/>
+                </a:solidFill>
+                <a:latin typeface="LiberationMono"/>
+              </a:rPr>
+              <a:t>(), </a:t>
+            </a:r>
+            <a:r>
+              <a:rPr lang="en-US" altLang="zh-CN" sz="1800" dirty="0">
+                <a:solidFill>
+                  <a:srgbClr val="718C00"/>
+                </a:solidFill>
+                <a:latin typeface="LiberationMono"/>
+              </a:rPr>
+              <a:t>"Click"</a:t>
+            </a:r>
+            <a:r>
+              <a:rPr lang="en-US" altLang="zh-CN" sz="1800" dirty="0">
+                <a:solidFill>
+                  <a:srgbClr val="000000"/>
+                </a:solidFill>
+                <a:latin typeface="LiberationMono"/>
+              </a:rPr>
+              <a:t>, </a:t>
+            </a:r>
+            <a:r>
+              <a:rPr lang="en-US" altLang="zh-CN" sz="1800" dirty="0" err="1">
+                <a:solidFill>
+                  <a:srgbClr val="000000"/>
+                </a:solidFill>
+                <a:latin typeface="LiberationMono"/>
+              </a:rPr>
+              <a:t>Toast.LENGTH_SHO</a:t>
+            </a:r>
+            <a:r>
+              <a:rPr lang="en-US" altLang="zh-CN" sz="1800" dirty="0">
+                <a:solidFill>
+                  <a:srgbClr val="000000"/>
+                </a:solidFill>
+                <a:latin typeface="LiberationMono"/>
+              </a:rPr>
+              <a:t/>
+            </a:r>
+            <a:br>
+              <a:rPr lang="en-US" altLang="zh-CN" sz="1800" dirty="0">
+                <a:solidFill>
+                  <a:srgbClr val="000000"/>
+                </a:solidFill>
+                <a:latin typeface="LiberationMono"/>
+              </a:rPr>
+            </a:br>
+            <a:r>
+              <a:rPr lang="en-US" altLang="zh-CN" sz="1800" dirty="0" smtClean="0">
+                <a:solidFill>
+                  <a:srgbClr val="000000"/>
+                </a:solidFill>
+                <a:latin typeface="LiberationMono"/>
+              </a:rPr>
+              <a:t>  RT</a:t>
+            </a:r>
+            <a:r>
+              <a:rPr lang="en-US" altLang="zh-CN" sz="1800" dirty="0">
+                <a:solidFill>
+                  <a:srgbClr val="000000"/>
+                </a:solidFill>
+                <a:latin typeface="LiberationMono"/>
+              </a:rPr>
+              <a:t>).show();</a:t>
+            </a:r>
+            <a:br>
+              <a:rPr lang="en-US" altLang="zh-CN" sz="1800" dirty="0">
+                <a:solidFill>
+                  <a:srgbClr val="000000"/>
+                </a:solidFill>
+                <a:latin typeface="LiberationMono"/>
+              </a:rPr>
+            </a:br>
+            <a:r>
+              <a:rPr lang="en-US" altLang="zh-CN" sz="1800" dirty="0" smtClean="0">
+                <a:solidFill>
+                  <a:srgbClr val="000000"/>
+                </a:solidFill>
+                <a:latin typeface="LiberationMono"/>
+              </a:rPr>
+              <a:t> }</a:t>
+            </a:r>
+            <a:r>
+              <a:rPr lang="en-US" altLang="zh-CN" sz="1800" dirty="0">
+                <a:solidFill>
+                  <a:srgbClr val="000000"/>
+                </a:solidFill>
+                <a:latin typeface="LiberationMono"/>
+              </a:rPr>
+              <a:t/>
+            </a:r>
+            <a:br>
+              <a:rPr lang="en-US" altLang="zh-CN" sz="1800" dirty="0">
+                <a:solidFill>
+                  <a:srgbClr val="000000"/>
+                </a:solidFill>
+                <a:latin typeface="LiberationMono"/>
+              </a:rPr>
+            </a:br>
+            <a:r>
+              <a:rPr lang="en-US" altLang="zh-CN" sz="1800" dirty="0">
+                <a:solidFill>
+                  <a:srgbClr val="000000"/>
+                </a:solidFill>
+                <a:latin typeface="LiberationMono"/>
+              </a:rPr>
+              <a:t>})</a:t>
+            </a:r>
+            <a:r>
+              <a:rPr lang="en-US" altLang="zh-CN" sz="1800" dirty="0"/>
+              <a:t> </a:t>
+            </a:r>
+            <a:endParaRPr lang="en-US" altLang="zh-CN" sz="1800" dirty="0" smtClean="0"/>
+          </a:p>
+          <a:p>
+            <a:r>
+              <a:rPr lang="zh-CN" altLang="en-US" sz="1800" dirty="0" smtClean="0"/>
+              <a:t>简单</a:t>
+            </a:r>
+            <a:r>
+              <a:rPr lang="en-US" altLang="zh-CN" sz="1800" dirty="0" err="1" smtClean="0"/>
+              <a:t>Kotlin</a:t>
+            </a:r>
+            <a:r>
+              <a:rPr lang="zh-CN" altLang="en-US" sz="1800" dirty="0" smtClean="0"/>
+              <a:t>是这样的</a:t>
+            </a:r>
+            <a:endParaRPr lang="en-US" altLang="zh-CN" sz="1800" dirty="0" smtClean="0"/>
+          </a:p>
+          <a:p>
+            <a:r>
+              <a:rPr lang="en-US" altLang="zh-CN" sz="1800" dirty="0" err="1">
+                <a:solidFill>
+                  <a:srgbClr val="000000"/>
+                </a:solidFill>
+                <a:latin typeface="LiberationMono"/>
+              </a:rPr>
+              <a:t>view.setOnClickListener</a:t>
+            </a:r>
+            <a:r>
+              <a:rPr lang="en-US" altLang="zh-CN" sz="1800" dirty="0">
+                <a:solidFill>
+                  <a:srgbClr val="000000"/>
+                </a:solidFill>
+                <a:latin typeface="LiberationMono"/>
+              </a:rPr>
+              <a:t>(</a:t>
+            </a:r>
+            <a:r>
+              <a:rPr lang="en-US" altLang="zh-CN" sz="1800" dirty="0">
+                <a:solidFill>
+                  <a:srgbClr val="8959A8"/>
+                </a:solidFill>
+                <a:latin typeface="LiberationMono"/>
+              </a:rPr>
+              <a:t>object </a:t>
+            </a:r>
+            <a:r>
+              <a:rPr lang="en-US" altLang="zh-CN" sz="1800" dirty="0">
+                <a:solidFill>
+                  <a:srgbClr val="000000"/>
+                </a:solidFill>
+                <a:latin typeface="LiberationMono"/>
+              </a:rPr>
+              <a:t>: </a:t>
+            </a:r>
+            <a:r>
+              <a:rPr lang="en-US" altLang="zh-CN" sz="1800" dirty="0" err="1">
+                <a:solidFill>
+                  <a:srgbClr val="000000"/>
+                </a:solidFill>
+                <a:latin typeface="LiberationMono"/>
+              </a:rPr>
+              <a:t>OnClickListener</a:t>
+            </a:r>
+            <a:r>
+              <a:rPr lang="en-US" altLang="zh-CN" sz="1800" dirty="0">
+                <a:solidFill>
+                  <a:srgbClr val="000000"/>
+                </a:solidFill>
+                <a:latin typeface="LiberationMono"/>
+              </a:rPr>
               <a:t> {</a:t>
             </a:r>
             <a:br>
-              <a:rPr lang="en-US" altLang="zh-CN" sz="1800" dirty="0"/>
-            </a:br>
-            <a:r>
-              <a:rPr lang="en-US" altLang="zh-CN" sz="1800" dirty="0"/>
+              <a:rPr lang="en-US" altLang="zh-CN" sz="1800" dirty="0">
+                <a:solidFill>
+                  <a:srgbClr val="000000"/>
+                </a:solidFill>
+                <a:latin typeface="LiberationMono"/>
+              </a:rPr>
+            </a:br>
+            <a:r>
+              <a:rPr lang="en-US" altLang="zh-CN" sz="1800" dirty="0" smtClean="0">
+                <a:solidFill>
+                  <a:srgbClr val="000000"/>
+                </a:solidFill>
+                <a:latin typeface="LiberationMono"/>
+              </a:rPr>
+              <a:t>  </a:t>
+            </a:r>
+            <a:r>
+              <a:rPr lang="en-US" altLang="zh-CN" sz="1800" dirty="0" smtClean="0">
+                <a:solidFill>
+                  <a:srgbClr val="8959A8"/>
+                </a:solidFill>
+                <a:latin typeface="LiberationMono"/>
+              </a:rPr>
+              <a:t>override </a:t>
+            </a:r>
+            <a:r>
+              <a:rPr lang="en-US" altLang="zh-CN" sz="1800" dirty="0">
+                <a:solidFill>
+                  <a:srgbClr val="8959A8"/>
+                </a:solidFill>
+                <a:latin typeface="LiberationMono"/>
+              </a:rPr>
+              <a:t>fun </a:t>
+            </a:r>
+            <a:r>
+              <a:rPr lang="en-US" altLang="zh-CN" sz="1800" dirty="0" err="1">
+                <a:solidFill>
+                  <a:srgbClr val="8E908C"/>
+                </a:solidFill>
+                <a:latin typeface="LiberationMono"/>
+              </a:rPr>
+              <a:t>onClick</a:t>
+            </a:r>
+            <a:r>
+              <a:rPr lang="en-US" altLang="zh-CN" sz="1800" dirty="0">
+                <a:solidFill>
+                  <a:srgbClr val="F5871F"/>
+                </a:solidFill>
+                <a:latin typeface="LiberationMono"/>
+              </a:rPr>
+              <a:t>(v: View) </a:t>
+            </a:r>
+            <a:r>
+              <a:rPr lang="en-US" altLang="zh-CN" sz="1800" dirty="0">
+                <a:solidFill>
+                  <a:srgbClr val="4271AE"/>
+                </a:solidFill>
+                <a:latin typeface="LiberationMono"/>
+              </a:rPr>
+              <a:t>{</a:t>
+            </a:r>
+            <a:br>
+              <a:rPr lang="en-US" altLang="zh-CN" sz="1800" dirty="0">
+                <a:solidFill>
+                  <a:srgbClr val="4271AE"/>
+                </a:solidFill>
+                <a:latin typeface="LiberationMono"/>
+              </a:rPr>
+            </a:br>
+            <a:r>
+              <a:rPr lang="en-US" altLang="zh-CN" sz="1800" dirty="0" smtClean="0">
+                <a:solidFill>
+                  <a:srgbClr val="4271AE"/>
+                </a:solidFill>
+                <a:latin typeface="LiberationMono"/>
+              </a:rPr>
               <a:t>    </a:t>
             </a:r>
             <a:r>
+              <a:rPr lang="en-US" altLang="zh-CN" sz="1800" dirty="0" smtClean="0">
+                <a:solidFill>
+                  <a:srgbClr val="000000"/>
+                </a:solidFill>
+                <a:latin typeface="LiberationMono"/>
+              </a:rPr>
+              <a:t>toast</a:t>
+            </a:r>
+            <a:r>
+              <a:rPr lang="en-US" altLang="zh-CN" sz="1800" dirty="0">
+                <a:solidFill>
+                  <a:srgbClr val="000000"/>
+                </a:solidFill>
+                <a:latin typeface="LiberationMono"/>
+              </a:rPr>
+              <a:t>(</a:t>
+            </a:r>
+            <a:r>
+              <a:rPr lang="en-US" altLang="zh-CN" sz="1800" dirty="0">
+                <a:solidFill>
+                  <a:srgbClr val="718C00"/>
+                </a:solidFill>
+                <a:latin typeface="LiberationMono"/>
+              </a:rPr>
+              <a:t>"Click"</a:t>
+            </a:r>
+            <a:r>
+              <a:rPr lang="en-US" altLang="zh-CN" sz="1800" dirty="0">
+                <a:solidFill>
+                  <a:srgbClr val="000000"/>
+                </a:solidFill>
+                <a:latin typeface="LiberationMono"/>
+              </a:rPr>
+              <a:t>)</a:t>
+            </a:r>
+            <a:br>
+              <a:rPr lang="en-US" altLang="zh-CN" sz="1800" dirty="0">
+                <a:solidFill>
+                  <a:srgbClr val="000000"/>
+                </a:solidFill>
+                <a:latin typeface="LiberationMono"/>
+              </a:rPr>
+            </a:br>
+            <a:r>
+              <a:rPr lang="en-US" altLang="zh-CN" sz="1800" dirty="0" smtClean="0">
+                <a:solidFill>
+                  <a:srgbClr val="000000"/>
+                </a:solidFill>
+                <a:latin typeface="LiberationMono"/>
+              </a:rPr>
+              <a:t>  }</a:t>
+            </a:r>
+            <a:r>
+              <a:rPr lang="en-US" altLang="zh-CN" sz="1800" dirty="0">
+                <a:solidFill>
+                  <a:srgbClr val="000000"/>
+                </a:solidFill>
+                <a:latin typeface="LiberationMono"/>
+              </a:rPr>
+              <a:t/>
+            </a:r>
+            <a:br>
+              <a:rPr lang="en-US" altLang="zh-CN" sz="1800" dirty="0">
+                <a:solidFill>
+                  <a:srgbClr val="000000"/>
+                </a:solidFill>
+                <a:latin typeface="LiberationMono"/>
+              </a:rPr>
+            </a:br>
+            <a:r>
+              <a:rPr lang="en-US" altLang="zh-CN" sz="1800" dirty="0">
+                <a:solidFill>
+                  <a:srgbClr val="000000"/>
+                </a:solidFill>
+                <a:latin typeface="LiberationMono"/>
+              </a:rPr>
+              <a:t>}</a:t>
+            </a:r>
+            <a:r>
+              <a:rPr lang="en-US" altLang="zh-CN" sz="1800" dirty="0"/>
+              <a:t> </a:t>
+            </a:r>
+            <a:endParaRPr lang="en-US" altLang="zh-CN" sz="1800" dirty="0" smtClean="0"/>
+          </a:p>
+          <a:p>
+            <a:endParaRPr lang="en-US" altLang="zh-CN" sz="1800" dirty="0" smtClean="0"/>
+          </a:p>
+          <a:p>
+            <a:r>
+              <a:rPr lang="en-US" altLang="zh-CN" sz="1800" dirty="0" err="1" smtClean="0"/>
+              <a:t>View.OnClickListener</a:t>
+            </a:r>
+            <a:r>
+              <a:rPr lang="en-US" altLang="zh-CN" sz="1800" dirty="0" smtClean="0"/>
+              <a:t> </a:t>
+            </a:r>
+            <a:r>
+              <a:rPr lang="zh-CN" altLang="en-US" sz="1800" dirty="0" smtClean="0"/>
+              <a:t>只有一个函数方法</a:t>
+            </a:r>
+            <a:r>
+              <a:rPr lang="en-US" altLang="zh-CN" sz="1800" dirty="0" smtClean="0"/>
+              <a:t>, </a:t>
+            </a:r>
+            <a:r>
+              <a:rPr lang="zh-CN" altLang="en-US" sz="1800" dirty="0" smtClean="0"/>
+              <a:t>该方法只有一个参数于是</a:t>
+            </a:r>
+            <a:endParaRPr lang="en-US" altLang="zh-CN" sz="1800" dirty="0"/>
+          </a:p>
+          <a:p>
+            <a:r>
               <a:rPr lang="en-US" altLang="zh-CN" sz="1800" dirty="0" err="1">
                 <a:solidFill>
-                  <a:srgbClr val="CC7832"/>
-                </a:solidFill>
-              </a:rPr>
-              <a:t>val</a:t>
-            </a:r>
-            <a:r>
-              <a:rPr lang="en-US" altLang="zh-CN" sz="1800" dirty="0">
-                <a:solidFill>
-                  <a:srgbClr val="CC7832"/>
-                </a:solidFill>
-              </a:rPr>
+                  <a:srgbClr val="000000"/>
+                </a:solidFill>
+                <a:latin typeface="LiberationMono"/>
+              </a:rPr>
+              <a:t>view.setOnClickListener</a:t>
+            </a:r>
+            <a:r>
+              <a:rPr lang="en-US" altLang="zh-CN" sz="1800" dirty="0">
+                <a:solidFill>
+                  <a:srgbClr val="000000"/>
+                </a:solidFill>
+                <a:latin typeface="LiberationMono"/>
+              </a:rPr>
+              <a:t> { toast(</a:t>
+            </a:r>
+            <a:r>
+              <a:rPr lang="en-US" altLang="zh-CN" sz="1800" dirty="0">
+                <a:solidFill>
+                  <a:srgbClr val="718C00"/>
+                </a:solidFill>
+                <a:latin typeface="LiberationMono"/>
+              </a:rPr>
+              <a:t>"Click"</a:t>
+            </a:r>
+            <a:r>
+              <a:rPr lang="en-US" altLang="zh-CN" sz="1800" dirty="0">
+                <a:solidFill>
+                  <a:srgbClr val="000000"/>
+                </a:solidFill>
+                <a:latin typeface="LiberationMono"/>
+              </a:rPr>
+              <a:t>) }</a:t>
+            </a:r>
+            <a:r>
+              <a:rPr lang="en-US" altLang="zh-CN" sz="1800" dirty="0"/>
               <a:t> </a:t>
             </a:r>
-            <a:r>
-              <a:rPr lang="en-US" altLang="zh-CN" sz="1800" dirty="0">
-                <a:solidFill>
-                  <a:srgbClr val="9876AA"/>
-                </a:solidFill>
-              </a:rPr>
-              <a:t>property</a:t>
-            </a:r>
-            <a:r>
-              <a:rPr lang="en-US" altLang="zh-CN" sz="1800" dirty="0"/>
-              <a:t>: </a:t>
-            </a:r>
-            <a:r>
-              <a:rPr lang="en-US" altLang="zh-CN" sz="1800" dirty="0" err="1"/>
-              <a:t>Int</a:t>
-            </a:r>
-            <a:r>
-              <a:rPr lang="en-US" altLang="zh-CN" sz="1800" dirty="0"/>
-              <a:t> </a:t>
-            </a:r>
-            <a:r>
-              <a:rPr lang="en-US" altLang="zh-CN" sz="1800" dirty="0">
-                <a:solidFill>
-                  <a:srgbClr val="808080"/>
-                </a:solidFill>
-              </a:rPr>
-              <a:t>// abstract</a:t>
-            </a:r>
-            <a:br>
-              <a:rPr lang="en-US" altLang="zh-CN" sz="1800" dirty="0">
-                <a:solidFill>
-                  <a:srgbClr val="808080"/>
-                </a:solidFill>
-              </a:rPr>
-            </a:br>
-            <a:r>
-              <a:rPr lang="en-US" altLang="zh-CN" sz="1800" dirty="0" smtClean="0">
-                <a:solidFill>
-                  <a:srgbClr val="808080"/>
-                </a:solidFill>
-              </a:rPr>
-              <a:t>    </a:t>
-            </a:r>
-            <a:r>
-              <a:rPr lang="en-US" altLang="zh-CN" sz="1800" dirty="0" err="1">
-                <a:solidFill>
-                  <a:srgbClr val="CC7832"/>
-                </a:solidFill>
-              </a:rPr>
-              <a:t>val</a:t>
-            </a:r>
-            <a:r>
-              <a:rPr lang="en-US" altLang="zh-CN" sz="1800" dirty="0">
-                <a:solidFill>
-                  <a:srgbClr val="CC7832"/>
-                </a:solidFill>
-              </a:rPr>
-              <a:t> </a:t>
-            </a:r>
-            <a:r>
-              <a:rPr lang="en-US" altLang="zh-CN" sz="1800" dirty="0" err="1" smtClean="0">
-                <a:solidFill>
-                  <a:srgbClr val="9876AA"/>
-                </a:solidFill>
-              </a:rPr>
-              <a:t>propertyWithImp</a:t>
-            </a:r>
-            <a:r>
-              <a:rPr lang="en-US" altLang="zh-CN" sz="1800" dirty="0" smtClean="0"/>
-              <a:t>: </a:t>
-            </a:r>
-            <a:r>
-              <a:rPr lang="en-US" altLang="zh-CN" sz="1800" dirty="0"/>
-              <a:t>String</a:t>
-            </a:r>
-            <a:br>
-              <a:rPr lang="en-US" altLang="zh-CN" sz="1800" dirty="0"/>
-            </a:br>
-            <a:r>
-              <a:rPr lang="en-US" altLang="zh-CN" sz="1800" dirty="0"/>
-              <a:t>        </a:t>
-            </a:r>
-            <a:r>
-              <a:rPr lang="en-US" altLang="zh-CN" sz="1800" dirty="0">
-                <a:solidFill>
-                  <a:srgbClr val="CC7832"/>
-                </a:solidFill>
-              </a:rPr>
-              <a:t>get</a:t>
-            </a:r>
-            <a:r>
-              <a:rPr lang="en-US" altLang="zh-CN" sz="1800" dirty="0"/>
-              <a:t>() = </a:t>
-            </a:r>
-            <a:r>
-              <a:rPr lang="en-US" altLang="zh-CN" sz="1800" dirty="0" smtClean="0">
-                <a:solidFill>
-                  <a:srgbClr val="6A8759"/>
-                </a:solidFill>
-              </a:rPr>
-              <a:t>“my"</a:t>
-            </a:r>
-            <a:r>
-              <a:rPr lang="en-US" altLang="zh-CN" sz="1800" dirty="0">
-                <a:solidFill>
-                  <a:srgbClr val="6A8759"/>
-                </a:solidFill>
-              </a:rPr>
+            <a:br>
+              <a:rPr lang="en-US" altLang="zh-CN" sz="1800" dirty="0"/>
+            </a:br>
+            <a:r>
+              <a:rPr lang="en-US" altLang="zh-CN" sz="1800" dirty="0"/>
               <a:t/>
             </a:r>
             <a:br>
-              <a:rPr lang="en-US" altLang="zh-CN" sz="1800" dirty="0">
-                <a:solidFill>
-                  <a:srgbClr val="6A8759"/>
-                </a:solidFill>
-              </a:rPr>
-            </a:br>
-            <a:r>
-              <a:rPr lang="en-US" altLang="zh-CN" sz="1800" dirty="0" smtClean="0">
-                <a:solidFill>
-                  <a:srgbClr val="6A8759"/>
-                </a:solidFill>
-              </a:rPr>
-              <a:t>    </a:t>
-            </a:r>
-            <a:r>
-              <a:rPr lang="en-US" altLang="zh-CN" sz="1800" dirty="0">
-                <a:solidFill>
-                  <a:srgbClr val="CC7832"/>
-                </a:solidFill>
-              </a:rPr>
-              <a:t>fun </a:t>
-            </a:r>
-            <a:r>
-              <a:rPr lang="en-US" altLang="zh-CN" sz="1800" dirty="0">
-                <a:solidFill>
-                  <a:srgbClr val="FFC66D"/>
-                </a:solidFill>
-              </a:rPr>
-              <a:t>foo</a:t>
-            </a:r>
-            <a:r>
-              <a:rPr lang="en-US" altLang="zh-CN" sz="1800" dirty="0"/>
-              <a:t>() {</a:t>
-            </a:r>
-            <a:br>
-              <a:rPr lang="en-US" altLang="zh-CN" sz="1800" dirty="0"/>
-            </a:br>
-            <a:r>
-              <a:rPr lang="en-US" altLang="zh-CN" sz="1800" dirty="0"/>
-              <a:t>        </a:t>
-            </a:r>
-            <a:r>
-              <a:rPr lang="en-US" altLang="zh-CN" sz="1800" i="1" dirty="0"/>
-              <a:t>print</a:t>
-            </a:r>
-            <a:r>
-              <a:rPr lang="en-US" altLang="zh-CN" sz="1800" dirty="0"/>
-              <a:t>(</a:t>
-            </a:r>
-            <a:r>
-              <a:rPr lang="en-US" altLang="zh-CN" sz="1800" dirty="0">
-                <a:solidFill>
-                  <a:srgbClr val="9876AA"/>
-                </a:solidFill>
-              </a:rPr>
-              <a:t>property</a:t>
-            </a:r>
-            <a:r>
-              <a:rPr lang="en-US" altLang="zh-CN" sz="1800" dirty="0"/>
-              <a:t>)</a:t>
-            </a:r>
-            <a:br>
-              <a:rPr lang="en-US" altLang="zh-CN" sz="1800" dirty="0"/>
-            </a:br>
-            <a:r>
-              <a:rPr lang="en-US" altLang="zh-CN" sz="1800" dirty="0"/>
-              <a:t>    }</a:t>
-            </a:r>
-            <a:br>
-              <a:rPr lang="en-US" altLang="zh-CN" sz="1800" dirty="0"/>
-            </a:br>
-            <a:r>
-              <a:rPr lang="en-US" altLang="zh-CN" sz="1800" dirty="0" smtClean="0"/>
-              <a:t>}</a:t>
-            </a:r>
+              <a:rPr lang="en-US" altLang="zh-CN" sz="1800" dirty="0"/>
+            </a:br>
             <a:r>
               <a:rPr lang="en-US" altLang="zh-CN" sz="1800" dirty="0"/>
               <a:t/>
@@ -9247,260 +9862,39 @@
               <a:rPr lang="en-US" altLang="zh-CN" sz="1800" dirty="0"/>
             </a:br>
             <a:r>
-              <a:rPr lang="en-US" altLang="zh-CN" sz="1800" dirty="0">
-                <a:solidFill>
-                  <a:srgbClr val="CC7832"/>
-                </a:solidFill>
-              </a:rPr>
-              <a:t>class </a:t>
-            </a:r>
-            <a:r>
-              <a:rPr lang="en-US" altLang="zh-CN" sz="1800" dirty="0"/>
-              <a:t>Child : </a:t>
-            </a:r>
-            <a:r>
-              <a:rPr lang="en-US" altLang="zh-CN" sz="1800" dirty="0" err="1"/>
-              <a:t>MyInterface</a:t>
-            </a:r>
-            <a:r>
-              <a:rPr lang="en-US" altLang="zh-CN" sz="1800" dirty="0"/>
-              <a:t> {</a:t>
-            </a:r>
-            <a:br>
-              <a:rPr lang="en-US" altLang="zh-CN" sz="1800" dirty="0"/>
-            </a:br>
-            <a:r>
-              <a:rPr lang="en-US" altLang="zh-CN" sz="1800" dirty="0"/>
-              <a:t>    </a:t>
-            </a:r>
-            <a:r>
-              <a:rPr lang="en-US" altLang="zh-CN" sz="1800" dirty="0">
-                <a:solidFill>
-                  <a:srgbClr val="CC7832"/>
-                </a:solidFill>
-              </a:rPr>
-              <a:t>override </a:t>
-            </a:r>
-            <a:r>
-              <a:rPr lang="en-US" altLang="zh-CN" sz="1800" dirty="0" err="1">
-                <a:solidFill>
-                  <a:srgbClr val="CC7832"/>
-                </a:solidFill>
-              </a:rPr>
-              <a:t>val</a:t>
-            </a:r>
-            <a:r>
-              <a:rPr lang="en-US" altLang="zh-CN" sz="1800" dirty="0">
-                <a:solidFill>
-                  <a:srgbClr val="CC7832"/>
-                </a:solidFill>
-              </a:rPr>
-              <a:t> </a:t>
-            </a:r>
-            <a:r>
-              <a:rPr lang="en-US" altLang="zh-CN" sz="1800" dirty="0">
-                <a:solidFill>
-                  <a:srgbClr val="9876AA"/>
-                </a:solidFill>
-              </a:rPr>
-              <a:t>property</a:t>
-            </a:r>
-            <a:r>
-              <a:rPr lang="en-US" altLang="zh-CN" sz="1800" dirty="0"/>
-              <a:t>: </a:t>
-            </a:r>
-            <a:r>
-              <a:rPr lang="en-US" altLang="zh-CN" sz="1800" dirty="0" err="1"/>
-              <a:t>Int</a:t>
-            </a:r>
-            <a:r>
-              <a:rPr lang="en-US" altLang="zh-CN" sz="1800" dirty="0"/>
-              <a:t> = </a:t>
-            </a:r>
-            <a:r>
-              <a:rPr lang="en-US" altLang="zh-CN" sz="1800" dirty="0">
-                <a:solidFill>
-                  <a:srgbClr val="6897BB"/>
-                </a:solidFill>
-              </a:rPr>
-              <a:t>29</a:t>
-            </a:r>
-            <a:br>
-              <a:rPr lang="en-US" altLang="zh-CN" sz="1800" dirty="0">
-                <a:solidFill>
-                  <a:srgbClr val="6897BB"/>
-                </a:solidFill>
-              </a:rPr>
-            </a:br>
-            <a:r>
-              <a:rPr lang="en-US" altLang="zh-CN" sz="1800" dirty="0">
-                <a:solidFill>
-                  <a:srgbClr val="6897BB"/>
-                </a:solidFill>
-              </a:rPr>
-              <a:t>    </a:t>
-            </a:r>
-            <a:r>
-              <a:rPr lang="en-US" altLang="zh-CN" sz="1800" dirty="0">
-                <a:solidFill>
-                  <a:srgbClr val="CC7832"/>
-                </a:solidFill>
-              </a:rPr>
-              <a:t>override </a:t>
-            </a:r>
-            <a:r>
-              <a:rPr lang="en-US" altLang="zh-CN" sz="1800" dirty="0" err="1">
-                <a:solidFill>
-                  <a:srgbClr val="CC7832"/>
-                </a:solidFill>
-              </a:rPr>
-              <a:t>val</a:t>
-            </a:r>
-            <a:r>
-              <a:rPr lang="en-US" altLang="zh-CN" sz="1800" dirty="0">
-                <a:solidFill>
-                  <a:srgbClr val="CC7832"/>
-                </a:solidFill>
-              </a:rPr>
-              <a:t> </a:t>
-            </a:r>
-            <a:r>
-              <a:rPr lang="en-US" altLang="zh-CN" sz="1800" dirty="0" err="1">
-                <a:solidFill>
-                  <a:srgbClr val="9876AA"/>
-                </a:solidFill>
-              </a:rPr>
-              <a:t>propertyWithImp</a:t>
-            </a:r>
-            <a:r>
-              <a:rPr lang="en-US" altLang="zh-CN" sz="1800" dirty="0">
-                <a:solidFill>
-                  <a:srgbClr val="9876AA"/>
-                </a:solidFill>
-              </a:rPr>
-              <a:t> </a:t>
-            </a:r>
-            <a:r>
-              <a:rPr lang="en-US" altLang="zh-CN" sz="1800" dirty="0" smtClean="0"/>
-              <a:t>: </a:t>
-            </a:r>
-            <a:r>
-              <a:rPr lang="en-US" altLang="zh-CN" sz="1800" dirty="0"/>
-              <a:t>String</a:t>
-            </a:r>
-            <a:br>
-              <a:rPr lang="en-US" altLang="zh-CN" sz="1800" dirty="0"/>
-            </a:br>
-            <a:r>
-              <a:rPr lang="en-US" altLang="zh-CN" sz="1800" dirty="0"/>
-              <a:t>        </a:t>
-            </a:r>
-            <a:r>
-              <a:rPr lang="en-US" altLang="zh-CN" sz="1800" dirty="0">
-                <a:solidFill>
-                  <a:srgbClr val="CC7832"/>
-                </a:solidFill>
-              </a:rPr>
-              <a:t>get</a:t>
-            </a:r>
-            <a:r>
-              <a:rPr lang="en-US" altLang="zh-CN" sz="1800" dirty="0"/>
-              <a:t>() = </a:t>
-            </a:r>
-            <a:r>
-              <a:rPr lang="en-US" altLang="zh-CN" sz="1800" dirty="0">
-                <a:solidFill>
-                  <a:srgbClr val="CC7832"/>
-                </a:solidFill>
-              </a:rPr>
-              <a:t>super</a:t>
-            </a:r>
-            <a:r>
-              <a:rPr lang="en-US" altLang="zh-CN" sz="1800" dirty="0" smtClean="0"/>
-              <a:t>.</a:t>
-            </a:r>
-            <a:r>
-              <a:rPr lang="en-US" altLang="zh-CN" sz="1800" dirty="0">
-                <a:solidFill>
-                  <a:srgbClr val="9876AA"/>
-                </a:solidFill>
-              </a:rPr>
-              <a:t> </a:t>
-            </a:r>
-            <a:r>
-              <a:rPr lang="en-US" altLang="zh-CN" sz="1800" dirty="0" err="1">
-                <a:solidFill>
-                  <a:srgbClr val="9876AA"/>
-                </a:solidFill>
-              </a:rPr>
-              <a:t>propertyWithImp</a:t>
-            </a:r>
-            <a:r>
-              <a:rPr lang="en-US" altLang="zh-CN" sz="1800" dirty="0">
-                <a:solidFill>
-                  <a:srgbClr val="9876AA"/>
-                </a:solidFill>
-              </a:rPr>
+              <a:rPr lang="en-US" altLang="zh-CN" sz="1800" dirty="0"/>
               <a:t/>
             </a:r>
             <a:br>
-              <a:rPr lang="en-US" altLang="zh-CN" sz="1800" dirty="0">
-                <a:solidFill>
-                  <a:srgbClr val="9876AA"/>
-                </a:solidFill>
-              </a:rPr>
-            </a:br>
-            <a:r>
-              <a:rPr lang="en-US" altLang="zh-CN" sz="1800" dirty="0" smtClean="0">
-                <a:solidFill>
-                  <a:srgbClr val="9876AA"/>
-                </a:solidFill>
-              </a:rPr>
-              <a:t>    </a:t>
-            </a:r>
-            <a:r>
-              <a:rPr lang="en-US" altLang="zh-CN" sz="1800" dirty="0">
-                <a:solidFill>
-                  <a:srgbClr val="CC7832"/>
-                </a:solidFill>
-              </a:rPr>
-              <a:t>override fun </a:t>
-            </a:r>
-            <a:r>
-              <a:rPr lang="en-US" altLang="zh-CN" sz="1800" dirty="0">
-                <a:solidFill>
-                  <a:srgbClr val="FFC66D"/>
-                </a:solidFill>
-              </a:rPr>
-              <a:t>foo</a:t>
-            </a:r>
-            <a:r>
-              <a:rPr lang="en-US" altLang="zh-CN" sz="1800" dirty="0"/>
-              <a:t>() </a:t>
-            </a:r>
-            <a:r>
-              <a:rPr lang="en-US" altLang="zh-CN" sz="1800" dirty="0" smtClean="0"/>
-              <a:t>{        </a:t>
-            </a:r>
-            <a:r>
-              <a:rPr lang="en-US" altLang="zh-CN" sz="1800" dirty="0"/>
-              <a:t/>
-            </a:r>
-            <a:br>
-              <a:rPr lang="en-US" altLang="zh-CN" sz="1800" dirty="0"/>
-            </a:br>
-            <a:r>
-              <a:rPr lang="en-US" altLang="zh-CN" sz="1800" dirty="0"/>
-              <a:t>    }</a:t>
-            </a:r>
-            <a:br>
-              <a:rPr lang="en-US" altLang="zh-CN" sz="1800" dirty="0"/>
-            </a:br>
-            <a:r>
-              <a:rPr lang="en-US" altLang="zh-CN" sz="1800" dirty="0"/>
-              <a:t>}</a:t>
-            </a:r>
+              <a:rPr lang="en-US" altLang="zh-CN" sz="1800" dirty="0"/>
+            </a:br>
             <a:endParaRPr lang="zh-CN" altLang="en-US" sz="1800" dirty="0"/>
+          </a:p>
+        </p:txBody>
+      </p:sp>
+      <p:sp>
+        <p:nvSpPr>
+          <p:cNvPr id="4" name="文本框 3"/>
+          <p:cNvSpPr txBox="1"/>
+          <p:nvPr/>
+        </p:nvSpPr>
+        <p:spPr>
+          <a:xfrm>
+            <a:off x="1941816" y="462337"/>
+            <a:ext cx="184731" cy="369332"/>
+          </a:xfrm>
+          <a:prstGeom prst="rect">
+            <a:avLst/>
+          </a:prstGeom>
+          <a:noFill/>
+        </p:spPr>
+        <p:txBody>
+          <a:bodyPr wrap="none" rtlCol="0">
+            <a:spAutoFit/>
+          </a:bodyPr>
+          <a:lstStyle/>
+          <a:p>
+            <a:endParaRPr kumimoji="1" lang="zh-CN" altLang="en-US" dirty="0"/>
           </a:p>
         </p:txBody>
       </p:sp>
@@ -9514,6 +9908,13 @@
   <p:clrMapOvr>
     <a:masterClrMapping/>
   </p:clrMapOvr>
+  <p:timing>
+    <p:tnLst>
+      <p:par>
+        <p:cTn id="1" dur="indefinite" restart="never" nodeType="tmRoot"/>
+      </p:par>
+    </p:tnLst>
+  </p:timing>
 </p:sld>
 </file>
 
@@ -9688,6 +10089,13 @@
   <p:clrMapOvr>
     <a:masterClrMapping/>
   </p:clrMapOvr>
+  <p:timing>
+    <p:tnLst>
+      <p:par>
+        <p:cTn id="1" dur="indefinite" restart="never" nodeType="tmRoot"/>
+      </p:par>
+    </p:tnLst>
+  </p:timing>
 </p:sld>
 </file>
 
@@ -10330,6 +10738,13 @@
   <p:clrMapOvr>
     <a:masterClrMapping/>
   </p:clrMapOvr>
+  <p:timing>
+    <p:tnLst>
+      <p:par>
+        <p:cTn id="1" dur="indefinite" restart="never" nodeType="tmRoot"/>
+      </p:par>
+    </p:tnLst>
+  </p:timing>
 </p:sld>
 </file>
 
@@ -10576,6 +10991,13 @@
   <p:clrMapOvr>
     <a:masterClrMapping/>
   </p:clrMapOvr>
+  <p:timing>
+    <p:tnLst>
+      <p:par>
+        <p:cTn id="1" dur="indefinite" restart="never" nodeType="tmRoot"/>
+      </p:par>
+    </p:tnLst>
+  </p:timing>
 </p:sld>
 </file>
 
@@ -10609,7 +11031,7 @@
         <p:spPr>
           <a:xfrm>
             <a:off x="457200" y="274638"/>
-            <a:ext cx="3322712" cy="346050"/>
+            <a:ext cx="1522512" cy="346050"/>
           </a:xfrm>
         </p:spPr>
         <p:txBody>
@@ -10621,7 +11043,7 @@
             <a:pPr algn="l"/>
             <a:r>
               <a:rPr lang="zh-CN" altLang="en-US" sz="2800" dirty="0" smtClean="0"/>
-              <a:t>映射对象到变量中</a:t>
+              <a:t>密封类</a:t>
             </a:r>
             <a:endParaRPr lang="zh-CN" altLang="en-US" sz="2800" dirty="0"/>
           </a:p>
@@ -10645,37 +11067,391 @@
         </p:spPr>
         <p:txBody>
           <a:bodyPr>
-            <a:normAutofit/>
+            <a:normAutofit lnSpcReduction="10000"/>
           </a:bodyPr>
           <a:lstStyle/>
           <a:p>
+            <a:r>
+              <a:rPr lang="zh-CN" altLang="en-US" sz="1800" dirty="0"/>
+              <a:t>密封类用于代表严格的类结构，值只能是有限集合中的某中类型，不可以是任何其它类型。这就相当于一个枚举类的扩展：枚举值集合的类型是严格限制的，但每个枚举常量只有一个实例，而密封类的子类可以有包含不同状态的多个实例。</a:t>
+            </a:r>
+          </a:p>
+          <a:p>
+            <a:r>
+              <a:rPr lang="zh-CN" altLang="en-US" sz="1800" dirty="0"/>
+              <a:t>声明密封类需要在 </a:t>
+            </a:r>
+            <a:r>
+              <a:rPr lang="en-US" altLang="zh-CN" sz="1800" dirty="0"/>
+              <a:t>class </a:t>
+            </a:r>
+            <a:r>
+              <a:rPr lang="zh-CN" altLang="en-US" sz="1800" dirty="0"/>
+              <a:t>前加一个 </a:t>
+            </a:r>
+            <a:r>
+              <a:rPr lang="en-US" altLang="zh-CN" sz="1800" dirty="0"/>
+              <a:t>sealed </a:t>
+            </a:r>
+            <a:r>
+              <a:rPr lang="zh-CN" altLang="en-US" sz="1800" dirty="0"/>
+              <a:t>修饰符。密封类可以有子类但必须全部嵌套在密封类声明内部、</a:t>
+            </a:r>
+          </a:p>
+          <a:p>
+            <a:r>
+              <a:rPr lang="en-US" altLang="zh-CN" sz="1800" dirty="0">
+                <a:solidFill>
+                  <a:srgbClr val="CC7832"/>
+                </a:solidFill>
+              </a:rPr>
+              <a:t>sealed class </a:t>
+            </a:r>
+            <a:r>
+              <a:rPr lang="en-US" altLang="zh-CN" sz="1800" dirty="0"/>
+              <a:t>Expr {</a:t>
+            </a:r>
+            <a:br>
+              <a:rPr lang="en-US" altLang="zh-CN" sz="1800" dirty="0"/>
+            </a:br>
+            <a:r>
+              <a:rPr lang="en-US" altLang="zh-CN" sz="1800" dirty="0"/>
+              <a:t>    </a:t>
+            </a:r>
+            <a:r>
+              <a:rPr lang="en-US" altLang="zh-CN" sz="1800" dirty="0">
+                <a:solidFill>
+                  <a:srgbClr val="CC7832"/>
+                </a:solidFill>
+              </a:rPr>
+              <a:t>class </a:t>
+            </a:r>
+            <a:r>
+              <a:rPr lang="en-US" altLang="zh-CN" sz="1800" dirty="0" err="1"/>
+              <a:t>Const</a:t>
+            </a:r>
+            <a:r>
+              <a:rPr lang="en-US" altLang="zh-CN" sz="1800" dirty="0"/>
+              <a:t>(</a:t>
+            </a:r>
+            <a:r>
+              <a:rPr lang="en-US" altLang="zh-CN" sz="1800" dirty="0" err="1">
+                <a:solidFill>
+                  <a:srgbClr val="CC7832"/>
+                </a:solidFill>
+              </a:rPr>
+              <a:t>val</a:t>
+            </a:r>
+            <a:r>
+              <a:rPr lang="en-US" altLang="zh-CN" sz="1800" dirty="0">
+                <a:solidFill>
+                  <a:srgbClr val="CC7832"/>
+                </a:solidFill>
+              </a:rPr>
+              <a:t> </a:t>
+            </a:r>
+            <a:r>
+              <a:rPr lang="en-US" altLang="zh-CN" sz="1800" dirty="0">
+                <a:solidFill>
+                  <a:srgbClr val="9876AA"/>
+                </a:solidFill>
+              </a:rPr>
+              <a:t>number</a:t>
+            </a:r>
+            <a:r>
+              <a:rPr lang="en-US" altLang="zh-CN" sz="1800" dirty="0"/>
+              <a:t>: Double) : Expr()</a:t>
+            </a:r>
+            <a:br>
+              <a:rPr lang="en-US" altLang="zh-CN" sz="1800" dirty="0"/>
+            </a:br>
+            <a:r>
+              <a:rPr lang="en-US" altLang="zh-CN" sz="1800" dirty="0"/>
+              <a:t>    </a:t>
+            </a:r>
+            <a:r>
+              <a:rPr lang="en-US" altLang="zh-CN" sz="1800" dirty="0">
+                <a:solidFill>
+                  <a:srgbClr val="CC7832"/>
+                </a:solidFill>
+              </a:rPr>
+              <a:t>class </a:t>
+            </a:r>
+            <a:r>
+              <a:rPr lang="en-US" altLang="zh-CN" sz="1800" dirty="0"/>
+              <a:t>Sum(</a:t>
+            </a:r>
+            <a:r>
+              <a:rPr lang="en-US" altLang="zh-CN" sz="1800" dirty="0" err="1">
+                <a:solidFill>
+                  <a:srgbClr val="CC7832"/>
+                </a:solidFill>
+              </a:rPr>
+              <a:t>val</a:t>
+            </a:r>
+            <a:r>
+              <a:rPr lang="en-US" altLang="zh-CN" sz="1800" dirty="0">
+                <a:solidFill>
+                  <a:srgbClr val="CC7832"/>
+                </a:solidFill>
+              </a:rPr>
+              <a:t> </a:t>
+            </a:r>
+            <a:r>
+              <a:rPr lang="en-US" altLang="zh-CN" sz="1800" dirty="0">
+                <a:solidFill>
+                  <a:srgbClr val="9876AA"/>
+                </a:solidFill>
+              </a:rPr>
+              <a:t>e1</a:t>
+            </a:r>
+            <a:r>
+              <a:rPr lang="en-US" altLang="zh-CN" sz="1800" dirty="0"/>
+              <a:t>: Expr</a:t>
+            </a:r>
+            <a:r>
+              <a:rPr lang="en-US" altLang="zh-CN" sz="1800" dirty="0">
+                <a:solidFill>
+                  <a:srgbClr val="CC7832"/>
+                </a:solidFill>
+              </a:rPr>
+              <a:t>, </a:t>
+            </a:r>
+            <a:r>
+              <a:rPr lang="en-US" altLang="zh-CN" sz="1800" dirty="0" err="1">
+                <a:solidFill>
+                  <a:srgbClr val="CC7832"/>
+                </a:solidFill>
+              </a:rPr>
+              <a:t>val</a:t>
+            </a:r>
+            <a:r>
+              <a:rPr lang="en-US" altLang="zh-CN" sz="1800" dirty="0">
+                <a:solidFill>
+                  <a:srgbClr val="CC7832"/>
+                </a:solidFill>
+              </a:rPr>
+              <a:t> </a:t>
+            </a:r>
+            <a:r>
+              <a:rPr lang="en-US" altLang="zh-CN" sz="1800" dirty="0">
+                <a:solidFill>
+                  <a:srgbClr val="9876AA"/>
+                </a:solidFill>
+              </a:rPr>
+              <a:t>e2</a:t>
+            </a:r>
+            <a:r>
+              <a:rPr lang="en-US" altLang="zh-CN" sz="1800" dirty="0"/>
+              <a:t>: Expr) : Expr()</a:t>
+            </a:r>
+            <a:br>
+              <a:rPr lang="en-US" altLang="zh-CN" sz="1800" dirty="0"/>
+            </a:br>
+            <a:r>
+              <a:rPr lang="en-US" altLang="zh-CN" sz="1800" dirty="0"/>
+              <a:t>    </a:t>
+            </a:r>
+            <a:r>
+              <a:rPr lang="en-US" altLang="zh-CN" sz="1800" dirty="0">
+                <a:solidFill>
+                  <a:srgbClr val="CC7832"/>
+                </a:solidFill>
+              </a:rPr>
+              <a:t>object </a:t>
+            </a:r>
+            <a:r>
+              <a:rPr lang="en-US" altLang="zh-CN" sz="1800" dirty="0" err="1"/>
+              <a:t>NotANumber</a:t>
+            </a:r>
+            <a:r>
+              <a:rPr lang="en-US" altLang="zh-CN" sz="1800" dirty="0"/>
+              <a:t> : Expr()</a:t>
+            </a:r>
+            <a:br>
+              <a:rPr lang="en-US" altLang="zh-CN" sz="1800" dirty="0"/>
+            </a:br>
+            <a:r>
+              <a:rPr lang="en-US" altLang="zh-CN" sz="1800" dirty="0"/>
+              <a:t>}</a:t>
+            </a:r>
+            <a:br>
+              <a:rPr lang="en-US" altLang="zh-CN" sz="1800" dirty="0"/>
+            </a:br>
+            <a:r>
+              <a:rPr lang="en-US" altLang="zh-CN" sz="1800" dirty="0"/>
+              <a:t/>
+            </a:r>
+            <a:br>
+              <a:rPr lang="en-US" altLang="zh-CN" sz="1800" dirty="0"/>
+            </a:br>
+            <a:r>
+              <a:rPr lang="en-US" altLang="zh-CN" sz="1800" dirty="0"/>
+              <a:t/>
+            </a:r>
+            <a:br>
+              <a:rPr lang="en-US" altLang="zh-CN" sz="1800" dirty="0"/>
+            </a:br>
+            <a:r>
+              <a:rPr lang="en-US" altLang="zh-CN" sz="1800" dirty="0">
+                <a:solidFill>
+                  <a:srgbClr val="CC7832"/>
+                </a:solidFill>
+              </a:rPr>
+              <a:t>fun </a:t>
+            </a:r>
+            <a:r>
+              <a:rPr lang="en-US" altLang="zh-CN" sz="1800" dirty="0" err="1">
+                <a:solidFill>
+                  <a:srgbClr val="FFC66D"/>
+                </a:solidFill>
+              </a:rPr>
+              <a:t>eval</a:t>
+            </a:r>
+            <a:r>
+              <a:rPr lang="en-US" altLang="zh-CN" sz="1800" dirty="0"/>
+              <a:t>(expr: Expr): Double = </a:t>
+            </a:r>
+            <a:r>
+              <a:rPr lang="en-US" altLang="zh-CN" sz="1800" dirty="0">
+                <a:solidFill>
+                  <a:srgbClr val="CC7832"/>
+                </a:solidFill>
+              </a:rPr>
+              <a:t>when</a:t>
+            </a:r>
+            <a:r>
+              <a:rPr lang="en-US" altLang="zh-CN" sz="1800" dirty="0"/>
+              <a:t>(expr) {</a:t>
+            </a:r>
+            <a:br>
+              <a:rPr lang="en-US" altLang="zh-CN" sz="1800" dirty="0"/>
+            </a:br>
+            <a:r>
+              <a:rPr lang="en-US" altLang="zh-CN" sz="1800" dirty="0"/>
+              <a:t>    </a:t>
+            </a:r>
+            <a:r>
+              <a:rPr lang="en-US" altLang="zh-CN" sz="1800" dirty="0">
+                <a:solidFill>
+                  <a:srgbClr val="CC7832"/>
+                </a:solidFill>
+              </a:rPr>
+              <a:t>is </a:t>
+            </a:r>
+            <a:r>
+              <a:rPr lang="en-US" altLang="zh-CN" sz="1800" dirty="0" err="1"/>
+              <a:t>Const</a:t>
+            </a:r>
+            <a:r>
+              <a:rPr lang="en-US" altLang="zh-CN" sz="1800" dirty="0"/>
+              <a:t> -&gt; </a:t>
+            </a:r>
+            <a:r>
+              <a:rPr lang="en-US" altLang="zh-CN" sz="1800" dirty="0" err="1"/>
+              <a:t>expr.number</a:t>
+            </a:r>
+            <a:r>
+              <a:rPr lang="en-US" altLang="zh-CN" sz="1800" dirty="0"/>
+              <a:t/>
+            </a:r>
+            <a:br>
+              <a:rPr lang="en-US" altLang="zh-CN" sz="1800" dirty="0"/>
+            </a:br>
+            <a:r>
+              <a:rPr lang="en-US" altLang="zh-CN" sz="1800" dirty="0"/>
+              <a:t>    </a:t>
+            </a:r>
+            <a:r>
+              <a:rPr lang="en-US" altLang="zh-CN" sz="1800" dirty="0">
+                <a:solidFill>
+                  <a:srgbClr val="CC7832"/>
+                </a:solidFill>
+              </a:rPr>
+              <a:t>is </a:t>
+            </a:r>
+            <a:r>
+              <a:rPr lang="en-US" altLang="zh-CN" sz="1800" dirty="0"/>
+              <a:t>Sum -&gt; </a:t>
+            </a:r>
+            <a:r>
+              <a:rPr lang="en-US" altLang="zh-CN" sz="1800" i="1" dirty="0" err="1"/>
+              <a:t>eval</a:t>
+            </a:r>
+            <a:r>
+              <a:rPr lang="en-US" altLang="zh-CN" sz="1800" dirty="0"/>
+              <a:t>(expr.e1) + </a:t>
+            </a:r>
+            <a:r>
+              <a:rPr lang="en-US" altLang="zh-CN" sz="1800" i="1" dirty="0" err="1"/>
+              <a:t>eval</a:t>
+            </a:r>
+            <a:r>
+              <a:rPr lang="en-US" altLang="zh-CN" sz="1800" dirty="0"/>
+              <a:t>(expr.e2)</a:t>
+            </a:r>
+            <a:br>
+              <a:rPr lang="en-US" altLang="zh-CN" sz="1800" dirty="0"/>
+            </a:br>
+            <a:r>
+              <a:rPr lang="en-US" altLang="zh-CN" sz="1800" dirty="0"/>
+              <a:t>    </a:t>
+            </a:r>
+            <a:r>
+              <a:rPr lang="en-US" altLang="zh-CN" sz="1800" dirty="0" err="1"/>
+              <a:t>NotANumber</a:t>
+            </a:r>
+            <a:r>
+              <a:rPr lang="en-US" altLang="zh-CN" sz="1800" dirty="0"/>
+              <a:t> -&gt; </a:t>
+            </a:r>
+            <a:r>
+              <a:rPr lang="en-US" altLang="zh-CN" sz="1800" dirty="0" err="1"/>
+              <a:t>Double.</a:t>
+            </a:r>
+            <a:r>
+              <a:rPr lang="en-US" altLang="zh-CN" sz="1800" dirty="0" err="1">
+                <a:solidFill>
+                  <a:srgbClr val="9876AA"/>
+                </a:solidFill>
+              </a:rPr>
+              <a:t>NaN</a:t>
+            </a:r>
+            <a:r>
+              <a:rPr lang="en-US" altLang="zh-CN" sz="1800" dirty="0">
+                <a:solidFill>
+                  <a:srgbClr val="9876AA"/>
+                </a:solidFill>
+              </a:rPr>
+              <a:t/>
+            </a:r>
+            <a:br>
+              <a:rPr lang="en-US" altLang="zh-CN" sz="1800" dirty="0">
+                <a:solidFill>
+                  <a:srgbClr val="9876AA"/>
+                </a:solidFill>
+              </a:rPr>
+            </a:br>
+            <a:r>
+              <a:rPr lang="en-US" altLang="zh-CN" sz="1800" dirty="0">
+                <a:solidFill>
+                  <a:srgbClr val="808080"/>
+                </a:solidFill>
+              </a:rPr>
+              <a:t>// the `else` clause is not required because we've covered all the cases</a:t>
+            </a:r>
+            <a:br>
+              <a:rPr lang="en-US" altLang="zh-CN" sz="1800" dirty="0">
+                <a:solidFill>
+                  <a:srgbClr val="808080"/>
+                </a:solidFill>
+              </a:rPr>
+            </a:br>
+            <a:r>
+              <a:rPr lang="en-US" altLang="zh-CN" sz="1800" dirty="0"/>
+              <a:t>}</a:t>
+            </a:r>
             <a:endParaRPr lang="zh-CN" altLang="en-US" sz="1800" dirty="0"/>
-          </a:p>
-        </p:txBody>
-      </p:sp>
-      <p:sp>
-        <p:nvSpPr>
-          <p:cNvPr id="4" name="文本框 3"/>
-          <p:cNvSpPr txBox="1"/>
-          <p:nvPr/>
-        </p:nvSpPr>
-        <p:spPr>
-          <a:xfrm>
-            <a:off x="1941816" y="462337"/>
-            <a:ext cx="184731" cy="369332"/>
-          </a:xfrm>
-          <a:prstGeom prst="rect">
-            <a:avLst/>
-          </a:prstGeom>
-          <a:noFill/>
-        </p:spPr>
-        <p:txBody>
-          <a:bodyPr wrap="none" rtlCol="0">
-            <a:spAutoFit/>
-          </a:bodyPr>
-          <a:lstStyle/>
-          <a:p>
-            <a:endParaRPr kumimoji="1" lang="zh-CN" altLang="en-US" dirty="0"/>
           </a:p>
         </p:txBody>
       </p:sp>
@@ -10689,6 +11465,13 @@
   <p:clrMapOvr>
     <a:masterClrMapping/>
   </p:clrMapOvr>
+  <p:timing>
+    <p:tnLst>
+      <p:par>
+        <p:cTn id="1" dur="indefinite" restart="never" nodeType="tmRoot"/>
+      </p:par>
+    </p:tnLst>
+  </p:timing>
 </p:sld>
 </file>
 
@@ -10733,8 +11516,12 @@
           <a:p>
             <a:pPr algn="l"/>
             <a:r>
-              <a:rPr lang="zh-CN" altLang="en-US" sz="2800" dirty="0" smtClean="0"/>
-              <a:t>条件语句</a:t>
+              <a:rPr lang="zh-CN" altLang="en-US" sz="2400" dirty="0"/>
+              <a:t>委托属性</a:t>
+            </a:r>
+            <a:r>
+              <a:rPr lang="zh-CN" altLang="en-US" sz="2400" dirty="0"/>
+              <a:t> </a:t>
             </a:r>
             <a:endParaRPr lang="zh-CN" altLang="en-US" sz="2800" dirty="0"/>
           </a:p>
@@ -10776,6 +11563,308 @@
   <p:clrMapOvr>
     <a:masterClrMapping/>
   </p:clrMapOvr>
+  <p:timing>
+    <p:tnLst>
+      <p:par>
+        <p:cTn id="1" dur="indefinite" restart="never" nodeType="tmRoot"/>
+      </p:par>
+    </p:tnLst>
+  </p:timing>
+</p:sld>
+</file>
+
+<file path=ppt/slides/slide27.xml><?xml version="1.0" encoding="utf-8"?>
+<p:sld xmlns:a="http://schemas.openxmlformats.org/drawingml/2006/main" xmlns:r="http://schemas.openxmlformats.org/officeDocument/2006/relationships" xmlns:p="http://schemas.openxmlformats.org/presentationml/2006/main">
+  <p:cSld>
+    <p:spTree>
+      <p:nvGrpSpPr>
+        <p:cNvPr id="1" name=""/>
+        <p:cNvGrpSpPr/>
+        <p:nvPr/>
+      </p:nvGrpSpPr>
+      <p:grpSpPr>
+        <a:xfrm>
+          <a:off x="0" y="0"/>
+          <a:ext cx="0" cy="0"/>
+          <a:chOff x="0" y="0"/>
+          <a:chExt cx="0" cy="0"/>
+        </a:xfrm>
+      </p:grpSpPr>
+      <p:sp>
+        <p:nvSpPr>
+          <p:cNvPr id="2" name="标题 1"/>
+          <p:cNvSpPr>
+            <a:spLocks noGrp="1"/>
+          </p:cNvSpPr>
+          <p:nvPr>
+            <p:ph type="title"/>
+          </p:nvPr>
+        </p:nvSpPr>
+        <p:spPr>
+          <a:xfrm>
+            <a:off x="457200" y="274638"/>
+            <a:ext cx="3610744" cy="346050"/>
+          </a:xfrm>
+        </p:spPr>
+        <p:txBody>
+          <a:bodyPr>
+            <a:normAutofit fontScale="90000"/>
+          </a:bodyPr>
+          <a:lstStyle/>
+          <a:p>
+            <a:pPr algn="l"/>
+            <a:r>
+              <a:rPr lang="zh-CN" altLang="en-US" sz="2400" dirty="0"/>
+              <a:t>集合和函数操作符</a:t>
+            </a:r>
+            <a:r>
+              <a:rPr lang="zh-CN" altLang="en-US" sz="2400" dirty="0"/>
+              <a:t> </a:t>
+            </a:r>
+            <a:endParaRPr lang="zh-CN" altLang="en-US" sz="2800" dirty="0"/>
+          </a:p>
+        </p:txBody>
+      </p:sp>
+      <p:sp>
+        <p:nvSpPr>
+          <p:cNvPr id="3" name="内容占位符 2"/>
+          <p:cNvSpPr>
+            <a:spLocks noGrp="1"/>
+          </p:cNvSpPr>
+          <p:nvPr>
+            <p:ph idx="1"/>
+          </p:nvPr>
+        </p:nvSpPr>
+        <p:spPr>
+          <a:xfrm>
+            <a:off x="457200" y="908720"/>
+            <a:ext cx="8229600" cy="5217443"/>
+          </a:xfrm>
+        </p:spPr>
+        <p:txBody>
+          <a:bodyPr>
+            <a:normAutofit/>
+          </a:bodyPr>
+          <a:lstStyle/>
+          <a:p>
+            <a:endParaRPr lang="zh-CN" altLang="en-US" sz="1800" dirty="0"/>
+          </a:p>
+        </p:txBody>
+      </p:sp>
+    </p:spTree>
+    <p:extLst>
+      <p:ext uri="{BB962C8B-B14F-4D97-AF65-F5344CB8AC3E}">
+        <p14:creationId xmlns:p14="http://schemas.microsoft.com/office/powerpoint/2010/main" val="1774172269"/>
+      </p:ext>
+    </p:extLst>
+  </p:cSld>
+  <p:clrMapOvr>
+    <a:masterClrMapping/>
+  </p:clrMapOvr>
+  <p:timing>
+    <p:tnLst>
+      <p:par>
+        <p:cTn id="1" dur="indefinite" restart="never" nodeType="tmRoot"/>
+      </p:par>
+    </p:tnLst>
+  </p:timing>
+</p:sld>
+</file>
+
+<file path=ppt/slides/slide28.xml><?xml version="1.0" encoding="utf-8"?>
+<p:sld xmlns:a="http://schemas.openxmlformats.org/drawingml/2006/main" xmlns:r="http://schemas.openxmlformats.org/officeDocument/2006/relationships" xmlns:p="http://schemas.openxmlformats.org/presentationml/2006/main">
+  <p:cSld>
+    <p:spTree>
+      <p:nvGrpSpPr>
+        <p:cNvPr id="1" name=""/>
+        <p:cNvGrpSpPr/>
+        <p:nvPr/>
+      </p:nvGrpSpPr>
+      <p:grpSpPr>
+        <a:xfrm>
+          <a:off x="0" y="0"/>
+          <a:ext cx="0" cy="0"/>
+          <a:chOff x="0" y="0"/>
+          <a:chExt cx="0" cy="0"/>
+        </a:xfrm>
+      </p:grpSpPr>
+      <p:sp>
+        <p:nvSpPr>
+          <p:cNvPr id="2" name="标题 1"/>
+          <p:cNvSpPr>
+            <a:spLocks noGrp="1"/>
+          </p:cNvSpPr>
+          <p:nvPr>
+            <p:ph type="title"/>
+          </p:nvPr>
+        </p:nvSpPr>
+        <p:spPr>
+          <a:xfrm>
+            <a:off x="457200" y="274638"/>
+            <a:ext cx="1522512" cy="346050"/>
+          </a:xfrm>
+        </p:spPr>
+        <p:txBody>
+          <a:bodyPr>
+            <a:normAutofit fontScale="90000"/>
+          </a:bodyPr>
+          <a:lstStyle/>
+          <a:p>
+            <a:pPr algn="l"/>
+            <a:r>
+              <a:rPr lang="zh-CN" altLang="en-US" sz="2800" dirty="0">
+                <a:solidFill>
+                  <a:srgbClr val="000000"/>
+                </a:solidFill>
+                <a:latin typeface="UKaiCN"/>
+              </a:rPr>
+              <a:t>泛型</a:t>
+            </a:r>
+            <a:r>
+              <a:rPr lang="zh-CN" altLang="en-US" sz="2400" dirty="0"/>
+              <a:t> </a:t>
+            </a:r>
+            <a:endParaRPr lang="zh-CN" altLang="en-US" sz="2800" dirty="0"/>
+          </a:p>
+        </p:txBody>
+      </p:sp>
+      <p:sp>
+        <p:nvSpPr>
+          <p:cNvPr id="3" name="内容占位符 2"/>
+          <p:cNvSpPr>
+            <a:spLocks noGrp="1"/>
+          </p:cNvSpPr>
+          <p:nvPr>
+            <p:ph idx="1"/>
+          </p:nvPr>
+        </p:nvSpPr>
+        <p:spPr>
+          <a:xfrm>
+            <a:off x="457200" y="908720"/>
+            <a:ext cx="8229600" cy="5217443"/>
+          </a:xfrm>
+        </p:spPr>
+        <p:txBody>
+          <a:bodyPr>
+            <a:normAutofit/>
+          </a:bodyPr>
+          <a:lstStyle/>
+          <a:p>
+            <a:endParaRPr lang="zh-CN" altLang="en-US" sz="1800" dirty="0"/>
+          </a:p>
+        </p:txBody>
+      </p:sp>
+    </p:spTree>
+    <p:extLst>
+      <p:ext uri="{BB962C8B-B14F-4D97-AF65-F5344CB8AC3E}">
+        <p14:creationId xmlns:p14="http://schemas.microsoft.com/office/powerpoint/2010/main" val="1774172269"/>
+      </p:ext>
+    </p:extLst>
+  </p:cSld>
+  <p:clrMapOvr>
+    <a:masterClrMapping/>
+  </p:clrMapOvr>
+  <p:timing>
+    <p:tnLst>
+      <p:par>
+        <p:cTn id="1" dur="indefinite" restart="never" nodeType="tmRoot"/>
+      </p:par>
+    </p:tnLst>
+  </p:timing>
+</p:sld>
+</file>
+
+<file path=ppt/slides/slide29.xml><?xml version="1.0" encoding="utf-8"?>
+<p:sld xmlns:a="http://schemas.openxmlformats.org/drawingml/2006/main" xmlns:r="http://schemas.openxmlformats.org/officeDocument/2006/relationships" xmlns:p="http://schemas.openxmlformats.org/presentationml/2006/main">
+  <p:cSld>
+    <p:spTree>
+      <p:nvGrpSpPr>
+        <p:cNvPr id="1" name=""/>
+        <p:cNvGrpSpPr/>
+        <p:nvPr/>
+      </p:nvGrpSpPr>
+      <p:grpSpPr>
+        <a:xfrm>
+          <a:off x="0" y="0"/>
+          <a:ext cx="0" cy="0"/>
+          <a:chOff x="0" y="0"/>
+          <a:chExt cx="0" cy="0"/>
+        </a:xfrm>
+      </p:grpSpPr>
+      <p:sp>
+        <p:nvSpPr>
+          <p:cNvPr id="2" name="标题 1"/>
+          <p:cNvSpPr>
+            <a:spLocks noGrp="1"/>
+          </p:cNvSpPr>
+          <p:nvPr>
+            <p:ph type="title"/>
+          </p:nvPr>
+        </p:nvSpPr>
+        <p:spPr>
+          <a:xfrm>
+            <a:off x="457200" y="274638"/>
+            <a:ext cx="1522512" cy="346050"/>
+          </a:xfrm>
+        </p:spPr>
+        <p:txBody>
+          <a:bodyPr>
+            <a:normAutofit fontScale="90000"/>
+          </a:bodyPr>
+          <a:lstStyle/>
+          <a:p>
+            <a:pPr algn="l"/>
+            <a:r>
+              <a:rPr lang="zh-CN" altLang="en-US" sz="2800" dirty="0" smtClean="0"/>
+              <a:t>条件语句</a:t>
+            </a:r>
+            <a:endParaRPr lang="zh-CN" altLang="en-US" sz="2800" dirty="0"/>
+          </a:p>
+        </p:txBody>
+      </p:sp>
+      <p:sp>
+        <p:nvSpPr>
+          <p:cNvPr id="3" name="内容占位符 2"/>
+          <p:cNvSpPr>
+            <a:spLocks noGrp="1"/>
+          </p:cNvSpPr>
+          <p:nvPr>
+            <p:ph idx="1"/>
+          </p:nvPr>
+        </p:nvSpPr>
+        <p:spPr>
+          <a:xfrm>
+            <a:off x="457200" y="908720"/>
+            <a:ext cx="8229600" cy="5217443"/>
+          </a:xfrm>
+        </p:spPr>
+        <p:txBody>
+          <a:bodyPr>
+            <a:normAutofit/>
+          </a:bodyPr>
+          <a:lstStyle/>
+          <a:p>
+            <a:endParaRPr lang="zh-CN" altLang="en-US" sz="1800" dirty="0"/>
+          </a:p>
+        </p:txBody>
+      </p:sp>
+    </p:spTree>
+    <p:extLst>
+      <p:ext uri="{BB962C8B-B14F-4D97-AF65-F5344CB8AC3E}">
+        <p14:creationId xmlns:p14="http://schemas.microsoft.com/office/powerpoint/2010/main" val="1774172269"/>
+      </p:ext>
+    </p:extLst>
+  </p:cSld>
+  <p:clrMapOvr>
+    <a:masterClrMapping/>
+  </p:clrMapOvr>
+  <p:timing>
+    <p:tnLst>
+      <p:par>
+        <p:cTn id="1" dur="indefinite" restart="never" nodeType="tmRoot"/>
+      </p:par>
+    </p:tnLst>
+  </p:timing>
 </p:sld>
 </file>
 
@@ -12098,6 +13187,382 @@
 </p:sld>
 </file>
 
+<file path=ppt/slides/slide30.xml><?xml version="1.0" encoding="utf-8"?>
+<p:sld xmlns:a="http://schemas.openxmlformats.org/drawingml/2006/main" xmlns:r="http://schemas.openxmlformats.org/officeDocument/2006/relationships" xmlns:p="http://schemas.openxmlformats.org/presentationml/2006/main">
+  <p:cSld>
+    <p:spTree>
+      <p:nvGrpSpPr>
+        <p:cNvPr id="1" name=""/>
+        <p:cNvGrpSpPr/>
+        <p:nvPr/>
+      </p:nvGrpSpPr>
+      <p:grpSpPr>
+        <a:xfrm>
+          <a:off x="0" y="0"/>
+          <a:ext cx="0" cy="0"/>
+          <a:chOff x="0" y="0"/>
+          <a:chExt cx="0" cy="0"/>
+        </a:xfrm>
+      </p:grpSpPr>
+      <p:sp>
+        <p:nvSpPr>
+          <p:cNvPr id="2" name="标题 1"/>
+          <p:cNvSpPr>
+            <a:spLocks noGrp="1"/>
+          </p:cNvSpPr>
+          <p:nvPr>
+            <p:ph type="title"/>
+          </p:nvPr>
+        </p:nvSpPr>
+        <p:spPr>
+          <a:xfrm>
+            <a:off x="457200" y="274638"/>
+            <a:ext cx="1522512" cy="346050"/>
+          </a:xfrm>
+        </p:spPr>
+        <p:txBody>
+          <a:bodyPr>
+            <a:normAutofit fontScale="90000"/>
+          </a:bodyPr>
+          <a:lstStyle/>
+          <a:p>
+            <a:pPr algn="l"/>
+            <a:r>
+              <a:rPr lang="zh-CN" altLang="en-US" sz="2800" dirty="0" smtClean="0"/>
+              <a:t>条件语句</a:t>
+            </a:r>
+            <a:endParaRPr lang="zh-CN" altLang="en-US" sz="2800" dirty="0"/>
+          </a:p>
+        </p:txBody>
+      </p:sp>
+      <p:sp>
+        <p:nvSpPr>
+          <p:cNvPr id="3" name="内容占位符 2"/>
+          <p:cNvSpPr>
+            <a:spLocks noGrp="1"/>
+          </p:cNvSpPr>
+          <p:nvPr>
+            <p:ph idx="1"/>
+          </p:nvPr>
+        </p:nvSpPr>
+        <p:spPr>
+          <a:xfrm>
+            <a:off x="457200" y="908720"/>
+            <a:ext cx="8229600" cy="5217443"/>
+          </a:xfrm>
+        </p:spPr>
+        <p:txBody>
+          <a:bodyPr>
+            <a:normAutofit/>
+          </a:bodyPr>
+          <a:lstStyle/>
+          <a:p>
+            <a:endParaRPr lang="zh-CN" altLang="en-US" sz="1800" dirty="0"/>
+          </a:p>
+        </p:txBody>
+      </p:sp>
+    </p:spTree>
+    <p:extLst>
+      <p:ext uri="{BB962C8B-B14F-4D97-AF65-F5344CB8AC3E}">
+        <p14:creationId xmlns:p14="http://schemas.microsoft.com/office/powerpoint/2010/main" val="1774172269"/>
+      </p:ext>
+    </p:extLst>
+  </p:cSld>
+  <p:clrMapOvr>
+    <a:masterClrMapping/>
+  </p:clrMapOvr>
+  <p:timing>
+    <p:tnLst>
+      <p:par>
+        <p:cTn id="1" dur="indefinite" restart="never" nodeType="tmRoot"/>
+      </p:par>
+    </p:tnLst>
+  </p:timing>
+</p:sld>
+</file>
+
+<file path=ppt/slides/slide31.xml><?xml version="1.0" encoding="utf-8"?>
+<p:sld xmlns:a="http://schemas.openxmlformats.org/drawingml/2006/main" xmlns:r="http://schemas.openxmlformats.org/officeDocument/2006/relationships" xmlns:p="http://schemas.openxmlformats.org/presentationml/2006/main">
+  <p:cSld>
+    <p:spTree>
+      <p:nvGrpSpPr>
+        <p:cNvPr id="1" name=""/>
+        <p:cNvGrpSpPr/>
+        <p:nvPr/>
+      </p:nvGrpSpPr>
+      <p:grpSpPr>
+        <a:xfrm>
+          <a:off x="0" y="0"/>
+          <a:ext cx="0" cy="0"/>
+          <a:chOff x="0" y="0"/>
+          <a:chExt cx="0" cy="0"/>
+        </a:xfrm>
+      </p:grpSpPr>
+      <p:sp>
+        <p:nvSpPr>
+          <p:cNvPr id="2" name="标题 1"/>
+          <p:cNvSpPr>
+            <a:spLocks noGrp="1"/>
+          </p:cNvSpPr>
+          <p:nvPr>
+            <p:ph type="title"/>
+          </p:nvPr>
+        </p:nvSpPr>
+        <p:spPr>
+          <a:xfrm>
+            <a:off x="457200" y="274638"/>
+            <a:ext cx="1522512" cy="346050"/>
+          </a:xfrm>
+        </p:spPr>
+        <p:txBody>
+          <a:bodyPr>
+            <a:normAutofit fontScale="90000"/>
+          </a:bodyPr>
+          <a:lstStyle/>
+          <a:p>
+            <a:pPr algn="l"/>
+            <a:r>
+              <a:rPr lang="zh-CN" altLang="en-US" sz="2800" dirty="0" smtClean="0"/>
+              <a:t>条件语句</a:t>
+            </a:r>
+            <a:endParaRPr lang="zh-CN" altLang="en-US" sz="2800" dirty="0"/>
+          </a:p>
+        </p:txBody>
+      </p:sp>
+      <p:sp>
+        <p:nvSpPr>
+          <p:cNvPr id="3" name="内容占位符 2"/>
+          <p:cNvSpPr>
+            <a:spLocks noGrp="1"/>
+          </p:cNvSpPr>
+          <p:nvPr>
+            <p:ph idx="1"/>
+          </p:nvPr>
+        </p:nvSpPr>
+        <p:spPr>
+          <a:xfrm>
+            <a:off x="457200" y="908720"/>
+            <a:ext cx="8229600" cy="5217443"/>
+          </a:xfrm>
+        </p:spPr>
+        <p:txBody>
+          <a:bodyPr>
+            <a:normAutofit/>
+          </a:bodyPr>
+          <a:lstStyle/>
+          <a:p>
+            <a:endParaRPr lang="zh-CN" altLang="en-US" sz="1800" dirty="0"/>
+          </a:p>
+        </p:txBody>
+      </p:sp>
+    </p:spTree>
+    <p:extLst>
+      <p:ext uri="{BB962C8B-B14F-4D97-AF65-F5344CB8AC3E}">
+        <p14:creationId xmlns:p14="http://schemas.microsoft.com/office/powerpoint/2010/main" val="1774172269"/>
+      </p:ext>
+    </p:extLst>
+  </p:cSld>
+  <p:clrMapOvr>
+    <a:masterClrMapping/>
+  </p:clrMapOvr>
+  <p:timing>
+    <p:tnLst>
+      <p:par>
+        <p:cTn id="1" dur="indefinite" restart="never" nodeType="tmRoot"/>
+      </p:par>
+    </p:tnLst>
+  </p:timing>
+</p:sld>
+</file>
+
+<file path=ppt/slides/slide32.xml><?xml version="1.0" encoding="utf-8"?>
+<p:sld xmlns:a="http://schemas.openxmlformats.org/drawingml/2006/main" xmlns:r="http://schemas.openxmlformats.org/officeDocument/2006/relationships" xmlns:p="http://schemas.openxmlformats.org/presentationml/2006/main">
+  <p:cSld>
+    <p:spTree>
+      <p:nvGrpSpPr>
+        <p:cNvPr id="1" name=""/>
+        <p:cNvGrpSpPr/>
+        <p:nvPr/>
+      </p:nvGrpSpPr>
+      <p:grpSpPr>
+        <a:xfrm>
+          <a:off x="0" y="0"/>
+          <a:ext cx="0" cy="0"/>
+          <a:chOff x="0" y="0"/>
+          <a:chExt cx="0" cy="0"/>
+        </a:xfrm>
+      </p:grpSpPr>
+      <p:sp>
+        <p:nvSpPr>
+          <p:cNvPr id="2" name="标题 1"/>
+          <p:cNvSpPr>
+            <a:spLocks noGrp="1"/>
+          </p:cNvSpPr>
+          <p:nvPr>
+            <p:ph type="title"/>
+          </p:nvPr>
+        </p:nvSpPr>
+        <p:spPr>
+          <a:xfrm>
+            <a:off x="457200" y="274638"/>
+            <a:ext cx="1522512" cy="346050"/>
+          </a:xfrm>
+        </p:spPr>
+        <p:txBody>
+          <a:bodyPr>
+            <a:normAutofit fontScale="90000"/>
+          </a:bodyPr>
+          <a:lstStyle/>
+          <a:p>
+            <a:pPr algn="l"/>
+            <a:r>
+              <a:rPr lang="zh-CN" altLang="en-US" sz="2800" dirty="0" smtClean="0"/>
+              <a:t>条件语句</a:t>
+            </a:r>
+            <a:endParaRPr lang="zh-CN" altLang="en-US" sz="2800" dirty="0"/>
+          </a:p>
+        </p:txBody>
+      </p:sp>
+      <p:sp>
+        <p:nvSpPr>
+          <p:cNvPr id="3" name="内容占位符 2"/>
+          <p:cNvSpPr>
+            <a:spLocks noGrp="1"/>
+          </p:cNvSpPr>
+          <p:nvPr>
+            <p:ph idx="1"/>
+          </p:nvPr>
+        </p:nvSpPr>
+        <p:spPr>
+          <a:xfrm>
+            <a:off x="457200" y="908720"/>
+            <a:ext cx="8229600" cy="5217443"/>
+          </a:xfrm>
+        </p:spPr>
+        <p:txBody>
+          <a:bodyPr>
+            <a:normAutofit/>
+          </a:bodyPr>
+          <a:lstStyle/>
+          <a:p>
+            <a:endParaRPr lang="zh-CN" altLang="en-US" sz="1800" dirty="0"/>
+          </a:p>
+        </p:txBody>
+      </p:sp>
+    </p:spTree>
+    <p:extLst>
+      <p:ext uri="{BB962C8B-B14F-4D97-AF65-F5344CB8AC3E}">
+        <p14:creationId xmlns:p14="http://schemas.microsoft.com/office/powerpoint/2010/main" val="1774172269"/>
+      </p:ext>
+    </p:extLst>
+  </p:cSld>
+  <p:clrMapOvr>
+    <a:masterClrMapping/>
+  </p:clrMapOvr>
+  <p:timing>
+    <p:tnLst>
+      <p:par>
+        <p:cTn id="1" dur="indefinite" restart="never" nodeType="tmRoot"/>
+      </p:par>
+    </p:tnLst>
+  </p:timing>
+</p:sld>
+</file>
+
+<file path=ppt/slides/slide33.xml><?xml version="1.0" encoding="utf-8"?>
+<p:sld xmlns:a="http://schemas.openxmlformats.org/drawingml/2006/main" xmlns:r="http://schemas.openxmlformats.org/officeDocument/2006/relationships" xmlns:p="http://schemas.openxmlformats.org/presentationml/2006/main">
+  <p:cSld>
+    <p:spTree>
+      <p:nvGrpSpPr>
+        <p:cNvPr id="1" name=""/>
+        <p:cNvGrpSpPr/>
+        <p:nvPr/>
+      </p:nvGrpSpPr>
+      <p:grpSpPr>
+        <a:xfrm>
+          <a:off x="0" y="0"/>
+          <a:ext cx="0" cy="0"/>
+          <a:chOff x="0" y="0"/>
+          <a:chExt cx="0" cy="0"/>
+        </a:xfrm>
+      </p:grpSpPr>
+      <p:sp>
+        <p:nvSpPr>
+          <p:cNvPr id="2" name="标题 1"/>
+          <p:cNvSpPr>
+            <a:spLocks noGrp="1"/>
+          </p:cNvSpPr>
+          <p:nvPr>
+            <p:ph type="title"/>
+          </p:nvPr>
+        </p:nvSpPr>
+        <p:spPr>
+          <a:xfrm>
+            <a:off x="457200" y="274638"/>
+            <a:ext cx="1522512" cy="346050"/>
+          </a:xfrm>
+        </p:spPr>
+        <p:txBody>
+          <a:bodyPr>
+            <a:normAutofit fontScale="90000"/>
+          </a:bodyPr>
+          <a:lstStyle/>
+          <a:p>
+            <a:pPr algn="l"/>
+            <a:r>
+              <a:rPr lang="zh-CN" altLang="en-US" sz="2800" dirty="0" smtClean="0"/>
+              <a:t>条件语句</a:t>
+            </a:r>
+            <a:endParaRPr lang="zh-CN" altLang="en-US" sz="2800" dirty="0"/>
+          </a:p>
+        </p:txBody>
+      </p:sp>
+      <p:sp>
+        <p:nvSpPr>
+          <p:cNvPr id="3" name="内容占位符 2"/>
+          <p:cNvSpPr>
+            <a:spLocks noGrp="1"/>
+          </p:cNvSpPr>
+          <p:nvPr>
+            <p:ph idx="1"/>
+          </p:nvPr>
+        </p:nvSpPr>
+        <p:spPr>
+          <a:xfrm>
+            <a:off x="457200" y="908720"/>
+            <a:ext cx="8229600" cy="5217443"/>
+          </a:xfrm>
+        </p:spPr>
+        <p:txBody>
+          <a:bodyPr>
+            <a:normAutofit/>
+          </a:bodyPr>
+          <a:lstStyle/>
+          <a:p>
+            <a:endParaRPr lang="zh-CN" altLang="en-US" sz="1800" dirty="0"/>
+          </a:p>
+        </p:txBody>
+      </p:sp>
+    </p:spTree>
+    <p:extLst>
+      <p:ext uri="{BB962C8B-B14F-4D97-AF65-F5344CB8AC3E}">
+        <p14:creationId xmlns:p14="http://schemas.microsoft.com/office/powerpoint/2010/main" val="1774172269"/>
+      </p:ext>
+    </p:extLst>
+  </p:cSld>
+  <p:clrMapOvr>
+    <a:masterClrMapping/>
+  </p:clrMapOvr>
+  <p:timing>
+    <p:tnLst>
+      <p:par>
+        <p:cTn id="1" dur="indefinite" restart="never" nodeType="tmRoot"/>
+      </p:par>
+    </p:tnLst>
+  </p:timing>
+</p:sld>
+</file>
+
 <file path=ppt/slides/slide4.xml><?xml version="1.0" encoding="utf-8"?>
 <p:sld xmlns:a="http://schemas.openxmlformats.org/drawingml/2006/main" xmlns:r="http://schemas.openxmlformats.org/officeDocument/2006/relationships" xmlns:p="http://schemas.openxmlformats.org/presentationml/2006/main">
   <p:cSld>
@@ -12610,6 +14075,13 @@
   <p:clrMapOvr>
     <a:masterClrMapping/>
   </p:clrMapOvr>
+  <p:timing>
+    <p:tnLst>
+      <p:par>
+        <p:cTn id="1" dur="indefinite" restart="never" nodeType="tmRoot"/>
+      </p:par>
+    </p:tnLst>
+  </p:timing>
 </p:sld>
 </file>
 
@@ -14284,6 +15756,13 @@
   <p:clrMapOvr>
     <a:masterClrMapping/>
   </p:clrMapOvr>
+  <p:timing>
+    <p:tnLst>
+      <p:par>
+        <p:cTn id="1" dur="indefinite" restart="never" nodeType="tmRoot"/>
+      </p:par>
+    </p:tnLst>
+  </p:timing>
 </p:sld>
 </file>
 
@@ -15071,6 +16550,13 @@
   <p:clrMapOvr>
     <a:masterClrMapping/>
   </p:clrMapOvr>
+  <p:timing>
+    <p:tnLst>
+      <p:par>
+        <p:cTn id="1" dur="indefinite" restart="never" nodeType="tmRoot"/>
+      </p:par>
+    </p:tnLst>
+  </p:timing>
 </p:sld>
 </file>
 
@@ -15616,6 +17102,13 @@
   <p:clrMapOvr>
     <a:masterClrMapping/>
   </p:clrMapOvr>
+  <p:timing>
+    <p:tnLst>
+      <p:par>
+        <p:cTn id="1" dur="indefinite" restart="never" nodeType="tmRoot"/>
+      </p:par>
+    </p:tnLst>
+  </p:timing>
 </p:sld>
 </file>
 
@@ -16435,6 +17928,13 @@
   <p:clrMapOvr>
     <a:masterClrMapping/>
   </p:clrMapOvr>
+  <p:timing>
+    <p:tnLst>
+      <p:par>
+        <p:cTn id="1" dur="indefinite" restart="never" nodeType="tmRoot"/>
+      </p:par>
+    </p:tnLst>
+  </p:timing>
 </p:sld>
 </file>
 

--- a/Kotlin初探.pptx
+++ b/Kotlin初探.pptx
@@ -5,7 +5,7 @@
     <p:sldMasterId id="2147483648" r:id="rId1"/>
   </p:sldMasterIdLst>
   <p:notesMasterIdLst>
-    <p:notesMasterId r:id="rId39"/>
+    <p:notesMasterId r:id="rId38"/>
   </p:notesMasterIdLst>
   <p:sldIdLst>
     <p:sldId id="256" r:id="rId2"/>
@@ -42,9 +42,8 @@
     <p:sldId id="286" r:id="rId33"/>
     <p:sldId id="298" r:id="rId34"/>
     <p:sldId id="290" r:id="rId35"/>
-    <p:sldId id="303" r:id="rId36"/>
-    <p:sldId id="302" r:id="rId37"/>
-    <p:sldId id="284" r:id="rId38"/>
+    <p:sldId id="304" r:id="rId36"/>
+    <p:sldId id="303" r:id="rId37"/>
   </p:sldIdLst>
   <p:sldSz cx="9144000" cy="6858000" type="screen4x3"/>
   <p:notesSz cx="6858000" cy="9144000"/>
@@ -145,7 +144,7 @@
   </p:defaultTextStyle>
   <p:extLst>
     <p:ext uri="{EFAFB233-063F-42B5-8137-9DF3F51BA10A}">
-      <p15:sldGuideLst xmlns:p15="http://schemas.microsoft.com/office/powerpoint/2012/main" xmlns="">
+      <p15:sldGuideLst xmlns:p15="http://schemas.microsoft.com/office/powerpoint/2012/main">
         <p15:guide id="1" orient="horz" pos="2160">
           <p15:clr>
             <a:srgbClr val="A4A3A4"/>
@@ -244,7 +243,7 @@
           <a:p>
             <a:fld id="{931F2E7C-CA9D-CF46-AA52-C759D83E6372}" type="datetimeFigureOut">
               <a:rPr kumimoji="1" lang="zh-CN" altLang="en-US" smtClean="0"/>
-              <a:t>2017/9/14</a:t>
+              <a:t>2017/9/15</a:t>
             </a:fld>
             <a:endParaRPr kumimoji="1" lang="zh-CN" altLang="en-US"/>
           </a:p>
@@ -777,7 +776,7 @@
           <a:p>
             <a:fld id="{530820CF-B880-4189-942D-D702A7CBA730}" type="datetimeFigureOut">
               <a:rPr lang="zh-CN" altLang="en-US" smtClean="0"/>
-              <a:t>2017/9/14</a:t>
+              <a:t>2017/9/15</a:t>
             </a:fld>
             <a:endParaRPr lang="zh-CN" altLang="en-US"/>
           </a:p>
@@ -942,7 +941,7 @@
           <a:p>
             <a:fld id="{530820CF-B880-4189-942D-D702A7CBA730}" type="datetimeFigureOut">
               <a:rPr lang="zh-CN" altLang="en-US" smtClean="0"/>
-              <a:t>2017/9/14</a:t>
+              <a:t>2017/9/15</a:t>
             </a:fld>
             <a:endParaRPr lang="zh-CN" altLang="en-US"/>
           </a:p>
@@ -1117,7 +1116,7 @@
           <a:p>
             <a:fld id="{530820CF-B880-4189-942D-D702A7CBA730}" type="datetimeFigureOut">
               <a:rPr lang="zh-CN" altLang="en-US" smtClean="0"/>
-              <a:t>2017/9/14</a:t>
+              <a:t>2017/9/15</a:t>
             </a:fld>
             <a:endParaRPr lang="zh-CN" altLang="en-US"/>
           </a:p>
@@ -1282,7 +1281,7 @@
           <a:p>
             <a:fld id="{530820CF-B880-4189-942D-D702A7CBA730}" type="datetimeFigureOut">
               <a:rPr lang="zh-CN" altLang="en-US" smtClean="0"/>
-              <a:t>2017/9/14</a:t>
+              <a:t>2017/9/15</a:t>
             </a:fld>
             <a:endParaRPr lang="zh-CN" altLang="en-US"/>
           </a:p>
@@ -1523,7 +1522,7 @@
           <a:p>
             <a:fld id="{530820CF-B880-4189-942D-D702A7CBA730}" type="datetimeFigureOut">
               <a:rPr lang="zh-CN" altLang="en-US" smtClean="0"/>
-              <a:t>2017/9/14</a:t>
+              <a:t>2017/9/15</a:t>
             </a:fld>
             <a:endParaRPr lang="zh-CN" altLang="en-US"/>
           </a:p>
@@ -1806,7 +1805,7 @@
           <a:p>
             <a:fld id="{530820CF-B880-4189-942D-D702A7CBA730}" type="datetimeFigureOut">
               <a:rPr lang="zh-CN" altLang="en-US" smtClean="0"/>
-              <a:t>2017/9/14</a:t>
+              <a:t>2017/9/15</a:t>
             </a:fld>
             <a:endParaRPr lang="zh-CN" altLang="en-US"/>
           </a:p>
@@ -2223,7 +2222,7 @@
           <a:p>
             <a:fld id="{530820CF-B880-4189-942D-D702A7CBA730}" type="datetimeFigureOut">
               <a:rPr lang="zh-CN" altLang="en-US" smtClean="0"/>
-              <a:t>2017/9/14</a:t>
+              <a:t>2017/9/15</a:t>
             </a:fld>
             <a:endParaRPr lang="zh-CN" altLang="en-US"/>
           </a:p>
@@ -2336,7 +2335,7 @@
           <a:p>
             <a:fld id="{530820CF-B880-4189-942D-D702A7CBA730}" type="datetimeFigureOut">
               <a:rPr lang="zh-CN" altLang="en-US" smtClean="0"/>
-              <a:t>2017/9/14</a:t>
+              <a:t>2017/9/15</a:t>
             </a:fld>
             <a:endParaRPr lang="zh-CN" altLang="en-US"/>
           </a:p>
@@ -2426,7 +2425,7 @@
           <a:p>
             <a:fld id="{530820CF-B880-4189-942D-D702A7CBA730}" type="datetimeFigureOut">
               <a:rPr lang="zh-CN" altLang="en-US" smtClean="0"/>
-              <a:t>2017/9/14</a:t>
+              <a:t>2017/9/15</a:t>
             </a:fld>
             <a:endParaRPr lang="zh-CN" altLang="en-US"/>
           </a:p>
@@ -2698,7 +2697,7 @@
           <a:p>
             <a:fld id="{530820CF-B880-4189-942D-D702A7CBA730}" type="datetimeFigureOut">
               <a:rPr lang="zh-CN" altLang="en-US" smtClean="0"/>
-              <a:t>2017/9/14</a:t>
+              <a:t>2017/9/15</a:t>
             </a:fld>
             <a:endParaRPr lang="zh-CN" altLang="en-US"/>
           </a:p>
@@ -2946,7 +2945,7 @@
           <a:p>
             <a:fld id="{530820CF-B880-4189-942D-D702A7CBA730}" type="datetimeFigureOut">
               <a:rPr lang="zh-CN" altLang="en-US" smtClean="0"/>
-              <a:t>2017/9/14</a:t>
+              <a:t>2017/9/15</a:t>
             </a:fld>
             <a:endParaRPr lang="zh-CN" altLang="en-US"/>
           </a:p>
@@ -3154,7 +3153,7 @@
           <a:p>
             <a:fld id="{530820CF-B880-4189-942D-D702A7CBA730}" type="datetimeFigureOut">
               <a:rPr lang="zh-CN" altLang="en-US" smtClean="0"/>
-              <a:t>2017/9/14</a:t>
+              <a:t>2017/9/15</a:t>
             </a:fld>
             <a:endParaRPr lang="zh-CN" altLang="en-US"/>
           </a:p>
@@ -8534,7 +8533,7 @@
             </a:r>
             <a:r>
               <a:rPr kumimoji="1" lang="zh-CN" altLang="en-US" dirty="0" smtClean="0"/>
-              <a:t>安全</a:t>
+              <a:t>空安全</a:t>
             </a:r>
             <a:endParaRPr kumimoji="1" lang="en-US" altLang="zh-CN" dirty="0" smtClean="0"/>
           </a:p>
@@ -8655,12 +8654,12 @@
         <p:spPr>
           <a:xfrm>
             <a:off x="457200" y="908720"/>
-            <a:ext cx="8229600" cy="5217443"/>
+            <a:ext cx="8229600" cy="5688632"/>
           </a:xfrm>
         </p:spPr>
         <p:txBody>
           <a:bodyPr>
-            <a:normAutofit fontScale="92500" lnSpcReduction="20000"/>
+            <a:normAutofit fontScale="92500" lnSpcReduction="10000"/>
           </a:bodyPr>
           <a:lstStyle/>
           <a:p>
@@ -8910,7 +8909,6 @@
               <a:rPr lang="en-US" altLang="zh-CN" sz="1800" dirty="0" smtClean="0"/>
               <a:t> }</a:t>
             </a:r>
-            <a:endParaRPr lang="en-US" altLang="zh-CN" sz="1800" dirty="0" smtClean="0"/>
           </a:p>
           <a:p>
             <a:r>
@@ -9182,6 +9180,72 @@
             <a:r>
               <a:rPr lang="en-US" altLang="zh-CN" sz="1800" dirty="0" smtClean="0"/>
               <a:t>)</a:t>
+            </a:r>
+          </a:p>
+          <a:p>
+            <a:r>
+              <a:rPr lang="en-US" altLang="zh-CN" sz="1800" dirty="0">
+                <a:solidFill>
+                  <a:srgbClr val="CC7832"/>
+                </a:solidFill>
+              </a:rPr>
+              <a:t>fun</a:t>
+            </a:r>
+            <a:r>
+              <a:rPr lang="zh-CN" altLang="en-US" sz="1800" dirty="0" smtClean="0"/>
+              <a:t> </a:t>
+            </a:r>
+            <a:r>
+              <a:rPr lang="en-US" altLang="zh-CN" sz="1800" dirty="0" err="1"/>
+              <a:t>View.</a:t>
+            </a:r>
+            <a:r>
+              <a:rPr lang="en-US" altLang="zh-CN" sz="1800" i="1" dirty="0" err="1">
+                <a:solidFill>
+                  <a:srgbClr val="FFC66D"/>
+                </a:solidFill>
+              </a:rPr>
+              <a:t>doExten</a:t>
+            </a:r>
+            <a:r>
+              <a:rPr lang="en-US" altLang="zh-CN" sz="1800" dirty="0" err="1">
+                <a:solidFill>
+                  <a:srgbClr val="FFC66D"/>
+                </a:solidFill>
+              </a:rPr>
+              <a:t>dFun</a:t>
+            </a:r>
+            <a:r>
+              <a:rPr lang="en-US" altLang="zh-CN" sz="1800" dirty="0"/>
+              <a:t>(){</a:t>
+            </a:r>
+            <a:r>
+              <a:rPr lang="zh-CN" altLang="en-US" sz="1800" dirty="0">
+                <a:solidFill>
+                  <a:srgbClr val="FFC66D"/>
+                </a:solidFill>
+              </a:rPr>
+              <a:t> </a:t>
+            </a:r>
+            <a:r>
+              <a:rPr lang="en-US" altLang="zh-CN" sz="1800" dirty="0" smtClean="0"/>
+              <a:t>..</a:t>
+            </a:r>
+            <a:r>
+              <a:rPr lang="zh-CN" altLang="en-US" sz="1800" dirty="0" smtClean="0"/>
+              <a:t> </a:t>
+            </a:r>
+            <a:r>
+              <a:rPr lang="mr-IN" altLang="zh-CN" sz="1800" dirty="0" smtClean="0"/>
+              <a:t>…</a:t>
+            </a:r>
+            <a:r>
+              <a:rPr lang="en-US" altLang="zh-CN" sz="1800" dirty="0" smtClean="0"/>
+              <a:t>}</a:t>
+            </a:r>
+            <a:r>
+              <a:rPr lang="en-US" altLang="zh-CN" sz="1800" dirty="0" smtClean="0"/>
+              <a:t/>
             </a:r>
             <a:br>
               <a:rPr lang="en-US" altLang="zh-CN" sz="1800" dirty="0" smtClean="0"/>
@@ -9461,21 +9525,18 @@
               <a:t> </a:t>
             </a:r>
             <a:r>
-              <a:rPr lang="en-US" altLang="zh-CN" sz="1800" dirty="0" err="1">
+              <a:rPr lang="en-US" altLang="zh-CN" sz="1800" dirty="0" err="1" smtClean="0">
                 <a:solidFill>
                   <a:srgbClr val="9876AA"/>
                 </a:solidFill>
               </a:rPr>
-              <a:t>male</a:t>
-            </a:r>
-            <a:r>
-              <a:rPr lang="en-US" altLang="zh-CN" sz="1800" dirty="0" err="1"/>
-              <a:t>:Boolean</a:t>
+              <a:t>img:String</a:t>
             </a:r>
             <a:r>
               <a:rPr lang="en-US" altLang="zh-CN" sz="1800" dirty="0" smtClean="0"/>
               <a:t>)</a:t>
             </a:r>
+            <a:endParaRPr lang="en-US" altLang="zh-CN" sz="1800" dirty="0" smtClean="0"/>
           </a:p>
           <a:p>
             <a:r>
@@ -9787,6 +9848,110 @@
               <a:rPr lang="en-US" altLang="zh-CN" sz="1800" dirty="0" smtClean="0"/>
               <a:t>true</a:t>
             </a:r>
+          </a:p>
+          <a:p>
+            <a:r>
+              <a:rPr lang="en-US" altLang="zh-CN" sz="1800" dirty="0" err="1" smtClean="0"/>
+              <a:t>mPerson.toString</a:t>
+            </a:r>
+            <a:r>
+              <a:rPr lang="en-US" altLang="zh-CN" sz="1800" dirty="0" smtClean="0"/>
+              <a:t>()</a:t>
+            </a:r>
+            <a:r>
+              <a:rPr lang="zh-CN" altLang="en-US" sz="1800" dirty="0" smtClean="0"/>
+              <a:t>   打印结果是</a:t>
+            </a:r>
+            <a:r>
+              <a:rPr lang="en-US" altLang="zh-CN" sz="1800" dirty="0" smtClean="0"/>
+              <a:t>:</a:t>
+            </a:r>
+            <a:r>
+              <a:rPr lang="zh-CN" altLang="en-US" sz="1800" dirty="0" smtClean="0"/>
+              <a:t>   </a:t>
+            </a:r>
+            <a:r>
+              <a:rPr lang="en-US" altLang="zh-CN" sz="1800" dirty="0" err="1" smtClean="0"/>
+              <a:t>name:Jim</a:t>
+            </a:r>
+            <a:r>
+              <a:rPr lang="en-US" altLang="zh-CN" sz="1800" dirty="0" smtClean="0"/>
+              <a:t>,</a:t>
+            </a:r>
+            <a:r>
+              <a:rPr lang="zh-CN" altLang="en-US" sz="1800" dirty="0" smtClean="0"/>
+              <a:t> </a:t>
+            </a:r>
+            <a:r>
+              <a:rPr lang="en-US" altLang="zh-CN" sz="1800" dirty="0" smtClean="0"/>
+              <a:t>age:20,</a:t>
+            </a:r>
+            <a:r>
+              <a:rPr lang="zh-CN" altLang="en-US" sz="1800" dirty="0" smtClean="0"/>
+              <a:t> </a:t>
+            </a:r>
+            <a:r>
+              <a:rPr lang="en-US" altLang="zh-CN" sz="1800" dirty="0" err="1" smtClean="0"/>
+              <a:t>img:www.url</a:t>
+            </a:r>
+            <a:endParaRPr lang="en-US" altLang="zh-CN" sz="1800" dirty="0" smtClean="0"/>
+          </a:p>
+          <a:p>
+            <a:r>
+              <a:rPr lang="en-US" altLang="zh-CN" sz="1800" dirty="0" err="1" smtClean="0"/>
+              <a:t>mPerson.copy</a:t>
+            </a:r>
+            <a:r>
+              <a:rPr lang="en-US" altLang="zh-CN" sz="1800" dirty="0" smtClean="0"/>
+              <a:t>()</a:t>
+            </a:r>
+            <a:r>
+              <a:rPr lang="zh-CN" altLang="en-US" sz="1800" dirty="0" smtClean="0"/>
+              <a:t>可以直接在构造方法里重新赋值新的属性值</a:t>
+            </a:r>
+            <a:endParaRPr lang="en-US" altLang="zh-CN" sz="1800" dirty="0" smtClean="0"/>
+          </a:p>
+          <a:p>
+            <a:pPr lvl="1"/>
+            <a:r>
+              <a:rPr lang="en-US" altLang="zh-CN" sz="1400" dirty="0" err="1" smtClean="0"/>
+              <a:t>mPerson.copy</a:t>
+            </a:r>
+            <a:r>
+              <a:rPr lang="en-US" altLang="zh-CN" sz="1400" dirty="0" smtClean="0"/>
+              <a:t>(name</a:t>
+            </a:r>
+            <a:r>
+              <a:rPr lang="zh-CN" altLang="en-US" sz="1400" dirty="0" smtClean="0"/>
+              <a:t> </a:t>
+            </a:r>
+            <a:r>
+              <a:rPr lang="en-US" altLang="zh-CN" sz="1400" dirty="0" smtClean="0"/>
+              <a:t>=</a:t>
+            </a:r>
+            <a:r>
+              <a:rPr lang="zh-CN" altLang="en-US" sz="1400" dirty="0" smtClean="0"/>
+              <a:t> </a:t>
+            </a:r>
+            <a:r>
+              <a:rPr lang="en-US" altLang="zh-CN" sz="1400" dirty="0" smtClean="0"/>
+              <a:t>“Jams”)</a:t>
+            </a:r>
+          </a:p>
+          <a:p>
+            <a:r>
+              <a:rPr lang="zh-CN" altLang="en-US" sz="1800" dirty="0" smtClean="0"/>
+              <a:t>得到新的</a:t>
+            </a:r>
+            <a:r>
+              <a:rPr lang="en-US" altLang="zh-CN" sz="1800" dirty="0" smtClean="0"/>
+              <a:t>Person</a:t>
+            </a:r>
+            <a:endParaRPr lang="en-US" altLang="zh-CN" sz="1800" dirty="0"/>
+          </a:p>
+          <a:p>
+            <a:pPr lvl="1"/>
+            <a:endParaRPr lang="en-US" altLang="zh-CN" sz="1400" dirty="0" smtClean="0"/>
           </a:p>
           <a:p>
             <a:endParaRPr lang="en-US" altLang="zh-CN" sz="1800" dirty="0"/>
@@ -9859,11 +10024,7 @@
             </a:r>
             <a:r>
               <a:rPr lang="zh-CN" altLang="en-US" sz="2800" dirty="0" smtClean="0"/>
-              <a:t> </a:t>
-            </a:r>
-            <a:r>
-              <a:rPr lang="zh-CN" altLang="en-US" sz="2800" dirty="0" smtClean="0"/>
-              <a:t>方法和属性的复写</a:t>
+              <a:t> 方法和属性的复写</a:t>
             </a:r>
             <a:endParaRPr lang="zh-CN" altLang="en-US" sz="2800" dirty="0"/>
           </a:p>
@@ -9896,11 +10057,15 @@
             </a:pPr>
             <a:r>
               <a:rPr lang="en-US" altLang="zh-CN" sz="1800" dirty="0" smtClean="0"/>
-              <a:t>1 </a:t>
+              <a:t>1</a:t>
             </a:r>
             <a:r>
               <a:rPr lang="zh-CN" altLang="en-US" sz="1800" dirty="0" smtClean="0"/>
-              <a:t>在继承父类的时候需要对父类的方法进行复写</a:t>
+              <a:t>  在</a:t>
+            </a:r>
+            <a:r>
+              <a:rPr lang="zh-CN" altLang="en-US" sz="1800" dirty="0" smtClean="0"/>
+              <a:t>继承父类的时候需要对父类的方法进行复写</a:t>
             </a:r>
             <a:r>
               <a:rPr lang="en-US" altLang="zh-CN" sz="1800" dirty="0" smtClean="0"/>
@@ -9999,7 +10164,11 @@
               <a:t>    </a:t>
             </a:r>
             <a:r>
-              <a:rPr lang="en-US" altLang="zh-CN" sz="2000" dirty="0" err="1">
+              <a:rPr lang="zh-CN" altLang="en-US" sz="2000" dirty="0" smtClean="0"/>
+              <a:t> </a:t>
+            </a:r>
+            <a:r>
+              <a:rPr lang="en-US" altLang="zh-CN" sz="2000" dirty="0" err="1" smtClean="0">
                 <a:solidFill>
                   <a:srgbClr val="CC7832"/>
                 </a:solidFill>
@@ -10007,7 +10176,7 @@
               <a:t>super</a:t>
             </a:r>
             <a:r>
-              <a:rPr lang="en-US" altLang="zh-CN" sz="2000" dirty="0" err="1"/>
+              <a:rPr lang="en-US" altLang="zh-CN" sz="2000" dirty="0" err="1" smtClean="0"/>
               <a:t>.printWeightOver</a:t>
             </a:r>
             <a:r>
@@ -10035,8 +10204,12 @@
               <a:t>2 </a:t>
             </a:r>
             <a:r>
+              <a:rPr lang="zh-CN" altLang="en-US" sz="1800" dirty="0" smtClean="0"/>
+              <a:t> 属性</a:t>
+            </a:r>
+            <a:r>
               <a:rPr lang="zh-CN" altLang="en-US" sz="1800" dirty="0"/>
-              <a:t>属性的</a:t>
+              <a:t>的</a:t>
             </a:r>
             <a:r>
               <a:rPr lang="zh-CN" altLang="en-US" sz="1800" dirty="0" smtClean="0"/>
@@ -10087,7 +10260,11 @@
               <a:t>    </a:t>
             </a:r>
             <a:r>
-              <a:rPr lang="en-US" altLang="zh-CN" sz="1800" dirty="0" err="1">
+              <a:rPr lang="zh-CN" altLang="en-US" sz="1800" dirty="0" smtClean="0"/>
+              <a:t> </a:t>
+            </a:r>
+            <a:r>
+              <a:rPr lang="en-US" altLang="zh-CN" sz="1800" dirty="0" err="1" smtClean="0">
                 <a:solidFill>
                   <a:srgbClr val="CC7832"/>
                 </a:solidFill>
@@ -10095,7 +10272,7 @@
               <a:t>val</a:t>
             </a:r>
             <a:r>
-              <a:rPr lang="en-US" altLang="zh-CN" sz="1800" dirty="0">
+              <a:rPr lang="en-US" altLang="zh-CN" sz="1800" dirty="0" smtClean="0">
                 <a:solidFill>
                   <a:srgbClr val="CC7832"/>
                 </a:solidFill>
@@ -10196,7 +10373,11 @@
               <a:t>    </a:t>
             </a:r>
             <a:r>
-              <a:rPr lang="en-US" altLang="zh-CN" sz="1800" dirty="0">
+              <a:rPr lang="zh-CN" altLang="en-US" sz="1800" dirty="0" smtClean="0"/>
+              <a:t> </a:t>
+            </a:r>
+            <a:r>
+              <a:rPr lang="en-US" altLang="zh-CN" sz="1800" dirty="0" smtClean="0">
                 <a:solidFill>
                   <a:srgbClr val="CC7832"/>
                 </a:solidFill>
@@ -10290,7 +10471,15 @@
             </a:br>
             <a:r>
               <a:rPr lang="en-US" altLang="zh-CN" sz="1800" dirty="0"/>
-              <a:t>    </a:t>
+              <a:t>   </a:t>
+            </a:r>
+            <a:r>
+              <a:rPr lang="zh-CN" altLang="en-US" sz="1800" dirty="0" smtClean="0"/>
+              <a:t>  </a:t>
+            </a:r>
+            <a:r>
+              <a:rPr lang="en-US" altLang="zh-CN" sz="1800" dirty="0" smtClean="0"/>
+              <a:t> </a:t>
             </a:r>
             <a:r>
               <a:rPr lang="en-US" altLang="zh-CN" sz="1800" dirty="0">
@@ -10360,7 +10549,15 @@
               <a:t>    </a:t>
             </a:r>
             <a:r>
-              <a:rPr lang="en-US" altLang="zh-CN" sz="1800" dirty="0">
+              <a:rPr lang="zh-CN" altLang="en-US" sz="1800" dirty="0" smtClean="0">
+                <a:solidFill>
+                  <a:srgbClr val="6897BB"/>
+                </a:solidFill>
+              </a:rPr>
+              <a:t>  </a:t>
+            </a:r>
+            <a:r>
+              <a:rPr lang="en-US" altLang="zh-CN" sz="1800" dirty="0" smtClean="0">
                 <a:solidFill>
                   <a:srgbClr val="CC7832"/>
                 </a:solidFill>
@@ -10498,11 +10695,7 @@
             </a:r>
             <a:r>
               <a:rPr lang="zh-CN" altLang="en-US" sz="2800" dirty="0" smtClean="0"/>
-              <a:t> </a:t>
-            </a:r>
-            <a:r>
-              <a:rPr lang="zh-CN" altLang="en-US" sz="2800" dirty="0" smtClean="0"/>
-              <a:t>复写注意</a:t>
+              <a:t> 复写注意</a:t>
             </a:r>
             <a:endParaRPr lang="zh-CN" altLang="en-US" sz="2800" dirty="0"/>
           </a:p>
@@ -10521,12 +10714,12 @@
         <p:spPr>
           <a:xfrm>
             <a:off x="457200" y="908720"/>
-            <a:ext cx="8229600" cy="5217443"/>
+            <a:ext cx="8229600" cy="5328592"/>
           </a:xfrm>
         </p:spPr>
         <p:txBody>
           <a:bodyPr>
-            <a:normAutofit fontScale="85000" lnSpcReduction="20000"/>
+            <a:normAutofit fontScale="85000" lnSpcReduction="10000"/>
           </a:bodyPr>
           <a:lstStyle/>
           <a:p>
@@ -10633,12 +10826,20 @@
               <a:t>的属性重写为</a:t>
             </a:r>
             <a:r>
-              <a:rPr lang="en-US" altLang="zh-CN" sz="1600" dirty="0" err="1"/>
+              <a:rPr lang="en-US" altLang="zh-CN" sz="1600" dirty="0" err="1" smtClean="0"/>
               <a:t>var</a:t>
             </a:r>
             <a:r>
+              <a:rPr lang="en-US" altLang="zh-CN" sz="1600" dirty="0" smtClean="0"/>
+              <a:t>	</a:t>
+            </a:r>
+            <a:r>
+              <a:rPr lang="zh-CN" altLang="en-US" sz="1600" dirty="0" smtClean="0"/>
+              <a:t>反</a:t>
+            </a:r>
+            <a:r>
               <a:rPr lang="zh-CN" altLang="en-US" sz="1600" dirty="0"/>
-              <a:t>反之不</a:t>
+              <a:t>之不</a:t>
             </a:r>
             <a:r>
               <a:rPr lang="zh-CN" altLang="en-US" sz="1600" dirty="0" smtClean="0"/>
@@ -11993,7 +12194,7 @@
         </p:spPr>
         <p:txBody>
           <a:bodyPr>
-            <a:normAutofit fontScale="92500" lnSpcReduction="10000"/>
+            <a:normAutofit/>
           </a:bodyPr>
           <a:lstStyle/>
           <a:p>
@@ -12084,14 +12285,30 @@
                   <a:srgbClr val="000000"/>
                 </a:solidFill>
               </a:rPr>
-              <a:t> @</a:t>
-            </a:r>
-            <a:r>
-              <a:rPr lang="en-US" altLang="zh-CN" sz="1800" dirty="0">
+              <a:t> </a:t>
+            </a:r>
+            <a:r>
+              <a:rPr lang="zh-CN" altLang="en-US" sz="1800" dirty="0" smtClean="0">
                 <a:solidFill>
                   <a:srgbClr val="000000"/>
                 </a:solidFill>
               </a:rPr>
+              <a:t>    </a:t>
+            </a:r>
+            <a:r>
+              <a:rPr lang="en-US" altLang="zh-CN" sz="1800" dirty="0" smtClean="0">
+                <a:solidFill>
+                  <a:srgbClr val="000000"/>
+                </a:solidFill>
+              </a:rPr>
+              <a:t>@</a:t>
+            </a:r>
+            <a:r>
+              <a:rPr lang="en-US" altLang="zh-CN" sz="1800" dirty="0">
+                <a:solidFill>
+                  <a:srgbClr val="000000"/>
+                </a:solidFill>
+              </a:rPr>
               <a:t>Override</a:t>
             </a:r>
             <a:br>
@@ -12102,6 +12319,14 @@
               </a:rPr>
             </a:br>
             <a:r>
+              <a:rPr lang="zh-CN" altLang="en-US" sz="1800" dirty="0" smtClean="0">
+                <a:solidFill>
+                  <a:srgbClr val="000000"/>
+                </a:solidFill>
+              </a:rPr>
+              <a:t>    </a:t>
+            </a:r>
+            <a:r>
               <a:rPr lang="en-US" altLang="zh-CN" sz="1800" dirty="0" smtClean="0">
                 <a:solidFill>
                   <a:srgbClr val="000000"/>
@@ -12162,15 +12387,43 @@
                   <a:srgbClr val="000000"/>
                 </a:solidFill>
               </a:rPr>
-              <a:t>  </a:t>
-            </a:r>
-            <a:r>
-              <a:rPr lang="en-US" altLang="zh-CN" sz="1800" dirty="0" err="1" smtClean="0">
+              <a:t> </a:t>
+            </a:r>
+            <a:r>
+              <a:rPr lang="zh-CN" altLang="en-US" sz="1800" dirty="0" smtClean="0">
                 <a:solidFill>
                   <a:srgbClr val="000000"/>
                 </a:solidFill>
               </a:rPr>
-              <a:t>Toast.makeText</a:t>
+              <a:t>    </a:t>
+            </a:r>
+            <a:r>
+              <a:rPr lang="en-US" altLang="zh-CN" sz="1800" dirty="0" err="1" smtClean="0"/>
+              <a:t>Log.v</a:t>
+            </a:r>
+            <a:r>
+              <a:rPr lang="en-US" altLang="zh-CN" sz="1800" dirty="0" smtClean="0"/>
+              <a:t>(TAG</a:t>
+            </a:r>
+            <a:r>
+              <a:rPr lang="en-US" altLang="zh-CN" sz="1800" dirty="0">
+                <a:solidFill>
+                  <a:srgbClr val="CC7832"/>
+                </a:solidFill>
+              </a:rPr>
+              <a:t>, </a:t>
+            </a:r>
+            <a:r>
+              <a:rPr lang="en-US" altLang="zh-CN" sz="1800" dirty="0">
+                <a:solidFill>
+                  <a:srgbClr val="6A8759"/>
+                </a:solidFill>
+              </a:rPr>
+              <a:t>"message"</a:t>
+            </a:r>
+            <a:r>
+              <a:rPr lang="en-US" altLang="zh-CN" sz="1800" dirty="0"/>
+              <a:t>)</a:t>
             </a:r>
             <a:r>
               <a:rPr lang="en-US" altLang="zh-CN" sz="1800" dirty="0" smtClean="0">
@@ -12178,93 +12431,15 @@
                   <a:srgbClr val="000000"/>
                 </a:solidFill>
               </a:rPr>
-              <a:t>(</a:t>
-            </a:r>
-            <a:r>
-              <a:rPr lang="en-US" altLang="zh-CN" sz="1800" dirty="0" err="1" smtClean="0">
+              <a:t> </a:t>
+            </a:r>
+            <a:r>
+              <a:rPr lang="en-US" altLang="zh-CN" sz="1800" dirty="0" smtClean="0">
                 <a:solidFill>
                   <a:srgbClr val="000000"/>
                 </a:solidFill>
               </a:rPr>
-              <a:t>v.getContext</a:t>
-            </a:r>
-            <a:r>
-              <a:rPr lang="en-US" altLang="zh-CN" sz="1800" dirty="0">
-                <a:solidFill>
-                  <a:srgbClr val="000000"/>
-                </a:solidFill>
-              </a:rPr>
-              <a:t>(), </a:t>
-            </a:r>
-            <a:r>
-              <a:rPr lang="en-US" altLang="zh-CN" sz="1800" dirty="0">
-                <a:solidFill>
-                  <a:srgbClr val="718C00"/>
-                </a:solidFill>
-              </a:rPr>
-              <a:t>"Click"</a:t>
-            </a:r>
-            <a:r>
-              <a:rPr lang="en-US" altLang="zh-CN" sz="1800" dirty="0">
-                <a:solidFill>
-                  <a:srgbClr val="000000"/>
-                </a:solidFill>
-              </a:rPr>
-              <a:t>, </a:t>
-            </a:r>
-            <a:r>
-              <a:rPr lang="en-US" altLang="zh-CN" sz="1800" dirty="0" err="1">
-                <a:solidFill>
-                  <a:srgbClr val="000000"/>
-                </a:solidFill>
-              </a:rPr>
-              <a:t>Toast.LENGTH_SHO</a:t>
-            </a:r>
-            <a:r>
-              <a:rPr lang="en-US" altLang="zh-CN" sz="1800" dirty="0">
-                <a:solidFill>
-                  <a:srgbClr val="000000"/>
-                </a:solidFill>
-              </a:rPr>
-              <a:t/>
-            </a:r>
-            <a:br>
-              <a:rPr lang="en-US" altLang="zh-CN" sz="1800" dirty="0">
-                <a:solidFill>
-                  <a:srgbClr val="000000"/>
-                </a:solidFill>
-              </a:rPr>
-            </a:br>
-            <a:r>
-              <a:rPr lang="en-US" altLang="zh-CN" sz="1800" dirty="0" smtClean="0">
-                <a:solidFill>
-                  <a:srgbClr val="000000"/>
-                </a:solidFill>
-              </a:rPr>
-              <a:t>  RT</a:t>
-            </a:r>
-            <a:r>
-              <a:rPr lang="en-US" altLang="zh-CN" sz="1800" dirty="0">
-                <a:solidFill>
-                  <a:srgbClr val="000000"/>
-                </a:solidFill>
-              </a:rPr>
-              <a:t>).show();</a:t>
-            </a:r>
-            <a:br>
-              <a:rPr lang="en-US" altLang="zh-CN" sz="1800" dirty="0">
-                <a:solidFill>
-                  <a:srgbClr val="000000"/>
-                </a:solidFill>
-              </a:rPr>
-            </a:br>
-            <a:r>
-              <a:rPr lang="en-US" altLang="zh-CN" sz="1800" dirty="0" smtClean="0">
-                <a:solidFill>
-                  <a:srgbClr val="000000"/>
-                </a:solidFill>
-              </a:rPr>
-              <a:t> }</a:t>
+              <a:t>}</a:t>
             </a:r>
             <a:r>
               <a:rPr lang="en-US" altLang="zh-CN" sz="1800" dirty="0">
@@ -12367,6 +12542,14 @@
               </a:rPr>
             </a:br>
             <a:r>
+              <a:rPr lang="zh-CN" altLang="en-US" sz="1800" dirty="0" smtClean="0">
+                <a:solidFill>
+                  <a:srgbClr val="000000"/>
+                </a:solidFill>
+              </a:rPr>
+              <a:t>  </a:t>
+            </a:r>
+            <a:r>
               <a:rPr lang="en-US" altLang="zh-CN" sz="1800" dirty="0" smtClean="0">
                 <a:solidFill>
                   <a:srgbClr val="000000"/>
@@ -12422,44 +12605,101 @@
               </a:rPr>
             </a:br>
             <a:r>
+              <a:rPr lang="zh-CN" altLang="en-US" sz="1800" dirty="0" smtClean="0">
+                <a:solidFill>
+                  <a:srgbClr val="4271AE"/>
+                </a:solidFill>
+              </a:rPr>
+              <a:t>    </a:t>
+            </a:r>
+            <a:r>
               <a:rPr lang="en-US" altLang="zh-CN" sz="1800" dirty="0" smtClean="0">
                 <a:solidFill>
                   <a:srgbClr val="4271AE"/>
                 </a:solidFill>
               </a:rPr>
+              <a:t> </a:t>
+            </a:r>
+            <a:r>
+              <a:rPr lang="zh-CN" altLang="en-US" sz="1800" dirty="0" smtClean="0">
+                <a:solidFill>
+                  <a:srgbClr val="4271AE"/>
+                </a:solidFill>
+              </a:rPr>
               <a:t>    </a:t>
             </a:r>
             <a:r>
+              <a:rPr lang="en-US" altLang="zh-CN" sz="1800" dirty="0" err="1" smtClean="0"/>
+              <a:t>Log.v</a:t>
+            </a:r>
+            <a:r>
+              <a:rPr lang="en-US" altLang="zh-CN" sz="1800" dirty="0" smtClean="0"/>
+              <a:t>(TAG</a:t>
+            </a:r>
+            <a:r>
+              <a:rPr lang="en-US" altLang="zh-CN" sz="1800" dirty="0">
+                <a:solidFill>
+                  <a:srgbClr val="CC7832"/>
+                </a:solidFill>
+              </a:rPr>
+              <a:t>, </a:t>
+            </a:r>
+            <a:r>
+              <a:rPr lang="en-US" altLang="zh-CN" sz="1800" dirty="0">
+                <a:solidFill>
+                  <a:srgbClr val="6A8759"/>
+                </a:solidFill>
+              </a:rPr>
+              <a:t>"message"</a:t>
+            </a:r>
+            <a:r>
+              <a:rPr lang="en-US" altLang="zh-CN" sz="1800" dirty="0"/>
+              <a:t>)</a:t>
+            </a:r>
+            <a:r>
               <a:rPr lang="en-US" altLang="zh-CN" sz="1800" dirty="0" smtClean="0">
                 <a:solidFill>
                   <a:srgbClr val="000000"/>
                 </a:solidFill>
               </a:rPr>
-              <a:t>toast</a:t>
-            </a:r>
-            <a:r>
-              <a:rPr lang="en-US" altLang="zh-CN" sz="1800" dirty="0">
+              <a:t>  </a:t>
+            </a:r>
+          </a:p>
+          <a:p>
+            <a:pPr marL="0" indent="0">
+              <a:buNone/>
+            </a:pPr>
+            <a:r>
+              <a:rPr lang="zh-CN" altLang="en-US" sz="1800" dirty="0">
                 <a:solidFill>
                   <a:srgbClr val="000000"/>
                 </a:solidFill>
               </a:rPr>
-              <a:t>(</a:t>
-            </a:r>
-            <a:r>
-              <a:rPr lang="en-US" altLang="zh-CN" sz="1800" dirty="0">
-                <a:solidFill>
-                  <a:srgbClr val="718C00"/>
-                </a:solidFill>
-              </a:rPr>
-              <a:t>"Click"</a:t>
-            </a:r>
-            <a:r>
-              <a:rPr lang="en-US" altLang="zh-CN" sz="1800" dirty="0">
+              <a:t> </a:t>
+            </a:r>
+            <a:r>
+              <a:rPr lang="zh-CN" altLang="en-US" sz="1800" dirty="0" smtClean="0">
                 <a:solidFill>
                   <a:srgbClr val="000000"/>
                 </a:solidFill>
               </a:rPr>
-              <a:t>)</a:t>
+              <a:t>           </a:t>
+            </a:r>
+            <a:r>
+              <a:rPr lang="en-US" altLang="zh-CN" sz="1800" dirty="0" smtClean="0">
+                <a:solidFill>
+                  <a:srgbClr val="000000"/>
+                </a:solidFill>
+              </a:rPr>
+              <a:t>}</a:t>
+            </a:r>
+            <a:r>
+              <a:rPr lang="en-US" altLang="zh-CN" sz="1800" dirty="0">
+                <a:solidFill>
+                  <a:srgbClr val="000000"/>
+                </a:solidFill>
+              </a:rPr>
+              <a:t/>
             </a:r>
             <a:br>
               <a:rPr lang="en-US" altLang="zh-CN" sz="1800" dirty="0">
@@ -12469,38 +12709,23 @@
               </a:rPr>
             </a:br>
             <a:r>
+              <a:rPr lang="zh-CN" altLang="en-US" sz="1800" dirty="0" smtClean="0">
+                <a:solidFill>
+                  <a:srgbClr val="000000"/>
+                </a:solidFill>
+              </a:rPr>
+              <a:t>       </a:t>
+            </a:r>
+            <a:r>
               <a:rPr lang="en-US" altLang="zh-CN" sz="1800" dirty="0" smtClean="0">
                 <a:solidFill>
                   <a:srgbClr val="000000"/>
                 </a:solidFill>
               </a:rPr>
-              <a:t>  }</a:t>
-            </a:r>
-            <a:r>
-              <a:rPr lang="en-US" altLang="zh-CN" sz="1800" dirty="0">
-                <a:solidFill>
-                  <a:srgbClr val="000000"/>
-                </a:solidFill>
-              </a:rPr>
-              <a:t/>
-            </a:r>
-            <a:br>
-              <a:rPr lang="en-US" altLang="zh-CN" sz="1800" dirty="0">
-                <a:solidFill>
-                  <a:srgbClr val="000000"/>
-                </a:solidFill>
-              </a:rPr>
-            </a:br>
-            <a:r>
-              <a:rPr lang="en-US" altLang="zh-CN" sz="1800" dirty="0">
-                <a:solidFill>
-                  <a:srgbClr val="000000"/>
-                </a:solidFill>
-              </a:rPr>
               <a:t>}</a:t>
             </a:r>
             <a:r>
-              <a:rPr lang="en-US" altLang="zh-CN" sz="1800" dirty="0"/>
+              <a:rPr lang="en-US" altLang="zh-CN" sz="1800" dirty="0" smtClean="0"/>
               <a:t> </a:t>
             </a:r>
             <a:endParaRPr lang="en-US" altLang="zh-CN" sz="1800" dirty="0" smtClean="0"/>
@@ -13568,11 +13793,7 @@
             </a:r>
             <a:r>
               <a:rPr kumimoji="1" lang="zh-CN" altLang="en-US" dirty="0" smtClean="0"/>
-              <a:t>委托</a:t>
-            </a:r>
-            <a:r>
-              <a:rPr kumimoji="1" lang="zh-CN" altLang="en-US" dirty="0" smtClean="0"/>
-              <a:t>属性</a:t>
+              <a:t>委托属性</a:t>
             </a:r>
             <a:endParaRPr kumimoji="1" lang="zh-CN" altLang="en-US" dirty="0"/>
           </a:p>
@@ -14627,11 +14848,7 @@
             </a:r>
             <a:r>
               <a:rPr lang="zh-CN" altLang="en-US" sz="2800" dirty="0" smtClean="0"/>
-              <a:t> </a:t>
-            </a:r>
-            <a:r>
-              <a:rPr lang="zh-CN" altLang="en-US" sz="2800" dirty="0" smtClean="0"/>
-              <a:t>映射值的属性委托</a:t>
+              <a:t> 映射值的属性委托</a:t>
             </a:r>
             <a:endParaRPr lang="zh-CN" altLang="en-US" sz="2800" dirty="0"/>
           </a:p>
@@ -15521,11 +15738,7 @@
             </a:r>
             <a:r>
               <a:rPr lang="zh-CN" altLang="en-US" sz="2800" dirty="0" smtClean="0"/>
-              <a:t>自定义</a:t>
-            </a:r>
-            <a:r>
-              <a:rPr lang="zh-CN" altLang="en-US" sz="2800" dirty="0" smtClean="0"/>
-              <a:t>委托</a:t>
+              <a:t>自定义委托</a:t>
             </a:r>
             <a:endParaRPr lang="zh-CN" altLang="en-US" sz="2800" dirty="0"/>
           </a:p>
@@ -16213,252 +16426,288 @@
           </a:bodyPr>
           <a:lstStyle/>
           <a:p>
-            <a:pPr marL="138113" indent="0">
-              <a:buNone/>
-            </a:pPr>
-            <a:r>
-              <a:rPr lang="zh-CN" altLang="en-US" sz="1800" dirty="0"/>
-              <a:t>在</a:t>
-            </a:r>
-            <a:r>
-              <a:rPr lang="en-US" altLang="zh-CN" sz="1800" dirty="0" err="1"/>
-              <a:t>Kotlin</a:t>
-            </a:r>
-            <a:r>
-              <a:rPr lang="zh-CN" altLang="en-US" sz="1800" dirty="0"/>
-              <a:t>中，明确的区分了可变和只读的集合</a:t>
-            </a:r>
-            <a:r>
-              <a:rPr lang="en-US" altLang="zh-CN" sz="1800" dirty="0"/>
-              <a:t>(list, set, map</a:t>
-            </a:r>
-            <a:r>
-              <a:rPr lang="zh-CN" altLang="en-US" sz="1800" dirty="0"/>
-              <a:t>等</a:t>
-            </a:r>
-            <a:r>
-              <a:rPr lang="en-US" altLang="zh-CN" sz="1800" dirty="0"/>
-              <a:t>)</a:t>
-            </a:r>
-            <a:r>
-              <a:rPr lang="zh-CN" altLang="en-US" sz="1800" dirty="0"/>
-              <a:t>，明确的确定了集合的可读性，有助于良好的编码，以及便于</a:t>
-            </a:r>
-            <a:r>
-              <a:rPr lang="en-US" altLang="zh-CN" sz="1800" dirty="0"/>
-              <a:t>Bug</a:t>
-            </a:r>
-            <a:r>
-              <a:rPr lang="zh-CN" altLang="en-US" sz="1800" dirty="0"/>
-              <a:t>的规避</a:t>
-            </a:r>
-            <a:r>
-              <a:rPr lang="zh-CN" altLang="en-US" sz="1800" dirty="0" smtClean="0"/>
+            <a:pPr marL="539750" indent="-357188"/>
+            <a:r>
+              <a:rPr lang="en-US" altLang="zh-CN" sz="1800" dirty="0" err="1" smtClean="0">
+                <a:latin typeface="font000000001f66afb4" charset="0"/>
+              </a:rPr>
+              <a:t>Iterable</a:t>
+            </a:r>
+            <a:r>
+              <a:rPr lang="en-US" altLang="zh-CN" sz="1800" dirty="0" smtClean="0">
+                <a:latin typeface="font000000001f66afb4" charset="0"/>
+              </a:rPr>
+              <a:t>:</a:t>
+            </a:r>
+            <a:r>
+              <a:rPr lang="zh-CN" altLang="en-US" sz="1800" dirty="0" smtClean="0">
+                <a:latin typeface="font000000001f66afb4" charset="0"/>
+              </a:rPr>
+              <a:t>父类。所有我们可以遍历一系列的都是实现这个接口。</a:t>
+            </a:r>
+            <a:endParaRPr lang="en-US" altLang="zh-CN" sz="1800" dirty="0" smtClean="0">
+              <a:latin typeface="font000000001f66afb4" charset="0"/>
+            </a:endParaRPr>
+          </a:p>
+          <a:p>
+            <a:pPr marL="539750" indent="-357188"/>
+            <a:r>
+              <a:rPr lang="en-US" altLang="zh-CN" sz="1800" dirty="0" err="1" smtClean="0">
+                <a:latin typeface="font000000001f66afb9" charset="0"/>
+              </a:rPr>
+              <a:t>MutableIterable</a:t>
+            </a:r>
+            <a:r>
+              <a:rPr lang="en-US" altLang="zh-CN" sz="1800" dirty="0" smtClean="0">
+                <a:latin typeface="font000000001f66afb4" charset="0"/>
+              </a:rPr>
+              <a:t>:</a:t>
+            </a:r>
+            <a:r>
+              <a:rPr lang="zh-CN" altLang="en-US" sz="1800" dirty="0" smtClean="0">
+                <a:latin typeface="font000000001f66afb4" charset="0"/>
+              </a:rPr>
+              <a:t>一个支持遍历的同时可以执行删除的</a:t>
+            </a:r>
+            <a:r>
+              <a:rPr lang="en-US" altLang="zh-CN" sz="1800" dirty="0" err="1" smtClean="0">
+                <a:latin typeface="font000000001f66afb4" charset="0"/>
+              </a:rPr>
+              <a:t>Iterables</a:t>
+            </a:r>
+            <a:r>
+              <a:rPr lang="zh-CN" altLang="en-US" sz="1800" dirty="0" smtClean="0">
+                <a:latin typeface="font000000001f66afb4" charset="0"/>
+              </a:rPr>
               <a:t>。</a:t>
             </a:r>
+            <a:endParaRPr lang="en-US" altLang="zh-CN" sz="1800" dirty="0" smtClean="0">
+              <a:latin typeface="font000000001f66afb4" charset="0"/>
+            </a:endParaRPr>
+          </a:p>
+          <a:p>
+            <a:pPr marL="539750" indent="-357188"/>
+            <a:r>
+              <a:rPr lang="en-US" altLang="zh-CN" sz="1800" dirty="0" smtClean="0">
+                <a:latin typeface="font000000001f66afb9" charset="0"/>
+              </a:rPr>
+              <a:t>Collection</a:t>
+            </a:r>
+            <a:r>
+              <a:rPr lang="en-US" altLang="zh-CN" sz="1800" dirty="0" smtClean="0">
+                <a:latin typeface="font000000001f66afb4" charset="0"/>
+              </a:rPr>
+              <a:t>:</a:t>
+            </a:r>
+            <a:r>
+              <a:rPr lang="zh-CN" altLang="en-US" sz="1800" dirty="0" smtClean="0">
+                <a:latin typeface="font000000001f66afb4" charset="0"/>
+              </a:rPr>
+              <a:t>这个类相是</a:t>
+            </a:r>
+            <a:r>
+              <a:rPr lang="zh-CN" altLang="en-US" sz="1800" dirty="0" smtClean="0">
+                <a:latin typeface="font000000001f66afb4" charset="0"/>
+              </a:rPr>
+              <a:t>一个</a:t>
+            </a:r>
+            <a:r>
+              <a:rPr lang="zh-CN" altLang="en-US" sz="1800" dirty="0" smtClean="0">
+                <a:latin typeface="font000000001f66afb4" charset="0"/>
+              </a:rPr>
+              <a:t>泛型</a:t>
+            </a:r>
+            <a:r>
+              <a:rPr lang="zh-CN" altLang="en-US" sz="1800" dirty="0" smtClean="0">
+                <a:latin typeface="font000000001f66afb4" charset="0"/>
+              </a:rPr>
+              <a:t>集合</a:t>
+            </a:r>
+            <a:r>
+              <a:rPr lang="zh-CN" altLang="en-US" sz="1800" dirty="0" smtClean="0">
+                <a:latin typeface="font000000001f66afb4" charset="0"/>
+              </a:rPr>
+              <a:t>。我们通过函数访问可以返回集合的 </a:t>
+            </a:r>
+            <a:r>
+              <a:rPr lang="en-US" altLang="zh-CN" sz="1800" dirty="0" smtClean="0">
+                <a:latin typeface="font000000001f66afb4" charset="0"/>
+              </a:rPr>
+              <a:t>size</a:t>
+            </a:r>
+            <a:r>
+              <a:rPr lang="zh-CN" altLang="en-US" sz="1800" dirty="0" smtClean="0">
+                <a:latin typeface="font000000001f66afb4" charset="0"/>
+              </a:rPr>
+              <a:t>、是否为空、是否包含一个或者一些</a:t>
+            </a:r>
+            <a:r>
+              <a:rPr lang="en-US" altLang="zh-CN" sz="1800" dirty="0" smtClean="0">
+                <a:latin typeface="font000000001f66afb4" charset="0"/>
+              </a:rPr>
+              <a:t>item</a:t>
+            </a:r>
+            <a:r>
+              <a:rPr lang="zh-CN" altLang="en-US" sz="1800" dirty="0" smtClean="0">
+                <a:latin typeface="font000000001f66afb4" charset="0"/>
+              </a:rPr>
+              <a:t>。这个集合的所有方法提供查 询，因为</a:t>
+            </a:r>
+            <a:r>
+              <a:rPr lang="en-US" altLang="zh-CN" sz="1800" dirty="0" smtClean="0">
+                <a:latin typeface="font000000001f66afb4" charset="0"/>
+              </a:rPr>
+              <a:t>connections</a:t>
+            </a:r>
+            <a:r>
+              <a:rPr lang="zh-CN" altLang="en-US" sz="1800" dirty="0" smtClean="0">
+                <a:latin typeface="font000000001f66afb4" charset="0"/>
+              </a:rPr>
+              <a:t>是不可修改的。</a:t>
+            </a:r>
+            <a:endParaRPr lang="en-US" altLang="zh-CN" sz="1800" dirty="0" smtClean="0">
+              <a:latin typeface="font000000001f66afb4" charset="0"/>
+            </a:endParaRPr>
+          </a:p>
+          <a:p>
+            <a:pPr marL="539750" indent="-357188"/>
+            <a:r>
+              <a:rPr lang="en-US" altLang="zh-CN" sz="1800" dirty="0" err="1" smtClean="0">
+                <a:latin typeface="font000000001f66afb9" charset="0"/>
+              </a:rPr>
+              <a:t>MutableCollection</a:t>
+            </a:r>
+            <a:r>
+              <a:rPr lang="en-US" altLang="zh-CN" sz="1800" dirty="0" smtClean="0">
+                <a:latin typeface="font000000001f66afb4" charset="0"/>
+              </a:rPr>
+              <a:t>:</a:t>
+            </a:r>
+            <a:r>
+              <a:rPr lang="zh-CN" altLang="en-US" sz="1800" dirty="0" smtClean="0">
+                <a:latin typeface="font000000001f66afb4" charset="0"/>
+              </a:rPr>
+              <a:t>一个支持增加和删除</a:t>
+            </a:r>
+            <a:r>
+              <a:rPr lang="en-US" altLang="zh-CN" sz="1800" dirty="0" smtClean="0">
+                <a:latin typeface="font000000001f66afb4" charset="0"/>
+              </a:rPr>
+              <a:t>item</a:t>
+            </a:r>
+            <a:r>
+              <a:rPr lang="zh-CN" altLang="en-US" sz="1800" dirty="0" smtClean="0">
+                <a:latin typeface="font000000001f66afb4" charset="0"/>
+              </a:rPr>
+              <a:t>的</a:t>
+            </a:r>
+            <a:r>
+              <a:rPr lang="en-US" altLang="zh-CN" sz="1800" dirty="0" smtClean="0">
+                <a:latin typeface="font000000001f66afb4" charset="0"/>
+              </a:rPr>
+              <a:t>Collection</a:t>
+            </a:r>
+            <a:r>
+              <a:rPr lang="zh-CN" altLang="en-US" sz="1800" dirty="0" smtClean="0">
+                <a:latin typeface="font000000001f66afb4" charset="0"/>
+              </a:rPr>
+              <a:t>。它提供了额外的 函数，比如 </a:t>
+            </a:r>
+            <a:r>
+              <a:rPr lang="en-US" altLang="zh-CN" sz="1600" dirty="0" smtClean="0">
+                <a:latin typeface="font000000001f66afca" charset="0"/>
+              </a:rPr>
+              <a:t>add </a:t>
+            </a:r>
+            <a:r>
+              <a:rPr lang="zh-CN" altLang="en-US" sz="1800" dirty="0" smtClean="0">
+                <a:latin typeface="font000000001f66afb4" charset="0"/>
+              </a:rPr>
+              <a:t>、 </a:t>
+            </a:r>
+            <a:r>
+              <a:rPr lang="en-US" altLang="zh-CN" sz="1600" dirty="0" smtClean="0">
+                <a:latin typeface="font000000001f66afca" charset="0"/>
+              </a:rPr>
+              <a:t>remove </a:t>
+            </a:r>
+            <a:r>
+              <a:rPr lang="zh-CN" altLang="en-US" sz="1800" dirty="0" smtClean="0">
+                <a:latin typeface="font000000001f66afb4" charset="0"/>
+              </a:rPr>
+              <a:t>、 </a:t>
+            </a:r>
+            <a:r>
+              <a:rPr lang="en-US" altLang="zh-CN" sz="1600" dirty="0" smtClean="0">
+                <a:latin typeface="font000000001f66afca" charset="0"/>
+              </a:rPr>
+              <a:t>clear </a:t>
+            </a:r>
+            <a:r>
+              <a:rPr lang="zh-CN" altLang="en-US" sz="1800" dirty="0" smtClean="0">
+                <a:latin typeface="font000000001f66afb4" charset="0"/>
+              </a:rPr>
+              <a:t>等等</a:t>
+            </a:r>
+            <a:r>
+              <a:rPr lang="zh-CN" altLang="en-US" sz="1800" dirty="0" smtClean="0">
+                <a:latin typeface="font000000001f66afb4" charset="0"/>
+              </a:rPr>
+              <a:t>。</a:t>
+            </a:r>
+            <a:endParaRPr lang="en-US" altLang="zh-CN" sz="1800" dirty="0" smtClean="0">
+              <a:latin typeface="font000000001f66afb4" charset="0"/>
+            </a:endParaRPr>
+          </a:p>
+          <a:p>
+            <a:pPr marL="539750" indent="-357188"/>
             <a:endParaRPr lang="en-US" altLang="zh-CN" sz="1800" dirty="0">
               <a:latin typeface="font000000001f66afb4" charset="0"/>
             </a:endParaRPr>
           </a:p>
           <a:p>
-            <a:pPr marL="539750" indent="-357188"/>
-            <a:r>
-              <a:rPr lang="en-US" altLang="zh-CN" sz="1800" dirty="0" err="1" smtClean="0">
-                <a:latin typeface="font000000001f66afb4" charset="0"/>
-              </a:rPr>
-              <a:t>Iterable</a:t>
-            </a:r>
-            <a:r>
-              <a:rPr lang="en-US" altLang="zh-CN" sz="1800" dirty="0" smtClean="0">
-                <a:latin typeface="font000000001f66afb4" charset="0"/>
-              </a:rPr>
-              <a:t>:</a:t>
-            </a:r>
-            <a:r>
-              <a:rPr lang="zh-CN" altLang="en-US" sz="1800" dirty="0" smtClean="0">
-                <a:latin typeface="font000000001f66afb4" charset="0"/>
-              </a:rPr>
-              <a:t>父类。所有我们可以遍历一系列的都是实现这个接口。</a:t>
-            </a:r>
-            <a:endParaRPr lang="en-US" altLang="zh-CN" sz="1800" dirty="0" smtClean="0">
-              <a:latin typeface="font000000001f66afb4" charset="0"/>
-            </a:endParaRPr>
-          </a:p>
-          <a:p>
-            <a:pPr marL="539750" indent="-357188"/>
-            <a:r>
-              <a:rPr lang="en-US" altLang="zh-CN" sz="1800" dirty="0" err="1" smtClean="0">
-                <a:latin typeface="font000000001f66afb9" charset="0"/>
-              </a:rPr>
-              <a:t>MutableIterable</a:t>
-            </a:r>
-            <a:r>
-              <a:rPr lang="en-US" altLang="zh-CN" sz="1800" dirty="0" smtClean="0">
-                <a:latin typeface="font000000001f66afb4" charset="0"/>
-              </a:rPr>
-              <a:t>:</a:t>
-            </a:r>
-            <a:r>
-              <a:rPr lang="zh-CN" altLang="en-US" sz="1800" dirty="0" smtClean="0">
-                <a:latin typeface="font000000001f66afb4" charset="0"/>
-              </a:rPr>
-              <a:t>一个支持遍历的同时可以执行删除的</a:t>
-            </a:r>
-            <a:r>
-              <a:rPr lang="en-US" altLang="zh-CN" sz="1800" dirty="0" err="1" smtClean="0">
-                <a:latin typeface="font000000001f66afb4" charset="0"/>
-              </a:rPr>
-              <a:t>Iterables</a:t>
-            </a:r>
-            <a:r>
-              <a:rPr lang="zh-CN" altLang="en-US" sz="1800" dirty="0" smtClean="0">
-                <a:latin typeface="font000000001f66afb4" charset="0"/>
-              </a:rPr>
+            <a:pPr marL="182562" indent="0">
+              <a:buNone/>
+            </a:pPr>
+            <a:r>
+              <a:rPr lang="zh-CN" altLang="en-US" sz="1800" dirty="0" smtClean="0"/>
+              <a:t>在</a:t>
+            </a:r>
+            <a:r>
+              <a:rPr lang="en-US" altLang="zh-CN" sz="1800" dirty="0" err="1"/>
+              <a:t>Kotlin</a:t>
+            </a:r>
+            <a:r>
+              <a:rPr lang="zh-CN" altLang="en-US" sz="1800" dirty="0"/>
+              <a:t>中，明确的区分了可变和只读的集合</a:t>
+            </a:r>
+            <a:r>
+              <a:rPr lang="en-US" altLang="zh-CN" sz="1800" dirty="0"/>
+              <a:t>(list, set, map</a:t>
+            </a:r>
+            <a:r>
+              <a:rPr lang="zh-CN" altLang="en-US" sz="1800" dirty="0"/>
+              <a:t>等</a:t>
+            </a:r>
+            <a:r>
+              <a:rPr lang="en-US" altLang="zh-CN" sz="1800" dirty="0"/>
+              <a:t>)</a:t>
+            </a:r>
+            <a:r>
+              <a:rPr lang="zh-CN" altLang="en-US" sz="1800" dirty="0"/>
+              <a:t>，明确的确定了集合的可读性，有助于良好的编码，以及便于</a:t>
+            </a:r>
+            <a:r>
+              <a:rPr lang="en-US" altLang="zh-CN" sz="1800" dirty="0"/>
+              <a:t>Bug</a:t>
+            </a:r>
+            <a:r>
+              <a:rPr lang="zh-CN" altLang="en-US" sz="1800" dirty="0"/>
+              <a:t>的规避</a:t>
+            </a:r>
+            <a:r>
+              <a:rPr lang="zh-CN" altLang="en-US" sz="1800" dirty="0" smtClean="0"/>
               <a:t>。</a:t>
-            </a:r>
-            <a:endParaRPr lang="en-US" altLang="zh-CN" sz="1800" dirty="0" smtClean="0">
-              <a:latin typeface="font000000001f66afb4" charset="0"/>
-            </a:endParaRPr>
-          </a:p>
-          <a:p>
-            <a:pPr marL="539750" indent="-357188"/>
-            <a:r>
-              <a:rPr lang="en-US" altLang="zh-CN" sz="1800" dirty="0" smtClean="0">
-                <a:latin typeface="font000000001f66afb9" charset="0"/>
-              </a:rPr>
-              <a:t>Collection</a:t>
-            </a:r>
-            <a:r>
-              <a:rPr lang="en-US" altLang="zh-CN" sz="1800" dirty="0" smtClean="0">
-                <a:latin typeface="font000000001f66afb4" charset="0"/>
-              </a:rPr>
-              <a:t>:</a:t>
-            </a:r>
-            <a:r>
-              <a:rPr lang="zh-CN" altLang="en-US" sz="1800" dirty="0" smtClean="0">
-                <a:latin typeface="font000000001f66afb4" charset="0"/>
-              </a:rPr>
-              <a:t>这个类相是一个范性集合。我们通过函数访问可以返回集合的 </a:t>
-            </a:r>
-            <a:r>
-              <a:rPr lang="en-US" altLang="zh-CN" sz="1800" dirty="0" smtClean="0">
-                <a:latin typeface="font000000001f66afb4" charset="0"/>
-              </a:rPr>
-              <a:t>size</a:t>
-            </a:r>
-            <a:r>
-              <a:rPr lang="zh-CN" altLang="en-US" sz="1800" dirty="0" smtClean="0">
-                <a:latin typeface="font000000001f66afb4" charset="0"/>
-              </a:rPr>
-              <a:t>、是否为空、是否包含一个或者一些</a:t>
-            </a:r>
-            <a:r>
-              <a:rPr lang="en-US" altLang="zh-CN" sz="1800" dirty="0" smtClean="0">
-                <a:latin typeface="font000000001f66afb4" charset="0"/>
-              </a:rPr>
-              <a:t>item</a:t>
-            </a:r>
-            <a:r>
-              <a:rPr lang="zh-CN" altLang="en-US" sz="1800" dirty="0" smtClean="0">
-                <a:latin typeface="font000000001f66afb4" charset="0"/>
-              </a:rPr>
-              <a:t>。这个集合的所有方法提供查 询，因为</a:t>
-            </a:r>
-            <a:r>
-              <a:rPr lang="en-US" altLang="zh-CN" sz="1800" dirty="0" smtClean="0">
-                <a:latin typeface="font000000001f66afb4" charset="0"/>
-              </a:rPr>
-              <a:t>connections</a:t>
-            </a:r>
-            <a:r>
-              <a:rPr lang="zh-CN" altLang="en-US" sz="1800" dirty="0" smtClean="0">
-                <a:latin typeface="font000000001f66afb4" charset="0"/>
-              </a:rPr>
-              <a:t>是不可修改的。</a:t>
-            </a:r>
-            <a:endParaRPr lang="en-US" altLang="zh-CN" sz="1800" dirty="0" smtClean="0">
-              <a:latin typeface="font000000001f66afb4" charset="0"/>
-            </a:endParaRPr>
-          </a:p>
-          <a:p>
-            <a:pPr marL="539750" indent="-357188"/>
-            <a:r>
-              <a:rPr lang="en-US" altLang="zh-CN" sz="1800" dirty="0" err="1" smtClean="0">
-                <a:latin typeface="font000000001f66afb9" charset="0"/>
-              </a:rPr>
-              <a:t>MutableCollection</a:t>
-            </a:r>
-            <a:r>
-              <a:rPr lang="en-US" altLang="zh-CN" sz="1800" dirty="0" smtClean="0">
-                <a:latin typeface="font000000001f66afb4" charset="0"/>
-              </a:rPr>
-              <a:t>:</a:t>
-            </a:r>
-            <a:r>
-              <a:rPr lang="zh-CN" altLang="en-US" sz="1800" dirty="0" smtClean="0">
-                <a:latin typeface="font000000001f66afb4" charset="0"/>
-              </a:rPr>
-              <a:t>一个支持增加和删除</a:t>
-            </a:r>
-            <a:r>
-              <a:rPr lang="en-US" altLang="zh-CN" sz="1800" dirty="0" smtClean="0">
-                <a:latin typeface="font000000001f66afb4" charset="0"/>
-              </a:rPr>
-              <a:t>item</a:t>
-            </a:r>
-            <a:r>
-              <a:rPr lang="zh-CN" altLang="en-US" sz="1800" dirty="0" smtClean="0">
-                <a:latin typeface="font000000001f66afb4" charset="0"/>
-              </a:rPr>
-              <a:t>的</a:t>
-            </a:r>
-            <a:r>
-              <a:rPr lang="en-US" altLang="zh-CN" sz="1800" dirty="0" smtClean="0">
-                <a:latin typeface="font000000001f66afb4" charset="0"/>
-              </a:rPr>
-              <a:t>Collection</a:t>
-            </a:r>
-            <a:r>
-              <a:rPr lang="zh-CN" altLang="en-US" sz="1800" dirty="0" smtClean="0">
-                <a:latin typeface="font000000001f66afb4" charset="0"/>
-              </a:rPr>
-              <a:t>。它提供了额外的 函数，比如 </a:t>
-            </a:r>
-            <a:r>
-              <a:rPr lang="en-US" altLang="zh-CN" sz="1600" dirty="0" smtClean="0">
-                <a:latin typeface="font000000001f66afca" charset="0"/>
-              </a:rPr>
-              <a:t>add </a:t>
-            </a:r>
-            <a:r>
-              <a:rPr lang="zh-CN" altLang="en-US" sz="1800" dirty="0" smtClean="0">
-                <a:latin typeface="font000000001f66afb4" charset="0"/>
-              </a:rPr>
-              <a:t>、 </a:t>
-            </a:r>
-            <a:r>
-              <a:rPr lang="en-US" altLang="zh-CN" sz="1600" dirty="0" smtClean="0">
-                <a:latin typeface="font000000001f66afca" charset="0"/>
-              </a:rPr>
-              <a:t>remove </a:t>
-            </a:r>
-            <a:r>
-              <a:rPr lang="zh-CN" altLang="en-US" sz="1800" dirty="0" smtClean="0">
-                <a:latin typeface="font000000001f66afb4" charset="0"/>
-              </a:rPr>
-              <a:t>、 </a:t>
-            </a:r>
-            <a:r>
-              <a:rPr lang="en-US" altLang="zh-CN" sz="1600" dirty="0" smtClean="0">
-                <a:latin typeface="font000000001f66afca" charset="0"/>
-              </a:rPr>
-              <a:t>clear </a:t>
-            </a:r>
-            <a:r>
-              <a:rPr lang="zh-CN" altLang="en-US" sz="1800" dirty="0" smtClean="0">
-                <a:latin typeface="font000000001f66afb4" charset="0"/>
-              </a:rPr>
-              <a:t>等等。</a:t>
             </a:r>
             <a:endParaRPr lang="en-US" altLang="zh-CN" sz="1800" dirty="0" smtClean="0">
               <a:latin typeface="font000000001f66afb4" charset="0"/>
@@ -16895,8 +17144,12 @@
           <a:p>
             <a:pPr algn="l"/>
             <a:r>
-              <a:rPr lang="zh-CN" altLang="en-US" sz="2800" dirty="0" smtClean="0"/>
-              <a:t>遍历</a:t>
+              <a:rPr lang="zh-CN" altLang="en-US" sz="2400" dirty="0"/>
+              <a:t>集合</a:t>
+            </a:r>
+            <a:r>
+              <a:rPr lang="zh-CN" altLang="en-US" sz="2400" dirty="0" smtClean="0"/>
+              <a:t>和及其操作</a:t>
             </a:r>
             <a:endParaRPr lang="zh-CN" altLang="en-US" sz="2800" dirty="0"/>
           </a:p>
@@ -16924,240 +17177,967 @@
           </a:bodyPr>
           <a:lstStyle/>
           <a:p>
-            <a:r>
-              <a:rPr lang="en-US" altLang="zh-CN" sz="1800" dirty="0" smtClean="0"/>
-              <a:t>Ranges</a:t>
-            </a:r>
-            <a:r>
-              <a:rPr lang="zh-CN" altLang="en-US" sz="1800" dirty="0" smtClean="0"/>
-              <a:t>使用两个点作为符号</a:t>
-            </a:r>
-            <a:r>
-              <a:rPr lang="en-US" altLang="zh-CN" sz="1800" dirty="0" smtClean="0"/>
-              <a:t>. </a:t>
-            </a:r>
-            <a:r>
-              <a:rPr lang="zh-CN" altLang="en-US" sz="1800" dirty="0" smtClean="0"/>
-              <a:t>表示从多少到多少</a:t>
-            </a:r>
-            <a:endParaRPr lang="en-US" altLang="zh-CN" sz="1800" dirty="0" smtClean="0"/>
-          </a:p>
-          <a:p>
-            <a:r>
-              <a:rPr lang="en-US" altLang="zh-CN" sz="1800" dirty="0" smtClean="0"/>
-              <a:t>for(</a:t>
-            </a:r>
-            <a:r>
-              <a:rPr lang="en-US" altLang="zh-CN" sz="1800" dirty="0" err="1" smtClean="0"/>
-              <a:t>i</a:t>
-            </a:r>
-            <a:r>
-              <a:rPr lang="en-US" altLang="zh-CN" sz="1800" dirty="0" smtClean="0"/>
-              <a:t> in 0..10)</a:t>
-            </a:r>
-            <a:r>
-              <a:rPr lang="zh-CN" altLang="en-US" sz="1800" dirty="0" smtClean="0"/>
-              <a:t>从</a:t>
-            </a:r>
-            <a:r>
-              <a:rPr lang="en-US" altLang="zh-CN" sz="1800" dirty="0" smtClean="0"/>
-              <a:t>0</a:t>
-            </a:r>
-            <a:r>
-              <a:rPr lang="zh-CN" altLang="en-US" sz="1800" dirty="0" smtClean="0"/>
-              <a:t>到</a:t>
-            </a:r>
-            <a:r>
-              <a:rPr lang="en-US" altLang="zh-CN" sz="1800" dirty="0" smtClean="0"/>
-              <a:t>10</a:t>
-            </a:r>
-          </a:p>
-          <a:p>
-            <a:r>
-              <a:rPr lang="en-US" altLang="zh-CN" sz="1800" dirty="0" smtClean="0"/>
-              <a:t>for(</a:t>
-            </a:r>
-            <a:r>
-              <a:rPr lang="en-US" altLang="zh-CN" sz="1800" dirty="0" err="1" smtClean="0"/>
-              <a:t>i</a:t>
-            </a:r>
-            <a:r>
-              <a:rPr lang="en-US" altLang="zh-CN" sz="1800" dirty="0" smtClean="0"/>
-              <a:t> in </a:t>
-            </a:r>
-            <a:r>
-              <a:rPr lang="en-US" altLang="zh-CN" sz="1800" dirty="0" err="1" smtClean="0"/>
-              <a:t>a..z</a:t>
-            </a:r>
-            <a:r>
-              <a:rPr lang="en-US" altLang="zh-CN" sz="1800" dirty="0" smtClean="0"/>
-              <a:t>)</a:t>
-            </a:r>
-            <a:r>
-              <a:rPr lang="zh-CN" altLang="en-US" sz="1800" dirty="0" smtClean="0"/>
-              <a:t>从</a:t>
-            </a:r>
-            <a:r>
-              <a:rPr lang="en-US" altLang="zh-CN" sz="1800" dirty="0" smtClean="0"/>
-              <a:t>a</a:t>
-            </a:r>
-            <a:r>
-              <a:rPr lang="zh-CN" altLang="en-US" sz="1800" dirty="0" smtClean="0"/>
-              <a:t>到</a:t>
-            </a:r>
-            <a:r>
-              <a:rPr lang="en-US" altLang="zh-CN" sz="1800" dirty="0" smtClean="0"/>
-              <a:t>b</a:t>
-            </a:r>
-          </a:p>
-          <a:p>
-            <a:r>
-              <a:rPr lang="en-US" altLang="zh-CN" sz="1800" dirty="0" smtClean="0"/>
-              <a:t>for(</a:t>
-            </a:r>
-            <a:r>
-              <a:rPr lang="en-US" altLang="zh-CN" sz="1800" dirty="0" err="1" smtClean="0"/>
-              <a:t>i</a:t>
-            </a:r>
-            <a:r>
-              <a:rPr lang="en-US" altLang="zh-CN" sz="1800" dirty="0" smtClean="0"/>
-              <a:t> in 0..array.size-1)</a:t>
-            </a:r>
-            <a:r>
-              <a:rPr lang="zh-CN" altLang="en-US" sz="1800" dirty="0" smtClean="0"/>
-              <a:t>遍历所有数组</a:t>
-            </a:r>
-            <a:endParaRPr lang="en-US" altLang="zh-CN" sz="1800" dirty="0" smtClean="0"/>
-          </a:p>
-          <a:p>
-            <a:r>
-              <a:rPr lang="en-US" altLang="zh-CN" sz="1800" dirty="0" smtClean="0"/>
-              <a:t>for(</a:t>
-            </a:r>
-            <a:r>
-              <a:rPr lang="en-US" altLang="zh-CN" sz="1800" dirty="0" err="1" smtClean="0"/>
-              <a:t>i</a:t>
-            </a:r>
-            <a:r>
-              <a:rPr lang="en-US" altLang="zh-CN" sz="1800" dirty="0" smtClean="0"/>
-              <a:t> in 10 </a:t>
-            </a:r>
-            <a:r>
-              <a:rPr lang="en-US" altLang="zh-CN" sz="1800" dirty="0" err="1" smtClean="0"/>
-              <a:t>downTo</a:t>
-            </a:r>
-            <a:r>
-              <a:rPr lang="en-US" altLang="zh-CN" sz="1800" dirty="0" smtClean="0"/>
-              <a:t> 0)</a:t>
-            </a:r>
-            <a:r>
-              <a:rPr lang="zh-CN" altLang="en-US" sz="1800" dirty="0" smtClean="0"/>
-              <a:t>从</a:t>
-            </a:r>
-            <a:r>
-              <a:rPr lang="en-US" altLang="zh-CN" sz="1800" dirty="0" smtClean="0"/>
-              <a:t>10</a:t>
-            </a:r>
-            <a:r>
-              <a:rPr lang="zh-CN" altLang="en-US" sz="1800" dirty="0" smtClean="0"/>
-              <a:t>到</a:t>
-            </a:r>
-            <a:r>
-              <a:rPr lang="en-US" altLang="zh-CN" sz="1800" dirty="0" smtClean="0"/>
-              <a:t>0</a:t>
-            </a:r>
-          </a:p>
-          <a:p>
-            <a:r>
-              <a:rPr lang="en-US" altLang="zh-CN" sz="1800" dirty="0" smtClean="0"/>
-              <a:t>for(</a:t>
-            </a:r>
-            <a:r>
-              <a:rPr lang="en-US" altLang="zh-CN" sz="1800" dirty="0" err="1" smtClean="0"/>
-              <a:t>i</a:t>
-            </a:r>
-            <a:r>
-              <a:rPr lang="en-US" altLang="zh-CN" sz="1800" dirty="0" smtClean="0"/>
-              <a:t> in 0 until 10)</a:t>
-            </a:r>
-            <a:r>
-              <a:rPr lang="zh-CN" altLang="en-US" sz="1800" dirty="0" smtClean="0"/>
-              <a:t>从</a:t>
-            </a:r>
-            <a:r>
-              <a:rPr lang="en-US" altLang="zh-CN" sz="1800" dirty="0" smtClean="0"/>
-              <a:t>0</a:t>
-            </a:r>
-            <a:r>
-              <a:rPr lang="zh-CN" altLang="en-US" sz="1800" dirty="0" smtClean="0"/>
-              <a:t>到</a:t>
-            </a:r>
-            <a:r>
-              <a:rPr lang="en-US" altLang="zh-CN" sz="1800" dirty="0" smtClean="0"/>
-              <a:t>10</a:t>
-            </a:r>
-            <a:r>
-              <a:rPr lang="zh-CN" altLang="en-US" sz="1800" dirty="0" smtClean="0"/>
-              <a:t>不包括</a:t>
-            </a:r>
-            <a:r>
-              <a:rPr lang="en-US" altLang="zh-CN" sz="1800" dirty="0" smtClean="0"/>
-              <a:t>10</a:t>
-            </a:r>
-          </a:p>
-          <a:p>
-            <a:r>
-              <a:rPr lang="zh-CN" altLang="en-US" sz="1800" dirty="0"/>
-              <a:t>也</a:t>
-            </a:r>
-            <a:r>
-              <a:rPr lang="zh-CN" altLang="en-US" sz="1800" dirty="0" smtClean="0"/>
-              <a:t>可以在后面加</a:t>
-            </a:r>
-            <a:r>
-              <a:rPr lang="en-US" altLang="zh-CN" sz="1800" dirty="0" smtClean="0"/>
-              <a:t>step</a:t>
-            </a:r>
-            <a:r>
-              <a:rPr lang="zh-CN" altLang="en-US" sz="1800" dirty="0" smtClean="0"/>
-              <a:t>表示步数如</a:t>
-            </a:r>
-            <a:endParaRPr lang="en-US" altLang="zh-CN" sz="1800" dirty="0" smtClean="0"/>
-          </a:p>
-          <a:p>
-            <a:r>
-              <a:rPr lang="en-US" altLang="zh-CN" sz="1800" dirty="0" smtClean="0"/>
-              <a:t>for(</a:t>
-            </a:r>
-            <a:r>
-              <a:rPr lang="en-US" altLang="zh-CN" sz="1800" dirty="0" err="1" smtClean="0"/>
-              <a:t>i</a:t>
-            </a:r>
-            <a:r>
-              <a:rPr lang="en-US" altLang="zh-CN" sz="1800" dirty="0" smtClean="0"/>
-              <a:t> in 0 .. 10 step 2)</a:t>
-            </a:r>
-            <a:r>
-              <a:rPr lang="zh-CN" altLang="en-US" sz="1800" dirty="0" smtClean="0"/>
-              <a:t>表示从</a:t>
-            </a:r>
-            <a:r>
-              <a:rPr lang="en-US" altLang="zh-CN" sz="1800" dirty="0" smtClean="0"/>
-              <a:t>0</a:t>
-            </a:r>
-            <a:r>
-              <a:rPr lang="zh-CN" altLang="en-US" sz="1800" dirty="0" smtClean="0"/>
-              <a:t>到</a:t>
-            </a:r>
-            <a:r>
-              <a:rPr lang="en-US" altLang="zh-CN" sz="1800" dirty="0" smtClean="0"/>
-              <a:t>10:  0, 2, 4, 6, 8, 10</a:t>
-            </a:r>
-          </a:p>
-          <a:p>
-            <a:endParaRPr lang="en-US" altLang="zh-CN" sz="1800" dirty="0" smtClean="0"/>
-          </a:p>
-          <a:p>
+            <a:pPr marL="404813" indent="-266700"/>
+            <a:r>
+              <a:rPr lang="zh-CN" altLang="en-US" sz="1800" dirty="0" smtClean="0">
+                <a:latin typeface="font000000001f66afb4" charset="0"/>
+              </a:rPr>
+              <a:t>总数</a:t>
+            </a:r>
+            <a:r>
+              <a:rPr lang="zh-CN" altLang="en-US" sz="1800" dirty="0" smtClean="0">
+                <a:latin typeface="font000000001f66afb4" charset="0"/>
+              </a:rPr>
+              <a:t>操作符</a:t>
+            </a:r>
+            <a:r>
+              <a:rPr lang="en-US" altLang="zh-CN" sz="1800" dirty="0" smtClean="0">
+                <a:latin typeface="font000000001f66afb4" charset="0"/>
+              </a:rPr>
+              <a:t>:</a:t>
+            </a:r>
+            <a:r>
+              <a:rPr lang="zh-CN" altLang="en-US" sz="1800" dirty="0" smtClean="0">
+                <a:latin typeface="font000000001f66afb4" charset="0"/>
+              </a:rPr>
+              <a:t>  </a:t>
+            </a:r>
+            <a:r>
+              <a:rPr lang="en-US" altLang="zh-CN" sz="1800" dirty="0" smtClean="0">
+                <a:latin typeface="font000000001f66afb4" charset="0"/>
+              </a:rPr>
+              <a:t>any,</a:t>
+            </a:r>
+            <a:r>
+              <a:rPr lang="zh-CN" altLang="en-US" sz="1800" dirty="0" smtClean="0">
+                <a:latin typeface="font000000001f66afb4" charset="0"/>
+              </a:rPr>
+              <a:t>  </a:t>
+            </a:r>
+            <a:r>
+              <a:rPr lang="en-US" altLang="zh-CN" sz="1800" dirty="0" smtClean="0">
+                <a:latin typeface="font000000001f66afb4" charset="0"/>
+              </a:rPr>
+              <a:t>all,</a:t>
+            </a:r>
+            <a:r>
+              <a:rPr lang="zh-CN" altLang="en-US" sz="1800" dirty="0" smtClean="0">
+                <a:latin typeface="font000000001f66afb4" charset="0"/>
+              </a:rPr>
+              <a:t>  </a:t>
+            </a:r>
+            <a:r>
+              <a:rPr lang="en-US" altLang="zh-CN" sz="1800" dirty="0" smtClean="0">
+                <a:latin typeface="font000000001f66afb4" charset="0"/>
+              </a:rPr>
+              <a:t>count,</a:t>
+            </a:r>
+            <a:r>
+              <a:rPr lang="zh-CN" altLang="en-US" sz="1800" dirty="0" smtClean="0">
+                <a:latin typeface="font000000001f66afb4" charset="0"/>
+              </a:rPr>
+              <a:t>  </a:t>
+            </a:r>
+            <a:r>
+              <a:rPr lang="en-US" altLang="zh-CN" sz="1800" dirty="0" smtClean="0">
+                <a:latin typeface="font000000001f66afb4" charset="0"/>
+              </a:rPr>
+              <a:t>fold,</a:t>
+            </a:r>
+            <a:r>
+              <a:rPr lang="zh-CN" altLang="en-US" sz="1800" dirty="0" smtClean="0">
+                <a:latin typeface="font000000001f66afb4" charset="0"/>
+              </a:rPr>
+              <a:t>  </a:t>
+            </a:r>
+            <a:r>
+              <a:rPr lang="en-US" altLang="zh-CN" sz="1800" dirty="0" err="1" smtClean="0">
+                <a:latin typeface="font000000001f66afb4" charset="0"/>
+              </a:rPr>
+              <a:t>foldRight</a:t>
+            </a:r>
+            <a:r>
+              <a:rPr lang="en-US" altLang="zh-CN" sz="1800" dirty="0" smtClean="0">
+                <a:latin typeface="font000000001f66afb4" charset="0"/>
+              </a:rPr>
+              <a:t>,</a:t>
+            </a:r>
+            <a:r>
+              <a:rPr lang="zh-CN" altLang="en-US" sz="1800" dirty="0" smtClean="0">
+                <a:latin typeface="font000000001f66afb4" charset="0"/>
+              </a:rPr>
+              <a:t>  </a:t>
+            </a:r>
+            <a:r>
+              <a:rPr lang="en-US" altLang="zh-CN" sz="1800" dirty="0" err="1" smtClean="0">
+                <a:latin typeface="font000000001f66afb4" charset="0"/>
+              </a:rPr>
+              <a:t>forEach</a:t>
+            </a:r>
+            <a:r>
+              <a:rPr lang="en-US" altLang="zh-CN" sz="1800" dirty="0" smtClean="0">
+                <a:latin typeface="font000000001f66afb4" charset="0"/>
+              </a:rPr>
+              <a:t>,</a:t>
+            </a:r>
+            <a:r>
+              <a:rPr lang="zh-CN" altLang="en-US" sz="1800" dirty="0" smtClean="0">
+                <a:latin typeface="font000000001f66afb4" charset="0"/>
+              </a:rPr>
+              <a:t>  </a:t>
+            </a:r>
+            <a:r>
+              <a:rPr lang="en-US" altLang="zh-CN" sz="1800" dirty="0" err="1" smtClean="0">
+                <a:latin typeface="font000000001f66afb4" charset="0"/>
+              </a:rPr>
+              <a:t>for</a:t>
+            </a:r>
+            <a:r>
+              <a:rPr lang="en-US" altLang="zh-CN" sz="1800" dirty="0" err="1" smtClean="0">
+                <a:latin typeface="font000000001f66afb4" charset="0"/>
+              </a:rPr>
+              <a:t>EachInexed</a:t>
+            </a:r>
+            <a:r>
+              <a:rPr lang="en-US" altLang="zh-CN" sz="1800" dirty="0" smtClean="0">
+                <a:latin typeface="font000000001f66afb4" charset="0"/>
+              </a:rPr>
+              <a:t>,</a:t>
+            </a:r>
+            <a:r>
+              <a:rPr lang="zh-CN" altLang="en-US" sz="1800" dirty="0" smtClean="0">
+                <a:latin typeface="font000000001f66afb4" charset="0"/>
+              </a:rPr>
+              <a:t> </a:t>
+            </a:r>
+            <a:r>
+              <a:rPr lang="en-US" altLang="zh-CN" sz="1800" dirty="0" err="1" smtClean="0">
+                <a:latin typeface="font000000001f66afb4" charset="0"/>
+              </a:rPr>
+              <a:t>maxBy</a:t>
+            </a:r>
+            <a:r>
+              <a:rPr lang="en-US" altLang="zh-CN" sz="1800" dirty="0" smtClean="0">
+                <a:latin typeface="font000000001f66afb4" charset="0"/>
+              </a:rPr>
+              <a:t>,</a:t>
+            </a:r>
+            <a:r>
+              <a:rPr lang="zh-CN" altLang="en-US" sz="1800" dirty="0" smtClean="0">
+                <a:latin typeface="font000000001f66afb4" charset="0"/>
+              </a:rPr>
+              <a:t> </a:t>
+            </a:r>
+            <a:r>
+              <a:rPr lang="en-US" altLang="zh-CN" sz="1800" dirty="0" err="1" smtClean="0">
+                <a:latin typeface="font000000001f66afb4" charset="0"/>
+              </a:rPr>
+              <a:t>minBy</a:t>
+            </a:r>
+            <a:r>
+              <a:rPr lang="en-US" altLang="zh-CN" sz="1800" dirty="0" smtClean="0">
+                <a:latin typeface="font000000001f66afb4" charset="0"/>
+              </a:rPr>
+              <a:t>,</a:t>
+            </a:r>
+            <a:r>
+              <a:rPr lang="zh-CN" altLang="en-US" sz="1800" dirty="0" smtClean="0">
+                <a:latin typeface="font000000001f66afb4" charset="0"/>
+              </a:rPr>
+              <a:t>  </a:t>
+            </a:r>
+            <a:r>
+              <a:rPr lang="en-US" altLang="zh-CN" sz="1800" dirty="0" smtClean="0">
+                <a:latin typeface="font000000001f66afb4" charset="0"/>
+              </a:rPr>
+              <a:t>none,</a:t>
+            </a:r>
+            <a:r>
+              <a:rPr lang="zh-CN" altLang="en-US" sz="1800" dirty="0" smtClean="0">
+                <a:latin typeface="font000000001f66afb4" charset="0"/>
+              </a:rPr>
+              <a:t>  </a:t>
+            </a:r>
+            <a:r>
+              <a:rPr lang="en-US" altLang="zh-CN" sz="1800" dirty="0" smtClean="0">
+                <a:latin typeface="font000000001f66afb4" charset="0"/>
+              </a:rPr>
+              <a:t>reduce,</a:t>
+            </a:r>
+            <a:r>
+              <a:rPr lang="zh-CN" altLang="en-US" sz="1800" dirty="0" smtClean="0">
+                <a:latin typeface="font000000001f66afb4" charset="0"/>
+              </a:rPr>
+              <a:t>  </a:t>
+            </a:r>
+            <a:r>
+              <a:rPr lang="en-US" altLang="zh-CN" sz="1800" dirty="0" err="1" smtClean="0">
+                <a:latin typeface="font000000001f66afb4" charset="0"/>
+              </a:rPr>
+              <a:t>reduceRight</a:t>
+            </a:r>
+            <a:r>
+              <a:rPr lang="en-US" altLang="zh-CN" sz="1800" dirty="0" smtClean="0">
+                <a:latin typeface="font000000001f66afb4" charset="0"/>
+              </a:rPr>
+              <a:t>,</a:t>
+            </a:r>
+            <a:r>
+              <a:rPr lang="zh-CN" altLang="en-US" sz="1800" dirty="0" smtClean="0">
+                <a:latin typeface="font000000001f66afb4" charset="0"/>
+              </a:rPr>
+              <a:t>  </a:t>
+            </a:r>
+            <a:r>
+              <a:rPr lang="en-US" altLang="zh-CN" sz="1800" dirty="0" err="1" smtClean="0">
+                <a:latin typeface="font000000001f66afb4" charset="0"/>
+              </a:rPr>
+              <a:t>sumBy</a:t>
+            </a:r>
+            <a:endParaRPr lang="en-US" altLang="zh-CN" sz="1800" dirty="0" smtClean="0">
+              <a:latin typeface="font000000001f66afb4" charset="0"/>
+            </a:endParaRPr>
+          </a:p>
+          <a:p>
+            <a:pPr marL="404813" indent="-266700"/>
+            <a:endParaRPr lang="en-US" altLang="zh-CN" sz="1800" dirty="0">
+              <a:latin typeface="font000000001f66afb4" charset="0"/>
+            </a:endParaRPr>
+          </a:p>
+          <a:p>
+            <a:pPr marL="404813" indent="-266700"/>
+            <a:r>
+              <a:rPr lang="zh-CN" altLang="en-US" sz="1800" dirty="0" smtClean="0">
+                <a:latin typeface="font000000001f66afb4" charset="0"/>
+              </a:rPr>
+              <a:t>过滤操作符</a:t>
+            </a:r>
+            <a:r>
+              <a:rPr lang="en-US" altLang="zh-CN" sz="1800" dirty="0" smtClean="0">
+                <a:latin typeface="font000000001f66afb4" charset="0"/>
+              </a:rPr>
+              <a:t>:</a:t>
+            </a:r>
+            <a:r>
+              <a:rPr lang="zh-CN" altLang="en-US" sz="1800" dirty="0" smtClean="0">
+                <a:latin typeface="font000000001f66afb4" charset="0"/>
+              </a:rPr>
+              <a:t>  </a:t>
+            </a:r>
+            <a:r>
+              <a:rPr lang="en-US" altLang="zh-CN" sz="1800" dirty="0" smtClean="0">
+                <a:latin typeface="font000000001f66afb4" charset="0"/>
+              </a:rPr>
+              <a:t>drop</a:t>
+            </a:r>
+            <a:r>
+              <a:rPr lang="en-US" altLang="zh-CN" sz="1800" dirty="0" smtClean="0">
+                <a:latin typeface="font000000001f66afb4" charset="0"/>
+              </a:rPr>
+              <a:t>,</a:t>
+            </a:r>
+            <a:r>
+              <a:rPr lang="zh-CN" altLang="en-US" sz="1800" dirty="0" smtClean="0">
+                <a:latin typeface="font000000001f66afb4" charset="0"/>
+              </a:rPr>
+              <a:t>  </a:t>
+            </a:r>
+            <a:r>
+              <a:rPr lang="en-US" altLang="zh-CN" sz="1800" dirty="0" err="1" smtClean="0">
+                <a:latin typeface="font000000001f66afb4" charset="0"/>
+              </a:rPr>
+              <a:t>dropWhile</a:t>
+            </a:r>
+            <a:r>
+              <a:rPr lang="en-US" altLang="zh-CN" sz="1800" dirty="0" smtClean="0">
+                <a:latin typeface="font000000001f66afb4" charset="0"/>
+              </a:rPr>
+              <a:t>,</a:t>
+            </a:r>
+            <a:r>
+              <a:rPr lang="zh-CN" altLang="en-US" sz="1800" dirty="0" smtClean="0">
+                <a:latin typeface="font000000001f66afb4" charset="0"/>
+              </a:rPr>
+              <a:t>  </a:t>
+            </a:r>
+            <a:r>
+              <a:rPr lang="en-US" altLang="zh-CN" sz="1800" dirty="0" err="1" smtClean="0">
+                <a:latin typeface="font000000001f66afb4" charset="0"/>
+              </a:rPr>
+              <a:t>dropLastWhile</a:t>
+            </a:r>
+            <a:r>
+              <a:rPr lang="en-US" altLang="zh-CN" sz="1800" dirty="0" smtClean="0">
+                <a:latin typeface="font000000001f66afb4" charset="0"/>
+              </a:rPr>
+              <a:t>,</a:t>
+            </a:r>
+            <a:r>
+              <a:rPr lang="zh-CN" altLang="en-US" sz="1800" dirty="0" smtClean="0">
+                <a:latin typeface="font000000001f66afb4" charset="0"/>
+              </a:rPr>
+              <a:t>  </a:t>
+            </a:r>
+            <a:r>
+              <a:rPr lang="en-US" altLang="zh-CN" sz="1800" dirty="0" smtClean="0">
+                <a:latin typeface="font000000001f66afb4" charset="0"/>
+              </a:rPr>
+              <a:t>filter,</a:t>
+            </a:r>
+            <a:r>
+              <a:rPr lang="zh-CN" altLang="en-US" sz="1800" dirty="0" smtClean="0">
+                <a:latin typeface="font000000001f66afb4" charset="0"/>
+              </a:rPr>
+              <a:t> </a:t>
+            </a:r>
+            <a:r>
+              <a:rPr lang="en-US" altLang="zh-CN" sz="1800" dirty="0" err="1" smtClean="0">
+                <a:latin typeface="font000000001f66afb4" charset="0"/>
+              </a:rPr>
+              <a:t>filterNot</a:t>
+            </a:r>
+            <a:r>
+              <a:rPr lang="en-US" altLang="zh-CN" sz="1800" dirty="0" smtClean="0">
+                <a:latin typeface="font000000001f66afb4" charset="0"/>
+              </a:rPr>
+              <a:t>,</a:t>
+            </a:r>
+            <a:r>
+              <a:rPr lang="zh-CN" altLang="en-US" sz="1800" dirty="0" smtClean="0">
+                <a:latin typeface="font000000001f66afb4" charset="0"/>
+              </a:rPr>
+              <a:t>  </a:t>
+            </a:r>
+            <a:r>
+              <a:rPr lang="en-US" altLang="zh-CN" sz="1800" dirty="0" err="1" smtClean="0">
+                <a:latin typeface="font000000001f66afb4" charset="0"/>
+              </a:rPr>
+              <a:t>filterNotNull</a:t>
+            </a:r>
+            <a:r>
+              <a:rPr lang="en-US" altLang="zh-CN" sz="1800" dirty="0" smtClean="0">
+                <a:latin typeface="font000000001f66afb4" charset="0"/>
+              </a:rPr>
+              <a:t>,</a:t>
+            </a:r>
+            <a:r>
+              <a:rPr lang="zh-CN" altLang="en-US" sz="1800" dirty="0" smtClean="0">
+                <a:latin typeface="font000000001f66afb4" charset="0"/>
+              </a:rPr>
+              <a:t>  </a:t>
+            </a:r>
+            <a:r>
+              <a:rPr lang="en-US" altLang="zh-CN" sz="1800" dirty="0" smtClean="0">
+                <a:latin typeface="font000000001f66afb4" charset="0"/>
+              </a:rPr>
+              <a:t>slice,</a:t>
+            </a:r>
+            <a:r>
+              <a:rPr lang="zh-CN" altLang="en-US" sz="1800" dirty="0" smtClean="0">
+                <a:latin typeface="font000000001f66afb4" charset="0"/>
+              </a:rPr>
+              <a:t>  </a:t>
+            </a:r>
+            <a:r>
+              <a:rPr lang="en-US" altLang="zh-CN" sz="1800" dirty="0" smtClean="0">
+                <a:latin typeface="font000000001f66afb4" charset="0"/>
+              </a:rPr>
+              <a:t>take,</a:t>
+            </a:r>
+            <a:r>
+              <a:rPr lang="zh-CN" altLang="en-US" sz="1800" dirty="0" smtClean="0">
+                <a:latin typeface="font000000001f66afb4" charset="0"/>
+              </a:rPr>
+              <a:t>  </a:t>
+            </a:r>
+            <a:r>
+              <a:rPr lang="en-US" altLang="zh-CN" sz="1800" dirty="0" err="1" smtClean="0">
+                <a:latin typeface="font000000001f66afb4" charset="0"/>
+              </a:rPr>
+              <a:t>takeLast</a:t>
+            </a:r>
+            <a:r>
+              <a:rPr lang="en-US" altLang="zh-CN" sz="1800" dirty="0" smtClean="0">
+                <a:latin typeface="font000000001f66afb4" charset="0"/>
+              </a:rPr>
+              <a:t>,</a:t>
+            </a:r>
+            <a:r>
+              <a:rPr lang="zh-CN" altLang="en-US" sz="1800" dirty="0" smtClean="0">
+                <a:latin typeface="font000000001f66afb4" charset="0"/>
+              </a:rPr>
+              <a:t>  </a:t>
+            </a:r>
+            <a:r>
+              <a:rPr lang="en-US" altLang="zh-CN" sz="1800" dirty="0" err="1" smtClean="0">
+                <a:latin typeface="font000000001f66afb4" charset="0"/>
+              </a:rPr>
+              <a:t>takeWhile</a:t>
+            </a:r>
+            <a:endParaRPr lang="en-US" altLang="zh-CN" sz="1800" dirty="0">
+              <a:latin typeface="font000000001f66afb4" charset="0"/>
+            </a:endParaRPr>
+          </a:p>
+          <a:p>
+            <a:pPr marL="404813" indent="-266700"/>
+            <a:endParaRPr lang="en-US" altLang="zh-CN" sz="1800" dirty="0" smtClean="0">
+              <a:latin typeface="font000000001f66afb4" charset="0"/>
+            </a:endParaRPr>
+          </a:p>
+          <a:p>
+            <a:pPr marL="404813" indent="-266700"/>
+            <a:r>
+              <a:rPr lang="zh-CN" altLang="en-US" sz="1800" dirty="0" smtClean="0">
+                <a:latin typeface="font000000001f66afb4" charset="0"/>
+              </a:rPr>
+              <a:t>映射操作符</a:t>
+            </a:r>
+            <a:r>
+              <a:rPr lang="en-US" altLang="zh-CN" sz="1800" dirty="0" smtClean="0">
+                <a:latin typeface="font000000001f66afb4" charset="0"/>
+              </a:rPr>
+              <a:t>:</a:t>
+            </a:r>
+            <a:r>
+              <a:rPr lang="zh-CN" altLang="en-US" sz="1800" dirty="0" smtClean="0">
+                <a:latin typeface="font000000001f66afb4" charset="0"/>
+              </a:rPr>
+              <a:t>  </a:t>
+            </a:r>
+            <a:r>
+              <a:rPr lang="en-US" altLang="zh-CN" sz="1800" dirty="0" err="1" smtClean="0">
+                <a:latin typeface="font000000001f66afb4" charset="0"/>
+              </a:rPr>
+              <a:t>flatMap</a:t>
+            </a:r>
+            <a:r>
+              <a:rPr lang="en-US" altLang="zh-CN" sz="1800" dirty="0" smtClean="0">
+                <a:latin typeface="font000000001f66afb4" charset="0"/>
+              </a:rPr>
+              <a:t>,</a:t>
+            </a:r>
+            <a:r>
+              <a:rPr lang="zh-CN" altLang="en-US" sz="1800" dirty="0" smtClean="0">
+                <a:latin typeface="font000000001f66afb4" charset="0"/>
+              </a:rPr>
+              <a:t>  </a:t>
+            </a:r>
+            <a:r>
+              <a:rPr lang="en-US" altLang="zh-CN" sz="1800" dirty="0" err="1" smtClean="0">
+                <a:latin typeface="font000000001f66afb4" charset="0"/>
+              </a:rPr>
+              <a:t>groupBy</a:t>
+            </a:r>
+            <a:r>
+              <a:rPr lang="en-US" altLang="zh-CN" sz="1800" dirty="0" smtClean="0">
+                <a:latin typeface="font000000001f66afb4" charset="0"/>
+              </a:rPr>
+              <a:t>,</a:t>
+            </a:r>
+            <a:r>
+              <a:rPr lang="zh-CN" altLang="en-US" sz="1800" dirty="0" smtClean="0">
+                <a:latin typeface="font000000001f66afb4" charset="0"/>
+              </a:rPr>
+              <a:t>  </a:t>
+            </a:r>
+            <a:r>
+              <a:rPr lang="en-US" altLang="zh-CN" sz="1800" dirty="0" smtClean="0">
+                <a:latin typeface="font000000001f66afb4" charset="0"/>
+              </a:rPr>
+              <a:t>map,</a:t>
+            </a:r>
+            <a:r>
+              <a:rPr lang="zh-CN" altLang="en-US" sz="1800" dirty="0" smtClean="0">
+                <a:latin typeface="font000000001f66afb4" charset="0"/>
+              </a:rPr>
+              <a:t>  </a:t>
+            </a:r>
+            <a:r>
+              <a:rPr lang="en-US" altLang="zh-CN" sz="1800" dirty="0" err="1" smtClean="0">
+                <a:latin typeface="font000000001f66afb4" charset="0"/>
+              </a:rPr>
+              <a:t>mapIndexed</a:t>
+            </a:r>
+            <a:r>
+              <a:rPr lang="en-US" altLang="zh-CN" sz="1800" dirty="0" smtClean="0">
+                <a:latin typeface="font000000001f66afb4" charset="0"/>
+              </a:rPr>
+              <a:t>,</a:t>
+            </a:r>
+            <a:r>
+              <a:rPr lang="zh-CN" altLang="en-US" sz="1800" dirty="0" smtClean="0">
+                <a:latin typeface="font000000001f66afb4" charset="0"/>
+              </a:rPr>
+              <a:t>  </a:t>
+            </a:r>
+            <a:r>
+              <a:rPr lang="en-US" altLang="zh-CN" sz="1800" dirty="0" err="1" smtClean="0">
+                <a:latin typeface="font000000001f66afb4" charset="0"/>
+              </a:rPr>
+              <a:t>mapNotNull</a:t>
+            </a:r>
+            <a:endParaRPr lang="en-US" altLang="zh-CN" sz="1800" dirty="0" smtClean="0">
+              <a:latin typeface="font000000001f66afb4" charset="0"/>
+            </a:endParaRPr>
+          </a:p>
+          <a:p>
+            <a:pPr marL="404813" indent="-266700"/>
+            <a:endParaRPr lang="en-US" altLang="zh-CN" sz="1800" dirty="0">
+              <a:latin typeface="font000000001f66afb4" charset="0"/>
+            </a:endParaRPr>
+          </a:p>
+          <a:p>
+            <a:pPr marL="404813" indent="-266700"/>
+            <a:r>
+              <a:rPr lang="zh-CN" altLang="en-US" sz="1800" dirty="0" smtClean="0">
+                <a:latin typeface="font000000001f66afb4" charset="0"/>
+              </a:rPr>
+              <a:t>元素操作符</a:t>
+            </a:r>
+            <a:r>
+              <a:rPr lang="en-US" altLang="zh-CN" sz="1800" dirty="0" smtClean="0">
+                <a:latin typeface="font000000001f66afb4" charset="0"/>
+              </a:rPr>
+              <a:t>:</a:t>
+            </a:r>
+            <a:r>
+              <a:rPr lang="zh-CN" altLang="en-US" sz="1800" dirty="0" smtClean="0">
+                <a:latin typeface="font000000001f66afb4" charset="0"/>
+              </a:rPr>
+              <a:t>  </a:t>
+            </a:r>
+            <a:r>
+              <a:rPr lang="en-US" altLang="zh-CN" sz="1800" dirty="0" smtClean="0">
+                <a:latin typeface="font000000001f66afb4" charset="0"/>
+              </a:rPr>
+              <a:t>contains,</a:t>
+            </a:r>
+            <a:r>
+              <a:rPr lang="zh-CN" altLang="en-US" sz="1800" dirty="0" smtClean="0">
+                <a:latin typeface="font000000001f66afb4" charset="0"/>
+              </a:rPr>
+              <a:t>  </a:t>
+            </a:r>
+            <a:r>
+              <a:rPr lang="en-US" altLang="zh-CN" sz="1800" dirty="0" err="1" smtClean="0">
+                <a:latin typeface="font000000001f66afb4" charset="0"/>
+              </a:rPr>
+              <a:t>elementAt</a:t>
+            </a:r>
+            <a:r>
+              <a:rPr lang="en-US" altLang="zh-CN" sz="1800" dirty="0" smtClean="0">
+                <a:latin typeface="font000000001f66afb4" charset="0"/>
+              </a:rPr>
+              <a:t>,</a:t>
+            </a:r>
+            <a:r>
+              <a:rPr lang="zh-CN" altLang="en-US" sz="1800" dirty="0" smtClean="0">
+                <a:latin typeface="font000000001f66afb4" charset="0"/>
+              </a:rPr>
+              <a:t>  </a:t>
+            </a:r>
+            <a:r>
+              <a:rPr lang="en-US" altLang="zh-CN" sz="1800" dirty="0" err="1" smtClean="0">
+                <a:latin typeface="font000000001f66afb4" charset="0"/>
+              </a:rPr>
+              <a:t>elementAtOrElse</a:t>
+            </a:r>
+            <a:r>
+              <a:rPr lang="en-US" altLang="zh-CN" sz="1800" dirty="0" smtClean="0">
+                <a:latin typeface="font000000001f66afb4" charset="0"/>
+              </a:rPr>
+              <a:t>,</a:t>
+            </a:r>
+            <a:r>
+              <a:rPr lang="zh-CN" altLang="en-US" sz="1800" dirty="0" smtClean="0">
+                <a:latin typeface="font000000001f66afb4" charset="0"/>
+              </a:rPr>
+              <a:t>  </a:t>
+            </a:r>
+            <a:r>
+              <a:rPr lang="en-US" altLang="zh-CN" sz="1800" dirty="0" err="1" smtClean="0">
+                <a:latin typeface="font000000001f66afb4" charset="0"/>
+              </a:rPr>
+              <a:t>elementAtOrNull</a:t>
+            </a:r>
+            <a:r>
+              <a:rPr lang="en-US" altLang="zh-CN" sz="1800" dirty="0" smtClean="0">
+                <a:latin typeface="font000000001f66afb4" charset="0"/>
+              </a:rPr>
+              <a:t>,</a:t>
+            </a:r>
+            <a:r>
+              <a:rPr lang="zh-CN" altLang="en-US" sz="1800" dirty="0" smtClean="0">
+                <a:latin typeface="font000000001f66afb4" charset="0"/>
+              </a:rPr>
+              <a:t>  </a:t>
+            </a:r>
+            <a:r>
+              <a:rPr lang="en-US" altLang="zh-CN" sz="1800" dirty="0" smtClean="0">
+                <a:latin typeface="font000000001f66afb4" charset="0"/>
+              </a:rPr>
+              <a:t>first,</a:t>
+            </a:r>
+            <a:r>
+              <a:rPr lang="zh-CN" altLang="en-US" sz="1800" dirty="0" smtClean="0">
+                <a:latin typeface="font000000001f66afb4" charset="0"/>
+              </a:rPr>
+              <a:t>  </a:t>
+            </a:r>
+            <a:r>
+              <a:rPr lang="en-US" altLang="zh-CN" sz="1800" dirty="0" err="1" smtClean="0">
+                <a:latin typeface="font000000001f66afb4" charset="0"/>
+              </a:rPr>
+              <a:t>firstOrNull</a:t>
+            </a:r>
+            <a:r>
+              <a:rPr lang="en-US" altLang="zh-CN" sz="1800" dirty="0" smtClean="0">
+                <a:latin typeface="font000000001f66afb4" charset="0"/>
+              </a:rPr>
+              <a:t>,</a:t>
+            </a:r>
+            <a:r>
+              <a:rPr lang="zh-CN" altLang="en-US" sz="1800" dirty="0" smtClean="0">
+                <a:latin typeface="font000000001f66afb4" charset="0"/>
+              </a:rPr>
+              <a:t>  </a:t>
+            </a:r>
+            <a:r>
+              <a:rPr lang="en-US" altLang="zh-CN" sz="1800" dirty="0" err="1" smtClean="0">
+                <a:latin typeface="font000000001f66afb4" charset="0"/>
+              </a:rPr>
+              <a:t>indexOf</a:t>
+            </a:r>
+            <a:r>
+              <a:rPr lang="en-US" altLang="zh-CN" sz="1800" dirty="0" smtClean="0">
+                <a:latin typeface="font000000001f66afb4" charset="0"/>
+              </a:rPr>
+              <a:t>,</a:t>
+            </a:r>
+            <a:r>
+              <a:rPr lang="zh-CN" altLang="en-US" sz="1800" dirty="0" smtClean="0">
+                <a:latin typeface="font000000001f66afb4" charset="0"/>
+              </a:rPr>
+              <a:t>  </a:t>
+            </a:r>
+            <a:r>
+              <a:rPr lang="en-US" altLang="zh-CN" sz="1800" dirty="0" err="1" smtClean="0">
+                <a:latin typeface="font000000001f66afb4" charset="0"/>
+              </a:rPr>
+              <a:t>indexOfFirst</a:t>
+            </a:r>
+            <a:r>
+              <a:rPr lang="en-US" altLang="zh-CN" sz="1800" dirty="0" smtClean="0">
+                <a:latin typeface="font000000001f66afb4" charset="0"/>
+              </a:rPr>
+              <a:t>,</a:t>
+            </a:r>
+            <a:r>
+              <a:rPr lang="zh-CN" altLang="en-US" sz="1800" dirty="0" smtClean="0">
+                <a:latin typeface="font000000001f66afb4" charset="0"/>
+              </a:rPr>
+              <a:t>  </a:t>
+            </a:r>
+            <a:r>
+              <a:rPr lang="en-US" altLang="zh-CN" sz="1800" dirty="0" err="1" smtClean="0">
+                <a:latin typeface="font000000001f66afb4" charset="0"/>
+              </a:rPr>
+              <a:t>indexOfLast</a:t>
+            </a:r>
+            <a:r>
+              <a:rPr lang="en-US" altLang="zh-CN" sz="1800" dirty="0" smtClean="0">
+                <a:latin typeface="font000000001f66afb4" charset="0"/>
+              </a:rPr>
+              <a:t>,</a:t>
+            </a:r>
+            <a:r>
+              <a:rPr lang="zh-CN" altLang="en-US" sz="1800" dirty="0" smtClean="0">
+                <a:latin typeface="font000000001f66afb4" charset="0"/>
+              </a:rPr>
+              <a:t>  </a:t>
+            </a:r>
+            <a:r>
+              <a:rPr lang="en-US" altLang="zh-CN" sz="1800" dirty="0" smtClean="0">
+                <a:latin typeface="font000000001f66afb4" charset="0"/>
+              </a:rPr>
+              <a:t>last,</a:t>
+            </a:r>
+            <a:r>
+              <a:rPr lang="zh-CN" altLang="en-US" sz="1800" dirty="0" smtClean="0">
+                <a:latin typeface="font000000001f66afb4" charset="0"/>
+              </a:rPr>
+              <a:t>  </a:t>
+            </a:r>
+            <a:r>
+              <a:rPr lang="en-US" altLang="zh-CN" sz="1800" dirty="0" err="1" smtClean="0">
+                <a:latin typeface="font000000001f66afb4" charset="0"/>
+              </a:rPr>
+              <a:t>lastIndexOf</a:t>
+            </a:r>
+            <a:r>
+              <a:rPr lang="en-US" altLang="zh-CN" sz="1800" dirty="0" smtClean="0">
+                <a:latin typeface="font000000001f66afb4" charset="0"/>
+              </a:rPr>
+              <a:t>,</a:t>
+            </a:r>
+            <a:r>
+              <a:rPr lang="zh-CN" altLang="en-US" sz="1800" dirty="0" smtClean="0">
+                <a:latin typeface="font000000001f66afb4" charset="0"/>
+              </a:rPr>
+              <a:t>  </a:t>
+            </a:r>
+            <a:r>
+              <a:rPr lang="en-US" altLang="zh-CN" sz="1800" dirty="0" err="1" smtClean="0">
+                <a:latin typeface="font000000001f66afb4" charset="0"/>
+              </a:rPr>
+              <a:t>lastOrNull</a:t>
+            </a:r>
+            <a:r>
+              <a:rPr lang="en-US" altLang="zh-CN" sz="1800" dirty="0" smtClean="0">
+                <a:latin typeface="font000000001f66afb4" charset="0"/>
+              </a:rPr>
+              <a:t>,</a:t>
+            </a:r>
+            <a:r>
+              <a:rPr lang="zh-CN" altLang="en-US" sz="1800" dirty="0" smtClean="0">
+                <a:latin typeface="font000000001f66afb4" charset="0"/>
+              </a:rPr>
+              <a:t>  </a:t>
+            </a:r>
+            <a:r>
+              <a:rPr lang="en-US" altLang="zh-CN" sz="1800" dirty="0" smtClean="0">
+                <a:latin typeface="font000000001f66afb4" charset="0"/>
+              </a:rPr>
+              <a:t>single,</a:t>
+            </a:r>
+            <a:r>
+              <a:rPr lang="zh-CN" altLang="en-US" sz="1800" dirty="0" smtClean="0">
+                <a:latin typeface="font000000001f66afb4" charset="0"/>
+              </a:rPr>
+              <a:t>  </a:t>
+            </a:r>
+            <a:r>
+              <a:rPr lang="en-US" altLang="zh-CN" sz="1800" dirty="0" err="1" smtClean="0">
+                <a:latin typeface="font000000001f66afb4" charset="0"/>
+              </a:rPr>
+              <a:t>singleOrNull</a:t>
+            </a:r>
+            <a:endParaRPr lang="en-US" altLang="zh-CN" sz="1800" dirty="0">
+              <a:latin typeface="font000000001f66afb4" charset="0"/>
+            </a:endParaRPr>
+          </a:p>
+          <a:p>
+            <a:pPr marL="404813" indent="-266700"/>
+            <a:endParaRPr lang="en-US" altLang="zh-CN" sz="1800" dirty="0" smtClean="0">
+              <a:latin typeface="font000000001f66afb4" charset="0"/>
+            </a:endParaRPr>
+          </a:p>
+          <a:p>
+            <a:pPr marL="404813" indent="-266700"/>
+            <a:r>
+              <a:rPr lang="zh-CN" altLang="en-US" sz="1800" dirty="0" smtClean="0">
+                <a:latin typeface="font000000001f66afb4" charset="0"/>
+              </a:rPr>
+              <a:t>生产操作符</a:t>
+            </a:r>
+            <a:r>
+              <a:rPr lang="en-US" altLang="zh-CN" sz="1800" dirty="0" smtClean="0">
+                <a:latin typeface="font000000001f66afb4" charset="0"/>
+              </a:rPr>
+              <a:t>:</a:t>
+            </a:r>
+            <a:r>
+              <a:rPr lang="zh-CN" altLang="en-US" sz="1800" dirty="0" smtClean="0">
+                <a:latin typeface="font000000001f66afb4" charset="0"/>
+              </a:rPr>
+              <a:t>  </a:t>
+            </a:r>
+            <a:r>
+              <a:rPr lang="en-US" altLang="zh-CN" sz="1800" dirty="0" smtClean="0">
+                <a:latin typeface="font000000001f66afb4" charset="0"/>
+              </a:rPr>
+              <a:t>merge,</a:t>
+            </a:r>
+            <a:r>
+              <a:rPr lang="zh-CN" altLang="en-US" sz="1800" dirty="0" smtClean="0">
+                <a:latin typeface="font000000001f66afb4" charset="0"/>
+              </a:rPr>
+              <a:t>  </a:t>
+            </a:r>
+            <a:r>
+              <a:rPr lang="en-US" altLang="zh-CN" sz="1800" dirty="0" smtClean="0">
+                <a:latin typeface="font000000001f66afb4" charset="0"/>
+              </a:rPr>
+              <a:t>partition,</a:t>
+            </a:r>
+            <a:r>
+              <a:rPr lang="zh-CN" altLang="en-US" sz="1800" dirty="0" smtClean="0">
+                <a:latin typeface="font000000001f66afb4" charset="0"/>
+              </a:rPr>
+              <a:t>  </a:t>
+            </a:r>
+            <a:r>
+              <a:rPr lang="en-US" altLang="zh-CN" sz="1800" dirty="0" smtClean="0">
+                <a:latin typeface="font000000001f66afb4" charset="0"/>
+              </a:rPr>
+              <a:t>plus,</a:t>
+            </a:r>
+            <a:r>
+              <a:rPr lang="zh-CN" altLang="en-US" sz="1800" dirty="0" smtClean="0">
+                <a:latin typeface="font000000001f66afb4" charset="0"/>
+              </a:rPr>
+              <a:t>  </a:t>
+            </a:r>
+            <a:r>
+              <a:rPr lang="en-US" altLang="zh-CN" sz="1800" dirty="0" smtClean="0">
+                <a:latin typeface="font000000001f66afb4" charset="0"/>
+              </a:rPr>
+              <a:t>zip,</a:t>
+            </a:r>
+            <a:r>
+              <a:rPr lang="zh-CN" altLang="en-US" sz="1800" dirty="0" smtClean="0">
+                <a:latin typeface="font000000001f66afb4" charset="0"/>
+              </a:rPr>
+              <a:t>  </a:t>
+            </a:r>
+            <a:r>
+              <a:rPr lang="en-US" altLang="zh-CN" sz="1800" dirty="0" smtClean="0">
+                <a:latin typeface="font000000001f66afb4" charset="0"/>
+              </a:rPr>
+              <a:t>unzip</a:t>
+            </a:r>
+            <a:endParaRPr lang="en-US" altLang="zh-CN" sz="1800" dirty="0">
+              <a:latin typeface="font000000001f66afb4" charset="0"/>
+            </a:endParaRPr>
+          </a:p>
+          <a:p>
+            <a:pPr marL="423863" indent="-285750"/>
+            <a:endParaRPr lang="en-US" altLang="zh-CN" sz="1800" dirty="0" smtClean="0">
+              <a:latin typeface="font000000001f66afb4" charset="0"/>
+            </a:endParaRPr>
+          </a:p>
+          <a:p>
+            <a:pPr marL="423863" indent="-285750"/>
+            <a:r>
+              <a:rPr lang="zh-CN" altLang="en-US" sz="1800" dirty="0" smtClean="0">
+                <a:latin typeface="font000000001f66afb4" charset="0"/>
+              </a:rPr>
+              <a:t>顺序操作符</a:t>
+            </a:r>
+            <a:r>
+              <a:rPr lang="en-US" altLang="zh-CN" sz="1800" dirty="0" smtClean="0">
+                <a:latin typeface="font000000001f66afb4" charset="0"/>
+              </a:rPr>
+              <a:t>:</a:t>
+            </a:r>
+            <a:r>
+              <a:rPr lang="zh-CN" altLang="en-US" sz="1800" dirty="0" smtClean="0">
+                <a:latin typeface="font000000001f66afb4" charset="0"/>
+              </a:rPr>
+              <a:t>  </a:t>
+            </a:r>
+            <a:r>
+              <a:rPr lang="en-US" altLang="zh-CN" sz="1800" dirty="0" smtClean="0">
+                <a:latin typeface="font000000001f66afb4" charset="0"/>
+              </a:rPr>
+              <a:t>reverse,</a:t>
+            </a:r>
+            <a:r>
+              <a:rPr lang="zh-CN" altLang="en-US" sz="1800" dirty="0" smtClean="0">
+                <a:latin typeface="font000000001f66afb4" charset="0"/>
+              </a:rPr>
+              <a:t>  </a:t>
+            </a:r>
+            <a:r>
+              <a:rPr lang="en-US" altLang="zh-CN" sz="1800" dirty="0" smtClean="0">
+                <a:latin typeface="font000000001f66afb4" charset="0"/>
+              </a:rPr>
+              <a:t>sort,</a:t>
+            </a:r>
+            <a:r>
+              <a:rPr lang="zh-CN" altLang="en-US" sz="1800" dirty="0" smtClean="0">
+                <a:latin typeface="font000000001f66afb4" charset="0"/>
+              </a:rPr>
+              <a:t>  </a:t>
+            </a:r>
+            <a:r>
+              <a:rPr lang="en-US" altLang="zh-CN" sz="1800" dirty="0" err="1" smtClean="0">
+                <a:latin typeface="font000000001f66afb4" charset="0"/>
+              </a:rPr>
+              <a:t>sortBy</a:t>
+            </a:r>
+            <a:r>
+              <a:rPr lang="en-US" altLang="zh-CN" sz="1800" dirty="0" smtClean="0">
+                <a:latin typeface="font000000001f66afb4" charset="0"/>
+              </a:rPr>
+              <a:t>,</a:t>
+            </a:r>
+            <a:r>
+              <a:rPr lang="zh-CN" altLang="en-US" sz="1800" dirty="0" smtClean="0">
+                <a:latin typeface="font000000001f66afb4" charset="0"/>
+              </a:rPr>
+              <a:t>  </a:t>
+            </a:r>
+            <a:r>
+              <a:rPr lang="en-US" altLang="zh-CN" sz="1800" dirty="0" err="1" smtClean="0">
+                <a:latin typeface="font000000001f66afb4" charset="0"/>
+              </a:rPr>
+              <a:t>sortDescending</a:t>
+            </a:r>
+            <a:r>
+              <a:rPr lang="en-US" altLang="zh-CN" sz="1800" dirty="0" smtClean="0">
+                <a:latin typeface="font000000001f66afb4" charset="0"/>
+              </a:rPr>
+              <a:t>,</a:t>
+            </a:r>
+            <a:r>
+              <a:rPr lang="zh-CN" altLang="en-US" sz="1800" dirty="0" smtClean="0">
+                <a:latin typeface="font000000001f66afb4" charset="0"/>
+              </a:rPr>
+              <a:t>  </a:t>
+            </a:r>
+            <a:r>
+              <a:rPr lang="en-US" altLang="zh-CN" sz="1800" dirty="0" err="1" smtClean="0">
+                <a:latin typeface="font000000001f66afb4" charset="0"/>
+              </a:rPr>
+              <a:t>sortDescendingBy</a:t>
+            </a:r>
+            <a:r>
+              <a:rPr lang="en-US" altLang="zh-CN" sz="1800" dirty="0" smtClean="0">
+                <a:latin typeface="font000000001f66afb4" charset="0"/>
+              </a:rPr>
+              <a:t>,</a:t>
+            </a:r>
+            <a:r>
+              <a:rPr lang="zh-CN" altLang="en-US" sz="1800" dirty="0" smtClean="0">
+                <a:latin typeface="font000000001f66afb4" charset="0"/>
+              </a:rPr>
+              <a:t>  </a:t>
+            </a:r>
+            <a:endParaRPr lang="en-US" altLang="zh-CN" sz="1800" dirty="0" smtClean="0">
+              <a:latin typeface="font000000001f66afb4" charset="0"/>
+            </a:endParaRPr>
+          </a:p>
+          <a:p>
+            <a:pPr marL="138113" indent="0">
+              <a:buNone/>
+            </a:pPr>
+            <a:endParaRPr lang="en-US" altLang="zh-CN" sz="1800" dirty="0" smtClean="0">
+              <a:latin typeface="font000000001f66afb4" charset="0"/>
+            </a:endParaRPr>
+          </a:p>
+          <a:p>
+            <a:pPr marL="138113" indent="0">
+              <a:buNone/>
+            </a:pPr>
+            <a:endParaRPr lang="en-US" altLang="zh-CN" sz="1800" dirty="0" smtClean="0">
+              <a:latin typeface="font000000001f66afb4" charset="0"/>
+            </a:endParaRPr>
+          </a:p>
+          <a:p>
+            <a:pPr marL="138113" indent="0">
+              <a:buNone/>
+            </a:pPr>
             <a:endParaRPr lang="zh-CN" altLang="en-US" sz="1800" dirty="0"/>
           </a:p>
         </p:txBody>
@@ -17165,7 +18145,7 @@
     </p:spTree>
     <p:extLst>
       <p:ext uri="{BB962C8B-B14F-4D97-AF65-F5344CB8AC3E}">
-        <p14:creationId xmlns:p14="http://schemas.microsoft.com/office/powerpoint/2010/main" val="1162431505"/>
+        <p14:creationId xmlns:p14="http://schemas.microsoft.com/office/powerpoint/2010/main" val="1774041522"/>
       </p:ext>
     </p:extLst>
   </p:cSld>
@@ -17211,74 +18191,8 @@
         </p:nvSpPr>
         <p:spPr>
           <a:xfrm>
-            <a:off x="323528" y="2924944"/>
-            <a:ext cx="8229600" cy="1143000"/>
-          </a:xfrm>
-        </p:spPr>
-        <p:txBody>
-          <a:bodyPr/>
-          <a:lstStyle/>
-          <a:p>
-            <a:r>
-              <a:rPr kumimoji="1" lang="zh-CN" altLang="en-US" dirty="0" smtClean="0"/>
-              <a:t>七</a:t>
-            </a:r>
-            <a:r>
-              <a:rPr kumimoji="1" lang="en-US" altLang="zh-CN" dirty="0" smtClean="0"/>
-              <a:t>	</a:t>
-            </a:r>
-            <a:r>
-              <a:rPr kumimoji="1" lang="zh-CN" altLang="en-US" dirty="0" smtClean="0"/>
-              <a:t>泛型</a:t>
-            </a:r>
-            <a:endParaRPr kumimoji="1" lang="zh-CN" altLang="en-US" dirty="0"/>
-          </a:p>
-        </p:txBody>
-      </p:sp>
-    </p:spTree>
-    <p:extLst>
-      <p:ext uri="{BB962C8B-B14F-4D97-AF65-F5344CB8AC3E}">
-        <p14:creationId xmlns:p14="http://schemas.microsoft.com/office/powerpoint/2010/main" val="3612838075"/>
-      </p:ext>
-    </p:extLst>
-  </p:cSld>
-  <p:clrMapOvr>
-    <a:masterClrMapping/>
-  </p:clrMapOvr>
-</p:sld>
-</file>
-
-<file path=ppt/slides/slide37.xml><?xml version="1.0" encoding="utf-8"?>
-<p:sld xmlns:a="http://schemas.openxmlformats.org/drawingml/2006/main" xmlns:r="http://schemas.openxmlformats.org/officeDocument/2006/relationships" xmlns:p="http://schemas.openxmlformats.org/presentationml/2006/main">
-  <p:cSld>
-    <p:spTree>
-      <p:nvGrpSpPr>
-        <p:cNvPr id="1" name=""/>
-        <p:cNvGrpSpPr/>
-        <p:nvPr/>
-      </p:nvGrpSpPr>
-      <p:grpSpPr>
-        <a:xfrm>
-          <a:off x="0" y="0"/>
-          <a:ext cx="0" cy="0"/>
-          <a:chOff x="0" y="0"/>
-          <a:chExt cx="0" cy="0"/>
-        </a:xfrm>
-      </p:grpSpPr>
-      <p:sp>
-        <p:nvSpPr>
-          <p:cNvPr id="2" name="标题 1"/>
-          <p:cNvSpPr>
-            <a:spLocks noGrp="1"/>
-          </p:cNvSpPr>
-          <p:nvPr>
-            <p:ph type="title"/>
-          </p:nvPr>
-        </p:nvSpPr>
-        <p:spPr>
-          <a:xfrm>
             <a:off x="457200" y="274638"/>
-            <a:ext cx="1522512" cy="346050"/>
+            <a:ext cx="3610744" cy="346050"/>
           </a:xfrm>
         </p:spPr>
         <p:txBody>
@@ -17289,17 +18203,8 @@
           <a:p>
             <a:pPr algn="l"/>
             <a:r>
-              <a:rPr lang="zh-CN" altLang="en-US" sz="2800" dirty="0">
-                <a:solidFill>
-                  <a:srgbClr val="000000"/>
-                </a:solidFill>
-                <a:latin typeface="UKaiCN"/>
-              </a:rPr>
-              <a:t>泛型</a:t>
-            </a:r>
-            <a:r>
-              <a:rPr lang="zh-CN" altLang="en-US" sz="2400" dirty="0"/>
-              <a:t> </a:t>
+              <a:rPr lang="zh-CN" altLang="en-US" sz="2800" dirty="0" smtClean="0"/>
+              <a:t>遍历</a:t>
             </a:r>
             <a:endParaRPr lang="zh-CN" altLang="en-US" sz="2800" dirty="0"/>
           </a:p>
@@ -17327,6 +18232,240 @@
           </a:bodyPr>
           <a:lstStyle/>
           <a:p>
+            <a:r>
+              <a:rPr lang="en-US" altLang="zh-CN" sz="1800" dirty="0" smtClean="0"/>
+              <a:t>Ranges</a:t>
+            </a:r>
+            <a:r>
+              <a:rPr lang="zh-CN" altLang="en-US" sz="1800" dirty="0" smtClean="0"/>
+              <a:t>使用两个点作为符号</a:t>
+            </a:r>
+            <a:r>
+              <a:rPr lang="en-US" altLang="zh-CN" sz="1800" dirty="0" smtClean="0"/>
+              <a:t>. </a:t>
+            </a:r>
+            <a:r>
+              <a:rPr lang="zh-CN" altLang="en-US" sz="1800" dirty="0" smtClean="0"/>
+              <a:t>表示从多少到多少</a:t>
+            </a:r>
+            <a:endParaRPr lang="en-US" altLang="zh-CN" sz="1800" dirty="0" smtClean="0"/>
+          </a:p>
+          <a:p>
+            <a:r>
+              <a:rPr lang="en-US" altLang="zh-CN" sz="1800" dirty="0" smtClean="0"/>
+              <a:t>for(</a:t>
+            </a:r>
+            <a:r>
+              <a:rPr lang="en-US" altLang="zh-CN" sz="1800" dirty="0" err="1" smtClean="0"/>
+              <a:t>i</a:t>
+            </a:r>
+            <a:r>
+              <a:rPr lang="en-US" altLang="zh-CN" sz="1800" dirty="0" smtClean="0"/>
+              <a:t> in 0..10)</a:t>
+            </a:r>
+            <a:r>
+              <a:rPr lang="zh-CN" altLang="en-US" sz="1800" dirty="0" smtClean="0"/>
+              <a:t>从</a:t>
+            </a:r>
+            <a:r>
+              <a:rPr lang="en-US" altLang="zh-CN" sz="1800" dirty="0" smtClean="0"/>
+              <a:t>0</a:t>
+            </a:r>
+            <a:r>
+              <a:rPr lang="zh-CN" altLang="en-US" sz="1800" dirty="0" smtClean="0"/>
+              <a:t>到</a:t>
+            </a:r>
+            <a:r>
+              <a:rPr lang="en-US" altLang="zh-CN" sz="1800" dirty="0" smtClean="0"/>
+              <a:t>10</a:t>
+            </a:r>
+          </a:p>
+          <a:p>
+            <a:r>
+              <a:rPr lang="en-US" altLang="zh-CN" sz="1800" dirty="0" smtClean="0"/>
+              <a:t>for(</a:t>
+            </a:r>
+            <a:r>
+              <a:rPr lang="en-US" altLang="zh-CN" sz="1800" dirty="0" err="1" smtClean="0"/>
+              <a:t>i</a:t>
+            </a:r>
+            <a:r>
+              <a:rPr lang="en-US" altLang="zh-CN" sz="1800" dirty="0" smtClean="0"/>
+              <a:t> in </a:t>
+            </a:r>
+            <a:r>
+              <a:rPr lang="en-US" altLang="zh-CN" sz="1800" dirty="0" err="1" smtClean="0"/>
+              <a:t>a..z</a:t>
+            </a:r>
+            <a:r>
+              <a:rPr lang="en-US" altLang="zh-CN" sz="1800" dirty="0" smtClean="0"/>
+              <a:t>)</a:t>
+            </a:r>
+            <a:r>
+              <a:rPr lang="zh-CN" altLang="en-US" sz="1800" dirty="0" smtClean="0"/>
+              <a:t>从</a:t>
+            </a:r>
+            <a:r>
+              <a:rPr lang="en-US" altLang="zh-CN" sz="1800" dirty="0" smtClean="0"/>
+              <a:t>a</a:t>
+            </a:r>
+            <a:r>
+              <a:rPr lang="zh-CN" altLang="en-US" sz="1800" dirty="0" smtClean="0"/>
+              <a:t>到</a:t>
+            </a:r>
+            <a:r>
+              <a:rPr lang="en-US" altLang="zh-CN" sz="1800" dirty="0" smtClean="0"/>
+              <a:t>b</a:t>
+            </a:r>
+          </a:p>
+          <a:p>
+            <a:r>
+              <a:rPr lang="en-US" altLang="zh-CN" sz="1800" dirty="0" smtClean="0"/>
+              <a:t>for(</a:t>
+            </a:r>
+            <a:r>
+              <a:rPr lang="en-US" altLang="zh-CN" sz="1800" dirty="0" err="1" smtClean="0"/>
+              <a:t>i</a:t>
+            </a:r>
+            <a:r>
+              <a:rPr lang="en-US" altLang="zh-CN" sz="1800" dirty="0" smtClean="0"/>
+              <a:t> in 0..array.size-1)</a:t>
+            </a:r>
+            <a:r>
+              <a:rPr lang="zh-CN" altLang="en-US" sz="1800" dirty="0" smtClean="0"/>
+              <a:t>遍历所有数组</a:t>
+            </a:r>
+            <a:endParaRPr lang="en-US" altLang="zh-CN" sz="1800" dirty="0" smtClean="0"/>
+          </a:p>
+          <a:p>
+            <a:r>
+              <a:rPr lang="en-US" altLang="zh-CN" sz="1800" dirty="0" smtClean="0"/>
+              <a:t>for(</a:t>
+            </a:r>
+            <a:r>
+              <a:rPr lang="en-US" altLang="zh-CN" sz="1800" dirty="0" err="1" smtClean="0"/>
+              <a:t>i</a:t>
+            </a:r>
+            <a:r>
+              <a:rPr lang="en-US" altLang="zh-CN" sz="1800" dirty="0" smtClean="0"/>
+              <a:t> in 10 </a:t>
+            </a:r>
+            <a:r>
+              <a:rPr lang="en-US" altLang="zh-CN" sz="1800" dirty="0" err="1" smtClean="0"/>
+              <a:t>downTo</a:t>
+            </a:r>
+            <a:r>
+              <a:rPr lang="en-US" altLang="zh-CN" sz="1800" dirty="0" smtClean="0"/>
+              <a:t> 0)</a:t>
+            </a:r>
+            <a:r>
+              <a:rPr lang="zh-CN" altLang="en-US" sz="1800" dirty="0" smtClean="0"/>
+              <a:t>从</a:t>
+            </a:r>
+            <a:r>
+              <a:rPr lang="en-US" altLang="zh-CN" sz="1800" dirty="0" smtClean="0"/>
+              <a:t>10</a:t>
+            </a:r>
+            <a:r>
+              <a:rPr lang="zh-CN" altLang="en-US" sz="1800" dirty="0" smtClean="0"/>
+              <a:t>到</a:t>
+            </a:r>
+            <a:r>
+              <a:rPr lang="en-US" altLang="zh-CN" sz="1800" dirty="0" smtClean="0"/>
+              <a:t>0</a:t>
+            </a:r>
+          </a:p>
+          <a:p>
+            <a:r>
+              <a:rPr lang="en-US" altLang="zh-CN" sz="1800" dirty="0" smtClean="0"/>
+              <a:t>for(</a:t>
+            </a:r>
+            <a:r>
+              <a:rPr lang="en-US" altLang="zh-CN" sz="1800" dirty="0" err="1" smtClean="0"/>
+              <a:t>i</a:t>
+            </a:r>
+            <a:r>
+              <a:rPr lang="en-US" altLang="zh-CN" sz="1800" dirty="0" smtClean="0"/>
+              <a:t> in 0 until 10)</a:t>
+            </a:r>
+            <a:r>
+              <a:rPr lang="zh-CN" altLang="en-US" sz="1800" dirty="0" smtClean="0"/>
+              <a:t>从</a:t>
+            </a:r>
+            <a:r>
+              <a:rPr lang="en-US" altLang="zh-CN" sz="1800" dirty="0" smtClean="0"/>
+              <a:t>0</a:t>
+            </a:r>
+            <a:r>
+              <a:rPr lang="zh-CN" altLang="en-US" sz="1800" dirty="0" smtClean="0"/>
+              <a:t>到</a:t>
+            </a:r>
+            <a:r>
+              <a:rPr lang="en-US" altLang="zh-CN" sz="1800" dirty="0" smtClean="0"/>
+              <a:t>10</a:t>
+            </a:r>
+            <a:r>
+              <a:rPr lang="zh-CN" altLang="en-US" sz="1800" dirty="0" smtClean="0"/>
+              <a:t>不包括</a:t>
+            </a:r>
+            <a:r>
+              <a:rPr lang="en-US" altLang="zh-CN" sz="1800" dirty="0" smtClean="0"/>
+              <a:t>10</a:t>
+            </a:r>
+          </a:p>
+          <a:p>
+            <a:r>
+              <a:rPr lang="zh-CN" altLang="en-US" sz="1800" dirty="0"/>
+              <a:t>也</a:t>
+            </a:r>
+            <a:r>
+              <a:rPr lang="zh-CN" altLang="en-US" sz="1800" dirty="0" smtClean="0"/>
+              <a:t>可以在后面加</a:t>
+            </a:r>
+            <a:r>
+              <a:rPr lang="en-US" altLang="zh-CN" sz="1800" dirty="0" smtClean="0"/>
+              <a:t>step</a:t>
+            </a:r>
+            <a:r>
+              <a:rPr lang="zh-CN" altLang="en-US" sz="1800" dirty="0" smtClean="0"/>
+              <a:t>表示步数如</a:t>
+            </a:r>
+            <a:endParaRPr lang="en-US" altLang="zh-CN" sz="1800" dirty="0" smtClean="0"/>
+          </a:p>
+          <a:p>
+            <a:r>
+              <a:rPr lang="en-US" altLang="zh-CN" sz="1800" dirty="0" smtClean="0"/>
+              <a:t>for(</a:t>
+            </a:r>
+            <a:r>
+              <a:rPr lang="en-US" altLang="zh-CN" sz="1800" dirty="0" err="1" smtClean="0"/>
+              <a:t>i</a:t>
+            </a:r>
+            <a:r>
+              <a:rPr lang="en-US" altLang="zh-CN" sz="1800" dirty="0" smtClean="0"/>
+              <a:t> in 0 .. 10 step 2)</a:t>
+            </a:r>
+            <a:r>
+              <a:rPr lang="zh-CN" altLang="en-US" sz="1800" dirty="0" smtClean="0"/>
+              <a:t>表示从</a:t>
+            </a:r>
+            <a:r>
+              <a:rPr lang="en-US" altLang="zh-CN" sz="1800" dirty="0" smtClean="0"/>
+              <a:t>0</a:t>
+            </a:r>
+            <a:r>
+              <a:rPr lang="zh-CN" altLang="en-US" sz="1800" dirty="0" smtClean="0"/>
+              <a:t>到</a:t>
+            </a:r>
+            <a:r>
+              <a:rPr lang="en-US" altLang="zh-CN" sz="1800" dirty="0" smtClean="0"/>
+              <a:t>10:  0, 2, 4, 6, 8, 10</a:t>
+            </a:r>
+          </a:p>
+          <a:p>
+            <a:endParaRPr lang="en-US" altLang="zh-CN" sz="1800" dirty="0" smtClean="0"/>
+          </a:p>
+          <a:p>
             <a:endParaRPr lang="zh-CN" altLang="en-US" sz="1800" dirty="0"/>
           </a:p>
         </p:txBody>
@@ -17334,7 +18473,7 @@
     </p:spTree>
     <p:extLst>
       <p:ext uri="{BB962C8B-B14F-4D97-AF65-F5344CB8AC3E}">
-        <p14:creationId xmlns:p14="http://schemas.microsoft.com/office/powerpoint/2010/main" val="1774172269"/>
+        <p14:creationId xmlns:p14="http://schemas.microsoft.com/office/powerpoint/2010/main" val="1162431505"/>
       </p:ext>
     </p:extLst>
   </p:cSld>
@@ -22414,7 +23553,7 @@
   <a:extraClrSchemeLst/>
   <a:extLst>
     <a:ext uri="{05A4C25C-085E-4340-85A3-A5531E510DB2}">
-      <thm15:themeFamily xmlns:thm15="http://schemas.microsoft.com/office/thememl/2012/main" xmlns="" name="Office Theme" id="{62F939B6-93AF-4DB8-9C6B-D6C7DFDC589F}" vid="{4A3C46E8-61CC-4603-A589-7422A47A8E4A}"/>
+      <thm15:themeFamily xmlns:thm15="http://schemas.microsoft.com/office/thememl/2012/main" name="Office Theme" id="{62F939B6-93AF-4DB8-9C6B-D6C7DFDC589F}" vid="{4A3C46E8-61CC-4603-A589-7422A47A8E4A}"/>
     </a:ext>
   </a:extLst>
 </a:theme>

--- a/Kotlin初探.pptx
+++ b/Kotlin初探.pptx
@@ -2,10 +2,10 @@
 <file path=ppt/presentation.xml><?xml version="1.0" encoding="utf-8"?>
 <p:presentation xmlns:a="http://schemas.openxmlformats.org/drawingml/2006/main" xmlns:r="http://schemas.openxmlformats.org/officeDocument/2006/relationships" xmlns:p="http://schemas.openxmlformats.org/presentationml/2006/main" saveSubsetFonts="1">
   <p:sldMasterIdLst>
-    <p:sldMasterId id="2147483648" r:id="rId1"/>
+    <p:sldMasterId id="2147484020" r:id="rId1"/>
   </p:sldMasterIdLst>
   <p:notesMasterIdLst>
-    <p:notesMasterId r:id="rId38"/>
+    <p:notesMasterId r:id="rId37"/>
   </p:notesMasterIdLst>
   <p:sldIdLst>
     <p:sldId id="256" r:id="rId2"/>
@@ -43,7 +43,6 @@
     <p:sldId id="298" r:id="rId34"/>
     <p:sldId id="290" r:id="rId35"/>
     <p:sldId id="304" r:id="rId36"/>
-    <p:sldId id="303" r:id="rId37"/>
   </p:sldIdLst>
   <p:sldSz cx="9144000" cy="6858000" type="screen4x3"/>
   <p:notesSz cx="6858000" cy="9144000"/>
@@ -144,7 +143,7 @@
   </p:defaultTextStyle>
   <p:extLst>
     <p:ext uri="{EFAFB233-063F-42B5-8137-9DF3F51BA10A}">
-      <p15:sldGuideLst xmlns:p15="http://schemas.microsoft.com/office/powerpoint/2012/main">
+      <p15:sldGuideLst xmlns:p15="http://schemas.microsoft.com/office/powerpoint/2012/main" xmlns="">
         <p15:guide id="1" orient="horz" pos="2160">
           <p15:clr>
             <a:srgbClr val="A4A3A4"/>
@@ -614,7 +613,7 @@
       </p:grpSpPr>
       <p:sp>
         <p:nvSpPr>
-          <p:cNvPr id="2" name="标题 1"/>
+          <p:cNvPr id="2" name="Title 1"/>
           <p:cNvSpPr>
             <a:spLocks noGrp="1"/>
           </p:cNvSpPr>
@@ -624,25 +623,36 @@
         </p:nvSpPr>
         <p:spPr>
           <a:xfrm>
-            <a:off x="685800" y="2130425"/>
-            <a:ext cx="7772400" cy="1470025"/>
+            <a:off x="685800" y="1905000"/>
+            <a:ext cx="7543800" cy="2593975"/>
           </a:xfrm>
         </p:spPr>
         <p:txBody>
-          <a:bodyPr/>
-          <a:lstStyle/>
+          <a:bodyPr anchor="b"/>
+          <a:lstStyle>
+            <a:lvl1pPr>
+              <a:defRPr sz="6600">
+                <a:ln>
+                  <a:noFill/>
+                </a:ln>
+                <a:solidFill>
+                  <a:schemeClr val="tx2"/>
+                </a:solidFill>
+              </a:defRPr>
+            </a:lvl1pPr>
+          </a:lstStyle>
           <a:p>
             <a:r>
               <a:rPr lang="zh-CN" altLang="en-US" smtClean="0"/>
               <a:t>单击此处编辑母版标题样式</a:t>
             </a:r>
-            <a:endParaRPr lang="zh-CN" altLang="en-US"/>
+            <a:endParaRPr lang="en-US" dirty="0"/>
           </a:p>
         </p:txBody>
       </p:sp>
       <p:sp>
         <p:nvSpPr>
-          <p:cNvPr id="3" name="副标题 2"/>
+          <p:cNvPr id="3" name="Subtitle 2"/>
           <p:cNvSpPr>
             <a:spLocks noGrp="1"/>
           </p:cNvSpPr>
@@ -652,16 +662,18 @@
         </p:nvSpPr>
         <p:spPr>
           <a:xfrm>
-            <a:off x="1371600" y="3886200"/>
-            <a:ext cx="6400800" cy="1752600"/>
+            <a:off x="685800" y="4572000"/>
+            <a:ext cx="6461760" cy="1066800"/>
           </a:xfrm>
         </p:spPr>
         <p:txBody>
-          <a:bodyPr/>
+          <a:bodyPr anchor="t">
+            <a:normAutofit/>
+          </a:bodyPr>
           <a:lstStyle>
-            <a:lvl1pPr marL="0" indent="0" algn="ctr">
+            <a:lvl1pPr marL="0" indent="0" algn="l">
               <a:buNone/>
-              <a:defRPr>
+              <a:defRPr sz="2000">
                 <a:solidFill>
                   <a:schemeClr val="tx1">
                     <a:tint val="75000"/>
@@ -755,13 +767,13 @@
               <a:rPr lang="zh-CN" altLang="en-US" smtClean="0"/>
               <a:t>单击此处编辑母版副标题样式</a:t>
             </a:r>
-            <a:endParaRPr lang="zh-CN" altLang="en-US"/>
+            <a:endParaRPr lang="en-US" dirty="0"/>
           </a:p>
         </p:txBody>
       </p:sp>
       <p:sp>
         <p:nvSpPr>
-          <p:cNvPr id="4" name="日期占位符 3"/>
+          <p:cNvPr id="4" name="Date Placeholder 3"/>
           <p:cNvSpPr>
             <a:spLocks noGrp="1"/>
           </p:cNvSpPr>
@@ -784,7 +796,7 @@
       </p:sp>
       <p:sp>
         <p:nvSpPr>
-          <p:cNvPr id="5" name="页脚占位符 4"/>
+          <p:cNvPr id="5" name="Footer Placeholder 4"/>
           <p:cNvSpPr>
             <a:spLocks noGrp="1"/>
           </p:cNvSpPr>
@@ -803,7 +815,7 @@
       </p:sp>
       <p:sp>
         <p:nvSpPr>
-          <p:cNvPr id="6" name="灯片编号占位符 5"/>
+          <p:cNvPr id="6" name="Slide Number Placeholder 5"/>
           <p:cNvSpPr>
             <a:spLocks noGrp="1"/>
           </p:cNvSpPr>
@@ -851,7 +863,7 @@
       </p:grpSpPr>
       <p:sp>
         <p:nvSpPr>
-          <p:cNvPr id="2" name="标题 1"/>
+          <p:cNvPr id="2" name="Title 1"/>
           <p:cNvSpPr>
             <a:spLocks noGrp="1"/>
           </p:cNvSpPr>
@@ -868,13 +880,13 @@
               <a:rPr lang="zh-CN" altLang="en-US" smtClean="0"/>
               <a:t>单击此处编辑母版标题样式</a:t>
             </a:r>
-            <a:endParaRPr lang="zh-CN" altLang="en-US"/>
+            <a:endParaRPr lang="en-US"/>
           </a:p>
         </p:txBody>
       </p:sp>
       <p:sp>
         <p:nvSpPr>
-          <p:cNvPr id="3" name="竖排文字占位符 2"/>
+          <p:cNvPr id="3" name="Vertical Text Placeholder 2"/>
           <p:cNvSpPr>
             <a:spLocks noGrp="1"/>
           </p:cNvSpPr>
@@ -920,13 +932,13 @@
               <a:rPr lang="zh-CN" altLang="en-US" smtClean="0"/>
               <a:t>第五级</a:t>
             </a:r>
-            <a:endParaRPr lang="zh-CN" altLang="en-US"/>
+            <a:endParaRPr lang="en-US"/>
           </a:p>
         </p:txBody>
       </p:sp>
       <p:sp>
         <p:nvSpPr>
-          <p:cNvPr id="4" name="日期占位符 3"/>
+          <p:cNvPr id="4" name="Date Placeholder 3"/>
           <p:cNvSpPr>
             <a:spLocks noGrp="1"/>
           </p:cNvSpPr>
@@ -949,7 +961,7 @@
       </p:sp>
       <p:sp>
         <p:nvSpPr>
-          <p:cNvPr id="5" name="页脚占位符 4"/>
+          <p:cNvPr id="5" name="Footer Placeholder 4"/>
           <p:cNvSpPr>
             <a:spLocks noGrp="1"/>
           </p:cNvSpPr>
@@ -968,7 +980,7 @@
       </p:sp>
       <p:sp>
         <p:nvSpPr>
-          <p:cNvPr id="6" name="灯片编号占位符 5"/>
+          <p:cNvPr id="6" name="Slide Number Placeholder 5"/>
           <p:cNvSpPr>
             <a:spLocks noGrp="1"/>
           </p:cNvSpPr>
@@ -1016,7 +1028,7 @@
       </p:grpSpPr>
       <p:sp>
         <p:nvSpPr>
-          <p:cNvPr id="2" name="竖排标题 1"/>
+          <p:cNvPr id="2" name="Vertical Title 1"/>
           <p:cNvSpPr>
             <a:spLocks noGrp="1"/>
           </p:cNvSpPr>
@@ -1027,24 +1039,24 @@
         <p:spPr>
           <a:xfrm>
             <a:off x="6629400" y="274638"/>
-            <a:ext cx="2057400" cy="5851525"/>
+            <a:ext cx="1752600" cy="5851525"/>
           </a:xfrm>
         </p:spPr>
         <p:txBody>
-          <a:bodyPr vert="eaVert"/>
+          <a:bodyPr vert="eaVert" anchor="b" anchorCtr="0"/>
           <a:lstStyle/>
           <a:p>
             <a:r>
               <a:rPr lang="zh-CN" altLang="en-US" smtClean="0"/>
               <a:t>单击此处编辑母版标题样式</a:t>
             </a:r>
-            <a:endParaRPr lang="zh-CN" altLang="en-US"/>
+            <a:endParaRPr lang="en-US" dirty="0"/>
           </a:p>
         </p:txBody>
       </p:sp>
       <p:sp>
         <p:nvSpPr>
-          <p:cNvPr id="3" name="竖排文字占位符 2"/>
+          <p:cNvPr id="3" name="Vertical Text Placeholder 2"/>
           <p:cNvSpPr>
             <a:spLocks noGrp="1"/>
           </p:cNvSpPr>
@@ -1095,13 +1107,13 @@
               <a:rPr lang="zh-CN" altLang="en-US" smtClean="0"/>
               <a:t>第五级</a:t>
             </a:r>
-            <a:endParaRPr lang="zh-CN" altLang="en-US"/>
+            <a:endParaRPr lang="en-US"/>
           </a:p>
         </p:txBody>
       </p:sp>
       <p:sp>
         <p:nvSpPr>
-          <p:cNvPr id="4" name="日期占位符 3"/>
+          <p:cNvPr id="4" name="Date Placeholder 3"/>
           <p:cNvSpPr>
             <a:spLocks noGrp="1"/>
           </p:cNvSpPr>
@@ -1124,7 +1136,7 @@
       </p:sp>
       <p:sp>
         <p:nvSpPr>
-          <p:cNvPr id="5" name="页脚占位符 4"/>
+          <p:cNvPr id="5" name="Footer Placeholder 4"/>
           <p:cNvSpPr>
             <a:spLocks noGrp="1"/>
           </p:cNvSpPr>
@@ -1143,7 +1155,7 @@
       </p:sp>
       <p:sp>
         <p:nvSpPr>
-          <p:cNvPr id="6" name="灯片编号占位符 5"/>
+          <p:cNvPr id="6" name="Slide Number Placeholder 5"/>
           <p:cNvSpPr>
             <a:spLocks noGrp="1"/>
           </p:cNvSpPr>
@@ -1191,7 +1203,7 @@
       </p:grpSpPr>
       <p:sp>
         <p:nvSpPr>
-          <p:cNvPr id="2" name="标题 1"/>
+          <p:cNvPr id="2" name="Title 1"/>
           <p:cNvSpPr>
             <a:spLocks noGrp="1"/>
           </p:cNvSpPr>
@@ -1208,13 +1220,13 @@
               <a:rPr lang="zh-CN" altLang="en-US" smtClean="0"/>
               <a:t>单击此处编辑母版标题样式</a:t>
             </a:r>
-            <a:endParaRPr lang="zh-CN" altLang="en-US"/>
+            <a:endParaRPr lang="en-US"/>
           </a:p>
         </p:txBody>
       </p:sp>
       <p:sp>
         <p:nvSpPr>
-          <p:cNvPr id="3" name="内容占位符 2"/>
+          <p:cNvPr id="3" name="Content Placeholder 2"/>
           <p:cNvSpPr>
             <a:spLocks noGrp="1"/>
           </p:cNvSpPr>
@@ -1260,13 +1272,13 @@
               <a:rPr lang="zh-CN" altLang="en-US" smtClean="0"/>
               <a:t>第五级</a:t>
             </a:r>
-            <a:endParaRPr lang="zh-CN" altLang="en-US"/>
+            <a:endParaRPr lang="en-US"/>
           </a:p>
         </p:txBody>
       </p:sp>
       <p:sp>
         <p:nvSpPr>
-          <p:cNvPr id="4" name="日期占位符 3"/>
+          <p:cNvPr id="4" name="Date Placeholder 3"/>
           <p:cNvSpPr>
             <a:spLocks noGrp="1"/>
           </p:cNvSpPr>
@@ -1289,7 +1301,7 @@
       </p:sp>
       <p:sp>
         <p:nvSpPr>
-          <p:cNvPr id="5" name="页脚占位符 4"/>
+          <p:cNvPr id="5" name="Footer Placeholder 4"/>
           <p:cNvSpPr>
             <a:spLocks noGrp="1"/>
           </p:cNvSpPr>
@@ -1308,7 +1320,7 @@
       </p:sp>
       <p:sp>
         <p:nvSpPr>
-          <p:cNvPr id="6" name="灯片编号占位符 5"/>
+          <p:cNvPr id="6" name="Slide Number Placeholder 5"/>
           <p:cNvSpPr>
             <a:spLocks noGrp="1"/>
           </p:cNvSpPr>
@@ -1356,7 +1368,7 @@
       </p:grpSpPr>
       <p:sp>
         <p:nvSpPr>
-          <p:cNvPr id="2" name="标题 1"/>
+          <p:cNvPr id="2" name="Title 1"/>
           <p:cNvSpPr>
             <a:spLocks noGrp="1"/>
           </p:cNvSpPr>
@@ -1366,15 +1378,15 @@
         </p:nvSpPr>
         <p:spPr>
           <a:xfrm>
-            <a:off x="722313" y="4406900"/>
-            <a:ext cx="7772400" cy="1362075"/>
+            <a:off x="722313" y="5486400"/>
+            <a:ext cx="7659687" cy="1168400"/>
           </a:xfrm>
         </p:spPr>
         <p:txBody>
           <a:bodyPr anchor="t"/>
           <a:lstStyle>
             <a:lvl1pPr algn="l">
-              <a:defRPr sz="4000" b="1" cap="all"/>
+              <a:defRPr sz="3600" b="0" cap="all"/>
             </a:lvl1pPr>
           </a:lstStyle>
           <a:p>
@@ -1382,13 +1394,13 @@
               <a:rPr lang="zh-CN" altLang="en-US" smtClean="0"/>
               <a:t>单击此处编辑母版标题样式</a:t>
             </a:r>
-            <a:endParaRPr lang="zh-CN" altLang="en-US"/>
+            <a:endParaRPr lang="en-US" dirty="0"/>
           </a:p>
         </p:txBody>
       </p:sp>
       <p:sp>
         <p:nvSpPr>
-          <p:cNvPr id="3" name="文本占位符 2"/>
+          <p:cNvPr id="3" name="Text Placeholder 2"/>
           <p:cNvSpPr>
             <a:spLocks noGrp="1"/>
           </p:cNvSpPr>
@@ -1398,8 +1410,8 @@
         </p:nvSpPr>
         <p:spPr>
           <a:xfrm>
-            <a:off x="722313" y="2906713"/>
-            <a:ext cx="7772400" cy="1500187"/>
+            <a:off x="722313" y="3852863"/>
+            <a:ext cx="6135687" cy="1633538"/>
           </a:xfrm>
         </p:spPr>
         <p:txBody>
@@ -1507,7 +1519,7 @@
       </p:sp>
       <p:sp>
         <p:nvSpPr>
-          <p:cNvPr id="4" name="日期占位符 3"/>
+          <p:cNvPr id="4" name="Date Placeholder 3"/>
           <p:cNvSpPr>
             <a:spLocks noGrp="1"/>
           </p:cNvSpPr>
@@ -1530,7 +1542,7 @@
       </p:sp>
       <p:sp>
         <p:nvSpPr>
-          <p:cNvPr id="5" name="页脚占位符 4"/>
+          <p:cNvPr id="5" name="Footer Placeholder 4"/>
           <p:cNvSpPr>
             <a:spLocks noGrp="1"/>
           </p:cNvSpPr>
@@ -1549,7 +1561,7 @@
       </p:sp>
       <p:sp>
         <p:nvSpPr>
-          <p:cNvPr id="6" name="灯片编号占位符 5"/>
+          <p:cNvPr id="6" name="Slide Number Placeholder 5"/>
           <p:cNvSpPr>
             <a:spLocks noGrp="1"/>
           </p:cNvSpPr>
@@ -1597,7 +1609,7 @@
       </p:grpSpPr>
       <p:sp>
         <p:nvSpPr>
-          <p:cNvPr id="2" name="标题 1"/>
+          <p:cNvPr id="2" name="Title 1"/>
           <p:cNvSpPr>
             <a:spLocks noGrp="1"/>
           </p:cNvSpPr>
@@ -1614,13 +1626,13 @@
               <a:rPr lang="zh-CN" altLang="en-US" smtClean="0"/>
               <a:t>单击此处编辑母版标题样式</a:t>
             </a:r>
-            <a:endParaRPr lang="zh-CN" altLang="en-US"/>
+            <a:endParaRPr lang="en-US"/>
           </a:p>
         </p:txBody>
       </p:sp>
       <p:sp>
         <p:nvSpPr>
-          <p:cNvPr id="3" name="内容占位符 2"/>
+          <p:cNvPr id="3" name="Content Placeholder 2"/>
           <p:cNvSpPr>
             <a:spLocks noGrp="1"/>
           </p:cNvSpPr>
@@ -1630,8 +1642,8 @@
         </p:nvSpPr>
         <p:spPr>
           <a:xfrm>
-            <a:off x="457200" y="1600200"/>
-            <a:ext cx="4038600" cy="4525963"/>
+            <a:off x="457200" y="1536192"/>
+            <a:ext cx="3657600" cy="4590288"/>
           </a:xfrm>
         </p:spPr>
         <p:txBody>
@@ -1699,13 +1711,13 @@
               <a:rPr lang="zh-CN" altLang="en-US" smtClean="0"/>
               <a:t>第五级</a:t>
             </a:r>
-            <a:endParaRPr lang="zh-CN" altLang="en-US"/>
+            <a:endParaRPr lang="en-US" dirty="0"/>
           </a:p>
         </p:txBody>
       </p:sp>
       <p:sp>
         <p:nvSpPr>
-          <p:cNvPr id="4" name="内容占位符 3"/>
+          <p:cNvPr id="4" name="Content Placeholder 3"/>
           <p:cNvSpPr>
             <a:spLocks noGrp="1"/>
           </p:cNvSpPr>
@@ -1715,8 +1727,8 @@
         </p:nvSpPr>
         <p:spPr>
           <a:xfrm>
-            <a:off x="4648200" y="1600200"/>
-            <a:ext cx="4038600" cy="4525963"/>
+            <a:off x="4419600" y="1536192"/>
+            <a:ext cx="3657600" cy="4590288"/>
           </a:xfrm>
         </p:spPr>
         <p:txBody>
@@ -1784,13 +1796,13 @@
               <a:rPr lang="zh-CN" altLang="en-US" smtClean="0"/>
               <a:t>第五级</a:t>
             </a:r>
-            <a:endParaRPr lang="zh-CN" altLang="en-US"/>
+            <a:endParaRPr lang="en-US" dirty="0"/>
           </a:p>
         </p:txBody>
       </p:sp>
       <p:sp>
         <p:nvSpPr>
-          <p:cNvPr id="5" name="日期占位符 4"/>
+          <p:cNvPr id="5" name="Date Placeholder 4"/>
           <p:cNvSpPr>
             <a:spLocks noGrp="1"/>
           </p:cNvSpPr>
@@ -1813,7 +1825,7 @@
       </p:sp>
       <p:sp>
         <p:nvSpPr>
-          <p:cNvPr id="6" name="页脚占位符 5"/>
+          <p:cNvPr id="6" name="Footer Placeholder 5"/>
           <p:cNvSpPr>
             <a:spLocks noGrp="1"/>
           </p:cNvSpPr>
@@ -1832,7 +1844,7 @@
       </p:sp>
       <p:sp>
         <p:nvSpPr>
-          <p:cNvPr id="7" name="灯片编号占位符 6"/>
+          <p:cNvPr id="7" name="Slide Number Placeholder 6"/>
           <p:cNvSpPr>
             <a:spLocks noGrp="1"/>
           </p:cNvSpPr>
@@ -1880,7 +1892,7 @@
       </p:grpSpPr>
       <p:sp>
         <p:nvSpPr>
-          <p:cNvPr id="2" name="标题 1"/>
+          <p:cNvPr id="2" name="Title 1"/>
           <p:cNvSpPr>
             <a:spLocks noGrp="1"/>
           </p:cNvSpPr>
@@ -1901,13 +1913,13 @@
               <a:rPr lang="zh-CN" altLang="en-US" smtClean="0"/>
               <a:t>单击此处编辑母版标题样式</a:t>
             </a:r>
-            <a:endParaRPr lang="zh-CN" altLang="en-US"/>
+            <a:endParaRPr lang="en-US"/>
           </a:p>
         </p:txBody>
       </p:sp>
       <p:sp>
         <p:nvSpPr>
-          <p:cNvPr id="3" name="文本占位符 2"/>
+          <p:cNvPr id="3" name="Text Placeholder 2"/>
           <p:cNvSpPr>
             <a:spLocks noGrp="1"/>
           </p:cNvSpPr>
@@ -1918,15 +1930,21 @@
         <p:spPr>
           <a:xfrm>
             <a:off x="457200" y="1535113"/>
-            <a:ext cx="4040188" cy="639762"/>
+            <a:ext cx="3657600" cy="639762"/>
           </a:xfrm>
         </p:spPr>
         <p:txBody>
-          <a:bodyPr anchor="b"/>
+          <a:bodyPr anchor="b">
+            <a:noAutofit/>
+          </a:bodyPr>
           <a:lstStyle>
-            <a:lvl1pPr marL="0" indent="0">
+            <a:lvl1pPr marL="0" indent="0" algn="ctr">
               <a:buNone/>
-              <a:defRPr sz="2400" b="1"/>
+              <a:defRPr sz="2000" b="1">
+                <a:solidFill>
+                  <a:schemeClr val="tx2"/>
+                </a:solidFill>
+              </a:defRPr>
             </a:lvl1pPr>
             <a:lvl2pPr marL="457200" indent="0">
               <a:buNone/>
@@ -1972,7 +1990,7 @@
       </p:sp>
       <p:sp>
         <p:nvSpPr>
-          <p:cNvPr id="4" name="内容占位符 3"/>
+          <p:cNvPr id="4" name="Content Placeholder 3"/>
           <p:cNvSpPr>
             <a:spLocks noGrp="1"/>
           </p:cNvSpPr>
@@ -1983,7 +2001,7 @@
         <p:spPr>
           <a:xfrm>
             <a:off x="457200" y="2174875"/>
-            <a:ext cx="4040188" cy="3951288"/>
+            <a:ext cx="3657600" cy="3951288"/>
           </a:xfrm>
         </p:spPr>
         <p:txBody>
@@ -2051,13 +2069,13 @@
               <a:rPr lang="zh-CN" altLang="en-US" smtClean="0"/>
               <a:t>第五级</a:t>
             </a:r>
-            <a:endParaRPr lang="zh-CN" altLang="en-US"/>
+            <a:endParaRPr lang="en-US" dirty="0"/>
           </a:p>
         </p:txBody>
       </p:sp>
       <p:sp>
         <p:nvSpPr>
-          <p:cNvPr id="5" name="文本占位符 4"/>
+          <p:cNvPr id="5" name="Text Placeholder 4"/>
           <p:cNvSpPr>
             <a:spLocks noGrp="1"/>
           </p:cNvSpPr>
@@ -2067,16 +2085,22 @@
         </p:nvSpPr>
         <p:spPr>
           <a:xfrm>
-            <a:off x="4645025" y="1535113"/>
-            <a:ext cx="4041775" cy="639762"/>
+            <a:off x="4419600" y="1535113"/>
+            <a:ext cx="3657600" cy="639762"/>
           </a:xfrm>
         </p:spPr>
         <p:txBody>
-          <a:bodyPr anchor="b"/>
+          <a:bodyPr anchor="b">
+            <a:noAutofit/>
+          </a:bodyPr>
           <a:lstStyle>
-            <a:lvl1pPr marL="0" indent="0">
+            <a:lvl1pPr marL="0" indent="0" algn="ctr">
               <a:buNone/>
-              <a:defRPr sz="2400" b="1"/>
+              <a:defRPr sz="2000" b="1">
+                <a:solidFill>
+                  <a:schemeClr val="tx2"/>
+                </a:solidFill>
+              </a:defRPr>
             </a:lvl1pPr>
             <a:lvl2pPr marL="457200" indent="0">
               <a:buNone/>
@@ -2122,7 +2146,7 @@
       </p:sp>
       <p:sp>
         <p:nvSpPr>
-          <p:cNvPr id="6" name="内容占位符 5"/>
+          <p:cNvPr id="6" name="Content Placeholder 5"/>
           <p:cNvSpPr>
             <a:spLocks noGrp="1"/>
           </p:cNvSpPr>
@@ -2132,8 +2156,8 @@
         </p:nvSpPr>
         <p:spPr>
           <a:xfrm>
-            <a:off x="4645025" y="2174875"/>
-            <a:ext cx="4041775" cy="3951288"/>
+            <a:off x="4419600" y="2174875"/>
+            <a:ext cx="3657600" cy="3951288"/>
           </a:xfrm>
         </p:spPr>
         <p:txBody>
@@ -2201,13 +2225,13 @@
               <a:rPr lang="zh-CN" altLang="en-US" smtClean="0"/>
               <a:t>第五级</a:t>
             </a:r>
-            <a:endParaRPr lang="zh-CN" altLang="en-US"/>
+            <a:endParaRPr lang="en-US"/>
           </a:p>
         </p:txBody>
       </p:sp>
       <p:sp>
         <p:nvSpPr>
-          <p:cNvPr id="7" name="日期占位符 6"/>
+          <p:cNvPr id="7" name="Date Placeholder 6"/>
           <p:cNvSpPr>
             <a:spLocks noGrp="1"/>
           </p:cNvSpPr>
@@ -2230,7 +2254,7 @@
       </p:sp>
       <p:sp>
         <p:nvSpPr>
-          <p:cNvPr id="8" name="页脚占位符 7"/>
+          <p:cNvPr id="8" name="Footer Placeholder 7"/>
           <p:cNvSpPr>
             <a:spLocks noGrp="1"/>
           </p:cNvSpPr>
@@ -2249,7 +2273,7 @@
       </p:sp>
       <p:sp>
         <p:nvSpPr>
-          <p:cNvPr id="9" name="灯片编号占位符 8"/>
+          <p:cNvPr id="9" name="Slide Number Placeholder 8"/>
           <p:cNvSpPr>
             <a:spLocks noGrp="1"/>
           </p:cNvSpPr>
@@ -2297,7 +2321,7 @@
       </p:grpSpPr>
       <p:sp>
         <p:nvSpPr>
-          <p:cNvPr id="2" name="标题 1"/>
+          <p:cNvPr id="2" name="Title 1"/>
           <p:cNvSpPr>
             <a:spLocks noGrp="1"/>
           </p:cNvSpPr>
@@ -2314,13 +2338,13 @@
               <a:rPr lang="zh-CN" altLang="en-US" smtClean="0"/>
               <a:t>单击此处编辑母版标题样式</a:t>
             </a:r>
-            <a:endParaRPr lang="zh-CN" altLang="en-US"/>
+            <a:endParaRPr lang="en-US"/>
           </a:p>
         </p:txBody>
       </p:sp>
       <p:sp>
         <p:nvSpPr>
-          <p:cNvPr id="3" name="日期占位符 2"/>
+          <p:cNvPr id="3" name="Date Placeholder 2"/>
           <p:cNvSpPr>
             <a:spLocks noGrp="1"/>
           </p:cNvSpPr>
@@ -2343,7 +2367,7 @@
       </p:sp>
       <p:sp>
         <p:nvSpPr>
-          <p:cNvPr id="4" name="页脚占位符 3"/>
+          <p:cNvPr id="4" name="Footer Placeholder 3"/>
           <p:cNvSpPr>
             <a:spLocks noGrp="1"/>
           </p:cNvSpPr>
@@ -2362,7 +2386,7 @@
       </p:sp>
       <p:sp>
         <p:nvSpPr>
-          <p:cNvPr id="5" name="灯片编号占位符 4"/>
+          <p:cNvPr id="5" name="Slide Number Placeholder 4"/>
           <p:cNvSpPr>
             <a:spLocks noGrp="1"/>
           </p:cNvSpPr>
@@ -2410,7 +2434,7 @@
       </p:grpSpPr>
       <p:sp>
         <p:nvSpPr>
-          <p:cNvPr id="2" name="日期占位符 1"/>
+          <p:cNvPr id="2" name="Date Placeholder 1"/>
           <p:cNvSpPr>
             <a:spLocks noGrp="1"/>
           </p:cNvSpPr>
@@ -2433,7 +2457,7 @@
       </p:sp>
       <p:sp>
         <p:nvSpPr>
-          <p:cNvPr id="3" name="页脚占位符 2"/>
+          <p:cNvPr id="3" name="Footer Placeholder 2"/>
           <p:cNvSpPr>
             <a:spLocks noGrp="1"/>
           </p:cNvSpPr>
@@ -2452,7 +2476,7 @@
       </p:sp>
       <p:sp>
         <p:nvSpPr>
-          <p:cNvPr id="4" name="灯片编号占位符 3"/>
+          <p:cNvPr id="4" name="Slide Number Placeholder 3"/>
           <p:cNvSpPr>
             <a:spLocks noGrp="1"/>
           </p:cNvSpPr>
@@ -2500,7 +2524,7 @@
       </p:grpSpPr>
       <p:sp>
         <p:nvSpPr>
-          <p:cNvPr id="2" name="标题 1"/>
+          <p:cNvPr id="2" name="Title 1"/>
           <p:cNvSpPr>
             <a:spLocks noGrp="1"/>
           </p:cNvSpPr>
@@ -2510,15 +2534,15 @@
         </p:nvSpPr>
         <p:spPr>
           <a:xfrm>
-            <a:off x="457200" y="273050"/>
-            <a:ext cx="3008313" cy="1162050"/>
+            <a:off x="304801" y="5495544"/>
+            <a:ext cx="7772400" cy="594360"/>
           </a:xfrm>
         </p:spPr>
         <p:txBody>
           <a:bodyPr anchor="b"/>
           <a:lstStyle>
-            <a:lvl1pPr algn="l">
-              <a:defRPr sz="2000" b="1"/>
+            <a:lvl1pPr algn="ctr">
+              <a:defRPr sz="2200" b="1"/>
             </a:lvl1pPr>
           </a:lstStyle>
           <a:p>
@@ -2526,98 +2550,13 @@
               <a:rPr lang="zh-CN" altLang="en-US" smtClean="0"/>
               <a:t>单击此处编辑母版标题样式</a:t>
             </a:r>
-            <a:endParaRPr lang="zh-CN" altLang="en-US"/>
+            <a:endParaRPr lang="en-US" dirty="0"/>
           </a:p>
         </p:txBody>
       </p:sp>
       <p:sp>
         <p:nvSpPr>
-          <p:cNvPr id="3" name="内容占位符 2"/>
-          <p:cNvSpPr>
-            <a:spLocks noGrp="1"/>
-          </p:cNvSpPr>
-          <p:nvPr>
-            <p:ph idx="1"/>
-          </p:nvPr>
-        </p:nvSpPr>
-        <p:spPr>
-          <a:xfrm>
-            <a:off x="3575050" y="273050"/>
-            <a:ext cx="5111750" cy="5853113"/>
-          </a:xfrm>
-        </p:spPr>
-        <p:txBody>
-          <a:bodyPr/>
-          <a:lstStyle>
-            <a:lvl1pPr>
-              <a:defRPr sz="3200"/>
-            </a:lvl1pPr>
-            <a:lvl2pPr>
-              <a:defRPr sz="2800"/>
-            </a:lvl2pPr>
-            <a:lvl3pPr>
-              <a:defRPr sz="2400"/>
-            </a:lvl3pPr>
-            <a:lvl4pPr>
-              <a:defRPr sz="2000"/>
-            </a:lvl4pPr>
-            <a:lvl5pPr>
-              <a:defRPr sz="2000"/>
-            </a:lvl5pPr>
-            <a:lvl6pPr>
-              <a:defRPr sz="2000"/>
-            </a:lvl6pPr>
-            <a:lvl7pPr>
-              <a:defRPr sz="2000"/>
-            </a:lvl7pPr>
-            <a:lvl8pPr>
-              <a:defRPr sz="2000"/>
-            </a:lvl8pPr>
-            <a:lvl9pPr>
-              <a:defRPr sz="2000"/>
-            </a:lvl9pPr>
-          </a:lstStyle>
-          <a:p>
-            <a:pPr lvl="0"/>
-            <a:r>
-              <a:rPr lang="zh-CN" altLang="en-US" smtClean="0"/>
-              <a:t>单击此处编辑母版文本样式</a:t>
-            </a:r>
-          </a:p>
-          <a:p>
-            <a:pPr lvl="1"/>
-            <a:r>
-              <a:rPr lang="zh-CN" altLang="en-US" smtClean="0"/>
-              <a:t>第二级</a:t>
-            </a:r>
-          </a:p>
-          <a:p>
-            <a:pPr lvl="2"/>
-            <a:r>
-              <a:rPr lang="zh-CN" altLang="en-US" smtClean="0"/>
-              <a:t>第三级</a:t>
-            </a:r>
-          </a:p>
-          <a:p>
-            <a:pPr lvl="3"/>
-            <a:r>
-              <a:rPr lang="zh-CN" altLang="en-US" smtClean="0"/>
-              <a:t>第四级</a:t>
-            </a:r>
-          </a:p>
-          <a:p>
-            <a:pPr lvl="4"/>
-            <a:r>
-              <a:rPr lang="zh-CN" altLang="en-US" smtClean="0"/>
-              <a:t>第五级</a:t>
-            </a:r>
-            <a:endParaRPr lang="zh-CN" altLang="en-US"/>
-          </a:p>
-        </p:txBody>
-      </p:sp>
-      <p:sp>
-        <p:nvSpPr>
-          <p:cNvPr id="4" name="文本占位符 3"/>
+          <p:cNvPr id="4" name="Text Placeholder 3"/>
           <p:cNvSpPr>
             <a:spLocks noGrp="1"/>
           </p:cNvSpPr>
@@ -2627,16 +2566,18 @@
         </p:nvSpPr>
         <p:spPr>
           <a:xfrm>
-            <a:off x="457200" y="1435100"/>
-            <a:ext cx="3008313" cy="4691063"/>
+            <a:off x="304799" y="6096000"/>
+            <a:ext cx="7772401" cy="609600"/>
           </a:xfrm>
         </p:spPr>
         <p:txBody>
-          <a:bodyPr/>
+          <a:bodyPr>
+            <a:normAutofit/>
+          </a:bodyPr>
           <a:lstStyle>
-            <a:lvl1pPr marL="0" indent="0">
+            <a:lvl1pPr marL="0" indent="0" algn="ctr">
               <a:buNone/>
-              <a:defRPr sz="1400"/>
+              <a:defRPr sz="1600"/>
             </a:lvl1pPr>
             <a:lvl2pPr marL="457200" indent="0">
               <a:buNone/>
@@ -2682,7 +2623,7 @@
       </p:sp>
       <p:sp>
         <p:nvSpPr>
-          <p:cNvPr id="5" name="日期占位符 4"/>
+          <p:cNvPr id="5" name="Date Placeholder 4"/>
           <p:cNvSpPr>
             <a:spLocks noGrp="1"/>
           </p:cNvSpPr>
@@ -2705,7 +2646,7 @@
       </p:sp>
       <p:sp>
         <p:nvSpPr>
-          <p:cNvPr id="6" name="页脚占位符 5"/>
+          <p:cNvPr id="6" name="Footer Placeholder 5"/>
           <p:cNvSpPr>
             <a:spLocks noGrp="1"/>
           </p:cNvSpPr>
@@ -2724,7 +2665,7 @@
       </p:sp>
       <p:sp>
         <p:nvSpPr>
-          <p:cNvPr id="7" name="灯片编号占位符 6"/>
+          <p:cNvPr id="7" name="Slide Number Placeholder 6"/>
           <p:cNvSpPr>
             <a:spLocks noGrp="1"/>
           </p:cNvSpPr>
@@ -2742,6 +2683,63 @@
               <a:t>‹#›</a:t>
             </a:fld>
             <a:endParaRPr lang="zh-CN" altLang="en-US"/>
+          </a:p>
+        </p:txBody>
+      </p:sp>
+      <p:sp>
+        <p:nvSpPr>
+          <p:cNvPr id="9" name="Content Placeholder 8"/>
+          <p:cNvSpPr>
+            <a:spLocks noGrp="1"/>
+          </p:cNvSpPr>
+          <p:nvPr>
+            <p:ph sz="quarter" idx="13"/>
+          </p:nvPr>
+        </p:nvSpPr>
+        <p:spPr>
+          <a:xfrm>
+            <a:off x="304800" y="381000"/>
+            <a:ext cx="7772400" cy="4942840"/>
+          </a:xfrm>
+        </p:spPr>
+        <p:txBody>
+          <a:bodyPr/>
+          <a:lstStyle/>
+          <a:p>
+            <a:pPr lvl="0"/>
+            <a:r>
+              <a:rPr lang="zh-CN" altLang="en-US" smtClean="0"/>
+              <a:t>单击此处编辑母版文本样式</a:t>
+            </a:r>
+          </a:p>
+          <a:p>
+            <a:pPr lvl="1"/>
+            <a:r>
+              <a:rPr lang="zh-CN" altLang="en-US" smtClean="0"/>
+              <a:t>第二级</a:t>
+            </a:r>
+          </a:p>
+          <a:p>
+            <a:pPr lvl="2"/>
+            <a:r>
+              <a:rPr lang="zh-CN" altLang="en-US" smtClean="0"/>
+              <a:t>第三级</a:t>
+            </a:r>
+          </a:p>
+          <a:p>
+            <a:pPr lvl="3"/>
+            <a:r>
+              <a:rPr lang="zh-CN" altLang="en-US" smtClean="0"/>
+              <a:t>第四级</a:t>
+            </a:r>
+          </a:p>
+          <a:p>
+            <a:pPr lvl="4"/>
+            <a:r>
+              <a:rPr lang="zh-CN" altLang="en-US" smtClean="0"/>
+              <a:t>第五级</a:t>
+            </a:r>
+            <a:endParaRPr lang="en-US"/>
           </a:p>
         </p:txBody>
       </p:sp>
@@ -2772,7 +2770,7 @@
       </p:grpSpPr>
       <p:sp>
         <p:nvSpPr>
-          <p:cNvPr id="2" name="标题 1"/>
+          <p:cNvPr id="2" name="Title 1"/>
           <p:cNvSpPr>
             <a:spLocks noGrp="1"/>
           </p:cNvSpPr>
@@ -2782,15 +2780,22 @@
         </p:nvSpPr>
         <p:spPr>
           <a:xfrm>
-            <a:off x="1792288" y="4800600"/>
-            <a:ext cx="5486400" cy="566738"/>
+            <a:off x="301752" y="5495278"/>
+            <a:ext cx="7772400" cy="594626"/>
           </a:xfrm>
         </p:spPr>
         <p:txBody>
           <a:bodyPr anchor="b"/>
           <a:lstStyle>
-            <a:lvl1pPr algn="l">
-              <a:defRPr sz="2000" b="1"/>
+            <a:lvl1pPr algn="ctr">
+              <a:defRPr sz="2200" b="1">
+                <a:ln>
+                  <a:noFill/>
+                </a:ln>
+                <a:solidFill>
+                  <a:schemeClr val="tx2"/>
+                </a:solidFill>
+              </a:defRPr>
             </a:lvl1pPr>
           </a:lstStyle>
           <a:p>
@@ -2798,13 +2803,13 @@
               <a:rPr lang="zh-CN" altLang="en-US" smtClean="0"/>
               <a:t>单击此处编辑母版标题样式</a:t>
             </a:r>
-            <a:endParaRPr lang="zh-CN" altLang="en-US"/>
+            <a:endParaRPr lang="en-US" dirty="0"/>
           </a:p>
         </p:txBody>
       </p:sp>
       <p:sp>
         <p:nvSpPr>
-          <p:cNvPr id="3" name="图片占位符 2"/>
+          <p:cNvPr id="3" name="Picture Placeholder 2"/>
           <p:cNvSpPr>
             <a:spLocks noGrp="1"/>
           </p:cNvSpPr>
@@ -2814,8 +2819,8 @@
         </p:nvSpPr>
         <p:spPr>
           <a:xfrm>
-            <a:off x="1792288" y="612775"/>
-            <a:ext cx="5486400" cy="4114800"/>
+            <a:off x="0" y="0"/>
+            <a:ext cx="8458200" cy="5486400"/>
           </a:xfrm>
         </p:spPr>
         <p:txBody>
@@ -2859,13 +2864,17 @@
             </a:lvl9pPr>
           </a:lstStyle>
           <a:p>
-            <a:endParaRPr lang="zh-CN" altLang="en-US"/>
+            <a:r>
+              <a:rPr lang="zh-CN" altLang="en-US" smtClean="0"/>
+              <a:t>单击图标添加图片</a:t>
+            </a:r>
+            <a:endParaRPr lang="en-US" dirty="0"/>
           </a:p>
         </p:txBody>
       </p:sp>
       <p:sp>
         <p:nvSpPr>
-          <p:cNvPr id="4" name="文本占位符 3"/>
+          <p:cNvPr id="4" name="Text Placeholder 3"/>
           <p:cNvSpPr>
             <a:spLocks noGrp="1"/>
           </p:cNvSpPr>
@@ -2875,16 +2884,18 @@
         </p:nvSpPr>
         <p:spPr>
           <a:xfrm>
-            <a:off x="1792288" y="5367338"/>
-            <a:ext cx="5486400" cy="804862"/>
+            <a:off x="301752" y="6096000"/>
+            <a:ext cx="7772400" cy="612648"/>
           </a:xfrm>
         </p:spPr>
         <p:txBody>
-          <a:bodyPr/>
+          <a:bodyPr>
+            <a:normAutofit/>
+          </a:bodyPr>
           <a:lstStyle>
-            <a:lvl1pPr marL="0" indent="0">
+            <a:lvl1pPr marL="0" indent="0" algn="ctr">
               <a:buNone/>
-              <a:defRPr sz="1400"/>
+              <a:defRPr sz="1600"/>
             </a:lvl1pPr>
             <a:lvl2pPr marL="457200" indent="0">
               <a:buNone/>
@@ -2930,7 +2941,7 @@
       </p:sp>
       <p:sp>
         <p:nvSpPr>
-          <p:cNvPr id="5" name="日期占位符 4"/>
+          <p:cNvPr id="8" name="Date Placeholder 7"/>
           <p:cNvSpPr>
             <a:spLocks noGrp="1"/>
           </p:cNvSpPr>
@@ -2953,12 +2964,12 @@
       </p:sp>
       <p:sp>
         <p:nvSpPr>
-          <p:cNvPr id="6" name="页脚占位符 5"/>
+          <p:cNvPr id="9" name="Slide Number Placeholder 8"/>
           <p:cNvSpPr>
             <a:spLocks noGrp="1"/>
           </p:cNvSpPr>
           <p:nvPr>
-            <p:ph type="ftr" sz="quarter" idx="11"/>
+            <p:ph type="sldNum" sz="quarter" idx="11"/>
           </p:nvPr>
         </p:nvSpPr>
         <p:spPr/>
@@ -2966,18 +2977,22 @@
           <a:bodyPr/>
           <a:lstStyle/>
           <a:p>
+            <a:fld id="{0C913308-F349-4B6D-A68A-DD1791B4A57B}" type="slidenum">
+              <a:rPr lang="zh-CN" altLang="en-US" smtClean="0"/>
+              <a:t>‹#›</a:t>
+            </a:fld>
             <a:endParaRPr lang="zh-CN" altLang="en-US"/>
           </a:p>
         </p:txBody>
       </p:sp>
       <p:sp>
         <p:nvSpPr>
-          <p:cNvPr id="7" name="灯片编号占位符 6"/>
+          <p:cNvPr id="10" name="Footer Placeholder 9"/>
           <p:cNvSpPr>
             <a:spLocks noGrp="1"/>
           </p:cNvSpPr>
           <p:nvPr>
-            <p:ph type="sldNum" sz="quarter" idx="12"/>
+            <p:ph type="ftr" sz="quarter" idx="12"/>
           </p:nvPr>
         </p:nvSpPr>
         <p:spPr/>
@@ -2985,10 +3000,6 @@
           <a:bodyPr/>
           <a:lstStyle/>
           <a:p>
-            <a:fld id="{0C913308-F349-4B6D-A68A-DD1791B4A57B}" type="slidenum">
-              <a:rPr lang="zh-CN" altLang="en-US" smtClean="0"/>
-              <a:t>‹#›</a:t>
-            </a:fld>
             <a:endParaRPr lang="zh-CN" altLang="en-US"/>
           </a:p>
         </p:txBody>
@@ -3005,7 +3016,7 @@
 <p:sldMaster xmlns:a="http://schemas.openxmlformats.org/drawingml/2006/main" xmlns:r="http://schemas.openxmlformats.org/officeDocument/2006/relationships" xmlns:p="http://schemas.openxmlformats.org/presentationml/2006/main">
   <p:cSld>
     <p:bg>
-      <p:bgRef idx="1001">
+      <p:bgRef idx="1002">
         <a:schemeClr val="bg1"/>
       </p:bgRef>
     </p:bg>
@@ -3025,7 +3036,7 @@
       </p:grpSpPr>
       <p:sp>
         <p:nvSpPr>
-          <p:cNvPr id="2" name="标题占位符 1"/>
+          <p:cNvPr id="2" name="Title Placeholder 1"/>
           <p:cNvSpPr>
             <a:spLocks noGrp="1"/>
           </p:cNvSpPr>
@@ -3036,7 +3047,7 @@
         <p:spPr>
           <a:xfrm>
             <a:off x="457200" y="274638"/>
-            <a:ext cx="8229600" cy="1143000"/>
+            <a:ext cx="7620000" cy="1143000"/>
           </a:xfrm>
           <a:prstGeom prst="rect">
             <a:avLst/>
@@ -3044,7 +3055,7 @@
         </p:spPr>
         <p:txBody>
           <a:bodyPr vert="horz" lIns="91440" tIns="45720" rIns="91440" bIns="45720" rtlCol="0" anchor="ctr">
-            <a:normAutofit/>
+            <a:noAutofit/>
           </a:bodyPr>
           <a:lstStyle/>
           <a:p>
@@ -3052,13 +3063,13 @@
               <a:rPr lang="zh-CN" altLang="en-US" smtClean="0"/>
               <a:t>单击此处编辑母版标题样式</a:t>
             </a:r>
-            <a:endParaRPr lang="zh-CN" altLang="en-US"/>
+            <a:endParaRPr lang="en-US" dirty="0"/>
           </a:p>
         </p:txBody>
       </p:sp>
       <p:sp>
         <p:nvSpPr>
-          <p:cNvPr id="3" name="文本占位符 2"/>
+          <p:cNvPr id="3" name="Text Placeholder 2"/>
           <p:cNvSpPr>
             <a:spLocks noGrp="1"/>
           </p:cNvSpPr>
@@ -3069,7 +3080,7 @@
         <p:spPr>
           <a:xfrm>
             <a:off x="457200" y="1600200"/>
-            <a:ext cx="8229600" cy="4525963"/>
+            <a:ext cx="7620000" cy="4800600"/>
           </a:xfrm>
           <a:prstGeom prst="rect">
             <a:avLst/>
@@ -3114,13 +3125,186 @@
               <a:rPr lang="zh-CN" altLang="en-US" smtClean="0"/>
               <a:t>第五级</a:t>
             </a:r>
-            <a:endParaRPr lang="zh-CN" altLang="en-US"/>
+            <a:endParaRPr lang="en-US" dirty="0"/>
           </a:p>
         </p:txBody>
       </p:sp>
       <p:sp>
         <p:nvSpPr>
-          <p:cNvPr id="4" name="日期占位符 3"/>
+          <p:cNvPr id="7" name="Rectangle 6"/>
+          <p:cNvSpPr/>
+          <p:nvPr/>
+        </p:nvSpPr>
+        <p:spPr>
+          <a:xfrm>
+            <a:off x="8458200" y="0"/>
+            <a:ext cx="685800" cy="6858000"/>
+          </a:xfrm>
+          <a:prstGeom prst="rect">
+            <a:avLst/>
+          </a:prstGeom>
+          <a:solidFill>
+            <a:schemeClr val="tx2"/>
+          </a:solidFill>
+          <a:ln>
+            <a:noFill/>
+          </a:ln>
+        </p:spPr>
+        <p:style>
+          <a:lnRef idx="2">
+            <a:schemeClr val="accent1">
+              <a:shade val="50000"/>
+            </a:schemeClr>
+          </a:lnRef>
+          <a:fillRef idx="1">
+            <a:schemeClr val="accent1"/>
+          </a:fillRef>
+          <a:effectRef idx="0">
+            <a:schemeClr val="accent1"/>
+          </a:effectRef>
+          <a:fontRef idx="minor">
+            <a:schemeClr val="lt1"/>
+          </a:fontRef>
+        </p:style>
+        <p:txBody>
+          <a:bodyPr rtlCol="0" anchor="ctr"/>
+          <a:lstStyle/>
+          <a:p>
+            <a:pPr algn="ctr"/>
+            <a:endParaRPr lang="en-US"/>
+          </a:p>
+        </p:txBody>
+      </p:sp>
+      <p:sp>
+        <p:nvSpPr>
+          <p:cNvPr id="8" name="Rectangle 7"/>
+          <p:cNvSpPr/>
+          <p:nvPr/>
+        </p:nvSpPr>
+        <p:spPr>
+          <a:xfrm>
+            <a:off x="8458200" y="5486400"/>
+            <a:ext cx="685800" cy="685800"/>
+          </a:xfrm>
+          <a:prstGeom prst="rect">
+            <a:avLst/>
+          </a:prstGeom>
+          <a:solidFill>
+            <a:schemeClr val="accent1"/>
+          </a:solidFill>
+          <a:ln>
+            <a:noFill/>
+          </a:ln>
+        </p:spPr>
+        <p:style>
+          <a:lnRef idx="2">
+            <a:schemeClr val="accent1">
+              <a:shade val="50000"/>
+            </a:schemeClr>
+          </a:lnRef>
+          <a:fillRef idx="1">
+            <a:schemeClr val="accent1"/>
+          </a:fillRef>
+          <a:effectRef idx="0">
+            <a:schemeClr val="accent1"/>
+          </a:effectRef>
+          <a:fontRef idx="minor">
+            <a:schemeClr val="lt1"/>
+          </a:fontRef>
+        </p:style>
+        <p:txBody>
+          <a:bodyPr rtlCol="0" anchor="ctr"/>
+          <a:lstStyle/>
+          <a:p>
+            <a:pPr algn="ctr"/>
+            <a:endParaRPr lang="en-US"/>
+          </a:p>
+        </p:txBody>
+      </p:sp>
+      <p:sp>
+        <p:nvSpPr>
+          <p:cNvPr id="6" name="Slide Number Placeholder 5"/>
+          <p:cNvSpPr>
+            <a:spLocks noGrp="1"/>
+          </p:cNvSpPr>
+          <p:nvPr>
+            <p:ph type="sldNum" sz="quarter" idx="4"/>
+          </p:nvPr>
+        </p:nvSpPr>
+        <p:spPr>
+          <a:xfrm>
+            <a:off x="8531788" y="5648960"/>
+            <a:ext cx="548640" cy="396240"/>
+          </a:xfrm>
+          <a:prstGeom prst="bracketPair">
+            <a:avLst>
+              <a:gd name="adj" fmla="val 17949"/>
+            </a:avLst>
+          </a:prstGeom>
+          <a:ln w="19050">
+            <a:solidFill>
+              <a:srgbClr val="FFFFFF"/>
+            </a:solidFill>
+          </a:ln>
+        </p:spPr>
+        <p:txBody>
+          <a:bodyPr vert="horz" lIns="0" tIns="0" rIns="0" bIns="0" rtlCol="0" anchor="ctr"/>
+          <a:lstStyle>
+            <a:lvl1pPr algn="ctr">
+              <a:defRPr sz="1800">
+                <a:solidFill>
+                  <a:srgbClr val="FFFFFF"/>
+                </a:solidFill>
+              </a:defRPr>
+            </a:lvl1pPr>
+          </a:lstStyle>
+          <a:p>
+            <a:fld id="{0C913308-F349-4B6D-A68A-DD1791B4A57B}" type="slidenum">
+              <a:rPr lang="zh-CN" altLang="en-US" smtClean="0"/>
+              <a:t>‹#›</a:t>
+            </a:fld>
+            <a:endParaRPr lang="zh-CN" altLang="en-US"/>
+          </a:p>
+        </p:txBody>
+      </p:sp>
+      <p:sp>
+        <p:nvSpPr>
+          <p:cNvPr id="5" name="Footer Placeholder 4"/>
+          <p:cNvSpPr>
+            <a:spLocks noGrp="1"/>
+          </p:cNvSpPr>
+          <p:nvPr>
+            <p:ph type="ftr" sz="quarter" idx="3"/>
+          </p:nvPr>
+        </p:nvSpPr>
+        <p:spPr>
+          <a:xfrm rot="16200000">
+            <a:off x="7586910" y="4048760"/>
+            <a:ext cx="2367281" cy="365760"/>
+          </a:xfrm>
+          <a:prstGeom prst="rect">
+            <a:avLst/>
+          </a:prstGeom>
+        </p:spPr>
+        <p:txBody>
+          <a:bodyPr vert="horz" lIns="91440" tIns="45720" rIns="91440" bIns="45720" rtlCol="0" anchor="ctr"/>
+          <a:lstStyle>
+            <a:lvl1pPr algn="r">
+              <a:defRPr sz="1200">
+                <a:solidFill>
+                  <a:schemeClr val="bg2"/>
+                </a:solidFill>
+              </a:defRPr>
+            </a:lvl1pPr>
+          </a:lstStyle>
+          <a:p>
+            <a:endParaRPr lang="zh-CN" altLang="en-US"/>
+          </a:p>
+        </p:txBody>
+      </p:sp>
+      <p:sp>
+        <p:nvSpPr>
+          <p:cNvPr id="4" name="Date Placeholder 3"/>
           <p:cNvSpPr>
             <a:spLocks noGrp="1"/>
           </p:cNvSpPr>
@@ -3129,9 +3313,9 @@
           </p:nvPr>
         </p:nvSpPr>
         <p:spPr>
-          <a:xfrm>
-            <a:off x="457200" y="6356350"/>
-            <a:ext cx="2133600" cy="365125"/>
+          <a:xfrm rot="16200000">
+            <a:off x="7551351" y="1645920"/>
+            <a:ext cx="2438399" cy="365760"/>
           </a:xfrm>
           <a:prstGeom prst="rect">
             <a:avLst/>
@@ -3143,9 +3327,7 @@
             <a:lvl1pPr algn="l">
               <a:defRPr sz="1200">
                 <a:solidFill>
-                  <a:schemeClr val="tx1">
-                    <a:tint val="75000"/>
-                  </a:schemeClr>
+                  <a:schemeClr val="bg2"/>
                 </a:solidFill>
               </a:defRPr>
             </a:lvl1pPr>
@@ -3154,84 +3336,6 @@
             <a:fld id="{530820CF-B880-4189-942D-D702A7CBA730}" type="datetimeFigureOut">
               <a:rPr lang="zh-CN" altLang="en-US" smtClean="0"/>
               <a:t>2017/9/15</a:t>
-            </a:fld>
-            <a:endParaRPr lang="zh-CN" altLang="en-US"/>
-          </a:p>
-        </p:txBody>
-      </p:sp>
-      <p:sp>
-        <p:nvSpPr>
-          <p:cNvPr id="5" name="页脚占位符 4"/>
-          <p:cNvSpPr>
-            <a:spLocks noGrp="1"/>
-          </p:cNvSpPr>
-          <p:nvPr>
-            <p:ph type="ftr" sz="quarter" idx="3"/>
-          </p:nvPr>
-        </p:nvSpPr>
-        <p:spPr>
-          <a:xfrm>
-            <a:off x="3124200" y="6356350"/>
-            <a:ext cx="2895600" cy="365125"/>
-          </a:xfrm>
-          <a:prstGeom prst="rect">
-            <a:avLst/>
-          </a:prstGeom>
-        </p:spPr>
-        <p:txBody>
-          <a:bodyPr vert="horz" lIns="91440" tIns="45720" rIns="91440" bIns="45720" rtlCol="0" anchor="ctr"/>
-          <a:lstStyle>
-            <a:lvl1pPr algn="ctr">
-              <a:defRPr sz="1200">
-                <a:solidFill>
-                  <a:schemeClr val="tx1">
-                    <a:tint val="75000"/>
-                  </a:schemeClr>
-                </a:solidFill>
-              </a:defRPr>
-            </a:lvl1pPr>
-          </a:lstStyle>
-          <a:p>
-            <a:endParaRPr lang="zh-CN" altLang="en-US"/>
-          </a:p>
-        </p:txBody>
-      </p:sp>
-      <p:sp>
-        <p:nvSpPr>
-          <p:cNvPr id="6" name="灯片编号占位符 5"/>
-          <p:cNvSpPr>
-            <a:spLocks noGrp="1"/>
-          </p:cNvSpPr>
-          <p:nvPr>
-            <p:ph type="sldNum" sz="quarter" idx="4"/>
-          </p:nvPr>
-        </p:nvSpPr>
-        <p:spPr>
-          <a:xfrm>
-            <a:off x="6553200" y="6356350"/>
-            <a:ext cx="2133600" cy="365125"/>
-          </a:xfrm>
-          <a:prstGeom prst="rect">
-            <a:avLst/>
-          </a:prstGeom>
-        </p:spPr>
-        <p:txBody>
-          <a:bodyPr vert="horz" lIns="91440" tIns="45720" rIns="91440" bIns="45720" rtlCol="0" anchor="ctr"/>
-          <a:lstStyle>
-            <a:lvl1pPr algn="r">
-              <a:defRPr sz="1200">
-                <a:solidFill>
-                  <a:schemeClr val="tx1">
-                    <a:tint val="75000"/>
-                  </a:schemeClr>
-                </a:solidFill>
-              </a:defRPr>
-            </a:lvl1pPr>
-          </a:lstStyle>
-          <a:p>
-            <a:fld id="{0C913308-F349-4B6D-A68A-DD1791B4A57B}" type="slidenum">
-              <a:rPr lang="zh-CN" altLang="en-US" smtClean="0"/>
-              <a:t>‹#›</a:t>
             </a:fld>
             <a:endParaRPr lang="zh-CN" altLang="en-US"/>
           </a:p>
@@ -3241,29 +3345,33 @@
   </p:cSld>
   <p:clrMap bg1="lt1" tx1="dk1" bg2="lt2" tx2="dk2" accent1="accent1" accent2="accent2" accent3="accent3" accent4="accent4" accent5="accent5" accent6="accent6" hlink="hlink" folHlink="folHlink"/>
   <p:sldLayoutIdLst>
-    <p:sldLayoutId id="2147483649" r:id="rId1"/>
-    <p:sldLayoutId id="2147483650" r:id="rId2"/>
-    <p:sldLayoutId id="2147483651" r:id="rId3"/>
-    <p:sldLayoutId id="2147483652" r:id="rId4"/>
-    <p:sldLayoutId id="2147483653" r:id="rId5"/>
-    <p:sldLayoutId id="2147483654" r:id="rId6"/>
-    <p:sldLayoutId id="2147483655" r:id="rId7"/>
-    <p:sldLayoutId id="2147483656" r:id="rId8"/>
-    <p:sldLayoutId id="2147483657" r:id="rId9"/>
-    <p:sldLayoutId id="2147483658" r:id="rId10"/>
-    <p:sldLayoutId id="2147483659" r:id="rId11"/>
+    <p:sldLayoutId id="2147484021" r:id="rId1"/>
+    <p:sldLayoutId id="2147484022" r:id="rId2"/>
+    <p:sldLayoutId id="2147484023" r:id="rId3"/>
+    <p:sldLayoutId id="2147484024" r:id="rId4"/>
+    <p:sldLayoutId id="2147484025" r:id="rId5"/>
+    <p:sldLayoutId id="2147484026" r:id="rId6"/>
+    <p:sldLayoutId id="2147484027" r:id="rId7"/>
+    <p:sldLayoutId id="2147484028" r:id="rId8"/>
+    <p:sldLayoutId id="2147484029" r:id="rId9"/>
+    <p:sldLayoutId id="2147484030" r:id="rId10"/>
+    <p:sldLayoutId id="2147484031" r:id="rId11"/>
   </p:sldLayoutIdLst>
   <p:txStyles>
     <p:titleStyle>
-      <a:lvl1pPr algn="ctr" defTabSz="914400" rtl="0" eaLnBrk="1" latinLnBrk="0" hangingPunct="1">
+      <a:lvl1pPr algn="l" defTabSz="914400" rtl="0" eaLnBrk="1" latinLnBrk="0" hangingPunct="1">
         <a:spcBef>
           <a:spcPct val="0"/>
         </a:spcBef>
         <a:buNone/>
-        <a:defRPr sz="4400" kern="1200">
+        <a:defRPr sz="4600" kern="1200" cap="none" spc="-100" baseline="0">
+          <a:ln>
+            <a:noFill/>
+          </a:ln>
           <a:solidFill>
-            <a:schemeClr val="tx1"/>
+            <a:schemeClr val="tx2"/>
           </a:solidFill>
+          <a:effectLst/>
           <a:latin typeface="+mj-lt"/>
           <a:ea typeface="+mj-ea"/>
           <a:cs typeface="+mj-cs"/>
@@ -3271,13 +3379,16 @@
       </a:lvl1pPr>
     </p:titleStyle>
     <p:bodyStyle>
-      <a:lvl1pPr marL="342900" indent="-342900" algn="l" defTabSz="914400" rtl="0" eaLnBrk="1" latinLnBrk="0" hangingPunct="1">
+      <a:lvl1pPr marL="342900" indent="-228600" algn="l" defTabSz="914400" rtl="0" eaLnBrk="1" latinLnBrk="0" hangingPunct="1">
         <a:spcBef>
           <a:spcPct val="20000"/>
         </a:spcBef>
+        <a:buClr>
+          <a:schemeClr val="accent1"/>
+        </a:buClr>
         <a:buFont typeface="Arial" pitchFamily="34" charset="0"/>
         <a:buChar char="•"/>
-        <a:defRPr sz="3200" kern="1200">
+        <a:defRPr sz="2200" kern="1200">
           <a:solidFill>
             <a:schemeClr val="tx1"/>
           </a:solidFill>
@@ -3286,70 +3397,13 @@
           <a:cs typeface="+mn-cs"/>
         </a:defRPr>
       </a:lvl1pPr>
-      <a:lvl2pPr marL="742950" indent="-285750" algn="l" defTabSz="914400" rtl="0" eaLnBrk="1" latinLnBrk="0" hangingPunct="1">
+      <a:lvl2pPr marL="640080" indent="-228600" algn="l" defTabSz="914400" rtl="0" eaLnBrk="1" latinLnBrk="0" hangingPunct="1">
         <a:spcBef>
           <a:spcPct val="20000"/>
         </a:spcBef>
-        <a:buFont typeface="Arial" pitchFamily="34" charset="0"/>
-        <a:buChar char="–"/>
-        <a:defRPr sz="2800" kern="1200">
-          <a:solidFill>
-            <a:schemeClr val="tx1"/>
-          </a:solidFill>
-          <a:latin typeface="+mn-lt"/>
-          <a:ea typeface="+mn-ea"/>
-          <a:cs typeface="+mn-cs"/>
-        </a:defRPr>
-      </a:lvl2pPr>
-      <a:lvl3pPr marL="1143000" indent="-228600" algn="l" defTabSz="914400" rtl="0" eaLnBrk="1" latinLnBrk="0" hangingPunct="1">
-        <a:spcBef>
-          <a:spcPct val="20000"/>
-        </a:spcBef>
-        <a:buFont typeface="Arial" pitchFamily="34" charset="0"/>
-        <a:buChar char="•"/>
-        <a:defRPr sz="2400" kern="1200">
-          <a:solidFill>
-            <a:schemeClr val="tx1"/>
-          </a:solidFill>
-          <a:latin typeface="+mn-lt"/>
-          <a:ea typeface="+mn-ea"/>
-          <a:cs typeface="+mn-cs"/>
-        </a:defRPr>
-      </a:lvl3pPr>
-      <a:lvl4pPr marL="1600200" indent="-228600" algn="l" defTabSz="914400" rtl="0" eaLnBrk="1" latinLnBrk="0" hangingPunct="1">
-        <a:spcBef>
-          <a:spcPct val="20000"/>
-        </a:spcBef>
-        <a:buFont typeface="Arial" pitchFamily="34" charset="0"/>
-        <a:buChar char="–"/>
-        <a:defRPr sz="2000" kern="1200">
-          <a:solidFill>
-            <a:schemeClr val="tx1"/>
-          </a:solidFill>
-          <a:latin typeface="+mn-lt"/>
-          <a:ea typeface="+mn-ea"/>
-          <a:cs typeface="+mn-cs"/>
-        </a:defRPr>
-      </a:lvl4pPr>
-      <a:lvl5pPr marL="2057400" indent="-228600" algn="l" defTabSz="914400" rtl="0" eaLnBrk="1" latinLnBrk="0" hangingPunct="1">
-        <a:spcBef>
-          <a:spcPct val="20000"/>
-        </a:spcBef>
-        <a:buFont typeface="Arial" pitchFamily="34" charset="0"/>
-        <a:buChar char="»"/>
-        <a:defRPr sz="2000" kern="1200">
-          <a:solidFill>
-            <a:schemeClr val="tx1"/>
-          </a:solidFill>
-          <a:latin typeface="+mn-lt"/>
-          <a:ea typeface="+mn-ea"/>
-          <a:cs typeface="+mn-cs"/>
-        </a:defRPr>
-      </a:lvl5pPr>
-      <a:lvl6pPr marL="2514600" indent="-228600" algn="l" defTabSz="914400" rtl="0" eaLnBrk="1" latinLnBrk="0" hangingPunct="1">
-        <a:spcBef>
-          <a:spcPct val="20000"/>
-        </a:spcBef>
+        <a:buClr>
+          <a:schemeClr val="accent2"/>
+        </a:buClr>
         <a:buFont typeface="Arial" pitchFamily="34" charset="0"/>
         <a:buChar char="•"/>
         <a:defRPr sz="2000" kern="1200">
@@ -3360,14 +3414,89 @@
           <a:ea typeface="+mn-ea"/>
           <a:cs typeface="+mn-cs"/>
         </a:defRPr>
-      </a:lvl6pPr>
-      <a:lvl7pPr marL="2971800" indent="-228600" algn="l" defTabSz="914400" rtl="0" eaLnBrk="1" latinLnBrk="0" hangingPunct="1">
+      </a:lvl2pPr>
+      <a:lvl3pPr marL="1005840" indent="-228600" algn="l" defTabSz="914400" rtl="0" eaLnBrk="1" latinLnBrk="0" hangingPunct="1">
         <a:spcBef>
           <a:spcPct val="20000"/>
         </a:spcBef>
+        <a:buClr>
+          <a:schemeClr val="accent3"/>
+        </a:buClr>
         <a:buFont typeface="Arial" pitchFamily="34" charset="0"/>
         <a:buChar char="•"/>
-        <a:defRPr sz="2000" kern="1200">
+        <a:defRPr sz="1800" kern="1200">
+          <a:solidFill>
+            <a:schemeClr val="tx1"/>
+          </a:solidFill>
+          <a:latin typeface="+mn-lt"/>
+          <a:ea typeface="+mn-ea"/>
+          <a:cs typeface="+mn-cs"/>
+        </a:defRPr>
+      </a:lvl3pPr>
+      <a:lvl4pPr marL="1280160" indent="-228600" algn="l" defTabSz="914400" rtl="0" eaLnBrk="1" latinLnBrk="0" hangingPunct="1">
+        <a:spcBef>
+          <a:spcPct val="20000"/>
+        </a:spcBef>
+        <a:buClr>
+          <a:schemeClr val="accent4"/>
+        </a:buClr>
+        <a:buFont typeface="Arial" pitchFamily="34" charset="0"/>
+        <a:buChar char="•"/>
+        <a:defRPr sz="1600" kern="1200">
+          <a:solidFill>
+            <a:schemeClr val="tx1"/>
+          </a:solidFill>
+          <a:latin typeface="+mn-lt"/>
+          <a:ea typeface="+mn-ea"/>
+          <a:cs typeface="+mn-cs"/>
+        </a:defRPr>
+      </a:lvl4pPr>
+      <a:lvl5pPr marL="1554480" indent="-228600" algn="l" defTabSz="914400" rtl="0" eaLnBrk="1" latinLnBrk="0" hangingPunct="1">
+        <a:spcBef>
+          <a:spcPct val="20000"/>
+        </a:spcBef>
+        <a:buClr>
+          <a:schemeClr val="accent5"/>
+        </a:buClr>
+        <a:buFont typeface="Arial" pitchFamily="34" charset="0"/>
+        <a:buChar char="•"/>
+        <a:defRPr sz="1400" kern="1200" baseline="0">
+          <a:solidFill>
+            <a:schemeClr val="tx1"/>
+          </a:solidFill>
+          <a:latin typeface="+mn-lt"/>
+          <a:ea typeface="+mn-ea"/>
+          <a:cs typeface="+mn-cs"/>
+        </a:defRPr>
+      </a:lvl5pPr>
+      <a:lvl6pPr marL="1737360" indent="-182880" algn="l" defTabSz="914400" rtl="0" eaLnBrk="1" latinLnBrk="0" hangingPunct="1">
+        <a:spcBef>
+          <a:spcPct val="20000"/>
+        </a:spcBef>
+        <a:buClr>
+          <a:schemeClr val="accent1"/>
+        </a:buClr>
+        <a:buFont typeface="Arial" pitchFamily="34" charset="0"/>
+        <a:buChar char="•"/>
+        <a:defRPr sz="1400" kern="1200" baseline="0">
+          <a:solidFill>
+            <a:schemeClr val="tx1"/>
+          </a:solidFill>
+          <a:latin typeface="+mn-lt"/>
+          <a:ea typeface="+mn-ea"/>
+          <a:cs typeface="+mn-cs"/>
+        </a:defRPr>
+      </a:lvl6pPr>
+      <a:lvl7pPr marL="1920240" indent="-182880" algn="l" defTabSz="914400" rtl="0" eaLnBrk="1" latinLnBrk="0" hangingPunct="1">
+        <a:spcBef>
+          <a:spcPct val="20000"/>
+        </a:spcBef>
+        <a:buClr>
+          <a:schemeClr val="accent2"/>
+        </a:buClr>
+        <a:buFont typeface="Arial" pitchFamily="34" charset="0"/>
+        <a:buChar char="•"/>
+        <a:defRPr sz="1400" kern="1200">
           <a:solidFill>
             <a:schemeClr val="tx1"/>
           </a:solidFill>
@@ -3376,13 +3505,16 @@
           <a:cs typeface="+mn-cs"/>
         </a:defRPr>
       </a:lvl7pPr>
-      <a:lvl8pPr marL="3429000" indent="-228600" algn="l" defTabSz="914400" rtl="0" eaLnBrk="1" latinLnBrk="0" hangingPunct="1">
+      <a:lvl8pPr marL="2103120" indent="-182880" algn="l" defTabSz="914400" rtl="0" eaLnBrk="1" latinLnBrk="0" hangingPunct="1">
         <a:spcBef>
           <a:spcPct val="20000"/>
         </a:spcBef>
+        <a:buClr>
+          <a:schemeClr val="accent3"/>
+        </a:buClr>
         <a:buFont typeface="Arial" pitchFamily="34" charset="0"/>
         <a:buChar char="•"/>
-        <a:defRPr sz="2000" kern="1200">
+        <a:defRPr sz="1400" kern="1200">
           <a:solidFill>
             <a:schemeClr val="tx1"/>
           </a:solidFill>
@@ -3391,13 +3523,16 @@
           <a:cs typeface="+mn-cs"/>
         </a:defRPr>
       </a:lvl8pPr>
-      <a:lvl9pPr marL="3886200" indent="-228600" algn="l" defTabSz="914400" rtl="0" eaLnBrk="1" latinLnBrk="0" hangingPunct="1">
+      <a:lvl9pPr marL="2286000" indent="-182880" algn="l" defTabSz="914400" rtl="0" eaLnBrk="1" latinLnBrk="0" hangingPunct="1">
         <a:spcBef>
           <a:spcPct val="20000"/>
         </a:spcBef>
+        <a:buClr>
+          <a:schemeClr val="accent4"/>
+        </a:buClr>
         <a:buFont typeface="Arial" pitchFamily="34" charset="0"/>
         <a:buChar char="•"/>
-        <a:defRPr sz="2000" kern="1200">
+        <a:defRPr sz="1400" kern="1200">
           <a:solidFill>
             <a:schemeClr val="tx1"/>
           </a:solidFill>
@@ -3409,7 +3544,7 @@
     </p:bodyStyle>
     <p:otherStyle>
       <a:defPPr>
-        <a:defRPr lang="zh-CN"/>
+        <a:defRPr lang="en-US"/>
       </a:defPPr>
       <a:lvl1pPr marL="0" algn="l" defTabSz="914400" rtl="0" eaLnBrk="1" latinLnBrk="0" hangingPunct="1">
         <a:defRPr sz="1800" kern="1200">
@@ -3535,9 +3670,12 @@
         </p:nvSpPr>
         <p:spPr/>
         <p:txBody>
-          <a:bodyPr/>
+          <a:bodyPr anchor="ctr">
+            <a:normAutofit/>
+          </a:bodyPr>
           <a:lstStyle/>
           <a:p>
+            <a:pPr algn="ctr"/>
             <a:r>
               <a:rPr lang="zh-CN" altLang="en-US" dirty="0" smtClean="0"/>
               <a:t>一起学一下</a:t>
@@ -3562,17 +3700,49 @@
         </p:nvSpPr>
         <p:spPr/>
         <p:txBody>
-          <a:bodyPr/>
+          <a:bodyPr>
+            <a:normAutofit/>
+          </a:bodyPr>
           <a:lstStyle/>
           <a:p>
             <a:r>
-              <a:rPr lang="zh-CN" altLang="en-US" dirty="0" smtClean="0"/>
+              <a:rPr lang="zh-CN" altLang="en-US" sz="2800" b="1" dirty="0" smtClean="0"/>
               <a:t>赵信福</a:t>
             </a:r>
-            <a:endParaRPr lang="zh-CN" altLang="en-US" dirty="0"/>
+            <a:endParaRPr lang="zh-CN" altLang="en-US" sz="2800" b="1" dirty="0"/>
           </a:p>
         </p:txBody>
       </p:sp>
+      <p:pic>
+        <p:nvPicPr>
+          <p:cNvPr id="4" name="图片 3"/>
+          <p:cNvPicPr>
+            <a:picLocks noChangeAspect="1"/>
+          </p:cNvPicPr>
+          <p:nvPr/>
+        </p:nvPicPr>
+        <p:blipFill>
+          <a:blip r:embed="rId2">
+            <a:extLst>
+              <a:ext uri="{28A0092B-C50C-407E-A947-70E740481C1C}">
+                <a14:useLocalDpi xmlns:a14="http://schemas.microsoft.com/office/drawing/2010/main" val="0"/>
+              </a:ext>
+            </a:extLst>
+          </a:blip>
+          <a:stretch>
+            <a:fillRect/>
+          </a:stretch>
+        </p:blipFill>
+        <p:spPr>
+          <a:xfrm>
+            <a:off x="0" y="17448"/>
+            <a:ext cx="1158240" cy="1150620"/>
+          </a:xfrm>
+          <a:prstGeom prst="rect">
+            <a:avLst/>
+          </a:prstGeom>
+        </p:spPr>
+      </p:pic>
     </p:spTree>
     <p:extLst>
       <p:ext uri="{BB962C8B-B14F-4D97-AF65-F5344CB8AC3E}">
@@ -3583,6 +3753,14 @@
   <p:clrMapOvr>
     <a:masterClrMapping/>
   </p:clrMapOvr>
+  <mc:AlternateContent xmlns:mc="http://schemas.openxmlformats.org/markup-compatibility/2006">
+    <mc:Choice xmlns:p14="http://schemas.microsoft.com/office/powerpoint/2010/main" Requires="p14">
+      <p:transition spd="slow" p14:dur="2000"/>
+    </mc:Choice>
+    <mc:Fallback>
+      <p:transition spd="slow"/>
+    </mc:Fallback>
+  </mc:AlternateContent>
   <p:timing>
     <p:tnLst>
       <p:par>
@@ -3635,11 +3813,15 @@
             <a:pPr algn="l"/>
             <a:r>
               <a:rPr lang="en-US" altLang="zh-CN" sz="2800" dirty="0" smtClean="0"/>
-              <a:t>7</a:t>
+              <a:t>7 </a:t>
             </a:r>
             <a:r>
               <a:rPr lang="zh-CN" altLang="en-US" sz="2800" dirty="0" smtClean="0"/>
-              <a:t> 冒号</a:t>
+              <a:t> </a:t>
+            </a:r>
+            <a:r>
+              <a:rPr lang="zh-CN" altLang="en-US" sz="2800" dirty="0" smtClean="0"/>
+              <a:t>冒号</a:t>
             </a:r>
             <a:r>
               <a:rPr lang="en-US" altLang="zh-CN" sz="2800" dirty="0" smtClean="0"/>
@@ -3666,7 +3848,7 @@
         <p:spPr>
           <a:xfrm>
             <a:off x="457200" y="908720"/>
-            <a:ext cx="8229600" cy="5217443"/>
+            <a:ext cx="7643192" cy="5217443"/>
           </a:xfrm>
         </p:spPr>
         <p:txBody>
@@ -3699,24 +3881,26 @@
               <a:rPr lang="zh-CN" altLang="en-US" sz="1800" dirty="0" smtClean="0"/>
               <a:t>它</a:t>
             </a:r>
-            <a:endParaRPr lang="en-US" altLang="zh-CN" sz="1800" dirty="0"/>
-          </a:p>
-          <a:p>
-            <a:r>
-              <a:rPr lang="en-US" altLang="zh-CN" sz="2000" dirty="0">
+            <a:endParaRPr lang="en-US" altLang="zh-CN" sz="1800" dirty="0" smtClean="0"/>
+          </a:p>
+          <a:p>
+            <a:r>
+              <a:rPr lang="en-US" altLang="zh-CN" sz="1800" dirty="0" smtClean="0">
                 <a:solidFill>
                   <a:srgbClr val="808080"/>
                 </a:solidFill>
+                <a:latin typeface="宋体"/>
               </a:rPr>
               <a:t>//</a:t>
             </a:r>
             <a:r>
-              <a:rPr lang="en-US" altLang="zh-CN" sz="2000" dirty="0" err="1">
+              <a:rPr lang="zh-CN" altLang="en-US" sz="1800" dirty="0" smtClean="0">
                 <a:solidFill>
                   <a:srgbClr val="808080"/>
                 </a:solidFill>
-              </a:rPr>
-              <a:t>val</a:t>
+                <a:latin typeface="宋体"/>
+              </a:rPr>
+              <a:t>声明类型</a:t>
             </a:r>
             <a:r>
               <a:rPr lang="zh-CN" altLang="en-US" sz="2000" dirty="0">
@@ -3725,24 +3909,7 @@
                 </a:solidFill>
                 <a:latin typeface="宋体"/>
               </a:rPr>
-              <a:t>表示常量</a:t>
-            </a:r>
-            <a:r>
-              <a:rPr lang="en-US" altLang="zh-CN" sz="2000" dirty="0" err="1">
-                <a:solidFill>
-                  <a:srgbClr val="808080"/>
-                </a:solidFill>
-              </a:rPr>
-              <a:t>var</a:t>
-            </a:r>
-            <a:r>
-              <a:rPr lang="zh-CN" altLang="en-US" sz="2000" dirty="0">
-                <a:solidFill>
-                  <a:srgbClr val="808080"/>
-                </a:solidFill>
-                <a:latin typeface="宋体"/>
-              </a:rPr>
-              <a:t>表示变量声明</a:t>
+              <a:t/>
             </a:r>
             <a:br>
               <a:rPr lang="zh-CN" altLang="en-US" sz="2000" dirty="0">
@@ -4060,7 +4227,15 @@
             </a:r>
             <a:r>
               <a:rPr lang="zh-CN" altLang="en-US" sz="2000" dirty="0" smtClean="0"/>
-              <a:t>中</a:t>
+              <a:t>中   </a:t>
+            </a:r>
+            <a:r>
+              <a:rPr lang="zh-CN" altLang="en-US" sz="2000" dirty="0"/>
+              <a:t>用到</a:t>
+            </a:r>
+            <a:r>
+              <a:rPr lang="zh-CN" altLang="en-US" sz="2000" dirty="0" smtClean="0"/>
+              <a:t>了双冒号</a:t>
             </a:r>
             <a:endParaRPr lang="en-US" altLang="zh-CN" sz="2000" dirty="0" smtClean="0"/>
           </a:p>
@@ -4139,6 +4314,14 @@
   <p:clrMapOvr>
     <a:masterClrMapping/>
   </p:clrMapOvr>
+  <mc:AlternateContent xmlns:mc="http://schemas.openxmlformats.org/markup-compatibility/2006">
+    <mc:Choice xmlns:p14="http://schemas.microsoft.com/office/powerpoint/2010/main" Requires="p14">
+      <p:transition spd="slow" p14:dur="2000"/>
+    </mc:Choice>
+    <mc:Fallback>
+      <p:transition spd="slow"/>
+    </mc:Fallback>
+  </mc:AlternateContent>
   <p:timing>
     <p:tnLst>
       <p:par>
@@ -4195,7 +4378,11 @@
             </a:r>
             <a:r>
               <a:rPr lang="zh-CN" altLang="en-US" sz="2800" dirty="0" smtClean="0"/>
-              <a:t> 字符串的拼接</a:t>
+              <a:t>  字符串</a:t>
+            </a:r>
+            <a:r>
+              <a:rPr lang="zh-CN" altLang="en-US" sz="2800" dirty="0" smtClean="0"/>
+              <a:t>的拼接</a:t>
             </a:r>
             <a:endParaRPr lang="zh-CN" altLang="en-US" sz="2800" dirty="0"/>
           </a:p>
@@ -4213,8 +4400,8 @@
         </p:nvSpPr>
         <p:spPr>
           <a:xfrm>
-            <a:off x="457200" y="908720"/>
-            <a:ext cx="8229600" cy="5217443"/>
+            <a:off x="251520" y="908720"/>
+            <a:ext cx="7776864" cy="5217443"/>
           </a:xfrm>
         </p:spPr>
         <p:txBody>
@@ -4272,29 +4459,53 @@
           <a:p>
             <a:r>
               <a:rPr lang="en-US" altLang="zh-CN" sz="2000" dirty="0" err="1" smtClean="0"/>
-              <a:t>Var</a:t>
+              <a:t>var</a:t>
             </a:r>
             <a:r>
               <a:rPr lang="en-US" altLang="zh-CN" sz="2000" dirty="0" smtClean="0"/>
-              <a:t> s = “</a:t>
-            </a:r>
-            <a:r>
-              <a:rPr lang="zh-CN" altLang="en-US" sz="2000" dirty="0" smtClean="0"/>
-              <a:t>单例</a:t>
+              <a:t> </a:t>
             </a:r>
             <a:r>
               <a:rPr lang="en-US" altLang="zh-CN" sz="2000" dirty="0" smtClean="0"/>
+              <a:t>s = </a:t>
+            </a:r>
+            <a:r>
+              <a:rPr lang="en-US" altLang="zh-CN" sz="2000" dirty="0">
+                <a:solidFill>
+                  <a:srgbClr val="6A8759"/>
+                </a:solidFill>
+              </a:rPr>
+              <a:t>“</a:t>
+            </a:r>
+            <a:r>
+              <a:rPr lang="zh-CN" altLang="en-US" sz="2000" dirty="0">
+                <a:solidFill>
+                  <a:srgbClr val="6A8759"/>
+                </a:solidFill>
+              </a:rPr>
+              <a:t>这个人</a:t>
+            </a:r>
+            <a:r>
+              <a:rPr lang="en-US" altLang="zh-CN" sz="2000" dirty="0">
+                <a:solidFill>
+                  <a:srgbClr val="6A8759"/>
+                </a:solidFill>
+              </a:rPr>
               <a:t>”</a:t>
             </a:r>
-            <a:endParaRPr lang="en-US" altLang="zh-CN" sz="2000" dirty="0"/>
-          </a:p>
-          <a:p>
-            <a:r>
-              <a:rPr lang="en-US" altLang="zh-CN" sz="2000" dirty="0"/>
+            <a:endParaRPr lang="en-US" altLang="zh-CN" sz="2000" dirty="0">
+              <a:solidFill>
+                <a:srgbClr val="6A8759"/>
+              </a:solidFill>
+            </a:endParaRPr>
+          </a:p>
+          <a:p>
+            <a:r>
+              <a:rPr lang="en-US" altLang="zh-CN" sz="2000" dirty="0" smtClean="0"/>
               <a:t>ManUser.</a:t>
             </a:r>
             <a:r>
-              <a:rPr lang="en-US" altLang="zh-CN" sz="2000" dirty="0">
+              <a:rPr lang="en-US" altLang="zh-CN" sz="2000" dirty="0" smtClean="0">
                 <a:solidFill>
                   <a:srgbClr val="9876AA"/>
                 </a:solidFill>
@@ -4302,11 +4513,11 @@
               <a:t>instance</a:t>
             </a:r>
             <a:r>
-              <a:rPr lang="en-US" altLang="zh-CN" sz="2000" dirty="0"/>
-              <a:t>!!.</a:t>
-            </a:r>
-            <a:r>
-              <a:rPr lang="en-US" altLang="zh-CN" sz="2000" dirty="0">
+              <a:rPr lang="en-US" altLang="zh-CN" sz="2000" dirty="0" smtClean="0"/>
+              <a:t>.</a:t>
+            </a:r>
+            <a:r>
+              <a:rPr lang="en-US" altLang="zh-CN" sz="2000" dirty="0" smtClean="0">
                 <a:solidFill>
                   <a:srgbClr val="9876AA"/>
                 </a:solidFill>
@@ -4350,11 +4561,11 @@
               </a:rPr>
             </a:br>
             <a:r>
-              <a:rPr lang="en-US" altLang="zh-CN" sz="2000" dirty="0" err="1"/>
+              <a:rPr lang="en-US" altLang="zh-CN" sz="2000" dirty="0" err="1" smtClean="0"/>
               <a:t>ManUser.</a:t>
             </a:r>
             <a:r>
-              <a:rPr lang="en-US" altLang="zh-CN" sz="2000" dirty="0" err="1">
+              <a:rPr lang="en-US" altLang="zh-CN" sz="2000" dirty="0" err="1" smtClean="0">
                 <a:solidFill>
                   <a:srgbClr val="9876AA"/>
                 </a:solidFill>
@@ -4362,16 +4573,24 @@
               <a:t>instance</a:t>
             </a:r>
             <a:r>
-              <a:rPr lang="en-US" altLang="zh-CN" sz="2000" dirty="0"/>
-              <a:t>!!.</a:t>
-            </a:r>
-            <a:r>
-              <a:rPr lang="en-US" altLang="zh-CN" sz="2000" dirty="0">
+              <a:rPr lang="en-US" altLang="zh-CN" sz="2000" dirty="0" err="1" smtClean="0"/>
+              <a:t>.</a:t>
+            </a:r>
+            <a:r>
+              <a:rPr lang="en-US" altLang="zh-CN" sz="2000" dirty="0" err="1" smtClean="0">
                 <a:solidFill>
                   <a:srgbClr val="9876AA"/>
                 </a:solidFill>
               </a:rPr>
-              <a:t>age </a:t>
+              <a:t>age</a:t>
+            </a:r>
+            <a:r>
+              <a:rPr lang="en-US" altLang="zh-CN" sz="2000" dirty="0" smtClean="0">
+                <a:solidFill>
+                  <a:srgbClr val="9876AA"/>
+                </a:solidFill>
+              </a:rPr>
+              <a:t> </a:t>
             </a:r>
             <a:r>
               <a:rPr lang="en-US" altLang="zh-CN" sz="2000" dirty="0"/>
@@ -4393,15 +4612,15 @@
               </a:rPr>
             </a:br>
             <a:r>
-              <a:rPr lang="en-US" altLang="zh-CN" sz="2000" i="1" dirty="0" err="1"/>
-              <a:t>println</a:t>
-            </a:r>
-            <a:r>
-              <a:rPr lang="en-US" altLang="zh-CN" sz="2000" dirty="0"/>
+              <a:rPr lang="en-US" altLang="zh-CN" sz="1800" i="1" dirty="0" smtClean="0"/>
+              <a:t>print</a:t>
+            </a:r>
+            <a:r>
+              <a:rPr lang="en-US" altLang="zh-CN" sz="1800" dirty="0" smtClean="0"/>
               <a:t>(</a:t>
             </a:r>
             <a:r>
-              <a:rPr lang="en-US" altLang="zh-CN" sz="2000" dirty="0">
+              <a:rPr lang="en-US" altLang="zh-CN" sz="1800" dirty="0" smtClean="0">
                 <a:solidFill>
                   <a:srgbClr val="6A8759"/>
                 </a:solidFill>
@@ -4409,7 +4628,7 @@
               <a:t>"</a:t>
             </a:r>
             <a:r>
-              <a:rPr lang="en-US" altLang="zh-CN" sz="2000" dirty="0">
+              <a:rPr lang="en-US" altLang="zh-CN" sz="1800" dirty="0" smtClean="0">
                 <a:solidFill>
                   <a:srgbClr val="CC7832"/>
                 </a:solidFill>
@@ -4417,11 +4636,11 @@
               <a:t>$</a:t>
             </a:r>
             <a:r>
-              <a:rPr lang="en-US" altLang="zh-CN" sz="2000" dirty="0"/>
+              <a:rPr lang="en-US" altLang="zh-CN" sz="1800" dirty="0"/>
               <a:t>s</a:t>
             </a:r>
             <a:r>
-              <a:rPr lang="en-US" altLang="zh-CN" sz="2000" dirty="0">
+              <a:rPr lang="en-US" altLang="zh-CN" sz="1800" dirty="0">
                 <a:solidFill>
                   <a:srgbClr val="6A8759"/>
                 </a:solidFill>
@@ -4429,7 +4648,7 @@
               <a:t>:</a:t>
             </a:r>
             <a:r>
-              <a:rPr lang="en-US" altLang="zh-CN" sz="2000" dirty="0">
+              <a:rPr lang="en-US" altLang="zh-CN" sz="1800" dirty="0">
                 <a:solidFill>
                   <a:srgbClr val="CC7832"/>
                 </a:solidFill>
@@ -4437,11 +4656,11 @@
               <a:t>${</a:t>
             </a:r>
             <a:r>
-              <a:rPr lang="en-US" altLang="zh-CN" sz="2000" dirty="0" err="1"/>
+              <a:rPr lang="en-US" altLang="zh-CN" sz="1800" dirty="0" err="1"/>
               <a:t>ManUser.</a:t>
             </a:r>
             <a:r>
-              <a:rPr lang="en-US" altLang="zh-CN" sz="2000" dirty="0" err="1">
+              <a:rPr lang="en-US" altLang="zh-CN" sz="1800" dirty="0" err="1">
                 <a:solidFill>
                   <a:srgbClr val="9876AA"/>
                 </a:solidFill>
@@ -4449,11 +4668,11 @@
               <a:t>instance</a:t>
             </a:r>
             <a:r>
-              <a:rPr lang="en-US" altLang="zh-CN" sz="2000" dirty="0"/>
+              <a:rPr lang="en-US" altLang="zh-CN" sz="1800" dirty="0"/>
               <a:t>!!.</a:t>
             </a:r>
             <a:r>
-              <a:rPr lang="en-US" altLang="zh-CN" sz="2000" dirty="0">
+              <a:rPr lang="en-US" altLang="zh-CN" sz="1800" dirty="0">
                 <a:solidFill>
                   <a:srgbClr val="9876AA"/>
                 </a:solidFill>
@@ -4461,7 +4680,7 @@
               <a:t>name</a:t>
             </a:r>
             <a:r>
-              <a:rPr lang="en-US" altLang="zh-CN" sz="2000" dirty="0">
+              <a:rPr lang="en-US" altLang="zh-CN" sz="1800" dirty="0">
                 <a:solidFill>
                   <a:srgbClr val="CC7832"/>
                 </a:solidFill>
@@ -4469,7 +4688,7 @@
               <a:t>}</a:t>
             </a:r>
             <a:r>
-              <a:rPr lang="en-US" altLang="zh-CN" sz="2000" dirty="0">
+              <a:rPr lang="en-US" altLang="zh-CN" sz="1800" dirty="0">
                 <a:solidFill>
                   <a:srgbClr val="6A8759"/>
                 </a:solidFill>
@@ -4477,7 +4696,7 @@
               <a:t>, </a:t>
             </a:r>
             <a:r>
-              <a:rPr lang="zh-CN" altLang="en-US" sz="2000" dirty="0">
+              <a:rPr lang="zh-CN" altLang="en-US" sz="1800" dirty="0">
                 <a:solidFill>
                   <a:srgbClr val="6A8759"/>
                 </a:solidFill>
@@ -4486,7 +4705,7 @@
               <a:t>年龄</a:t>
             </a:r>
             <a:r>
-              <a:rPr lang="en-US" altLang="zh-CN" sz="2000" dirty="0">
+              <a:rPr lang="en-US" altLang="zh-CN" sz="1800" dirty="0">
                 <a:solidFill>
                   <a:srgbClr val="6A8759"/>
                 </a:solidFill>
@@ -4494,7 +4713,7 @@
               <a:t>:</a:t>
             </a:r>
             <a:r>
-              <a:rPr lang="en-US" altLang="zh-CN" sz="2000" dirty="0">
+              <a:rPr lang="en-US" altLang="zh-CN" sz="1800" dirty="0">
                 <a:solidFill>
                   <a:srgbClr val="CC7832"/>
                 </a:solidFill>
@@ -4502,11 +4721,11 @@
               <a:t>${</a:t>
             </a:r>
             <a:r>
-              <a:rPr lang="en-US" altLang="zh-CN" sz="2000" dirty="0" err="1"/>
+              <a:rPr lang="en-US" altLang="zh-CN" sz="1800" dirty="0" err="1"/>
               <a:t>ManUser.</a:t>
             </a:r>
             <a:r>
-              <a:rPr lang="en-US" altLang="zh-CN" sz="2000" dirty="0" err="1">
+              <a:rPr lang="en-US" altLang="zh-CN" sz="1800" dirty="0" err="1">
                 <a:solidFill>
                   <a:srgbClr val="9876AA"/>
                 </a:solidFill>
@@ -4514,11 +4733,11 @@
               <a:t>instance</a:t>
             </a:r>
             <a:r>
-              <a:rPr lang="en-US" altLang="zh-CN" sz="2000" dirty="0"/>
+              <a:rPr lang="en-US" altLang="zh-CN" sz="1800" dirty="0"/>
               <a:t>!!.</a:t>
             </a:r>
             <a:r>
-              <a:rPr lang="en-US" altLang="zh-CN" sz="2000" dirty="0">
+              <a:rPr lang="en-US" altLang="zh-CN" sz="1800" dirty="0">
                 <a:solidFill>
                   <a:srgbClr val="9876AA"/>
                 </a:solidFill>
@@ -4526,7 +4745,7 @@
               <a:t>age</a:t>
             </a:r>
             <a:r>
-              <a:rPr lang="en-US" altLang="zh-CN" sz="2000" dirty="0">
+              <a:rPr lang="en-US" altLang="zh-CN" sz="1800" dirty="0">
                 <a:solidFill>
                   <a:srgbClr val="CC7832"/>
                 </a:solidFill>
@@ -4534,7 +4753,7 @@
               <a:t>}</a:t>
             </a:r>
             <a:r>
-              <a:rPr lang="en-US" altLang="zh-CN" sz="2000" dirty="0">
+              <a:rPr lang="en-US" altLang="zh-CN" sz="1800" dirty="0">
                 <a:solidFill>
                   <a:srgbClr val="6A8759"/>
                 </a:solidFill>
@@ -4542,7 +4761,7 @@
               <a:t>"</a:t>
             </a:r>
             <a:r>
-              <a:rPr lang="en-US" altLang="zh-CN" sz="2000" dirty="0"/>
+              <a:rPr lang="en-US" altLang="zh-CN" sz="1800" dirty="0"/>
               <a:t>)</a:t>
             </a:r>
           </a:p>
@@ -4557,31 +4776,70 @@
             </a:r>
           </a:p>
           <a:p>
-            <a:r>
-              <a:rPr lang="zh-CN" altLang="en-US" sz="2000" dirty="0"/>
-              <a:t>单例</a:t>
-            </a:r>
-            <a:r>
-              <a:rPr lang="en-US" altLang="zh-CN" sz="2000" dirty="0"/>
+            <a:pPr marL="114300" indent="0">
+              <a:buNone/>
+            </a:pPr>
+            <a:r>
+              <a:rPr lang="zh-CN" altLang="en-US" sz="2000" dirty="0" smtClean="0">
+                <a:solidFill>
+                  <a:srgbClr val="CC7832"/>
+                </a:solidFill>
+              </a:rPr>
+              <a:t>                    这</a:t>
+            </a:r>
+            <a:r>
+              <a:rPr lang="zh-CN" altLang="en-US" sz="2000" dirty="0">
+                <a:solidFill>
+                  <a:srgbClr val="CC7832"/>
+                </a:solidFill>
+              </a:rPr>
+              <a:t>个人</a:t>
+            </a:r>
+            <a:r>
+              <a:rPr lang="en-US" altLang="zh-CN" sz="2000" dirty="0">
+                <a:solidFill>
+                  <a:srgbClr val="CC7832"/>
+                </a:solidFill>
+              </a:rPr>
               <a:t>:</a:t>
             </a:r>
             <a:r>
-              <a:rPr lang="zh-CN" altLang="en-US" sz="2000" dirty="0"/>
+              <a:rPr lang="zh-CN" altLang="en-US" sz="2000" dirty="0">
+                <a:solidFill>
+                  <a:srgbClr val="CC7832"/>
+                </a:solidFill>
+              </a:rPr>
               <a:t>男性</a:t>
             </a:r>
             <a:r>
-              <a:rPr lang="en-US" altLang="zh-CN" sz="2000" dirty="0"/>
+              <a:rPr lang="en-US" altLang="zh-CN" sz="2000" dirty="0">
+                <a:solidFill>
+                  <a:srgbClr val="CC7832"/>
+                </a:solidFill>
+              </a:rPr>
               <a:t>, </a:t>
             </a:r>
             <a:r>
-              <a:rPr lang="zh-CN" altLang="en-US" sz="2000" dirty="0"/>
+              <a:rPr lang="zh-CN" altLang="en-US" sz="2000" dirty="0">
+                <a:solidFill>
+                  <a:srgbClr val="CC7832"/>
+                </a:solidFill>
+              </a:rPr>
               <a:t>年龄</a:t>
             </a:r>
             <a:r>
-              <a:rPr lang="en-US" altLang="zh-CN" sz="2000" dirty="0"/>
+              <a:rPr lang="en-US" altLang="zh-CN" sz="2000" dirty="0">
+                <a:solidFill>
+                  <a:srgbClr val="CC7832"/>
+                </a:solidFill>
+              </a:rPr>
               <a:t>:20</a:t>
             </a:r>
-            <a:endParaRPr lang="en-US" altLang="zh-CN" sz="2000" dirty="0" smtClean="0"/>
+            <a:endParaRPr lang="en-US" altLang="zh-CN" sz="2000" dirty="0">
+              <a:solidFill>
+                <a:srgbClr val="CC7832"/>
+              </a:solidFill>
+            </a:endParaRPr>
           </a:p>
           <a:p>
             <a:r>
@@ -4634,7 +4892,27 @@
             </a:r>
             <a:r>
               <a:rPr lang="zh-CN" altLang="en-US" sz="1800" dirty="0" smtClean="0"/>
-              <a:t>要么使用标点空格等特殊符号</a:t>
+              <a:t>要么使用标点空格等特殊</a:t>
+            </a:r>
+            <a:r>
+              <a:rPr lang="zh-CN" altLang="en-US" sz="1800" dirty="0" smtClean="0"/>
+              <a:t>符号</a:t>
+            </a:r>
+            <a:r>
+              <a:rPr lang="en-US" altLang="zh-CN" sz="1800" dirty="0" smtClean="0"/>
+              <a:t>,  </a:t>
+            </a:r>
+            <a:r>
+              <a:rPr lang="zh-CN" altLang="en-US" sz="1800" dirty="0" smtClean="0"/>
+              <a:t>带上</a:t>
+            </a:r>
+            <a:r>
+              <a:rPr lang="en-US" altLang="zh-CN" sz="1800" dirty="0" smtClean="0"/>
+              <a:t>{}</a:t>
+            </a:r>
+            <a:r>
+              <a:rPr lang="zh-CN" altLang="en-US" sz="1800" dirty="0" smtClean="0"/>
+              <a:t>可以应用复杂的表达式</a:t>
             </a:r>
             <a:endParaRPr lang="zh-CN" altLang="en-US" sz="1800" dirty="0"/>
           </a:p>
@@ -4650,6 +4928,14 @@
   <p:clrMapOvr>
     <a:masterClrMapping/>
   </p:clrMapOvr>
+  <mc:AlternateContent xmlns:mc="http://schemas.openxmlformats.org/markup-compatibility/2006">
+    <mc:Choice xmlns:p14="http://schemas.microsoft.com/office/powerpoint/2010/main" Requires="p14">
+      <p:transition spd="slow" p14:dur="2000"/>
+    </mc:Choice>
+    <mc:Fallback>
+      <p:transition spd="slow"/>
+    </mc:Fallback>
+  </mc:AlternateContent>
   <p:timing>
     <p:tnLst>
       <p:par>
@@ -4731,6 +5017,14 @@
   <p:clrMapOvr>
     <a:masterClrMapping/>
   </p:clrMapOvr>
+  <mc:AlternateContent xmlns:mc="http://schemas.openxmlformats.org/markup-compatibility/2006">
+    <mc:Choice xmlns:p14="http://schemas.microsoft.com/office/powerpoint/2010/main" Requires="p14">
+      <p:transition spd="slow" p14:dur="2000"/>
+    </mc:Choice>
+    <mc:Fallback>
+      <p:transition spd="slow"/>
+    </mc:Fallback>
+  </mc:AlternateContent>
 </p:sld>
 </file>
 
@@ -4753,319 +5047,6 @@
       </p:grpSpPr>
       <p:sp>
         <p:nvSpPr>
-          <p:cNvPr id="3" name="内容占位符 2"/>
-          <p:cNvSpPr>
-            <a:spLocks noGrp="1"/>
-          </p:cNvSpPr>
-          <p:nvPr>
-            <p:ph idx="1"/>
-          </p:nvPr>
-        </p:nvSpPr>
-        <p:spPr>
-          <a:xfrm>
-            <a:off x="457200" y="908720"/>
-            <a:ext cx="8229600" cy="5217443"/>
-          </a:xfrm>
-        </p:spPr>
-        <p:txBody>
-          <a:bodyPr>
-            <a:normAutofit/>
-          </a:bodyPr>
-          <a:lstStyle/>
-          <a:p>
-            <a:r>
-              <a:rPr lang="zh-CN" altLang="en-US" sz="1800" dirty="0" smtClean="0"/>
-              <a:t>构造函数</a:t>
-            </a:r>
-            <a:endParaRPr lang="en-US" altLang="zh-CN" sz="1800" dirty="0" smtClean="0"/>
-          </a:p>
-          <a:p>
-            <a:r>
-              <a:rPr lang="en-US" altLang="zh-CN" sz="1800" dirty="0" err="1" smtClean="0"/>
-              <a:t>Kotlin</a:t>
-            </a:r>
-            <a:r>
-              <a:rPr lang="zh-CN" altLang="en-US" sz="1800" dirty="0" smtClean="0"/>
-              <a:t>类的构造函数可以有一个主构造函数和多个二级构造函数</a:t>
-            </a:r>
-            <a:endParaRPr lang="en-US" altLang="zh-CN" sz="1800" dirty="0" smtClean="0"/>
-          </a:p>
-          <a:p>
-            <a:r>
-              <a:rPr lang="zh-CN" altLang="en-US" sz="1800" dirty="0"/>
-              <a:t>主</a:t>
-            </a:r>
-            <a:r>
-              <a:rPr lang="zh-CN" altLang="en-US" sz="1800" dirty="0" smtClean="0"/>
-              <a:t>构造函数就是</a:t>
-            </a:r>
-            <a:r>
-              <a:rPr lang="en-US" altLang="zh-CN" sz="1800" dirty="0" smtClean="0"/>
-              <a:t>class </a:t>
-            </a:r>
-            <a:r>
-              <a:rPr lang="zh-CN" altLang="en-US" sz="1800" dirty="0" smtClean="0"/>
-              <a:t>类名后面的括号</a:t>
-            </a:r>
-            <a:r>
-              <a:rPr lang="en-US" altLang="zh-CN" sz="1800" dirty="0" smtClean="0"/>
-              <a:t>,</a:t>
-            </a:r>
-            <a:r>
-              <a:rPr lang="zh-CN" altLang="en-US" sz="1800" dirty="0" smtClean="0"/>
-              <a:t>主构造函数不能有任何代码</a:t>
-            </a:r>
-            <a:endParaRPr lang="en-US" altLang="zh-CN" sz="1800" dirty="0" smtClean="0"/>
-          </a:p>
-          <a:p>
-            <a:r>
-              <a:rPr lang="zh-CN" altLang="en-US" sz="1800" dirty="0" smtClean="0"/>
-              <a:t>初始化可以放在</a:t>
-            </a:r>
-            <a:r>
-              <a:rPr lang="en-US" altLang="zh-CN" sz="1800" dirty="0" err="1" smtClean="0"/>
-              <a:t>init</a:t>
-            </a:r>
-            <a:r>
-              <a:rPr lang="en-US" altLang="zh-CN" sz="1800" dirty="0" smtClean="0"/>
-              <a:t>()</a:t>
-            </a:r>
-            <a:r>
-              <a:rPr lang="zh-CN" altLang="en-US" sz="1800" dirty="0" smtClean="0"/>
-              <a:t>方法里</a:t>
-            </a:r>
-            <a:r>
-              <a:rPr lang="zh-CN" altLang="en-US" sz="1800" dirty="0"/>
-              <a:t>也</a:t>
-            </a:r>
-            <a:r>
-              <a:rPr lang="zh-CN" altLang="en-US" sz="1800" dirty="0" smtClean="0"/>
-              <a:t>可以在类属性的初始化声明处</a:t>
-            </a:r>
-            <a:endParaRPr lang="en-US" altLang="zh-CN" sz="1800" dirty="0" smtClean="0"/>
-          </a:p>
-          <a:p>
-            <a:pPr marL="0" indent="0">
-              <a:buNone/>
-            </a:pPr>
-            <a:r>
-              <a:rPr lang="en-US" altLang="zh-CN" sz="1800" dirty="0" smtClean="0">
-                <a:solidFill>
-                  <a:srgbClr val="CC7832"/>
-                </a:solidFill>
-              </a:rPr>
-              <a:t>class </a:t>
-            </a:r>
-            <a:r>
-              <a:rPr lang="en-US" altLang="zh-CN" sz="1800" dirty="0" smtClean="0"/>
-              <a:t>Customer(name: String) {</a:t>
-            </a:r>
-          </a:p>
-          <a:p>
-            <a:pPr marL="0" indent="0">
-              <a:buNone/>
-            </a:pPr>
-            <a:r>
-              <a:rPr lang="en-US" altLang="zh-CN" sz="1800" dirty="0" smtClean="0"/>
-              <a:t>    </a:t>
-            </a:r>
-            <a:r>
-              <a:rPr lang="en-US" altLang="zh-CN" sz="1800" dirty="0" err="1" smtClean="0"/>
-              <a:t>var</a:t>
-            </a:r>
-            <a:r>
-              <a:rPr lang="en-US" altLang="zh-CN" sz="1800" dirty="0" smtClean="0"/>
-              <a:t> name1:String = name</a:t>
-            </a:r>
-          </a:p>
-          <a:p>
-            <a:pPr marL="0" indent="0">
-              <a:buNone/>
-            </a:pPr>
-            <a:r>
-              <a:rPr lang="en-US" altLang="zh-CN" sz="1800" dirty="0" smtClean="0"/>
-              <a:t>    </a:t>
-            </a:r>
-            <a:r>
-              <a:rPr lang="en-US" altLang="zh-CN" sz="1800" dirty="0" err="1" smtClean="0">
-                <a:solidFill>
-                  <a:srgbClr val="CC7832"/>
-                </a:solidFill>
-              </a:rPr>
-              <a:t>init</a:t>
-            </a:r>
-            <a:r>
-              <a:rPr lang="en-US" altLang="zh-CN" sz="1800" dirty="0" smtClean="0">
-                <a:solidFill>
-                  <a:srgbClr val="CC7832"/>
-                </a:solidFill>
-              </a:rPr>
-              <a:t> </a:t>
-            </a:r>
-            <a:r>
-              <a:rPr lang="en-US" altLang="zh-CN" sz="1800" dirty="0" smtClean="0"/>
-              <a:t>{</a:t>
-            </a:r>
-          </a:p>
-          <a:p>
-            <a:pPr marL="0" indent="0">
-              <a:buNone/>
-            </a:pPr>
-            <a:r>
-              <a:rPr lang="en-US" altLang="zh-CN" sz="1800" dirty="0" smtClean="0"/>
-              <a:t>	name2 = name</a:t>
-            </a:r>
-            <a:br>
-              <a:rPr lang="en-US" altLang="zh-CN" sz="1800" dirty="0" smtClean="0"/>
-            </a:br>
-            <a:r>
-              <a:rPr lang="en-US" altLang="zh-CN" sz="1800" dirty="0" smtClean="0"/>
-              <a:t>       	 </a:t>
-            </a:r>
-            <a:r>
-              <a:rPr lang="en-US" altLang="zh-CN" sz="1800" dirty="0" err="1" smtClean="0"/>
-              <a:t>println</a:t>
-            </a:r>
-            <a:r>
-              <a:rPr lang="en-US" altLang="zh-CN" sz="1800" dirty="0" smtClean="0"/>
-              <a:t>(</a:t>
-            </a:r>
-            <a:r>
-              <a:rPr lang="en-US" altLang="zh-CN" sz="1800" dirty="0" smtClean="0">
-                <a:solidFill>
-                  <a:srgbClr val="6A8759"/>
-                </a:solidFill>
-              </a:rPr>
-              <a:t>"Customer initialized with value </a:t>
-            </a:r>
-            <a:r>
-              <a:rPr lang="en-US" altLang="zh-CN" sz="1800" dirty="0" smtClean="0">
-                <a:solidFill>
-                  <a:srgbClr val="CC7832"/>
-                </a:solidFill>
-              </a:rPr>
-              <a:t>${</a:t>
-            </a:r>
-            <a:r>
-              <a:rPr lang="en-US" altLang="zh-CN" sz="1800" dirty="0" smtClean="0"/>
-              <a:t>name</a:t>
-            </a:r>
-            <a:r>
-              <a:rPr lang="en-US" altLang="zh-CN" sz="1800" dirty="0" smtClean="0">
-                <a:solidFill>
-                  <a:srgbClr val="CC7832"/>
-                </a:solidFill>
-              </a:rPr>
-              <a:t>}</a:t>
-            </a:r>
-            <a:r>
-              <a:rPr lang="en-US" altLang="zh-CN" sz="1800" dirty="0" smtClean="0">
-                <a:solidFill>
-                  <a:srgbClr val="6A8759"/>
-                </a:solidFill>
-              </a:rPr>
-              <a:t>"</a:t>
-            </a:r>
-            <a:r>
-              <a:rPr lang="en-US" altLang="zh-CN" sz="1800" dirty="0" smtClean="0"/>
-              <a:t>)</a:t>
-            </a:r>
-            <a:br>
-              <a:rPr lang="en-US" altLang="zh-CN" sz="1800" dirty="0" smtClean="0"/>
-            </a:br>
-            <a:r>
-              <a:rPr lang="en-US" altLang="zh-CN" sz="1800" dirty="0" smtClean="0"/>
-              <a:t>    }	</a:t>
-            </a:r>
-            <a:br>
-              <a:rPr lang="en-US" altLang="zh-CN" sz="1800" dirty="0" smtClean="0"/>
-            </a:br>
-            <a:r>
-              <a:rPr lang="en-US" altLang="zh-CN" sz="1800" dirty="0" smtClean="0"/>
-              <a:t>    //</a:t>
-            </a:r>
-            <a:r>
-              <a:rPr lang="zh-CN" altLang="en-US" sz="1800" dirty="0" smtClean="0"/>
-              <a:t>二级构造函数需要加</a:t>
-            </a:r>
-            <a:r>
-              <a:rPr lang="en-US" altLang="zh-CN" sz="1800" dirty="0" smtClean="0"/>
-              <a:t>constructor</a:t>
-            </a:r>
-            <a:r>
-              <a:rPr lang="zh-CN" altLang="en-US" sz="1800" dirty="0" smtClean="0"/>
-              <a:t>前缀</a:t>
-            </a:r>
-            <a:r>
-              <a:rPr lang="en-US" altLang="zh-CN" sz="1800" dirty="0"/>
-              <a:t/>
-            </a:r>
-            <a:br>
-              <a:rPr lang="en-US" altLang="zh-CN" sz="1800" dirty="0"/>
-            </a:br>
-            <a:r>
-              <a:rPr lang="en-US" altLang="zh-CN" sz="1800" dirty="0"/>
-              <a:t>    </a:t>
-            </a:r>
-            <a:r>
-              <a:rPr lang="en-US" altLang="zh-CN" sz="1800" dirty="0">
-                <a:solidFill>
-                  <a:srgbClr val="CC7832"/>
-                </a:solidFill>
-              </a:rPr>
-              <a:t>constructor</a:t>
-            </a:r>
-            <a:r>
-              <a:rPr lang="en-US" altLang="zh-CN" sz="1800" dirty="0"/>
-              <a:t>(parent: Person) {</a:t>
-            </a:r>
-            <a:br>
-              <a:rPr lang="en-US" altLang="zh-CN" sz="1800" dirty="0"/>
-            </a:br>
-            <a:r>
-              <a:rPr lang="en-US" altLang="zh-CN" sz="1800" dirty="0"/>
-              <a:t>        </a:t>
-            </a:r>
-            <a:r>
-              <a:rPr lang="en-US" altLang="zh-CN" sz="1800" dirty="0" err="1"/>
-              <a:t>parent.children.add</a:t>
-            </a:r>
-            <a:r>
-              <a:rPr lang="en-US" altLang="zh-CN" sz="1800" dirty="0"/>
-              <a:t>(</a:t>
-            </a:r>
-            <a:r>
-              <a:rPr lang="en-US" altLang="zh-CN" sz="1800" dirty="0">
-                <a:solidFill>
-                  <a:srgbClr val="CC7832"/>
-                </a:solidFill>
-              </a:rPr>
-              <a:t>this</a:t>
-            </a:r>
-            <a:r>
-              <a:rPr lang="en-US" altLang="zh-CN" sz="1800" dirty="0"/>
-              <a:t>)</a:t>
-            </a:r>
-            <a:br>
-              <a:rPr lang="en-US" altLang="zh-CN" sz="1800" dirty="0"/>
-            </a:br>
-            <a:r>
-              <a:rPr lang="en-US" altLang="zh-CN" sz="1800" dirty="0"/>
-              <a:t>    }</a:t>
-            </a:r>
-            <a:br>
-              <a:rPr lang="en-US" altLang="zh-CN" sz="1800" dirty="0"/>
-            </a:br>
-            <a:r>
-              <a:rPr lang="en-US" altLang="zh-CN" sz="1800" dirty="0" smtClean="0"/>
-              <a:t>}</a:t>
-            </a:r>
-            <a:endParaRPr lang="zh-CN" altLang="en-US" sz="1800" dirty="0"/>
-          </a:p>
-        </p:txBody>
-      </p:sp>
-      <p:sp>
-        <p:nvSpPr>
           <p:cNvPr id="5" name="标题 1"/>
           <p:cNvSpPr>
             <a:spLocks noGrp="1"/>
@@ -5086,20 +5067,381 @@
           </a:bodyPr>
           <a:lstStyle/>
           <a:p>
-            <a:pPr algn="l"/>
             <a:r>
               <a:rPr lang="en-US" altLang="zh-CN" sz="2800" b="1" dirty="0" smtClean="0"/>
               <a:t>1</a:t>
             </a:r>
             <a:r>
-              <a:rPr lang="zh-CN" altLang="en-US" sz="2800" b="1" dirty="0" smtClean="0"/>
-              <a:t> 类</a:t>
-            </a:r>
-            <a:r>
-              <a:rPr lang="zh-CN" altLang="en-US" sz="2800" b="1" dirty="0"/>
-              <a:t>和继承</a:t>
-            </a:r>
-            <a:endParaRPr lang="zh-CN" altLang="en-US" sz="2800" dirty="0"/>
+              <a:rPr lang="zh-CN" altLang="en-US" sz="2800" dirty="0"/>
+              <a:t>构造函数</a:t>
+            </a:r>
+            <a:endParaRPr lang="en-US" altLang="zh-CN" sz="2800" dirty="0"/>
+          </a:p>
+        </p:txBody>
+      </p:sp>
+      <p:sp>
+        <p:nvSpPr>
+          <p:cNvPr id="3" name="内容占位符 2"/>
+          <p:cNvSpPr>
+            <a:spLocks noGrp="1"/>
+          </p:cNvSpPr>
+          <p:nvPr>
+            <p:ph idx="1"/>
+          </p:nvPr>
+        </p:nvSpPr>
+        <p:spPr>
+          <a:xfrm>
+            <a:off x="457200" y="908720"/>
+            <a:ext cx="7427168" cy="5217443"/>
+          </a:xfrm>
+        </p:spPr>
+        <p:txBody>
+          <a:bodyPr>
+            <a:normAutofit/>
+          </a:bodyPr>
+          <a:lstStyle/>
+          <a:p>
+            <a:r>
+              <a:rPr lang="en-US" altLang="zh-CN" sz="1800" dirty="0" err="1" smtClean="0"/>
+              <a:t>Kotlin</a:t>
+            </a:r>
+            <a:r>
+              <a:rPr lang="zh-CN" altLang="en-US" sz="1800" dirty="0" smtClean="0"/>
+              <a:t>类的构造函数可以有一个主构造函数和多个二级构造函数</a:t>
+            </a:r>
+            <a:endParaRPr lang="en-US" altLang="zh-CN" sz="1800" dirty="0" smtClean="0"/>
+          </a:p>
+          <a:p>
+            <a:r>
+              <a:rPr lang="zh-CN" altLang="en-US" sz="1800" dirty="0"/>
+              <a:t>主</a:t>
+            </a:r>
+            <a:r>
+              <a:rPr lang="zh-CN" altLang="en-US" sz="1800" dirty="0" smtClean="0"/>
+              <a:t>构造函数就是</a:t>
+            </a:r>
+            <a:r>
+              <a:rPr lang="en-US" altLang="zh-CN" sz="1800" dirty="0" smtClean="0"/>
+              <a:t>class </a:t>
+            </a:r>
+            <a:r>
+              <a:rPr lang="zh-CN" altLang="en-US" sz="1800" dirty="0" smtClean="0"/>
+              <a:t>类名后面的括号</a:t>
+            </a:r>
+            <a:r>
+              <a:rPr lang="en-US" altLang="zh-CN" sz="1800" dirty="0" smtClean="0"/>
+              <a:t>,</a:t>
+            </a:r>
+            <a:r>
+              <a:rPr lang="zh-CN" altLang="en-US" sz="1800" dirty="0" smtClean="0"/>
+              <a:t>主构造函数不能有任何代码</a:t>
+            </a:r>
+            <a:endParaRPr lang="en-US" altLang="zh-CN" sz="1800" dirty="0" smtClean="0"/>
+          </a:p>
+          <a:p>
+            <a:r>
+              <a:rPr lang="zh-CN" altLang="en-US" sz="1800" dirty="0" smtClean="0"/>
+              <a:t>初始化可以放在</a:t>
+            </a:r>
+            <a:r>
+              <a:rPr lang="en-US" altLang="zh-CN" sz="1800" dirty="0" err="1" smtClean="0"/>
+              <a:t>init</a:t>
+            </a:r>
+            <a:r>
+              <a:rPr lang="en-US" altLang="zh-CN" sz="1800" dirty="0" smtClean="0"/>
+              <a:t>()</a:t>
+            </a:r>
+            <a:r>
+              <a:rPr lang="zh-CN" altLang="en-US" sz="1800" dirty="0" smtClean="0"/>
+              <a:t>方法里</a:t>
+            </a:r>
+            <a:r>
+              <a:rPr lang="zh-CN" altLang="en-US" sz="1800" dirty="0"/>
+              <a:t>也</a:t>
+            </a:r>
+            <a:r>
+              <a:rPr lang="zh-CN" altLang="en-US" sz="1800" dirty="0" smtClean="0"/>
+              <a:t>可以在类属性的初始化声明处</a:t>
+            </a:r>
+            <a:endParaRPr lang="en-US" altLang="zh-CN" sz="1800" dirty="0" smtClean="0"/>
+          </a:p>
+          <a:p>
+            <a:pPr marL="0" indent="0">
+              <a:buNone/>
+            </a:pPr>
+            <a:r>
+              <a:rPr lang="en-US" altLang="zh-CN" sz="1800" dirty="0" smtClean="0">
+                <a:solidFill>
+                  <a:srgbClr val="CC7832"/>
+                </a:solidFill>
+              </a:rPr>
+              <a:t>	class </a:t>
+            </a:r>
+            <a:r>
+              <a:rPr lang="en-US" altLang="zh-CN" sz="1800" dirty="0" smtClean="0"/>
+              <a:t>Person</a:t>
+            </a:r>
+            <a:r>
+              <a:rPr lang="en-US" altLang="zh-CN" sz="1800" dirty="0" smtClean="0"/>
+              <a:t>(name</a:t>
+            </a:r>
+            <a:r>
+              <a:rPr lang="en-US" altLang="zh-CN" sz="1800" dirty="0" smtClean="0"/>
+              <a:t>: String) {</a:t>
+            </a:r>
+          </a:p>
+          <a:p>
+            <a:pPr marL="0" indent="0">
+              <a:buNone/>
+            </a:pPr>
+            <a:r>
+              <a:rPr lang="en-US" altLang="zh-CN" sz="1800" dirty="0" smtClean="0"/>
+              <a:t>  </a:t>
+            </a:r>
+            <a:r>
+              <a:rPr lang="en-US" altLang="zh-CN" sz="1800" dirty="0" smtClean="0"/>
+              <a:t>	     </a:t>
+            </a:r>
+            <a:r>
+              <a:rPr lang="en-US" altLang="zh-CN" sz="1800" dirty="0" err="1" smtClean="0"/>
+              <a:t>var</a:t>
+            </a:r>
+            <a:r>
+              <a:rPr lang="en-US" altLang="zh-CN" sz="1800" dirty="0" smtClean="0"/>
+              <a:t> name1:String = name</a:t>
+            </a:r>
+          </a:p>
+          <a:p>
+            <a:pPr marL="0" indent="0">
+              <a:buNone/>
+            </a:pPr>
+            <a:r>
+              <a:rPr lang="en-US" altLang="zh-CN" sz="1800" dirty="0" smtClean="0"/>
+              <a:t>  </a:t>
+            </a:r>
+            <a:r>
+              <a:rPr lang="en-US" altLang="zh-CN" sz="1800" dirty="0" smtClean="0"/>
+              <a:t>	     </a:t>
+            </a:r>
+            <a:r>
+              <a:rPr lang="en-US" altLang="zh-CN" sz="1800" dirty="0" err="1" smtClean="0">
+                <a:solidFill>
+                  <a:srgbClr val="CC7832"/>
+                </a:solidFill>
+              </a:rPr>
+              <a:t>init</a:t>
+            </a:r>
+            <a:r>
+              <a:rPr lang="en-US" altLang="zh-CN" sz="1800" dirty="0" smtClean="0">
+                <a:solidFill>
+                  <a:srgbClr val="CC7832"/>
+                </a:solidFill>
+              </a:rPr>
+              <a:t> </a:t>
+            </a:r>
+            <a:r>
+              <a:rPr lang="en-US" altLang="zh-CN" sz="1800" dirty="0" smtClean="0"/>
+              <a:t>{</a:t>
+            </a:r>
+          </a:p>
+          <a:p>
+            <a:pPr marL="0" indent="0">
+              <a:buNone/>
+            </a:pPr>
+            <a:r>
+              <a:rPr lang="en-US" altLang="zh-CN" sz="1800" dirty="0" smtClean="0"/>
+              <a:t>	</a:t>
+            </a:r>
+            <a:r>
+              <a:rPr lang="en-US" altLang="zh-CN" sz="1800" dirty="0" smtClean="0"/>
+              <a:t>	name2 </a:t>
+            </a:r>
+            <a:r>
+              <a:rPr lang="en-US" altLang="zh-CN" sz="1800" dirty="0" smtClean="0"/>
+              <a:t>= name</a:t>
+            </a:r>
+            <a:br>
+              <a:rPr lang="en-US" altLang="zh-CN" sz="1800" dirty="0" smtClean="0"/>
+            </a:br>
+            <a:r>
+              <a:rPr lang="en-US" altLang="zh-CN" sz="1800" dirty="0" smtClean="0"/>
+              <a:t>       	</a:t>
+            </a:r>
+            <a:r>
+              <a:rPr lang="en-US" altLang="zh-CN" sz="1800" dirty="0" smtClean="0"/>
+              <a:t>	 </a:t>
+            </a:r>
+            <a:r>
+              <a:rPr lang="en-US" altLang="zh-CN" sz="1800" dirty="0" err="1" smtClean="0"/>
+              <a:t>println</a:t>
+            </a:r>
+            <a:r>
+              <a:rPr lang="en-US" altLang="zh-CN" sz="1800" dirty="0" smtClean="0"/>
+              <a:t>(</a:t>
+            </a:r>
+            <a:r>
+              <a:rPr lang="en-US" altLang="zh-CN" sz="1800" dirty="0" smtClean="0">
+                <a:solidFill>
+                  <a:srgbClr val="6A8759"/>
+                </a:solidFill>
+              </a:rPr>
+              <a:t>"Customer initialized with value </a:t>
+            </a:r>
+            <a:r>
+              <a:rPr lang="en-US" altLang="zh-CN" sz="1800" dirty="0" smtClean="0">
+                <a:solidFill>
+                  <a:srgbClr val="CC7832"/>
+                </a:solidFill>
+              </a:rPr>
+              <a:t>${</a:t>
+            </a:r>
+            <a:r>
+              <a:rPr lang="en-US" altLang="zh-CN" sz="1800" dirty="0" smtClean="0"/>
+              <a:t>name</a:t>
+            </a:r>
+            <a:r>
+              <a:rPr lang="en-US" altLang="zh-CN" sz="1800" dirty="0" smtClean="0">
+                <a:solidFill>
+                  <a:srgbClr val="CC7832"/>
+                </a:solidFill>
+              </a:rPr>
+              <a:t>}</a:t>
+            </a:r>
+            <a:r>
+              <a:rPr lang="en-US" altLang="zh-CN" sz="1800" dirty="0" smtClean="0">
+                <a:solidFill>
+                  <a:srgbClr val="6A8759"/>
+                </a:solidFill>
+              </a:rPr>
+              <a:t>"</a:t>
+            </a:r>
+            <a:r>
+              <a:rPr lang="en-US" altLang="zh-CN" sz="1800" dirty="0" smtClean="0"/>
+              <a:t>)</a:t>
+            </a:r>
+            <a:br>
+              <a:rPr lang="en-US" altLang="zh-CN" sz="1800" dirty="0" smtClean="0"/>
+            </a:br>
+            <a:r>
+              <a:rPr lang="en-US" altLang="zh-CN" sz="1800" dirty="0" smtClean="0"/>
+              <a:t>  </a:t>
+            </a:r>
+            <a:r>
+              <a:rPr lang="en-US" altLang="zh-CN" sz="1800" dirty="0" smtClean="0"/>
+              <a:t>	            </a:t>
+            </a:r>
+            <a:r>
+              <a:rPr lang="en-US" altLang="zh-CN" sz="1800" dirty="0" smtClean="0"/>
+              <a:t>}	</a:t>
+            </a:r>
+            <a:br>
+              <a:rPr lang="en-US" altLang="zh-CN" sz="1800" dirty="0" smtClean="0"/>
+            </a:br>
+            <a:r>
+              <a:rPr lang="en-US" altLang="zh-CN" sz="1800" dirty="0" smtClean="0"/>
+              <a:t> </a:t>
+            </a:r>
+            <a:r>
+              <a:rPr lang="en-US" altLang="zh-CN" sz="1800" dirty="0" smtClean="0"/>
+              <a:t>	      </a:t>
+            </a:r>
+            <a:r>
+              <a:rPr lang="en-US" altLang="zh-CN" sz="1800" dirty="0" smtClean="0"/>
+              <a:t>//</a:t>
+            </a:r>
+            <a:r>
+              <a:rPr lang="zh-CN" altLang="en-US" sz="1800" dirty="0" smtClean="0"/>
+              <a:t>二级构造函数需要加</a:t>
+            </a:r>
+            <a:r>
+              <a:rPr lang="en-US" altLang="zh-CN" sz="1800" dirty="0" smtClean="0"/>
+              <a:t>constructor</a:t>
+            </a:r>
+            <a:r>
+              <a:rPr lang="zh-CN" altLang="en-US" sz="1800" dirty="0" smtClean="0"/>
+              <a:t>前缀</a:t>
+            </a:r>
+            <a:r>
+              <a:rPr lang="en-US" altLang="zh-CN" sz="1800" dirty="0"/>
+              <a:t/>
+            </a:r>
+            <a:br>
+              <a:rPr lang="en-US" altLang="zh-CN" sz="1800" dirty="0"/>
+            </a:br>
+            <a:r>
+              <a:rPr lang="en-US" altLang="zh-CN" sz="1800" dirty="0"/>
+              <a:t>  </a:t>
+            </a:r>
+            <a:r>
+              <a:rPr lang="en-US" altLang="zh-CN" sz="1800" dirty="0" smtClean="0"/>
+              <a:t>	      </a:t>
+            </a:r>
+            <a:r>
+              <a:rPr lang="en-US" altLang="zh-CN" sz="1800" dirty="0">
+                <a:solidFill>
+                  <a:srgbClr val="CC7832"/>
+                </a:solidFill>
+              </a:rPr>
+              <a:t>constructor</a:t>
+            </a:r>
+            <a:r>
+              <a:rPr lang="en-US" altLang="zh-CN" sz="1800" dirty="0"/>
+              <a:t>(parent: Person) {</a:t>
+            </a:r>
+            <a:br>
+              <a:rPr lang="en-US" altLang="zh-CN" sz="1800" dirty="0"/>
+            </a:br>
+            <a:r>
+              <a:rPr lang="en-US" altLang="zh-CN" sz="1800" dirty="0"/>
+              <a:t> </a:t>
+            </a:r>
+            <a:r>
+              <a:rPr lang="en-US" altLang="zh-CN" sz="1800" dirty="0" smtClean="0"/>
+              <a:t>	             </a:t>
+            </a:r>
+            <a:r>
+              <a:rPr lang="en-US" altLang="zh-CN" sz="1800" dirty="0" err="1"/>
+              <a:t>parent.children.add</a:t>
+            </a:r>
+            <a:r>
+              <a:rPr lang="en-US" altLang="zh-CN" sz="1800" dirty="0"/>
+              <a:t>(</a:t>
+            </a:r>
+            <a:r>
+              <a:rPr lang="en-US" altLang="zh-CN" sz="1800" dirty="0">
+                <a:solidFill>
+                  <a:srgbClr val="CC7832"/>
+                </a:solidFill>
+              </a:rPr>
+              <a:t>this</a:t>
+            </a:r>
+            <a:r>
+              <a:rPr lang="en-US" altLang="zh-CN" sz="1800" dirty="0"/>
+              <a:t>)</a:t>
+            </a:r>
+            <a:br>
+              <a:rPr lang="en-US" altLang="zh-CN" sz="1800" dirty="0"/>
+            </a:br>
+            <a:r>
+              <a:rPr lang="en-US" altLang="zh-CN" sz="1800" dirty="0"/>
+              <a:t>   </a:t>
+            </a:r>
+            <a:r>
+              <a:rPr lang="en-US" altLang="zh-CN" sz="1800" dirty="0" smtClean="0"/>
+              <a:t>	      </a:t>
+            </a:r>
+            <a:r>
+              <a:rPr lang="en-US" altLang="zh-CN" sz="1800" dirty="0"/>
+              <a:t>}</a:t>
+            </a:r>
+            <a:br>
+              <a:rPr lang="en-US" altLang="zh-CN" sz="1800" dirty="0"/>
+            </a:br>
+            <a:r>
+              <a:rPr lang="en-US" altLang="zh-CN" sz="1800" dirty="0" smtClean="0"/>
+              <a:t>	}</a:t>
+            </a:r>
+            <a:endParaRPr lang="zh-CN" altLang="en-US" sz="1800" dirty="0"/>
           </a:p>
         </p:txBody>
       </p:sp>
@@ -5113,6 +5455,14 @@
   <p:clrMapOvr>
     <a:masterClrMapping/>
   </p:clrMapOvr>
+  <mc:AlternateContent xmlns:mc="http://schemas.openxmlformats.org/markup-compatibility/2006">
+    <mc:Choice xmlns:p14="http://schemas.microsoft.com/office/powerpoint/2010/main" Requires="p14">
+      <p:transition spd="slow" p14:dur="2000"/>
+    </mc:Choice>
+    <mc:Fallback>
+      <p:transition spd="slow"/>
+    </mc:Fallback>
+  </mc:AlternateContent>
   <p:timing>
     <p:tnLst>
       <p:par>
@@ -5153,7 +5503,7 @@
         <p:spPr>
           <a:xfrm>
             <a:off x="457200" y="908720"/>
-            <a:ext cx="8229600" cy="5217443"/>
+            <a:ext cx="7643192" cy="5472608"/>
           </a:xfrm>
         </p:spPr>
         <p:txBody>
@@ -5207,10 +5557,14 @@
             </a:r>
             <a:r>
               <a:rPr lang="en-US" altLang="zh-CN" sz="1800" dirty="0"/>
-              <a:t>equals(),</a:t>
-            </a:r>
-            <a:r>
-              <a:rPr lang="en-US" altLang="zh-CN" sz="1800" dirty="0" err="1"/>
+              <a:t>equals</a:t>
+            </a:r>
+            <a:r>
+              <a:rPr lang="en-US" altLang="zh-CN" sz="1800" dirty="0" smtClean="0"/>
+              <a:t>(),  </a:t>
+            </a:r>
+            <a:r>
+              <a:rPr lang="en-US" altLang="zh-CN" sz="1800" dirty="0" err="1" smtClean="0"/>
               <a:t>hashCode</a:t>
             </a:r>
             <a:r>
@@ -5253,7 +5607,11 @@
           <a:p>
             <a:r>
               <a:rPr lang="zh-CN" altLang="en-US" sz="1800" dirty="0" smtClean="0"/>
-              <a:t>如上面单例中</a:t>
+              <a:t>如</a:t>
+            </a:r>
+            <a:r>
+              <a:rPr lang="zh-CN" altLang="en-US" sz="1800" dirty="0" smtClean="0"/>
+              <a:t>继承上面的类</a:t>
             </a:r>
             <a:endParaRPr lang="en-US" altLang="zh-CN" sz="1800" dirty="0" smtClean="0"/>
           </a:p>
@@ -5302,7 +5660,27 @@
             </a:r>
             <a:r>
               <a:rPr lang="zh-CN" altLang="en-US" sz="1800" dirty="0"/>
-              <a:t>类没有主构造函数，则必须在每一个构造函数中用 </a:t>
+              <a:t>类没有主构造函数</a:t>
+            </a:r>
+            <a:r>
+              <a:rPr lang="zh-CN" altLang="en-US" sz="1800" dirty="0" smtClean="0"/>
+              <a:t>，</a:t>
+            </a:r>
+            <a:r>
+              <a:rPr lang="zh-CN" altLang="en-US" sz="1800" dirty="0"/>
+              <a:t>基</a:t>
+            </a:r>
+            <a:r>
+              <a:rPr lang="zh-CN" altLang="en-US" sz="1800" dirty="0" smtClean="0"/>
+              <a:t>类的构造函数</a:t>
+            </a:r>
+            <a:r>
+              <a:rPr lang="zh-CN" altLang="en-US" sz="1800" dirty="0" smtClean="0"/>
+              <a:t>则</a:t>
+            </a:r>
+            <a:r>
+              <a:rPr lang="zh-CN" altLang="en-US" sz="1800" dirty="0"/>
+              <a:t>必须在每一个构造函数中用 </a:t>
             </a:r>
             <a:r>
               <a:rPr lang="en-US" altLang="zh-CN" sz="1800" dirty="0"/>
@@ -5310,7 +5688,15 @@
             </a:r>
             <a:r>
               <a:rPr lang="zh-CN" altLang="en-US" sz="1800" dirty="0"/>
-              <a:t>关键字初始化基类，或者在代理另一个构造函数做这件事。注意在这种情形中不同的二级构造函数可以调用基类不同的构造方法</a:t>
+              <a:t>关键字初始化基类，或者</a:t>
+            </a:r>
+            <a:r>
+              <a:rPr lang="zh-CN" altLang="en-US" sz="1800" dirty="0" smtClean="0"/>
+              <a:t>在另</a:t>
+            </a:r>
+            <a:r>
+              <a:rPr lang="zh-CN" altLang="en-US" sz="1800" dirty="0"/>
+              <a:t>一个构造函数做这件事。注意在这种情形中不同的二级构造函数可以调用基类不同的构造方法</a:t>
             </a:r>
             <a:r>
               <a:rPr lang="zh-CN" altLang="en-US" sz="1800" dirty="0" smtClean="0"/>
@@ -5319,6 +5705,18 @@
             <a:endParaRPr lang="en-US" altLang="zh-CN" sz="1800" dirty="0" smtClean="0"/>
           </a:p>
           <a:p>
+            <a:r>
+              <a:rPr lang="en-US" altLang="zh-CN" sz="1800" dirty="0" smtClean="0"/>
+              <a:t>//</a:t>
+            </a:r>
+            <a:r>
+              <a:rPr lang="zh-CN" altLang="en-US" sz="1800" dirty="0" smtClean="0"/>
+              <a:t>实现一个自定义</a:t>
+            </a:r>
+            <a:r>
+              <a:rPr lang="en-US" altLang="zh-CN" sz="1800" dirty="0" smtClean="0"/>
+              <a:t>View</a:t>
+            </a:r>
             <a:endParaRPr lang="en-US" altLang="zh-CN" sz="1800" dirty="0"/>
           </a:p>
           <a:p>
@@ -5495,6 +5893,14 @@
   <p:clrMapOvr>
     <a:masterClrMapping/>
   </p:clrMapOvr>
+  <mc:AlternateContent xmlns:mc="http://schemas.openxmlformats.org/markup-compatibility/2006">
+    <mc:Choice xmlns:p14="http://schemas.microsoft.com/office/powerpoint/2010/main" Requires="p14">
+      <p:transition spd="slow" p14:dur="2000"/>
+    </mc:Choice>
+    <mc:Fallback>
+      <p:transition spd="slow"/>
+    </mc:Fallback>
+  </mc:AlternateContent>
   <p:timing>
     <p:tnLst>
       <p:par>
@@ -5570,7 +5976,7 @@
         <p:spPr>
           <a:xfrm>
             <a:off x="457200" y="908720"/>
-            <a:ext cx="8229600" cy="5217443"/>
+            <a:ext cx="7715200" cy="5472608"/>
           </a:xfrm>
         </p:spPr>
         <p:txBody>
@@ -5734,14 +6140,20 @@
               <a:rPr lang="en-US" altLang="zh-CN" sz="1800" dirty="0"/>
             </a:br>
             <a:r>
-              <a:rPr lang="en-US" altLang="zh-CN" sz="1800" dirty="0"/>
+              <a:rPr lang="en-US" altLang="zh-CN" sz="1800" dirty="0" smtClean="0"/>
               <a:t>}</a:t>
             </a:r>
-            <a:br>
-              <a:rPr lang="en-US" altLang="zh-CN" sz="1800" dirty="0"/>
-            </a:br>
-            <a:r>
-              <a:rPr lang="en-US" altLang="zh-CN" sz="1800" dirty="0">
+          </a:p>
+          <a:p>
+            <a:endParaRPr lang="en-US" altLang="zh-CN" sz="1800" dirty="0">
+              <a:solidFill>
+                <a:srgbClr val="CC7832"/>
+              </a:solidFill>
+            </a:endParaRPr>
+          </a:p>
+          <a:p>
+            <a:r>
+              <a:rPr lang="en-US" altLang="zh-CN" sz="1800" dirty="0" smtClean="0">
                 <a:solidFill>
                   <a:srgbClr val="CC7832"/>
                 </a:solidFill>
@@ -5749,16 +6161,20 @@
               <a:t>fun </a:t>
             </a:r>
             <a:r>
-              <a:rPr lang="en-US" altLang="zh-CN" sz="1800" dirty="0">
+              <a:rPr lang="en-US" altLang="zh-CN" sz="1800" dirty="0" smtClean="0">
                 <a:solidFill>
                   <a:srgbClr val="FFC66D"/>
                 </a:solidFill>
               </a:rPr>
-              <a:t>add1</a:t>
-            </a:r>
-            <a:r>
-              <a:rPr lang="en-US" altLang="zh-CN" sz="1800" dirty="0"/>
-              <a:t>(x: </a:t>
+              <a:t>add</a:t>
+            </a:r>
+            <a:r>
+              <a:rPr lang="en-US" altLang="zh-CN" sz="1800" dirty="0" smtClean="0"/>
+              <a:t>(x</a:t>
+            </a:r>
+            <a:r>
+              <a:rPr lang="en-US" altLang="zh-CN" sz="1800" dirty="0"/>
+              <a:t>: </a:t>
             </a:r>
             <a:r>
               <a:rPr lang="en-US" altLang="zh-CN" sz="1800" dirty="0" err="1"/>
@@ -5819,13 +6235,12 @@
             </a:r>
             <a:r>
               <a:rPr lang="en-US" altLang="zh-CN" sz="1800" dirty="0" smtClean="0"/>
-              <a:t>Log:</a:t>
-            </a:r>
-          </a:p>
-          <a:p>
-            <a:endParaRPr lang="en-US" altLang="zh-CN" sz="1800" dirty="0"/>
-          </a:p>
-          <a:p>
+              <a:t>Log</a:t>
+            </a:r>
+            <a:r>
+              <a:rPr lang="en-US" altLang="zh-CN" sz="1800" dirty="0" smtClean="0"/>
+              <a:t>:</a:t>
+            </a:r>
             <a:r>
               <a:rPr lang="en-US" altLang="zh-CN" sz="1800" dirty="0"/>
               <a:t/>
@@ -6306,9 +6721,50 @@
               <a:rPr lang="en-US" altLang="zh-CN" sz="1800" dirty="0"/>
             </a:br>
             <a:r>
-              <a:rPr lang="en-US" altLang="zh-CN" sz="1800" dirty="0"/>
+              <a:rPr lang="en-US" altLang="zh-CN" sz="1800" dirty="0" smtClean="0"/>
               <a:t>}</a:t>
             </a:r>
+          </a:p>
+          <a:p>
+            <a:r>
+              <a:rPr lang="zh-CN" altLang="en-US" sz="1800" dirty="0"/>
+              <a:t>使用</a:t>
+            </a:r>
+            <a:r>
+              <a:rPr lang="zh-CN" altLang="en-US" sz="1800" dirty="0" smtClean="0"/>
+              <a:t>时</a:t>
+            </a:r>
+            <a:r>
+              <a:rPr lang="en-US" altLang="zh-CN" sz="1800" dirty="0" smtClean="0"/>
+              <a:t>: Slog(TAG, message) =&gt;</a:t>
+            </a:r>
+            <a:r>
+              <a:rPr lang="en-US" altLang="zh-CN" sz="1800" dirty="0" err="1" smtClean="0"/>
+              <a:t>Log.v</a:t>
+            </a:r>
+            <a:r>
+              <a:rPr lang="en-US" altLang="zh-CN" sz="1800" dirty="0" smtClean="0"/>
+              <a:t>(TAG, message)</a:t>
+            </a:r>
+          </a:p>
+          <a:p>
+            <a:r>
+              <a:rPr lang="zh-CN" altLang="en-US" sz="1800" dirty="0" smtClean="0"/>
+              <a:t>或者</a:t>
+            </a:r>
+            <a:r>
+              <a:rPr lang="en-US" altLang="zh-CN" sz="1800" dirty="0" smtClean="0"/>
+              <a:t>Slog(Tag, message, 1)=&gt;</a:t>
+            </a:r>
+            <a:r>
+              <a:rPr lang="en-US" altLang="zh-CN" sz="1800" dirty="0" err="1" smtClean="0"/>
+              <a:t>Log.i</a:t>
+            </a:r>
+            <a:r>
+              <a:rPr lang="en-US" altLang="zh-CN" sz="1800" dirty="0" smtClean="0"/>
+              <a:t>(Tag, message)</a:t>
+            </a:r>
+            <a:endParaRPr lang="en-US" altLang="zh-CN" sz="1800" dirty="0"/>
           </a:p>
           <a:p>
             <a:endParaRPr lang="en-US" altLang="zh-CN" sz="1800" dirty="0" smtClean="0"/>
@@ -6325,6 +6781,14 @@
   <p:clrMapOvr>
     <a:masterClrMapping/>
   </p:clrMapOvr>
+  <mc:AlternateContent xmlns:mc="http://schemas.openxmlformats.org/markup-compatibility/2006">
+    <mc:Choice xmlns:p14="http://schemas.microsoft.com/office/powerpoint/2010/main" Requires="p14">
+      <p:transition spd="slow" p14:dur="2000"/>
+    </mc:Choice>
+    <mc:Fallback>
+      <p:transition spd="slow"/>
+    </mc:Fallback>
+  </mc:AlternateContent>
   <p:timing>
     <p:tnLst>
       <p:par>
@@ -6416,7 +6880,7 @@
         <p:spPr>
           <a:xfrm>
             <a:off x="457200" y="908720"/>
-            <a:ext cx="8229600" cy="5217443"/>
+            <a:ext cx="7787208" cy="5217443"/>
           </a:xfrm>
         </p:spPr>
         <p:txBody>
@@ -6481,12 +6945,52 @@
               <a:t>= </a:t>
             </a:r>
             <a:r>
+              <a:rPr lang="en-US" altLang="zh-CN" sz="2400" dirty="0" smtClean="0">
+                <a:solidFill>
+                  <a:srgbClr val="6897BB"/>
+                </a:solidFill>
+              </a:rPr>
+              <a:t>100   </a:t>
+            </a:r>
+            <a:r>
+              <a:rPr lang="zh-CN" altLang="en-US" sz="2400" dirty="0" smtClean="0">
+                <a:solidFill>
+                  <a:srgbClr val="6897BB"/>
+                </a:solidFill>
+              </a:rPr>
+              <a:t>相当于调用了</a:t>
+            </a:r>
+            <a:r>
+              <a:rPr lang="en-US" altLang="zh-CN" sz="2400" dirty="0" err="1" smtClean="0">
+                <a:solidFill>
+                  <a:srgbClr val="6897BB"/>
+                </a:solidFill>
+              </a:rPr>
+              <a:t>getAge</a:t>
+            </a:r>
+            <a:r>
+              <a:rPr lang="en-US" altLang="zh-CN" sz="2400" dirty="0" smtClean="0">
+                <a:solidFill>
+                  <a:srgbClr val="6897BB"/>
+                </a:solidFill>
+              </a:rPr>
+              <a:t>()</a:t>
+            </a:r>
+            <a:r>
+              <a:rPr lang="zh-CN" altLang="en-US" sz="2400" dirty="0" smtClean="0">
+                <a:solidFill>
+                  <a:srgbClr val="6897BB"/>
+                </a:solidFill>
+              </a:rPr>
+              <a:t>方法</a:t>
+            </a:r>
+            <a:r>
               <a:rPr lang="en-US" altLang="zh-CN" sz="2400" dirty="0">
                 <a:solidFill>
                   <a:srgbClr val="6897BB"/>
                 </a:solidFill>
               </a:rPr>
-              <a:t>100</a:t>
+              <a:t/>
             </a:r>
             <a:br>
               <a:rPr lang="en-US" altLang="zh-CN" sz="2400" dirty="0">
@@ -6496,11 +7000,19 @@
               </a:rPr>
             </a:br>
             <a:r>
-              <a:rPr lang="en-US" altLang="zh-CN" sz="2400" dirty="0" err="1"/>
+              <a:rPr lang="en-US" altLang="zh-CN" sz="2400" dirty="0" smtClean="0">
+                <a:solidFill>
+                  <a:srgbClr val="6897BB"/>
+                </a:solidFill>
+              </a:rPr>
+              <a:t>print(</a:t>
+            </a:r>
+            <a:r>
+              <a:rPr lang="en-US" altLang="zh-CN" sz="2400" dirty="0" err="1" smtClean="0"/>
               <a:t>person.</a:t>
             </a:r>
             <a:r>
-              <a:rPr lang="en-US" altLang="zh-CN" sz="2400" dirty="0" err="1">
+              <a:rPr lang="en-US" altLang="zh-CN" sz="2400" dirty="0" err="1" smtClean="0">
                 <a:solidFill>
                   <a:srgbClr val="9876AA"/>
                 </a:solidFill>
@@ -6508,7 +7020,7 @@
               <a:t>weight</a:t>
             </a:r>
             <a:r>
-              <a:rPr lang="en-US" altLang="zh-CN" sz="2400" dirty="0">
+              <a:rPr lang="en-US" altLang="zh-CN" sz="2400" dirty="0" smtClean="0">
                 <a:solidFill>
                   <a:srgbClr val="9876AA"/>
                 </a:solidFill>
@@ -6516,8 +7028,39 @@
               <a:t> </a:t>
             </a:r>
             <a:r>
-              <a:rPr lang="en-US" altLang="zh-CN" sz="2400" dirty="0"/>
-              <a:t>= </a:t>
+              <a:rPr lang="en-US" altLang="zh-CN" sz="2400" dirty="0" smtClean="0"/>
+              <a:t>)  </a:t>
+            </a:r>
+            <a:r>
+              <a:rPr lang="zh-CN" altLang="en-US" sz="2400" dirty="0" smtClean="0"/>
+              <a:t>相当于调用了</a:t>
+            </a:r>
+            <a:r>
+              <a:rPr lang="en-US" altLang="zh-CN" sz="2400" dirty="0" err="1" smtClean="0"/>
+              <a:t>setWeight</a:t>
+            </a:r>
+            <a:r>
+              <a:rPr lang="en-US" altLang="zh-CN" sz="2400" dirty="0" smtClean="0"/>
+              <a:t>()</a:t>
+            </a:r>
+            <a:r>
+              <a:rPr lang="zh-CN" altLang="en-US" sz="2400" dirty="0" smtClean="0"/>
+              <a:t>方法</a:t>
+            </a:r>
+            <a:endParaRPr lang="en-US" altLang="zh-CN" sz="2400" dirty="0" smtClean="0">
+              <a:solidFill>
+                <a:srgbClr val="6897BB"/>
+              </a:solidFill>
+            </a:endParaRPr>
+          </a:p>
+          <a:p>
+            <a:r>
+              <a:rPr lang="zh-CN" altLang="en-US" sz="2400" dirty="0" smtClean="0">
+                <a:solidFill>
+                  <a:srgbClr val="6897BB"/>
+                </a:solidFill>
+              </a:rPr>
+              <a:t>当然如果需要在</a:t>
             </a:r>
             <a:r>
               <a:rPr lang="en-US" altLang="zh-CN" sz="2400" dirty="0" smtClean="0">
@@ -6525,17 +7068,15 @@
                   <a:srgbClr val="6897BB"/>
                 </a:solidFill>
               </a:rPr>
-              <a:t>20</a:t>
-            </a:r>
-          </a:p>
-          <a:p>
+              <a:t>get</a:t>
+            </a:r>
             <a:r>
               <a:rPr lang="zh-CN" altLang="en-US" sz="2400" dirty="0" smtClean="0">
                 <a:solidFill>
                   <a:srgbClr val="6897BB"/>
                 </a:solidFill>
               </a:rPr>
-              <a:t>当然如果需要在</a:t>
+              <a:t>或</a:t>
             </a:r>
             <a:r>
               <a:rPr lang="en-US" altLang="zh-CN" sz="2400" dirty="0" smtClean="0">
@@ -6543,6 +7084,94 @@
                   <a:srgbClr val="6897BB"/>
                 </a:solidFill>
               </a:rPr>
+              <a:t>set</a:t>
+            </a:r>
+            <a:r>
+              <a:rPr lang="zh-CN" altLang="en-US" sz="2400" dirty="0" smtClean="0">
+                <a:solidFill>
+                  <a:srgbClr val="6897BB"/>
+                </a:solidFill>
+              </a:rPr>
+              <a:t>时处理数据则需要重写这两方法如 </a:t>
+            </a:r>
+            <a:r>
+              <a:rPr lang="en-US" altLang="zh-CN" sz="2400" dirty="0" smtClean="0">
+                <a:solidFill>
+                  <a:srgbClr val="6897BB"/>
+                </a:solidFill>
+              </a:rPr>
+              <a:t>field</a:t>
+            </a:r>
+            <a:r>
+              <a:rPr lang="zh-CN" altLang="en-US" sz="2400" dirty="0" smtClean="0">
+                <a:solidFill>
+                  <a:srgbClr val="6897BB"/>
+                </a:solidFill>
+              </a:rPr>
+              <a:t>代表成员变量</a:t>
+            </a:r>
+            <a:r>
+              <a:rPr lang="en-US" altLang="zh-CN" sz="2400" dirty="0" smtClean="0">
+                <a:solidFill>
+                  <a:srgbClr val="6897BB"/>
+                </a:solidFill>
+              </a:rPr>
+              <a:t>, </a:t>
+            </a:r>
+            <a:r>
+              <a:rPr lang="zh-CN" altLang="en-US" sz="2400" dirty="0" smtClean="0">
+                <a:solidFill>
+                  <a:srgbClr val="6897BB"/>
+                </a:solidFill>
+              </a:rPr>
+              <a:t>如果使用</a:t>
+            </a:r>
+            <a:r>
+              <a:rPr lang="en-US" altLang="zh-CN" sz="2400" dirty="0" smtClean="0">
+                <a:solidFill>
+                  <a:srgbClr val="6897BB"/>
+                </a:solidFill>
+              </a:rPr>
+              <a:t>weight</a:t>
+            </a:r>
+            <a:r>
+              <a:rPr lang="zh-CN" altLang="en-US" sz="2400" dirty="0" smtClean="0">
+                <a:solidFill>
+                  <a:srgbClr val="6897BB"/>
+                </a:solidFill>
+              </a:rPr>
+              <a:t>则</a:t>
+            </a:r>
+            <a:r>
+              <a:rPr lang="zh-CN" altLang="en-US" sz="2400" dirty="0">
+                <a:solidFill>
+                  <a:srgbClr val="6897BB"/>
+                </a:solidFill>
+              </a:rPr>
+              <a:t>表示</a:t>
+            </a:r>
+            <a:r>
+              <a:rPr lang="zh-CN" altLang="en-US" sz="2400" dirty="0" smtClean="0">
+                <a:solidFill>
+                  <a:srgbClr val="6897BB"/>
+                </a:solidFill>
+              </a:rPr>
+              <a:t>循环</a:t>
+            </a:r>
+            <a:r>
+              <a:rPr lang="zh-CN" altLang="en-US" sz="2400" dirty="0" smtClean="0">
+                <a:solidFill>
+                  <a:srgbClr val="6897BB"/>
+                </a:solidFill>
+              </a:rPr>
+              <a:t>调用</a:t>
+            </a:r>
+            <a:r>
+              <a:rPr lang="en-US" altLang="zh-CN" sz="2400" dirty="0" smtClean="0">
+                <a:solidFill>
+                  <a:srgbClr val="6897BB"/>
+                </a:solidFill>
+              </a:rPr>
               <a:t>get</a:t>
             </a:r>
             <a:r>
@@ -6567,87 +7196,7 @@
                   <a:srgbClr val="6897BB"/>
                 </a:solidFill>
               </a:rPr>
-              <a:t>时处理数据则需要重写这两方法如 </a:t>
-            </a:r>
-            <a:r>
-              <a:rPr lang="en-US" altLang="zh-CN" sz="2400" dirty="0" smtClean="0">
-                <a:solidFill>
-                  <a:srgbClr val="6897BB"/>
-                </a:solidFill>
-              </a:rPr>
-              <a:t>field</a:t>
-            </a:r>
-            <a:r>
-              <a:rPr lang="zh-CN" altLang="en-US" sz="2400" dirty="0" smtClean="0">
-                <a:solidFill>
-                  <a:srgbClr val="6897BB"/>
-                </a:solidFill>
-              </a:rPr>
-              <a:t>代表成员变量</a:t>
-            </a:r>
-            <a:r>
-              <a:rPr lang="en-US" altLang="zh-CN" sz="2400" dirty="0" smtClean="0">
-                <a:solidFill>
-                  <a:srgbClr val="6897BB"/>
-                </a:solidFill>
-              </a:rPr>
-              <a:t>, </a:t>
-            </a:r>
-            <a:r>
-              <a:rPr lang="zh-CN" altLang="en-US" sz="2400" dirty="0" smtClean="0">
-                <a:solidFill>
-                  <a:srgbClr val="6897BB"/>
-                </a:solidFill>
-              </a:rPr>
-              <a:t>如果使用</a:t>
-            </a:r>
-            <a:r>
-              <a:rPr lang="en-US" altLang="zh-CN" sz="2400" dirty="0" smtClean="0">
-                <a:solidFill>
-                  <a:srgbClr val="6897BB"/>
-                </a:solidFill>
-              </a:rPr>
-              <a:t>weight</a:t>
-            </a:r>
-            <a:r>
-              <a:rPr lang="zh-CN" altLang="en-US" sz="2400" dirty="0" smtClean="0">
-                <a:solidFill>
-                  <a:srgbClr val="6897BB"/>
-                </a:solidFill>
-              </a:rPr>
-              <a:t>则标识循环调用</a:t>
-            </a:r>
-            <a:r>
-              <a:rPr lang="en-US" altLang="zh-CN" sz="2400" dirty="0" smtClean="0">
-                <a:solidFill>
-                  <a:srgbClr val="6897BB"/>
-                </a:solidFill>
-              </a:rPr>
-              <a:t>get</a:t>
-            </a:r>
-            <a:r>
-              <a:rPr lang="zh-CN" altLang="en-US" sz="2400" dirty="0" smtClean="0">
-                <a:solidFill>
-                  <a:srgbClr val="6897BB"/>
-                </a:solidFill>
-              </a:rPr>
-              <a:t>或</a:t>
-            </a:r>
-            <a:r>
-              <a:rPr lang="en-US" altLang="zh-CN" sz="2400" dirty="0" smtClean="0">
-                <a:solidFill>
-                  <a:srgbClr val="6897BB"/>
-                </a:solidFill>
-              </a:rPr>
-              <a:t>set</a:t>
-            </a:r>
-            <a:r>
-              <a:rPr lang="zh-CN" altLang="en-US" sz="2400" dirty="0" smtClean="0">
-                <a:solidFill>
-                  <a:srgbClr val="6897BB"/>
-                </a:solidFill>
-              </a:rPr>
-              <a:t>方法</a:t>
+              <a:t>方法会一直循环下去</a:t>
             </a:r>
             <a:endParaRPr lang="en-US" altLang="zh-CN" sz="2400" dirty="0" smtClean="0">
               <a:solidFill>
@@ -6860,6 +7409,14 @@
   <p:clrMapOvr>
     <a:masterClrMapping/>
   </p:clrMapOvr>
+  <mc:AlternateContent xmlns:mc="http://schemas.openxmlformats.org/markup-compatibility/2006">
+    <mc:Choice xmlns:p14="http://schemas.microsoft.com/office/powerpoint/2010/main" Requires="p14">
+      <p:transition spd="slow" p14:dur="2000"/>
+    </mc:Choice>
+    <mc:Fallback>
+      <p:transition spd="slow"/>
+    </mc:Fallback>
+  </mc:AlternateContent>
   <p:timing>
     <p:tnLst>
       <p:par>
@@ -6943,7 +7500,7 @@
         <p:spPr>
           <a:xfrm>
             <a:off x="457200" y="908720"/>
-            <a:ext cx="8229600" cy="5217443"/>
+            <a:ext cx="7643192" cy="5217443"/>
           </a:xfrm>
         </p:spPr>
         <p:txBody>
@@ -6954,20 +7511,33 @@
           <a:p>
             <a:r>
               <a:rPr lang="zh-CN" altLang="en-US" sz="1800" dirty="0" smtClean="0"/>
-              <a:t>在类中使用内部类或匿名类时</a:t>
-            </a:r>
-            <a:r>
-              <a:rPr lang="en-US" altLang="zh-CN" sz="1800" dirty="0" smtClean="0"/>
-              <a:t>, </a:t>
+              <a:t>在类中使用内部类或匿名</a:t>
             </a:r>
             <a:r>
               <a:rPr lang="zh-CN" altLang="en-US" sz="1800" dirty="0" smtClean="0"/>
-              <a:t>会用引用到类本身的实例</a:t>
+              <a:t>类时或其他用</a:t>
+            </a:r>
+            <a:r>
+              <a:rPr lang="zh-CN" altLang="en-US" sz="1800" dirty="0" smtClean="0"/>
+              <a:t>引用到类本身的实例</a:t>
             </a:r>
             <a:r>
               <a:rPr lang="en-US" altLang="zh-CN" sz="1800" dirty="0" smtClean="0"/>
               <a:t>this</a:t>
             </a:r>
+            <a:r>
+              <a:rPr lang="zh-CN" altLang="en-US" sz="1800" dirty="0" smtClean="0"/>
+              <a:t>时 用</a:t>
+            </a:r>
+            <a:r>
+              <a:rPr lang="en-US" altLang="zh-CN" sz="1800" dirty="0" smtClean="0"/>
+              <a:t>@</a:t>
+            </a:r>
+            <a:r>
+              <a:rPr lang="zh-CN" altLang="en-US" sz="1800" dirty="0" smtClean="0"/>
+              <a:t>类名指定</a:t>
+            </a:r>
+            <a:endParaRPr lang="en-US" altLang="zh-CN" sz="1800" dirty="0" smtClean="0"/>
           </a:p>
           <a:p>
             <a:endParaRPr lang="en-US" altLang="zh-CN" sz="2400" dirty="0" smtClean="0"/>
@@ -7284,6 +7854,14 @@
   <p:clrMapOvr>
     <a:masterClrMapping/>
   </p:clrMapOvr>
+  <mc:AlternateContent xmlns:mc="http://schemas.openxmlformats.org/markup-compatibility/2006">
+    <mc:Choice xmlns:p14="http://schemas.microsoft.com/office/powerpoint/2010/main" Requires="p14">
+      <p:transition spd="slow" p14:dur="2000"/>
+    </mc:Choice>
+    <mc:Fallback>
+      <p:transition spd="slow"/>
+    </mc:Fallback>
+  </mc:AlternateContent>
   <p:timing>
     <p:tnLst>
       <p:par>
@@ -7359,7 +7937,7 @@
         <p:spPr>
           <a:xfrm>
             <a:off x="457200" y="908720"/>
-            <a:ext cx="8229600" cy="5217443"/>
+            <a:ext cx="7211144" cy="5217443"/>
           </a:xfrm>
         </p:spPr>
         <p:txBody>
@@ -7374,7 +7952,23 @@
                   <a:srgbClr val="CC7832"/>
                 </a:solidFill>
               </a:rPr>
-              <a:t>当需要用到静态方法或静态变量时这时用到的是伴随对象</a:t>
+              <a:t>当需要用到静态方法或静态变量时这时用</a:t>
+            </a:r>
+            <a:r>
+              <a:rPr lang="zh-CN" altLang="en-US" sz="1800" dirty="0" smtClean="0">
+                <a:solidFill>
+                  <a:srgbClr val="CC7832"/>
+                </a:solidFill>
+              </a:rPr>
+              <a:t>到伴随对象</a:t>
+            </a:r>
+            <a:r>
+              <a:rPr lang="en-US" altLang="zh-CN" sz="1800" dirty="0" smtClean="0">
+                <a:solidFill>
+                  <a:srgbClr val="CC7832"/>
+                </a:solidFill>
+              </a:rPr>
+              <a:t>companion</a:t>
             </a:r>
             <a:endParaRPr lang="en-US" altLang="zh-CN" sz="1800" dirty="0" smtClean="0">
               <a:solidFill>
@@ -7585,12 +8179,20 @@
               <a:t>= </a:t>
             </a:r>
             <a:r>
-              <a:rPr lang="en-US" altLang="zh-CN" sz="1800" dirty="0">
+              <a:rPr lang="en-US" altLang="zh-CN" sz="1800" dirty="0" smtClean="0">
                 <a:solidFill>
                   <a:srgbClr val="6A8759"/>
                 </a:solidFill>
               </a:rPr>
-              <a:t>"Person"</a:t>
+              <a:t>“Person”</a:t>
+            </a:r>
+            <a:r>
+              <a:rPr lang="en-US" altLang="zh-CN" sz="1800" dirty="0">
+                <a:solidFill>
+                  <a:srgbClr val="6A8759"/>
+                </a:solidFill>
+              </a:rPr>
+              <a:t/>
             </a:r>
             <a:br>
               <a:rPr lang="en-US" altLang="zh-CN" sz="1800" dirty="0">
@@ -7631,13 +8233,22 @@
               <a:t>//final</a:t>
             </a:r>
             <a:r>
+              <a:rPr lang="zh-CN" altLang="en-US" sz="1800" dirty="0" smtClean="0">
+                <a:solidFill>
+                  <a:srgbClr val="808080"/>
+                </a:solidFill>
+                <a:latin typeface="宋体"/>
+              </a:rPr>
+              <a:t>静态常量</a:t>
+            </a:r>
+            <a:r>
               <a:rPr lang="zh-CN" altLang="en-US" sz="1800" dirty="0">
                 <a:solidFill>
                   <a:srgbClr val="808080"/>
                 </a:solidFill>
                 <a:latin typeface="宋体"/>
               </a:rPr>
-              <a:t>静态变量</a:t>
+              <a:t/>
             </a:r>
             <a:br>
               <a:rPr lang="zh-CN" altLang="en-US" sz="1800" dirty="0">
@@ -7867,6 +8478,14 @@
   <p:clrMapOvr>
     <a:masterClrMapping/>
   </p:clrMapOvr>
+  <mc:AlternateContent xmlns:mc="http://schemas.openxmlformats.org/markup-compatibility/2006">
+    <mc:Choice xmlns:p14="http://schemas.microsoft.com/office/powerpoint/2010/main" Requires="p14">
+      <p:transition spd="slow" p14:dur="2000"/>
+    </mc:Choice>
+    <mc:Fallback>
+      <p:transition spd="slow"/>
+    </mc:Fallback>
+  </mc:AlternateContent>
   <p:timing>
     <p:tnLst>
       <p:par>
@@ -7942,7 +8561,7 @@
         <p:spPr>
           <a:xfrm>
             <a:off x="457200" y="908720"/>
-            <a:ext cx="8229600" cy="5544616"/>
+            <a:ext cx="7499176" cy="5544616"/>
           </a:xfrm>
         </p:spPr>
         <p:txBody>
@@ -8384,8 +9003,26 @@
               </a:rPr>
             </a:br>
             <a:r>
-              <a:rPr lang="en-US" altLang="zh-CN" sz="1800" dirty="0"/>
+              <a:rPr lang="en-US" altLang="zh-CN" sz="1800" dirty="0" smtClean="0"/>
               <a:t>}</a:t>
+            </a:r>
+          </a:p>
+          <a:p>
+            <a:r>
+              <a:rPr lang="en-US" altLang="zh-CN" sz="1800" dirty="0" smtClean="0"/>
+              <a:t>Instance</a:t>
+            </a:r>
+            <a:r>
+              <a:rPr lang="zh-CN" altLang="en-US" sz="1800" dirty="0" smtClean="0"/>
+              <a:t>作为单例的属性自带</a:t>
+            </a:r>
+            <a:r>
+              <a:rPr lang="en-US" altLang="zh-CN" sz="1800" dirty="0" smtClean="0"/>
+              <a:t>get</a:t>
+            </a:r>
+            <a:r>
+              <a:rPr lang="zh-CN" altLang="en-US" sz="1800" dirty="0" smtClean="0"/>
+              <a:t>方法这时需要重写该方法</a:t>
             </a:r>
             <a:endParaRPr lang="zh-CN" altLang="en-US" sz="1800" dirty="0"/>
           </a:p>
@@ -8401,6 +9038,14 @@
   <p:clrMapOvr>
     <a:masterClrMapping/>
   </p:clrMapOvr>
+  <mc:AlternateContent xmlns:mc="http://schemas.openxmlformats.org/markup-compatibility/2006">
+    <mc:Choice xmlns:p14="http://schemas.microsoft.com/office/powerpoint/2010/main" Requires="p14">
+      <p:transition spd="slow" p14:dur="2000"/>
+    </mc:Choice>
+    <mc:Fallback>
+      <p:transition spd="slow"/>
+    </mc:Fallback>
+  </mc:AlternateContent>
   <p:timing>
     <p:tnLst>
       <p:par>
@@ -8586,6 +9231,14 @@
   <p:clrMapOvr>
     <a:masterClrMapping/>
   </p:clrMapOvr>
+  <mc:AlternateContent xmlns:mc="http://schemas.openxmlformats.org/markup-compatibility/2006">
+    <mc:Choice xmlns:p14="http://schemas.microsoft.com/office/powerpoint/2010/main" Requires="p14">
+      <p:transition spd="slow" p14:dur="2000"/>
+    </mc:Choice>
+    <mc:Fallback>
+      <p:transition spd="slow"/>
+    </mc:Fallback>
+  </mc:AlternateContent>
 </p:sld>
 </file>
 
@@ -8653,8 +9306,8 @@
         </p:nvSpPr>
         <p:spPr>
           <a:xfrm>
-            <a:off x="457200" y="908720"/>
-            <a:ext cx="8229600" cy="5688632"/>
+            <a:off x="251520" y="836712"/>
+            <a:ext cx="7776864" cy="5688632"/>
           </a:xfrm>
         </p:spPr>
         <p:txBody>
@@ -8779,8 +9432,16 @@
               <a:t>rename:String</a:t>
             </a:r>
             <a:r>
-              <a:rPr lang="en-US" altLang="zh-CN" sz="1800" dirty="0"/>
-              <a:t>){</a:t>
+              <a:rPr lang="en-US" altLang="zh-CN" sz="1800" dirty="0" smtClean="0"/>
+              <a:t>){   //</a:t>
+            </a:r>
+            <a:r>
+              <a:rPr lang="zh-CN" altLang="en-US" sz="1800" dirty="0" smtClean="0"/>
+              <a:t>扩展函数</a:t>
+            </a:r>
+            <a:r>
+              <a:rPr lang="en-US" altLang="zh-CN" sz="1800" dirty="0"/>
+              <a:t/>
             </a:r>
             <a:br>
               <a:rPr lang="en-US" altLang="zh-CN" sz="1800" dirty="0"/>
@@ -8952,8 +9613,16 @@
               <a:t>: </a:t>
             </a:r>
             <a:r>
-              <a:rPr lang="en-US" altLang="zh-CN" sz="1800" dirty="0" err="1"/>
+              <a:rPr lang="en-US" altLang="zh-CN" sz="1800" dirty="0" err="1" smtClean="0"/>
               <a:t>Int</a:t>
+            </a:r>
+            <a:r>
+              <a:rPr lang="en-US" altLang="zh-CN" sz="1800" dirty="0" smtClean="0"/>
+              <a:t>      //</a:t>
+            </a:r>
+            <a:r>
+              <a:rPr lang="zh-CN" altLang="en-US" sz="1800" dirty="0" smtClean="0"/>
+              <a:t>扩展属性</a:t>
             </a:r>
             <a:r>
               <a:rPr lang="en-US" altLang="zh-CN" sz="1800" dirty="0"/>
@@ -9184,7 +9853,7 @@
           </a:p>
           <a:p>
             <a:r>
-              <a:rPr lang="en-US" altLang="zh-CN" sz="1800" dirty="0">
+              <a:rPr lang="en-US" altLang="zh-CN" sz="1800" dirty="0" smtClean="0">
                 <a:solidFill>
                   <a:srgbClr val="CC7832"/>
                 </a:solidFill>
@@ -9196,11 +9865,11 @@
               <a:t> </a:t>
             </a:r>
             <a:r>
-              <a:rPr lang="en-US" altLang="zh-CN" sz="1800" dirty="0" err="1"/>
+              <a:rPr lang="en-US" altLang="zh-CN" sz="1800" dirty="0" err="1" smtClean="0"/>
               <a:t>View.</a:t>
             </a:r>
             <a:r>
-              <a:rPr lang="en-US" altLang="zh-CN" sz="1800" i="1" dirty="0" err="1">
+              <a:rPr lang="en-US" altLang="zh-CN" sz="1800" i="1" dirty="0" err="1" smtClean="0">
                 <a:solidFill>
                   <a:srgbClr val="FFC66D"/>
                 </a:solidFill>
@@ -9208,7 +9877,7 @@
               <a:t>doExten</a:t>
             </a:r>
             <a:r>
-              <a:rPr lang="en-US" altLang="zh-CN" sz="1800" dirty="0" err="1">
+              <a:rPr lang="en-US" altLang="zh-CN" sz="1800" dirty="0" err="1" smtClean="0">
                 <a:solidFill>
                   <a:srgbClr val="FFC66D"/>
                 </a:solidFill>
@@ -9216,11 +9885,11 @@
               <a:t>dFun</a:t>
             </a:r>
             <a:r>
-              <a:rPr lang="en-US" altLang="zh-CN" sz="1800" dirty="0"/>
+              <a:rPr lang="en-US" altLang="zh-CN" sz="1800" dirty="0" smtClean="0"/>
               <a:t>(){</a:t>
             </a:r>
             <a:r>
-              <a:rPr lang="zh-CN" altLang="en-US" sz="1800" dirty="0">
+              <a:rPr lang="zh-CN" altLang="en-US" sz="1800" dirty="0" smtClean="0">
                 <a:solidFill>
                   <a:srgbClr val="FFC66D"/>
                 </a:solidFill>
@@ -9241,7 +9910,27 @@
             </a:r>
             <a:r>
               <a:rPr lang="en-US" altLang="zh-CN" sz="1800" dirty="0" smtClean="0"/>
-              <a:t>}</a:t>
+              <a:t>}    //</a:t>
+            </a:r>
+            <a:r>
+              <a:rPr lang="zh-CN" altLang="en-US" sz="1800" dirty="0" smtClean="0"/>
+              <a:t>对</a:t>
+            </a:r>
+            <a:r>
+              <a:rPr lang="en-US" altLang="zh-CN" sz="1800" dirty="0" smtClean="0"/>
+              <a:t>android</a:t>
+            </a:r>
+            <a:r>
+              <a:rPr lang="zh-CN" altLang="en-US" sz="1800" dirty="0" smtClean="0"/>
+              <a:t>中的</a:t>
+            </a:r>
+            <a:r>
+              <a:rPr lang="en-US" altLang="zh-CN" sz="1800" dirty="0" smtClean="0"/>
+              <a:t>View</a:t>
+            </a:r>
+            <a:r>
+              <a:rPr lang="zh-CN" altLang="en-US" sz="1800" dirty="0" smtClean="0"/>
+              <a:t>的扩展</a:t>
             </a:r>
             <a:r>
               <a:rPr lang="en-US" altLang="zh-CN" sz="1800" dirty="0" smtClean="0"/>
@@ -9326,6 +10015,14 @@
   <p:clrMapOvr>
     <a:masterClrMapping/>
   </p:clrMapOvr>
+  <mc:AlternateContent xmlns:mc="http://schemas.openxmlformats.org/markup-compatibility/2006">
+    <mc:Choice xmlns:p14="http://schemas.microsoft.com/office/powerpoint/2010/main" Requires="p14">
+      <p:transition spd="slow" p14:dur="2000"/>
+    </mc:Choice>
+    <mc:Fallback>
+      <p:transition spd="slow"/>
+    </mc:Fallback>
+  </mc:AlternateContent>
   <p:timing>
     <p:tnLst>
       <p:par>
@@ -9536,7 +10233,6 @@
               <a:rPr lang="en-US" altLang="zh-CN" sz="1800" dirty="0" smtClean="0"/>
               <a:t>)</a:t>
             </a:r>
-            <a:endParaRPr lang="en-US" altLang="zh-CN" sz="1800" dirty="0" smtClean="0"/>
           </a:p>
           <a:p>
             <a:r>
@@ -9968,6 +10664,14 @@
   <p:clrMapOvr>
     <a:masterClrMapping/>
   </p:clrMapOvr>
+  <mc:AlternateContent xmlns:mc="http://schemas.openxmlformats.org/markup-compatibility/2006">
+    <mc:Choice xmlns:p14="http://schemas.microsoft.com/office/powerpoint/2010/main" Requires="p14">
+      <p:transition spd="slow" p14:dur="2000"/>
+    </mc:Choice>
+    <mc:Fallback>
+      <p:transition spd="slow"/>
+    </mc:Fallback>
+  </mc:AlternateContent>
   <p:timing>
     <p:tnLst>
       <p:par>
@@ -10043,12 +10747,12 @@
         <p:spPr>
           <a:xfrm>
             <a:off x="457200" y="908720"/>
-            <a:ext cx="8229600" cy="5544616"/>
+            <a:ext cx="7571184" cy="5544616"/>
           </a:xfrm>
         </p:spPr>
         <p:txBody>
           <a:bodyPr>
-            <a:normAutofit lnSpcReduction="10000"/>
+            <a:normAutofit/>
           </a:bodyPr>
           <a:lstStyle/>
           <a:p>
@@ -10061,11 +10765,7 @@
             </a:r>
             <a:r>
               <a:rPr lang="zh-CN" altLang="en-US" sz="1800" dirty="0" smtClean="0"/>
-              <a:t>  在</a:t>
-            </a:r>
-            <a:r>
-              <a:rPr lang="zh-CN" altLang="en-US" sz="1800" dirty="0" smtClean="0"/>
-              <a:t>继承父类的时候需要对父类的方法进行复写</a:t>
+              <a:t>  在继承父类的时候需要对父类的方法进行复写</a:t>
             </a:r>
             <a:r>
               <a:rPr lang="en-US" altLang="zh-CN" sz="1800" dirty="0" smtClean="0"/>
@@ -10085,7 +10785,11 @@
             </a:r>
             <a:r>
               <a:rPr lang="zh-CN" altLang="en-US" sz="1800" dirty="0" smtClean="0"/>
-              <a:t>的方法才能被复写</a:t>
+              <a:t>的类和方法</a:t>
+            </a:r>
+            <a:r>
+              <a:rPr lang="zh-CN" altLang="en-US" sz="1800" dirty="0" smtClean="0"/>
+              <a:t>才能被复写</a:t>
             </a:r>
             <a:r>
               <a:rPr lang="en-US" altLang="zh-CN" sz="1800" dirty="0" smtClean="0"/>
@@ -10127,9 +10831,6 @@
               <a:rPr lang="zh-CN" altLang="en-US" sz="1800" dirty="0" smtClean="0"/>
               <a:t>注解</a:t>
             </a:r>
-            <a:endParaRPr lang="en-US" altLang="zh-CN" sz="1800" dirty="0" smtClean="0"/>
-          </a:p>
-          <a:p>
             <a:endParaRPr lang="en-US" altLang="zh-CN" sz="1800" dirty="0"/>
           </a:p>
           <a:p>
@@ -10639,6 +11340,14 @@
   <p:clrMapOvr>
     <a:masterClrMapping/>
   </p:clrMapOvr>
+  <mc:AlternateContent xmlns:mc="http://schemas.openxmlformats.org/markup-compatibility/2006">
+    <mc:Choice xmlns:p14="http://schemas.microsoft.com/office/powerpoint/2010/main" Requires="p14">
+      <p:transition spd="slow" p14:dur="2000"/>
+    </mc:Choice>
+    <mc:Fallback>
+      <p:transition spd="slow"/>
+    </mc:Fallback>
+  </mc:AlternateContent>
   <p:timing>
     <p:tnLst>
       <p:par>
@@ -10714,16 +11423,16 @@
         <p:spPr>
           <a:xfrm>
             <a:off x="457200" y="908720"/>
-            <a:ext cx="8229600" cy="5328592"/>
+            <a:ext cx="7499176" cy="5616624"/>
           </a:xfrm>
         </p:spPr>
         <p:txBody>
           <a:bodyPr>
-            <a:normAutofit fontScale="85000" lnSpcReduction="10000"/>
+            <a:normAutofit fontScale="92500" lnSpcReduction="20000"/>
           </a:bodyPr>
           <a:lstStyle/>
           <a:p>
-            <a:pPr marL="342900" lvl="1" indent="-342900">
+            <a:pPr marL="182563" lvl="1" indent="-182563">
               <a:buFont typeface="Arial" pitchFamily="34" charset="0"/>
               <a:buChar char="•"/>
             </a:pPr>
@@ -10785,19 +11494,39 @@
             </a:r>
             <a:r>
               <a:rPr lang="zh-CN" altLang="en-US" sz="1800" dirty="0" smtClean="0"/>
-              <a:t>的因此可以被复写</a:t>
+              <a:t>的</a:t>
+            </a:r>
+            <a:r>
+              <a:rPr lang="en-US" altLang="zh-CN" sz="1800" dirty="0" smtClean="0"/>
+              <a:t>, </a:t>
+            </a:r>
+            <a:r>
+              <a:rPr lang="zh-CN" altLang="en-US" sz="1800" dirty="0" smtClean="0"/>
+              <a:t>因此</a:t>
+            </a:r>
+            <a:r>
+              <a:rPr lang="zh-CN" altLang="en-US" sz="1800" dirty="0" smtClean="0"/>
+              <a:t>可以</a:t>
+            </a:r>
+            <a:r>
+              <a:rPr lang="zh-CN" altLang="en-US" sz="1800" dirty="0" smtClean="0"/>
+              <a:t>被</a:t>
+            </a:r>
+            <a:r>
+              <a:rPr lang="zh-CN" altLang="en-US" sz="1800" dirty="0"/>
+              <a:t>继承</a:t>
             </a:r>
             <a:endParaRPr lang="en-US" altLang="zh-CN" sz="1800" dirty="0"/>
           </a:p>
           <a:p>
-            <a:pPr marL="342900" lvl="1" indent="-342900">
+            <a:pPr marL="182563" lvl="1" indent="-182563">
               <a:buFont typeface="Arial" pitchFamily="34" charset="0"/>
               <a:buChar char="•"/>
             </a:pPr>
             <a:endParaRPr lang="en-US" altLang="zh-CN" sz="1800" dirty="0" smtClean="0"/>
           </a:p>
           <a:p>
-            <a:pPr marL="342900" lvl="1" indent="-342900">
+            <a:pPr marL="182563" lvl="1" indent="-182563">
               <a:buFont typeface="Arial" pitchFamily="34" charset="0"/>
               <a:buChar char="•"/>
             </a:pPr>
@@ -10848,14 +11577,14 @@
             <a:endParaRPr lang="en-US" altLang="zh-CN" sz="1600" dirty="0" smtClean="0"/>
           </a:p>
           <a:p>
-            <a:pPr marL="342900" lvl="1" indent="-342900">
+            <a:pPr marL="182563" lvl="1" indent="-182563">
               <a:buFont typeface="Arial" pitchFamily="34" charset="0"/>
               <a:buChar char="•"/>
             </a:pPr>
             <a:endParaRPr lang="en-US" altLang="zh-CN" sz="1600" dirty="0" smtClean="0"/>
           </a:p>
           <a:p>
-            <a:pPr marL="342900" lvl="1" indent="-342900">
+            <a:pPr marL="182563" lvl="1" indent="-182563">
               <a:buFont typeface="Arial" pitchFamily="34" charset="0"/>
               <a:buChar char="•"/>
             </a:pPr>
@@ -11443,6 +12172,14 @@
   <p:clrMapOvr>
     <a:masterClrMapping/>
   </p:clrMapOvr>
+  <mc:AlternateContent xmlns:mc="http://schemas.openxmlformats.org/markup-compatibility/2006">
+    <mc:Choice xmlns:p14="http://schemas.microsoft.com/office/powerpoint/2010/main" Requires="p14">
+      <p:transition spd="slow" p14:dur="2000"/>
+    </mc:Choice>
+    <mc:Fallback>
+      <p:transition spd="slow"/>
+    </mc:Fallback>
+  </mc:AlternateContent>
   <p:timing>
     <p:tnLst>
       <p:par>
@@ -11518,6 +12255,14 @@
   <p:clrMapOvr>
     <a:masterClrMapping/>
   </p:clrMapOvr>
+  <mc:AlternateContent xmlns:mc="http://schemas.openxmlformats.org/markup-compatibility/2006">
+    <mc:Choice xmlns:p14="http://schemas.microsoft.com/office/powerpoint/2010/main" Requires="p14">
+      <p:transition spd="slow" p14:dur="2000"/>
+    </mc:Choice>
+    <mc:Fallback>
+      <p:transition spd="slow"/>
+    </mc:Fallback>
+  </mc:AlternateContent>
 </p:sld>
 </file>
 
@@ -11582,7 +12327,7 @@
         <p:spPr>
           <a:xfrm>
             <a:off x="457200" y="908720"/>
-            <a:ext cx="8229600" cy="5217443"/>
+            <a:ext cx="7715200" cy="5217443"/>
           </a:xfrm>
         </p:spPr>
         <p:txBody>
@@ -11609,7 +12354,31 @@
             </a:r>
             <a:r>
               <a:rPr lang="zh-CN" altLang="en-US" sz="1800" dirty="0"/>
-              <a:t>。它们都可以包含抽象方法，以及方法的实现。和抽象类不同的是，接口不能保存状态。可以有属性但必须是抽象的，或者提供访问器的实现。</a:t>
+              <a:t>。它们都可以包含抽象方法，以及方法的实现。和抽象类不同的是，接口不能保存状态。可以有属性</a:t>
+            </a:r>
+            <a:r>
+              <a:rPr lang="zh-CN" altLang="en-US" sz="1800" dirty="0" smtClean="0"/>
+              <a:t>但都是是</a:t>
+            </a:r>
+            <a:r>
+              <a:rPr lang="zh-CN" altLang="en-US" sz="1800" dirty="0"/>
+              <a:t>抽象的，或者提供访问</a:t>
+            </a:r>
+            <a:r>
+              <a:rPr lang="zh-CN" altLang="en-US" sz="1800" dirty="0" smtClean="0"/>
+              <a:t>器</a:t>
+            </a:r>
+            <a:r>
+              <a:rPr lang="en-US" altLang="zh-CN" sz="1800" dirty="0" smtClean="0"/>
+              <a:t>get()</a:t>
+            </a:r>
+            <a:r>
+              <a:rPr lang="zh-CN" altLang="en-US" sz="1800" dirty="0" smtClean="0"/>
+              <a:t>的</a:t>
+            </a:r>
+            <a:r>
+              <a:rPr lang="zh-CN" altLang="en-US" sz="1800" dirty="0"/>
+              <a:t>实现。</a:t>
             </a:r>
             <a:endParaRPr lang="en-US" altLang="zh-CN" sz="1800" dirty="0" smtClean="0">
               <a:solidFill>
@@ -12118,6 +12887,14 @@
   <p:clrMapOvr>
     <a:masterClrMapping/>
   </p:clrMapOvr>
+  <mc:AlternateContent xmlns:mc="http://schemas.openxmlformats.org/markup-compatibility/2006">
+    <mc:Choice xmlns:p14="http://schemas.microsoft.com/office/powerpoint/2010/main" Requires="p14">
+      <p:transition spd="slow" p14:dur="2000"/>
+    </mc:Choice>
+    <mc:Fallback>
+      <p:transition spd="slow"/>
+    </mc:Fallback>
+  </mc:AlternateContent>
   <p:timing>
     <p:tnLst>
       <p:par>
@@ -12189,7 +12966,7 @@
         <p:spPr>
           <a:xfrm>
             <a:off x="457200" y="908720"/>
-            <a:ext cx="8229600" cy="5217443"/>
+            <a:ext cx="7571184" cy="5472608"/>
           </a:xfrm>
         </p:spPr>
         <p:txBody>
@@ -12205,7 +12982,25 @@
                 </a:solidFill>
                 <a:latin typeface="LiberationMono"/>
               </a:rPr>
-              <a:t>比如设置一个</a:t>
+              <a:t>对于接口</a:t>
+            </a:r>
+            <a:r>
+              <a:rPr lang="en-US" altLang="zh-CN" sz="1800" dirty="0" smtClean="0">
+                <a:solidFill>
+                  <a:srgbClr val="000000"/>
+                </a:solidFill>
+                <a:latin typeface="LiberationMono"/>
+              </a:rPr>
+              <a:t>, </a:t>
+            </a:r>
+            <a:r>
+              <a:rPr lang="zh-CN" altLang="en-US" sz="1800" dirty="0" smtClean="0">
+                <a:solidFill>
+                  <a:srgbClr val="000000"/>
+                </a:solidFill>
+                <a:latin typeface="LiberationMono"/>
+              </a:rPr>
+              <a:t>比如</a:t>
             </a:r>
             <a:r>
               <a:rPr lang="en-US" altLang="zh-CN" sz="1800" dirty="0" err="1" smtClean="0">
@@ -12214,7 +13009,34 @@
                 </a:solidFill>
                 <a:latin typeface="LiberationMono"/>
               </a:rPr>
-              <a:t>onclickListner</a:t>
+              <a:t>View.onclickListner</a:t>
+            </a:r>
+            <a:r>
+              <a:rPr lang="en-US" altLang="zh-CN" sz="1800" dirty="0" smtClean="0">
+                <a:solidFill>
+                  <a:srgbClr val="000000"/>
+                </a:solidFill>
+                <a:latin typeface="LiberationMono"/>
+              </a:rPr>
+              <a:t> </a:t>
+            </a:r>
+            <a:r>
+              <a:rPr lang="zh-CN" altLang="en-US" sz="1800" dirty="0" smtClean="0">
+                <a:solidFill>
+                  <a:srgbClr val="000000"/>
+                </a:solidFill>
+                <a:latin typeface="LiberationMono"/>
+              </a:rPr>
+              <a:t>那么</a:t>
+            </a:r>
+            <a:r>
+              <a:rPr lang="en-US" altLang="zh-CN" sz="1800" dirty="0" err="1" smtClean="0">
+                <a:solidFill>
+                  <a:srgbClr val="000000"/>
+                </a:solidFill>
+                <a:latin typeface="LiberationMono"/>
+              </a:rPr>
+              <a:t>setListner</a:t>
             </a:r>
             <a:endParaRPr lang="en-US" altLang="zh-CN" sz="1800" dirty="0" smtClean="0">
               <a:solidFill>
@@ -12225,6 +13047,32 @@
           </a:p>
           <a:p>
             <a:r>
+              <a:rPr lang="en-US" altLang="zh-CN" sz="1800" dirty="0" smtClean="0">
+                <a:solidFill>
+                  <a:srgbClr val="000000"/>
+                </a:solidFill>
+                <a:latin typeface="LiberationMono"/>
+              </a:rPr>
+              <a:t>Java</a:t>
+            </a:r>
+            <a:r>
+              <a:rPr lang="zh-CN" altLang="en-US" sz="1800" dirty="0" smtClean="0">
+                <a:solidFill>
+                  <a:srgbClr val="000000"/>
+                </a:solidFill>
+                <a:latin typeface="LiberationMono"/>
+              </a:rPr>
+              <a:t>是这样的</a:t>
+            </a:r>
+            <a:endParaRPr lang="en-US" altLang="zh-CN" sz="1800" dirty="0" smtClean="0">
+              <a:solidFill>
+                <a:srgbClr val="000000"/>
+              </a:solidFill>
+              <a:latin typeface="LiberationMono"/>
+            </a:endParaRPr>
+          </a:p>
+          <a:p>
+            <a:r>
               <a:rPr lang="en-US" altLang="zh-CN" sz="1800" dirty="0" err="1" smtClean="0">
                 <a:solidFill>
                   <a:srgbClr val="000000"/>
@@ -12431,15 +13279,7 @@
                   <a:srgbClr val="000000"/>
                 </a:solidFill>
               </a:rPr>
-              <a:t> </a:t>
-            </a:r>
-            <a:r>
-              <a:rPr lang="en-US" altLang="zh-CN" sz="1800" dirty="0" smtClean="0">
-                <a:solidFill>
-                  <a:srgbClr val="000000"/>
-                </a:solidFill>
-              </a:rPr>
-              <a:t>}</a:t>
+              <a:t> }</a:t>
             </a:r>
             <a:r>
               <a:rPr lang="en-US" altLang="zh-CN" sz="1800" dirty="0">
@@ -12728,10 +13568,6 @@
               <a:rPr lang="en-US" altLang="zh-CN" sz="1800" dirty="0" smtClean="0"/>
               <a:t> </a:t>
             </a:r>
-            <a:endParaRPr lang="en-US" altLang="zh-CN" sz="1800" dirty="0" smtClean="0"/>
-          </a:p>
-          <a:p>
-            <a:endParaRPr lang="en-US" altLang="zh-CN" sz="1800" dirty="0" smtClean="0"/>
           </a:p>
           <a:p>
             <a:r>
@@ -12744,7 +13580,11 @@
             </a:r>
             <a:r>
               <a:rPr lang="zh-CN" altLang="en-US" sz="1800" dirty="0" smtClean="0"/>
-              <a:t>只有一个函数方法</a:t>
+              <a:t>因为只有一</a:t>
+            </a:r>
+            <a:r>
+              <a:rPr lang="zh-CN" altLang="en-US" sz="1800" dirty="0" smtClean="0"/>
+              <a:t>个函数方法</a:t>
             </a:r>
             <a:r>
               <a:rPr lang="en-US" altLang="zh-CN" sz="1800" dirty="0" smtClean="0"/>
@@ -12842,7 +13682,11 @@
           <a:p>
             <a:r>
               <a:rPr lang="zh-CN" altLang="en-US" sz="1800" dirty="0" smtClean="0"/>
-              <a:t>启动一个线程可以这样</a:t>
+              <a:t>同样启动</a:t>
+            </a:r>
+            <a:r>
+              <a:rPr lang="zh-CN" altLang="en-US" sz="1800" dirty="0" smtClean="0"/>
+              <a:t>一个线程可以这样</a:t>
             </a:r>
             <a:r>
               <a:rPr lang="en-US" altLang="zh-CN" sz="1800" dirty="0" smtClean="0"/>
@@ -12852,23 +13696,23 @@
           </a:p>
           <a:p>
             <a:r>
-              <a:rPr lang="en-US" altLang="zh-CN" sz="1600" dirty="0"/>
+              <a:rPr lang="en-US" altLang="zh-CN" sz="2000" dirty="0"/>
               <a:t>Thread(</a:t>
             </a:r>
             <a:r>
-              <a:rPr lang="en-US" altLang="zh-CN" sz="1600" b="1" dirty="0"/>
+              <a:rPr lang="en-US" altLang="zh-CN" sz="2000" b="1" dirty="0"/>
               <a:t>{</a:t>
             </a:r>
             <a:r>
-              <a:rPr lang="en-US" altLang="zh-CN" sz="1600" dirty="0" err="1"/>
+              <a:rPr lang="en-US" altLang="zh-CN" sz="2000" dirty="0" err="1"/>
               <a:t>Log.v</a:t>
             </a:r>
             <a:r>
-              <a:rPr lang="en-US" altLang="zh-CN" sz="1600" dirty="0"/>
+              <a:rPr lang="en-US" altLang="zh-CN" sz="2000" dirty="0"/>
               <a:t>(TAG</a:t>
             </a:r>
             <a:r>
-              <a:rPr lang="en-US" altLang="zh-CN" sz="1600" dirty="0">
+              <a:rPr lang="en-US" altLang="zh-CN" sz="2000" dirty="0">
                 <a:solidFill>
                   <a:srgbClr val="CC7832"/>
                 </a:solidFill>
@@ -12876,7 +13720,7 @@
               <a:t>, </a:t>
             </a:r>
             <a:r>
-              <a:rPr lang="en-US" altLang="zh-CN" sz="1600" dirty="0">
+              <a:rPr lang="en-US" altLang="zh-CN" sz="2000" dirty="0">
                 <a:solidFill>
                   <a:srgbClr val="6A8759"/>
                 </a:solidFill>
@@ -12884,18 +13728,18 @@
               <a:t>"message"</a:t>
             </a:r>
             <a:r>
-              <a:rPr lang="en-US" altLang="zh-CN" sz="1600" dirty="0"/>
+              <a:rPr lang="en-US" altLang="zh-CN" sz="2000" dirty="0"/>
               <a:t>)</a:t>
             </a:r>
             <a:r>
-              <a:rPr lang="en-US" altLang="zh-CN" sz="1600" b="1" dirty="0"/>
+              <a:rPr lang="en-US" altLang="zh-CN" sz="2000" b="1" dirty="0"/>
               <a:t>}</a:t>
             </a:r>
             <a:r>
-              <a:rPr lang="en-US" altLang="zh-CN" sz="1600" dirty="0"/>
+              <a:rPr lang="en-US" altLang="zh-CN" sz="2000" dirty="0"/>
               <a:t>).start() </a:t>
             </a:r>
-            <a:endParaRPr lang="zh-CN" altLang="en-US" sz="1800" dirty="0"/>
+            <a:endParaRPr lang="zh-CN" altLang="en-US" sz="2000" dirty="0"/>
           </a:p>
         </p:txBody>
       </p:sp>
@@ -12935,6 +13779,14 @@
   <p:clrMapOvr>
     <a:masterClrMapping/>
   </p:clrMapOvr>
+  <mc:AlternateContent xmlns:mc="http://schemas.openxmlformats.org/markup-compatibility/2006">
+    <mc:Choice xmlns:p14="http://schemas.microsoft.com/office/powerpoint/2010/main" Requires="p14">
+      <p:transition spd="slow" p14:dur="2000"/>
+    </mc:Choice>
+    <mc:Fallback>
+      <p:transition spd="slow"/>
+    </mc:Fallback>
+  </mc:AlternateContent>
   <p:timing>
     <p:tnLst>
       <p:par>
@@ -13008,6 +13860,14 @@
   <p:clrMapOvr>
     <a:masterClrMapping/>
   </p:clrMapOvr>
+  <mc:AlternateContent xmlns:mc="http://schemas.openxmlformats.org/markup-compatibility/2006">
+    <mc:Choice xmlns:p14="http://schemas.microsoft.com/office/powerpoint/2010/main" Requires="p14">
+      <p:transition spd="slow" p14:dur="2000"/>
+    </mc:Choice>
+    <mc:Fallback>
+      <p:transition spd="slow"/>
+    </mc:Fallback>
+  </mc:AlternateContent>
 </p:sld>
 </file>
 
@@ -13072,7 +13932,7 @@
         <p:spPr>
           <a:xfrm>
             <a:off x="457200" y="908720"/>
-            <a:ext cx="8229600" cy="5544616"/>
+            <a:ext cx="7787208" cy="5544616"/>
           </a:xfrm>
         </p:spPr>
         <p:txBody>
@@ -13082,58 +13942,58 @@
           <a:lstStyle/>
           <a:p>
             <a:r>
-              <a:rPr lang="en-US" altLang="zh-CN" sz="1800" dirty="0" err="1"/>
+              <a:rPr lang="en-US" altLang="zh-CN" dirty="0" err="1"/>
               <a:t>Kotlin</a:t>
             </a:r>
             <a:r>
-              <a:rPr lang="zh-CN" altLang="en-US" sz="1800" dirty="0"/>
+              <a:rPr lang="zh-CN" altLang="en-US" dirty="0"/>
               <a:t>的空安全设计对于声明可为空的参数，在使用时要进行空判断处理，有两种处理方式，字段后加</a:t>
             </a:r>
             <a:r>
-              <a:rPr lang="en-US" altLang="zh-CN" sz="1800" dirty="0"/>
+              <a:rPr lang="en-US" altLang="zh-CN" dirty="0"/>
               <a:t>!!</a:t>
             </a:r>
             <a:r>
-              <a:rPr lang="zh-CN" altLang="en-US" sz="1800" dirty="0"/>
+              <a:rPr lang="zh-CN" altLang="en-US" dirty="0"/>
               <a:t>像</a:t>
             </a:r>
             <a:r>
-              <a:rPr lang="en-US" altLang="zh-CN" sz="1800" dirty="0"/>
+              <a:rPr lang="en-US" altLang="zh-CN" dirty="0"/>
               <a:t>Java</a:t>
             </a:r>
             <a:r>
-              <a:rPr lang="zh-CN" altLang="en-US" sz="1800" dirty="0"/>
+              <a:rPr lang="zh-CN" altLang="en-US" dirty="0"/>
               <a:t>一样抛出空异常，另一种字段后加</a:t>
             </a:r>
             <a:r>
-              <a:rPr lang="en-US" altLang="zh-CN" sz="1800" dirty="0"/>
+              <a:rPr lang="en-US" altLang="zh-CN" dirty="0"/>
               <a:t>?</a:t>
             </a:r>
             <a:r>
-              <a:rPr lang="zh-CN" altLang="en-US" sz="1800" dirty="0"/>
+              <a:rPr lang="zh-CN" altLang="en-US" dirty="0"/>
               <a:t>可不做处理返回值为 </a:t>
             </a:r>
             <a:r>
-              <a:rPr lang="en-US" altLang="zh-CN" sz="1800" dirty="0"/>
+              <a:rPr lang="en-US" altLang="zh-CN" dirty="0"/>
               <a:t>null</a:t>
             </a:r>
             <a:r>
-              <a:rPr lang="zh-CN" altLang="en-US" sz="1800" dirty="0"/>
+              <a:rPr lang="zh-CN" altLang="en-US" dirty="0"/>
               <a:t>或配合</a:t>
             </a:r>
             <a:r>
-              <a:rPr lang="en-US" altLang="zh-CN" sz="1800" dirty="0"/>
+              <a:rPr lang="en-US" altLang="zh-CN" dirty="0"/>
               <a:t>?:</a:t>
             </a:r>
             <a:r>
-              <a:rPr lang="zh-CN" altLang="en-US" sz="1800" dirty="0"/>
+              <a:rPr lang="zh-CN" altLang="en-US" dirty="0"/>
               <a:t>做空判断</a:t>
             </a:r>
             <a:r>
-              <a:rPr lang="zh-CN" altLang="en-US" sz="1800" dirty="0" smtClean="0"/>
+              <a:rPr lang="zh-CN" altLang="en-US" dirty="0" smtClean="0"/>
               <a:t>处理</a:t>
             </a:r>
-            <a:endParaRPr lang="en-US" altLang="zh-CN" sz="1800" dirty="0" smtClean="0"/>
+            <a:endParaRPr lang="en-US" altLang="zh-CN" dirty="0" smtClean="0"/>
           </a:p>
           <a:p>
             <a:endParaRPr lang="en-US" altLang="zh-CN" sz="2000" dirty="0" smtClean="0">
@@ -13736,6 +14596,14 @@
   <p:clrMapOvr>
     <a:masterClrMapping/>
   </p:clrMapOvr>
+  <mc:AlternateContent xmlns:mc="http://schemas.openxmlformats.org/markup-compatibility/2006">
+    <mc:Choice xmlns:p14="http://schemas.microsoft.com/office/powerpoint/2010/main" Requires="p14">
+      <p:transition spd="slow" p14:dur="2000"/>
+    </mc:Choice>
+    <mc:Fallback>
+      <p:transition spd="slow"/>
+    </mc:Fallback>
+  </mc:AlternateContent>
   <p:timing>
     <p:tnLst>
       <p:par>
@@ -13809,6 +14677,14 @@
   <p:clrMapOvr>
     <a:masterClrMapping/>
   </p:clrMapOvr>
+  <mc:AlternateContent xmlns:mc="http://schemas.openxmlformats.org/markup-compatibility/2006">
+    <mc:Choice xmlns:p14="http://schemas.microsoft.com/office/powerpoint/2010/main" Requires="p14">
+      <p:transition spd="slow" p14:dur="2000"/>
+    </mc:Choice>
+    <mc:Fallback>
+      <p:transition spd="slow"/>
+    </mc:Fallback>
+  </mc:AlternateContent>
 </p:sld>
 </file>
 
@@ -13893,6 +14769,14 @@
   <p:clrMapOvr>
     <a:masterClrMapping/>
   </p:clrMapOvr>
+  <mc:AlternateContent xmlns:mc="http://schemas.openxmlformats.org/markup-compatibility/2006">
+    <mc:Choice xmlns:p14="http://schemas.microsoft.com/office/powerpoint/2010/main" Requires="p14">
+      <p:transition spd="slow" p14:dur="2000"/>
+    </mc:Choice>
+    <mc:Fallback>
+      <p:transition spd="slow"/>
+    </mc:Fallback>
+  </mc:AlternateContent>
 </p:sld>
 </file>
 
@@ -13941,8 +14825,16 @@
               <a:t>1 </a:t>
             </a:r>
             <a:r>
+              <a:rPr lang="en-US" altLang="zh-CN" sz="2400" dirty="0" smtClean="0"/>
+              <a:t>  </a:t>
+            </a:r>
+            <a:r>
               <a:rPr lang="zh-CN" altLang="en-US" sz="2400" dirty="0" smtClean="0"/>
-              <a:t>常用委托</a:t>
+              <a:t>常用</a:t>
+            </a:r>
+            <a:r>
+              <a:rPr lang="zh-CN" altLang="en-US" sz="2400" dirty="0" smtClean="0"/>
+              <a:t>委托</a:t>
             </a:r>
             <a:r>
               <a:rPr lang="zh-CN" altLang="en-US" sz="2400" dirty="0"/>
@@ -13965,172 +14857,173 @@
         <p:spPr>
           <a:xfrm>
             <a:off x="457200" y="908720"/>
-            <a:ext cx="8229600" cy="5832648"/>
+            <a:ext cx="7715200" cy="5832648"/>
           </a:xfrm>
         </p:spPr>
         <p:txBody>
           <a:bodyPr>
-            <a:normAutofit/>
+            <a:normAutofit lnSpcReduction="10000"/>
           </a:bodyPr>
           <a:lstStyle/>
           <a:p>
-            <a:r>
-              <a:rPr lang="en-US" altLang="zh-CN" sz="1600" dirty="0" smtClean="0"/>
+            <a:pPr marL="182563" indent="-95250"/>
+            <a:r>
+              <a:rPr lang="en-US" altLang="zh-CN" sz="1800" dirty="0" smtClean="0"/>
               <a:t>Android</a:t>
             </a:r>
             <a:r>
-              <a:rPr lang="zh-CN" altLang="en-US" sz="1600" dirty="0" smtClean="0"/>
+              <a:rPr lang="zh-CN" altLang="en-US" sz="1800" dirty="0" smtClean="0"/>
               <a:t>开发中经常使用一些不可变属性</a:t>
             </a:r>
             <a:r>
-              <a:rPr lang="en-US" altLang="zh-CN" sz="1600" dirty="0" smtClean="0"/>
+              <a:rPr lang="en-US" altLang="zh-CN" sz="1800" dirty="0" smtClean="0"/>
               <a:t>,</a:t>
             </a:r>
             <a:r>
-              <a:rPr lang="zh-CN" altLang="en-US" sz="1600" dirty="0" smtClean="0"/>
+              <a:rPr lang="zh-CN" altLang="en-US" sz="1800" dirty="0" smtClean="0"/>
               <a:t> </a:t>
             </a:r>
             <a:r>
-              <a:rPr lang="en-US" altLang="zh-CN" sz="1600" dirty="0" smtClean="0"/>
+              <a:rPr lang="en-US" altLang="zh-CN" sz="1800" dirty="0" smtClean="0"/>
               <a:t>java</a:t>
             </a:r>
             <a:r>
-              <a:rPr lang="zh-CN" altLang="en-US" sz="1600" dirty="0" smtClean="0"/>
+              <a:rPr lang="zh-CN" altLang="en-US" sz="1800" dirty="0" smtClean="0"/>
               <a:t>使用</a:t>
             </a:r>
             <a:r>
-              <a:rPr lang="en-US" altLang="zh-CN" sz="1600" dirty="0" smtClean="0"/>
+              <a:rPr lang="en-US" altLang="zh-CN" sz="1800" dirty="0" smtClean="0"/>
               <a:t>final</a:t>
             </a:r>
             <a:r>
-              <a:rPr lang="zh-CN" altLang="en-US" sz="1600" dirty="0" smtClean="0"/>
+              <a:rPr lang="zh-CN" altLang="en-US" sz="1800" dirty="0" smtClean="0"/>
               <a:t>修饰</a:t>
             </a:r>
             <a:r>
-              <a:rPr lang="en-US" altLang="zh-CN" sz="1600" dirty="0" smtClean="0"/>
+              <a:rPr lang="en-US" altLang="zh-CN" sz="1800" dirty="0" smtClean="0"/>
               <a:t>,</a:t>
             </a:r>
             <a:r>
-              <a:rPr lang="zh-CN" altLang="en-US" sz="1600" dirty="0" smtClean="0"/>
+              <a:rPr lang="zh-CN" altLang="en-US" sz="1800" dirty="0" smtClean="0"/>
               <a:t> </a:t>
             </a:r>
             <a:r>
-              <a:rPr lang="en-US" altLang="zh-CN" sz="1600" dirty="0" err="1" smtClean="0"/>
+              <a:rPr lang="en-US" altLang="zh-CN" sz="1800" dirty="0" err="1" smtClean="0"/>
               <a:t>kotlin</a:t>
             </a:r>
             <a:r>
-              <a:rPr lang="zh-CN" altLang="en-US" sz="1600" dirty="0" smtClean="0"/>
+              <a:rPr lang="zh-CN" altLang="en-US" sz="1800" dirty="0" smtClean="0"/>
               <a:t>则使用</a:t>
             </a:r>
             <a:r>
-              <a:rPr lang="en-US" altLang="zh-CN" sz="1600" dirty="0" smtClean="0"/>
+              <a:rPr lang="en-US" altLang="zh-CN" sz="1800" dirty="0" smtClean="0"/>
               <a:t>val.</a:t>
             </a:r>
             <a:r>
-              <a:rPr lang="zh-CN" altLang="en-US" sz="1600" dirty="0" smtClean="0"/>
+              <a:rPr lang="zh-CN" altLang="en-US" sz="1800" dirty="0" smtClean="0"/>
               <a:t>  但是</a:t>
             </a:r>
             <a:r>
-              <a:rPr lang="en-US" altLang="zh-CN" sz="1600" dirty="0" smtClean="0"/>
+              <a:rPr lang="en-US" altLang="zh-CN" sz="1800" dirty="0" smtClean="0"/>
               <a:t>android</a:t>
             </a:r>
             <a:r>
-              <a:rPr lang="zh-CN" altLang="en-US" sz="1600" dirty="0" smtClean="0"/>
+              <a:rPr lang="zh-CN" altLang="en-US" sz="1800" dirty="0" smtClean="0"/>
               <a:t>中很多的类如</a:t>
             </a:r>
             <a:r>
-              <a:rPr lang="en-US" altLang="zh-CN" sz="1600" dirty="0" smtClean="0"/>
+              <a:rPr lang="en-US" altLang="zh-CN" sz="1800" dirty="0" smtClean="0"/>
               <a:t>Activity,</a:t>
             </a:r>
             <a:r>
-              <a:rPr lang="zh-CN" altLang="en-US" sz="1600" dirty="0" smtClean="0"/>
+              <a:rPr lang="zh-CN" altLang="en-US" sz="1800" dirty="0" smtClean="0"/>
               <a:t>  </a:t>
             </a:r>
             <a:r>
-              <a:rPr lang="en-US" altLang="zh-CN" sz="1600" dirty="0" err="1" smtClean="0"/>
+              <a:rPr lang="en-US" altLang="zh-CN" sz="1800" dirty="0" err="1" smtClean="0"/>
               <a:t>Applicatin</a:t>
             </a:r>
             <a:r>
-              <a:rPr lang="zh-CN" altLang="en-US" sz="1600" dirty="0" smtClean="0"/>
+              <a:rPr lang="zh-CN" altLang="en-US" sz="1800" dirty="0" smtClean="0"/>
               <a:t>需要在</a:t>
             </a:r>
             <a:r>
-              <a:rPr lang="en-US" altLang="zh-CN" sz="1600" dirty="0" err="1" smtClean="0"/>
+              <a:rPr lang="en-US" altLang="zh-CN" sz="1800" dirty="0" err="1" smtClean="0"/>
               <a:t>onCreate</a:t>
             </a:r>
             <a:r>
-              <a:rPr lang="en-US" altLang="zh-CN" sz="1600" dirty="0" smtClean="0"/>
+              <a:rPr lang="en-US" altLang="zh-CN" sz="1800" dirty="0" smtClean="0"/>
               <a:t>()</a:t>
             </a:r>
             <a:r>
-              <a:rPr lang="zh-CN" altLang="en-US" sz="1600" dirty="0" smtClean="0"/>
+              <a:rPr lang="zh-CN" altLang="en-US" sz="1800" dirty="0" smtClean="0"/>
               <a:t>之后需要初始化</a:t>
             </a:r>
             <a:r>
-              <a:rPr lang="en-US" altLang="zh-CN" sz="1600" dirty="0" smtClean="0"/>
+              <a:rPr lang="en-US" altLang="zh-CN" sz="1800" dirty="0" smtClean="0"/>
               <a:t>,</a:t>
             </a:r>
             <a:r>
-              <a:rPr lang="zh-CN" altLang="en-US" sz="1600" dirty="0" smtClean="0"/>
+              <a:rPr lang="zh-CN" altLang="en-US" sz="1800" dirty="0" smtClean="0"/>
               <a:t> 比如一个</a:t>
             </a:r>
             <a:r>
-              <a:rPr lang="en-US" altLang="zh-CN" sz="1600" dirty="0" smtClean="0"/>
+              <a:rPr lang="en-US" altLang="zh-CN" sz="1800" dirty="0" smtClean="0"/>
               <a:t>activity</a:t>
             </a:r>
             <a:r>
-              <a:rPr lang="zh-CN" altLang="en-US" sz="1600" dirty="0" smtClean="0"/>
+              <a:rPr lang="zh-CN" altLang="en-US" sz="1800" dirty="0" smtClean="0"/>
               <a:t>中的</a:t>
             </a:r>
             <a:r>
-              <a:rPr lang="en-US" altLang="zh-CN" sz="1600" dirty="0" err="1" smtClean="0"/>
+              <a:rPr lang="en-US" altLang="zh-CN" sz="1800" dirty="0" err="1" smtClean="0"/>
               <a:t>TextView</a:t>
             </a:r>
             <a:r>
-              <a:rPr lang="zh-CN" altLang="en-US" sz="1600" dirty="0" smtClean="0"/>
+              <a:rPr lang="zh-CN" altLang="en-US" sz="1800" dirty="0" smtClean="0"/>
               <a:t> 需要</a:t>
             </a:r>
             <a:r>
-              <a:rPr lang="en-US" altLang="zh-CN" sz="1600" dirty="0" err="1" smtClean="0"/>
+              <a:rPr lang="en-US" altLang="zh-CN" sz="1800" dirty="0" err="1" smtClean="0"/>
               <a:t>setContentView</a:t>
             </a:r>
             <a:r>
-              <a:rPr lang="zh-CN" altLang="en-US" sz="1600" dirty="0" smtClean="0"/>
+              <a:rPr lang="zh-CN" altLang="en-US" sz="1800" dirty="0" smtClean="0"/>
               <a:t>之后才能</a:t>
             </a:r>
             <a:r>
-              <a:rPr lang="en-US" altLang="zh-CN" sz="1600" dirty="0" err="1" smtClean="0"/>
+              <a:rPr lang="en-US" altLang="zh-CN" sz="1800" dirty="0" err="1" smtClean="0"/>
               <a:t>findViewById</a:t>
             </a:r>
             <a:r>
-              <a:rPr lang="en-US" altLang="zh-CN" sz="1600" dirty="0" smtClean="0"/>
+              <a:rPr lang="en-US" altLang="zh-CN" sz="1800" dirty="0" smtClean="0"/>
               <a:t>.</a:t>
             </a:r>
             <a:r>
-              <a:rPr lang="zh-CN" altLang="en-US" sz="1600" dirty="0" smtClean="0"/>
+              <a:rPr lang="zh-CN" altLang="en-US" sz="1800" dirty="0" smtClean="0"/>
               <a:t>  于是在</a:t>
             </a:r>
             <a:r>
-              <a:rPr lang="en-US" altLang="zh-CN" sz="1600" dirty="0" err="1" smtClean="0"/>
+              <a:rPr lang="en-US" altLang="zh-CN" sz="1800" dirty="0" err="1" smtClean="0"/>
               <a:t>kotlin</a:t>
             </a:r>
             <a:r>
-              <a:rPr lang="zh-CN" altLang="en-US" sz="1600" dirty="0" smtClean="0"/>
+              <a:rPr lang="zh-CN" altLang="en-US" sz="1800" dirty="0" smtClean="0"/>
               <a:t>中就可以使用委托属性进行延时加载</a:t>
             </a:r>
             <a:r>
-              <a:rPr lang="en-US" altLang="zh-CN" sz="1600" dirty="0" smtClean="0"/>
+              <a:rPr lang="en-US" altLang="zh-CN" sz="1800" dirty="0" smtClean="0"/>
               <a:t>.</a:t>
             </a:r>
             <a:r>
-              <a:rPr lang="zh-CN" altLang="en-US" sz="1600" dirty="0" smtClean="0"/>
+              <a:rPr lang="zh-CN" altLang="en-US" sz="1800" dirty="0" smtClean="0"/>
               <a:t> 用到时加载如下</a:t>
             </a:r>
             <a:r>
-              <a:rPr lang="en-US" altLang="zh-CN" sz="1600" dirty="0" smtClean="0"/>
+              <a:rPr lang="en-US" altLang="zh-CN" sz="1800" dirty="0" smtClean="0"/>
               <a:t>:</a:t>
             </a:r>
-            <a:endParaRPr lang="en-US" altLang="zh-CN" sz="1600" dirty="0"/>
+            <a:endParaRPr lang="en-US" altLang="zh-CN" sz="1800" dirty="0"/>
           </a:p>
           <a:p>
             <a:r>
@@ -14593,7 +15486,15 @@
                   <a:srgbClr val="808080"/>
                 </a:solidFill>
               </a:rPr>
-              <a:t>的语句</a:t>
+              <a:t>的</a:t>
+            </a:r>
+            <a:r>
+              <a:rPr lang="zh-CN" altLang="en-US" sz="1800" dirty="0" smtClean="0">
+                <a:solidFill>
+                  <a:srgbClr val="808080"/>
+                </a:solidFill>
+              </a:rPr>
+              <a:t>语句</a:t>
             </a:r>
             <a:r>
               <a:rPr lang="en-US" altLang="zh-CN" sz="1800" dirty="0" smtClean="0">
@@ -14601,7 +15502,7 @@
                   <a:srgbClr val="808080"/>
                 </a:solidFill>
               </a:rPr>
-              <a:t>				</a:t>
+              <a:t>	</a:t>
             </a:r>
             <a:r>
               <a:rPr lang="en-US" altLang="zh-CN" sz="1800" dirty="0">
@@ -14650,6 +15551,7 @@
             </a:r>
           </a:p>
           <a:p>
+            <a:pPr marL="228600"/>
             <a:r>
               <a:rPr lang="zh-CN" altLang="en-US" sz="1800" dirty="0" smtClean="0"/>
               <a:t>对于可变属性使用</a:t>
@@ -14657,6 +15559,7 @@
             <a:endParaRPr lang="en-US" altLang="zh-CN" sz="1800" dirty="0" smtClean="0"/>
           </a:p>
           <a:p>
+            <a:pPr marL="228600"/>
             <a:r>
               <a:rPr lang="en-US" altLang="zh-CN" sz="1800" dirty="0" smtClean="0"/>
               <a:t>by</a:t>
@@ -14688,6 +15591,7 @@
             <a:endParaRPr lang="en-US" altLang="zh-CN" sz="1800" dirty="0" smtClean="0"/>
           </a:p>
           <a:p>
+            <a:pPr marL="228600"/>
             <a:r>
               <a:rPr lang="en-US" altLang="zh-CN" sz="1800" dirty="0" smtClean="0"/>
               <a:t>by</a:t>
@@ -14731,6 +15635,7 @@
             <a:endParaRPr lang="en-US" altLang="zh-CN" sz="1800" dirty="0" smtClean="0"/>
           </a:p>
           <a:p>
+            <a:pPr marL="228600"/>
             <a:r>
               <a:rPr lang="en-US" altLang="zh-CN" sz="1800" dirty="0" smtClean="0"/>
               <a:t>by</a:t>
@@ -14792,6 +15697,14 @@
   <p:clrMapOvr>
     <a:masterClrMapping/>
   </p:clrMapOvr>
+  <mc:AlternateContent xmlns:mc="http://schemas.openxmlformats.org/markup-compatibility/2006">
+    <mc:Choice xmlns:p14="http://schemas.microsoft.com/office/powerpoint/2010/main" Requires="p14">
+      <p:transition spd="slow" p14:dur="2000"/>
+    </mc:Choice>
+    <mc:Fallback>
+      <p:transition spd="slow"/>
+    </mc:Fallback>
+  </mc:AlternateContent>
   <p:timing>
     <p:tnLst>
       <p:par>
@@ -14844,11 +15757,19 @@
             <a:pPr algn="l"/>
             <a:r>
               <a:rPr lang="en-US" altLang="zh-CN" sz="2800" dirty="0" smtClean="0"/>
-              <a:t>2 Map</a:t>
+              <a:t>2 </a:t>
+            </a:r>
+            <a:r>
+              <a:rPr lang="en-US" altLang="zh-CN" sz="2800" dirty="0" smtClean="0"/>
+              <a:t>  Map</a:t>
             </a:r>
             <a:r>
               <a:rPr lang="zh-CN" altLang="en-US" sz="2800" dirty="0" smtClean="0"/>
-              <a:t> 映射值的属性委托</a:t>
+              <a:t> </a:t>
+            </a:r>
+            <a:r>
+              <a:rPr lang="zh-CN" altLang="en-US" sz="2800" dirty="0" smtClean="0"/>
+              <a:t>映射值的属性委托</a:t>
             </a:r>
             <a:endParaRPr lang="zh-CN" altLang="en-US" sz="2800" dirty="0"/>
           </a:p>
@@ -14867,7 +15788,7 @@
         <p:spPr>
           <a:xfrm>
             <a:off x="457200" y="908720"/>
-            <a:ext cx="8229600" cy="5688632"/>
+            <a:ext cx="7859216" cy="5688632"/>
           </a:xfrm>
         </p:spPr>
         <p:txBody>
@@ -14882,8 +15803,25 @@
             </a:r>
             <a:r>
               <a:rPr lang="en-US" altLang="zh-CN" sz="1800" dirty="0" smtClean="0"/>
-              <a:t>map</a:t>
-            </a:r>
+              <a:t>map, ( </a:t>
+            </a:r>
+            <a:r>
+              <a:rPr lang="zh-CN" altLang="en-US" sz="1800" dirty="0" smtClean="0"/>
+              <a:t>我们经常由</a:t>
+            </a:r>
+            <a:r>
+              <a:rPr lang="en-US" altLang="zh-CN" sz="1800" dirty="0" err="1" smtClean="0"/>
+              <a:t>json</a:t>
+            </a:r>
+            <a:r>
+              <a:rPr lang="zh-CN" altLang="en-US" sz="1800" dirty="0" smtClean="0"/>
+              <a:t>来得到一个</a:t>
+            </a:r>
+            <a:r>
+              <a:rPr lang="en-US" altLang="zh-CN" sz="1800" dirty="0" smtClean="0"/>
+              <a:t>map)</a:t>
+            </a:r>
+            <a:endParaRPr lang="en-US" altLang="zh-CN" sz="1800" dirty="0" smtClean="0"/>
           </a:p>
           <a:p>
             <a:r>
@@ -15234,7 +16172,19 @@
             </a:r>
             <a:r>
               <a:rPr lang="zh-CN" altLang="en-US" sz="1800" dirty="0" smtClean="0"/>
-              <a:t> 同事可以以此</a:t>
+              <a:t> </a:t>
+            </a:r>
+            <a:r>
+              <a:rPr lang="zh-CN" altLang="en-US" sz="1800" dirty="0"/>
+              <a:t>同时</a:t>
+            </a:r>
+            <a:r>
+              <a:rPr lang="zh-CN" altLang="en-US" sz="1800" dirty="0" smtClean="0"/>
+              <a:t>可以</a:t>
+            </a:r>
+            <a:r>
+              <a:rPr lang="zh-CN" altLang="en-US" sz="1800" dirty="0" smtClean="0"/>
+              <a:t>以此</a:t>
             </a:r>
             <a:r>
               <a:rPr lang="en-US" altLang="zh-CN" sz="1800" dirty="0" smtClean="0"/>
@@ -15594,15 +16544,11 @@
           <a:p>
             <a:r>
               <a:rPr lang="zh-CN" altLang="en-US" sz="1800" dirty="0" smtClean="0"/>
-              <a:t>于是就可以讲</a:t>
-            </a:r>
-            <a:r>
-              <a:rPr lang="en-US" altLang="zh-CN" sz="1800" dirty="0" err="1" smtClean="0"/>
-              <a:t>json</a:t>
+              <a:t>于是就</a:t>
             </a:r>
             <a:r>
               <a:rPr lang="zh-CN" altLang="en-US" sz="1800" dirty="0" smtClean="0"/>
-              <a:t>转化的</a:t>
+              <a:t>可以将</a:t>
             </a:r>
             <a:r>
               <a:rPr lang="en-US" altLang="zh-CN" sz="1800" dirty="0" smtClean="0"/>
@@ -15618,56 +16564,81 @@
             </a:r>
             <a:r>
               <a:rPr lang="zh-CN" altLang="en-US" sz="1800" dirty="0" smtClean="0"/>
-              <a:t> 生成相应类实例</a:t>
-            </a:r>
-            <a:r>
-              <a:rPr lang="en-US" altLang="zh-CN" sz="1800" dirty="0" smtClean="0"/>
-              <a:t>,</a:t>
+              <a:t> 生成相应类</a:t>
             </a:r>
             <a:r>
               <a:rPr lang="zh-CN" altLang="en-US" sz="1800" dirty="0" smtClean="0"/>
-              <a:t> 注意这里</a:t>
-            </a:r>
+              <a:t>实例</a:t>
+            </a:r>
+            <a:endParaRPr lang="en-US" altLang="zh-CN" sz="1800" dirty="0" smtClean="0"/>
+          </a:p>
+          <a:p>
             <a:r>
               <a:rPr lang="en-US" altLang="zh-CN" sz="1800" dirty="0" err="1" smtClean="0"/>
               <a:t>var</a:t>
             </a:r>
             <a:r>
-              <a:rPr lang="zh-CN" altLang="en-US" sz="1800" dirty="0" smtClean="0"/>
-              <a:t> </a:t>
-            </a:r>
-            <a:r>
-              <a:rPr lang="en-US" altLang="zh-CN" sz="1800" dirty="0" err="1" smtClean="0"/>
-              <a:t>mapParam</a:t>
-            </a:r>
-            <a:r>
-              <a:rPr lang="zh-CN" altLang="en-US" sz="1800" dirty="0" smtClean="0"/>
-              <a:t>带着</a:t>
-            </a:r>
-            <a:r>
-              <a:rPr lang="en-US" altLang="zh-CN" sz="1800" dirty="0" err="1" smtClean="0"/>
-              <a:t>var</a:t>
-            </a:r>
-            <a:r>
-              <a:rPr lang="zh-CN" altLang="en-US" sz="1800" dirty="0" smtClean="0"/>
-              <a:t>就是</a:t>
+              <a:rPr lang="en-US" altLang="zh-CN" sz="1800" dirty="0" smtClean="0"/>
+              <a:t> result = </a:t>
             </a:r>
             <a:r>
               <a:rPr lang="en-US" altLang="zh-CN" sz="1800" dirty="0" err="1" smtClean="0"/>
               <a:t>MapTest</a:t>
             </a:r>
             <a:r>
+              <a:rPr lang="en-US" altLang="zh-CN" sz="1800" dirty="0" smtClean="0"/>
+              <a:t>(map)</a:t>
+            </a:r>
+            <a:r>
+              <a:rPr lang="en-US" altLang="zh-CN" sz="1800" dirty="0"/>
+              <a:t> </a:t>
+            </a:r>
+            <a:endParaRPr lang="en-US" altLang="zh-CN" sz="1800" dirty="0" smtClean="0"/>
+          </a:p>
+          <a:p>
+            <a:r>
               <a:rPr lang="zh-CN" altLang="en-US" sz="1800" dirty="0" smtClean="0"/>
+              <a:t>注意这里</a:t>
+            </a:r>
+            <a:r>
+              <a:rPr lang="en-US" altLang="zh-CN" sz="1800" dirty="0" err="1" smtClean="0"/>
+              <a:t>MapTest</a:t>
+            </a:r>
+            <a:r>
+              <a:rPr lang="zh-CN" altLang="en-US" sz="1800" dirty="0" smtClean="0"/>
+              <a:t>参数带</a:t>
+            </a:r>
+            <a:r>
+              <a:rPr lang="zh-CN" altLang="en-US" sz="1800" dirty="0"/>
+              <a:t>着</a:t>
+            </a:r>
+            <a:r>
+              <a:rPr lang="en-US" altLang="zh-CN" sz="1800" dirty="0" err="1"/>
+              <a:t>var</a:t>
+            </a:r>
+            <a:r>
+              <a:rPr lang="zh-CN" altLang="en-US" sz="1800" dirty="0"/>
+              <a:t>就是</a:t>
+            </a:r>
+            <a:r>
+              <a:rPr lang="en-US" altLang="zh-CN" sz="1800" dirty="0" err="1"/>
+              <a:t>MapTest</a:t>
+            </a:r>
+            <a:r>
+              <a:rPr lang="zh-CN" altLang="en-US" sz="1800" dirty="0"/>
               <a:t>的属性</a:t>
             </a:r>
             <a:r>
-              <a:rPr lang="en-US" altLang="zh-CN" sz="1800" dirty="0" smtClean="0"/>
+              <a:rPr lang="en-US" altLang="zh-CN" sz="1800" dirty="0"/>
               <a:t>,</a:t>
             </a:r>
             <a:r>
-              <a:rPr lang="zh-CN" altLang="en-US" sz="1800" dirty="0" smtClean="0"/>
+              <a:rPr lang="zh-CN" altLang="en-US" sz="1800" dirty="0"/>
               <a:t> 否则只是一个参数而已</a:t>
             </a:r>
+            <a:endParaRPr lang="en-US" altLang="zh-CN" sz="1800" dirty="0"/>
+          </a:p>
+          <a:p>
             <a:endParaRPr lang="zh-CN" altLang="en-US" sz="1800" dirty="0"/>
           </a:p>
         </p:txBody>
@@ -15682,6 +16653,14 @@
   <p:clrMapOvr>
     <a:masterClrMapping/>
   </p:clrMapOvr>
+  <mc:AlternateContent xmlns:mc="http://schemas.openxmlformats.org/markup-compatibility/2006">
+    <mc:Choice xmlns:p14="http://schemas.microsoft.com/office/powerpoint/2010/main" Requires="p14">
+      <p:transition spd="slow" p14:dur="2000"/>
+    </mc:Choice>
+    <mc:Fallback>
+      <p:transition spd="slow"/>
+    </mc:Fallback>
+  </mc:AlternateContent>
   <p:timing>
     <p:tnLst>
       <p:par>
@@ -15734,7 +16713,7 @@
             <a:pPr algn="l"/>
             <a:r>
               <a:rPr lang="en-US" altLang="zh-CN" sz="2800" dirty="0" smtClean="0"/>
-              <a:t>3 </a:t>
+              <a:t>3   </a:t>
             </a:r>
             <a:r>
               <a:rPr lang="zh-CN" altLang="en-US" sz="2800" dirty="0" smtClean="0"/>
@@ -15757,7 +16736,7 @@
         <p:spPr>
           <a:xfrm>
             <a:off x="457200" y="908720"/>
-            <a:ext cx="8229600" cy="5217443"/>
+            <a:ext cx="7499176" cy="5217443"/>
           </a:xfrm>
         </p:spPr>
         <p:txBody>
@@ -15768,6 +16747,14 @@
           <a:p>
             <a:r>
               <a:rPr lang="en-US" altLang="zh-CN" sz="1800" dirty="0" err="1" smtClean="0"/>
+              <a:t>Kotlin</a:t>
+            </a:r>
+            <a:r>
+              <a:rPr lang="zh-CN" altLang="en-US" sz="1800" dirty="0" smtClean="0"/>
+              <a:t>让开发者继承</a:t>
+            </a:r>
+            <a:r>
+              <a:rPr lang="en-US" altLang="zh-CN" sz="1800" dirty="0" err="1" smtClean="0"/>
               <a:t>ReadOnlyProperty</a:t>
             </a:r>
             <a:r>
@@ -15782,11 +16769,17 @@
               <a:rPr lang="en-US" altLang="zh-CN" sz="1800" dirty="0"/>
               <a:t> </a:t>
             </a:r>
-          </a:p>
-          <a:p>
             <a:r>
               <a:rPr lang="zh-CN" altLang="en-US" sz="1800" dirty="0" smtClean="0"/>
-              <a:t>自己实现自定义委托则要实现以上两个接口</a:t>
+              <a:t>两个接口实现</a:t>
+            </a:r>
+            <a:r>
+              <a:rPr lang="zh-CN" altLang="en-US" sz="1800" dirty="0" smtClean="0"/>
+              <a:t>自定义</a:t>
+            </a:r>
+            <a:r>
+              <a:rPr lang="zh-CN" altLang="en-US" sz="1800" dirty="0" smtClean="0"/>
+              <a:t>委托</a:t>
             </a:r>
             <a:r>
               <a:rPr lang="en-US" altLang="zh-CN" sz="1800" dirty="0" smtClean="0"/>
@@ -15794,11 +16787,7 @@
             </a:r>
             <a:r>
               <a:rPr lang="zh-CN" altLang="en-US" sz="1800" dirty="0" smtClean="0"/>
-              <a:t> </a:t>
-            </a:r>
-            <a:r>
-              <a:rPr lang="zh-CN" altLang="en-US" sz="1800" dirty="0"/>
-              <a:t> </a:t>
+              <a:t>  </a:t>
             </a:r>
             <a:r>
               <a:rPr lang="zh-CN" altLang="en-US" sz="1800" dirty="0" smtClean="0"/>
@@ -15820,6 +16809,25 @@
           </a:p>
           <a:p>
             <a:r>
+              <a:rPr lang="en-US" altLang="zh-CN" sz="1800" dirty="0" smtClean="0"/>
+              <a:t>//</a:t>
+            </a:r>
+            <a:r>
+              <a:rPr lang="zh-CN" altLang="en-US" sz="1800" dirty="0" smtClean="0"/>
+              <a:t>比如  </a:t>
+            </a:r>
+            <a:r>
+              <a:rPr lang="en-US" altLang="zh-CN" sz="1800" dirty="0" err="1" smtClean="0"/>
+              <a:t>var</a:t>
+            </a:r>
+            <a:r>
+              <a:rPr lang="zh-CN" altLang="en-US" sz="1800" dirty="0" smtClean="0"/>
+              <a:t>委托</a:t>
+            </a:r>
+            <a:endParaRPr lang="en-US" altLang="zh-CN" sz="1800" dirty="0" smtClean="0"/>
+          </a:p>
+          <a:p>
+            <a:r>
               <a:rPr lang="en-US" altLang="zh-CN" sz="1800" dirty="0">
                 <a:solidFill>
                   <a:srgbClr val="CC7832"/>
@@ -16067,7 +17075,7 @@
           <a:p>
             <a:r>
               <a:rPr lang="zh-CN" altLang="en-US" sz="1800" dirty="0" smtClean="0"/>
-              <a:t>定义</a:t>
+              <a:t>然后再定义</a:t>
             </a:r>
             <a:r>
               <a:rPr lang="zh-CN" altLang="en-US" sz="1800" dirty="0"/>
@@ -16180,7 +17188,11 @@
             </a:r>
             <a:r>
               <a:rPr lang="en-US" altLang="zh-CN" sz="1800" dirty="0" err="1"/>
-              <a:t>MyDelegates</a:t>
+              <a:t>m</a:t>
+            </a:r>
+            <a:r>
+              <a:rPr lang="en-US" altLang="zh-CN" sz="1800" dirty="0" err="1" smtClean="0"/>
+              <a:t>yDelegates</a:t>
             </a:r>
             <a:r>
               <a:rPr lang="en-US" altLang="zh-CN" sz="1800" dirty="0"/>
@@ -16228,35 +17240,38 @@
             </a:r>
             <a:r>
               <a:rPr lang="zh-CN" altLang="en-US" sz="1800" dirty="0" smtClean="0"/>
-              <a:t>方法里面自定义赋值的操作</a:t>
+              <a:t>方法里面</a:t>
+            </a:r>
+            <a:r>
+              <a:rPr lang="zh-CN" altLang="en-US" sz="1800" dirty="0" smtClean="0"/>
+              <a:t>自定义</a:t>
+            </a:r>
+            <a:r>
+              <a:rPr lang="zh-CN" altLang="en-US" sz="1800" dirty="0" smtClean="0"/>
+              <a:t>属性初始化时</a:t>
+            </a:r>
+            <a:r>
+              <a:rPr lang="zh-CN" altLang="en-US" sz="1800" dirty="0" smtClean="0"/>
+              <a:t>的操作</a:t>
+            </a:r>
+            <a:endParaRPr lang="en-US" altLang="zh-CN" sz="1800" dirty="0" smtClean="0"/>
+          </a:p>
+          <a:p>
+            <a:r>
+              <a:rPr lang="en-US" altLang="zh-CN" sz="1800" dirty="0" err="1" smtClean="0"/>
+              <a:t>var</a:t>
             </a:r>
             <a:r>
               <a:rPr lang="en-US" altLang="zh-CN" sz="1800" dirty="0" smtClean="0"/>
-              <a:t>,</a:t>
-            </a:r>
-            <a:r>
-              <a:rPr lang="zh-CN" altLang="en-US" sz="1800" dirty="0" smtClean="0"/>
-              <a:t> 基本上是对</a:t>
-            </a:r>
-            <a:r>
-              <a:rPr lang="en-US" altLang="zh-CN" sz="1800" dirty="0" err="1"/>
-              <a:t>Delegates.vetoable</a:t>
-            </a:r>
-            <a:r>
-              <a:rPr lang="en-US" altLang="zh-CN" sz="1800" dirty="0"/>
-              <a:t> </a:t>
+              <a:t>  test  by </a:t>
+            </a:r>
+            <a:r>
+              <a:rPr lang="en-US" altLang="zh-CN" sz="1800" dirty="0" err="1" smtClean="0"/>
+              <a:t>DelegatesExt.myDelegates</a:t>
             </a:r>
             <a:r>
               <a:rPr lang="en-US" altLang="zh-CN" sz="1800" dirty="0" smtClean="0"/>
               <a:t>()</a:t>
-            </a:r>
-            <a:r>
-              <a:rPr lang="zh-CN" altLang="en-US" sz="1800" dirty="0" smtClean="0"/>
-              <a:t>的</a:t>
-            </a:r>
-            <a:r>
-              <a:rPr lang="zh-CN" altLang="en-US" sz="1800" smtClean="0"/>
-              <a:t>一个扩展</a:t>
             </a:r>
             <a:endParaRPr lang="zh-CN" altLang="en-US" sz="1800" dirty="0"/>
           </a:p>
@@ -16272,6 +17287,14 @@
   <p:clrMapOvr>
     <a:masterClrMapping/>
   </p:clrMapOvr>
+  <mc:AlternateContent xmlns:mc="http://schemas.openxmlformats.org/markup-compatibility/2006">
+    <mc:Choice xmlns:p14="http://schemas.microsoft.com/office/powerpoint/2010/main" Requires="p14">
+      <p:transition spd="slow" p14:dur="2000"/>
+    </mc:Choice>
+    <mc:Fallback>
+      <p:transition spd="slow"/>
+    </mc:Fallback>
+  </mc:AlternateContent>
   <p:timing>
     <p:tnLst>
       <p:par>
@@ -16349,6 +17372,14 @@
   <p:clrMapOvr>
     <a:masterClrMapping/>
   </p:clrMapOvr>
+  <mc:AlternateContent xmlns:mc="http://schemas.openxmlformats.org/markup-compatibility/2006">
+    <mc:Choice xmlns:p14="http://schemas.microsoft.com/office/powerpoint/2010/main" Requires="p14">
+      <p:transition spd="slow" p14:dur="2000"/>
+    </mc:Choice>
+    <mc:Fallback>
+      <p:transition spd="slow"/>
+    </mc:Fallback>
+  </mc:AlternateContent>
 </p:sld>
 </file>
 
@@ -16417,12 +17448,12 @@
         <p:spPr>
           <a:xfrm>
             <a:off x="457200" y="908720"/>
-            <a:ext cx="8229600" cy="5217443"/>
+            <a:ext cx="7715200" cy="5217443"/>
           </a:xfrm>
         </p:spPr>
         <p:txBody>
           <a:bodyPr>
-            <a:normAutofit lnSpcReduction="10000"/>
+            <a:normAutofit fontScale="92500" lnSpcReduction="10000"/>
           </a:bodyPr>
           <a:lstStyle/>
           <a:p>
@@ -16503,55 +17534,37 @@
               <a:rPr lang="zh-CN" altLang="en-US" sz="1800" dirty="0" smtClean="0">
                 <a:latin typeface="font000000001f66afb4" charset="0"/>
               </a:rPr>
-              <a:t>这个类相是</a:t>
+              <a:t>这个类相是一个泛型集合。我们通过函数访问可以返回集合的 </a:t>
+            </a:r>
+            <a:r>
+              <a:rPr lang="en-US" altLang="zh-CN" sz="1800" dirty="0" smtClean="0">
+                <a:latin typeface="font000000001f66afb4" charset="0"/>
+              </a:rPr>
+              <a:t>size</a:t>
             </a:r>
             <a:r>
               <a:rPr lang="zh-CN" altLang="en-US" sz="1800" dirty="0" smtClean="0">
                 <a:latin typeface="font000000001f66afb4" charset="0"/>
               </a:rPr>
-              <a:t>一个</a:t>
+              <a:t>、是否为空、是否包含一个或者一些</a:t>
+            </a:r>
+            <a:r>
+              <a:rPr lang="en-US" altLang="zh-CN" sz="1800" dirty="0" smtClean="0">
+                <a:latin typeface="font000000001f66afb4" charset="0"/>
+              </a:rPr>
+              <a:t>item</a:t>
             </a:r>
             <a:r>
               <a:rPr lang="zh-CN" altLang="en-US" sz="1800" dirty="0" smtClean="0">
                 <a:latin typeface="font000000001f66afb4" charset="0"/>
               </a:rPr>
-              <a:t>泛型</a:t>
+              <a:t>。这个集合的所有方法提供</a:t>
             </a:r>
             <a:r>
               <a:rPr lang="zh-CN" altLang="en-US" sz="1800" dirty="0" smtClean="0">
                 <a:latin typeface="font000000001f66afb4" charset="0"/>
               </a:rPr>
-              <a:t>集合</a:t>
-            </a:r>
-            <a:r>
-              <a:rPr lang="zh-CN" altLang="en-US" sz="1800" dirty="0" smtClean="0">
-                <a:latin typeface="font000000001f66afb4" charset="0"/>
-              </a:rPr>
-              <a:t>。我们通过函数访问可以返回集合的 </a:t>
-            </a:r>
-            <a:r>
-              <a:rPr lang="en-US" altLang="zh-CN" sz="1800" dirty="0" smtClean="0">
-                <a:latin typeface="font000000001f66afb4" charset="0"/>
-              </a:rPr>
-              <a:t>size</a:t>
-            </a:r>
-            <a:r>
-              <a:rPr lang="zh-CN" altLang="en-US" sz="1800" dirty="0" smtClean="0">
-                <a:latin typeface="font000000001f66afb4" charset="0"/>
-              </a:rPr>
-              <a:t>、是否为空、是否包含一个或者一些</a:t>
-            </a:r>
-            <a:r>
-              <a:rPr lang="en-US" altLang="zh-CN" sz="1800" dirty="0" smtClean="0">
-                <a:latin typeface="font000000001f66afb4" charset="0"/>
-              </a:rPr>
-              <a:t>item</a:t>
-            </a:r>
-            <a:r>
-              <a:rPr lang="zh-CN" altLang="en-US" sz="1800" dirty="0" smtClean="0">
-                <a:latin typeface="font000000001f66afb4" charset="0"/>
-              </a:rPr>
-              <a:t>。这个集合的所有方法提供查 询，因为</a:t>
+              <a:t>查询，</a:t>
             </a:r>
             <a:r>
               <a:rPr lang="en-US" altLang="zh-CN" sz="1800" dirty="0" smtClean="0">
@@ -16611,7 +17624,19 @@
               <a:rPr lang="zh-CN" altLang="en-US" sz="1800" dirty="0" smtClean="0">
                 <a:latin typeface="font000000001f66afb4" charset="0"/>
               </a:rPr>
-              <a:t>。它提供了额外的 函数，比如 </a:t>
+              <a:t>。它提供了额外</a:t>
+            </a:r>
+            <a:r>
+              <a:rPr lang="zh-CN" altLang="en-US" sz="1800" dirty="0" smtClean="0">
+                <a:latin typeface="font000000001f66afb4" charset="0"/>
+              </a:rPr>
+              <a:t>的函数</a:t>
+            </a:r>
+            <a:r>
+              <a:rPr lang="zh-CN" altLang="en-US" sz="1800" dirty="0" smtClean="0">
+                <a:latin typeface="font000000001f66afb4" charset="0"/>
+              </a:rPr>
+              <a:t>，比如 </a:t>
             </a:r>
             <a:r>
               <a:rPr lang="en-US" altLang="zh-CN" sz="1600" dirty="0" smtClean="0">
@@ -16647,13 +17672,7 @@
               <a:rPr lang="zh-CN" altLang="en-US" sz="1800" dirty="0" smtClean="0">
                 <a:latin typeface="font000000001f66afb4" charset="0"/>
               </a:rPr>
-              <a:t>等等</a:t>
-            </a:r>
-            <a:r>
-              <a:rPr lang="zh-CN" altLang="en-US" sz="1800" dirty="0" smtClean="0">
-                <a:latin typeface="font000000001f66afb4" charset="0"/>
-              </a:rPr>
-              <a:t>。</a:t>
+              <a:t>等等。</a:t>
             </a:r>
             <a:endParaRPr lang="en-US" altLang="zh-CN" sz="1800" dirty="0" smtClean="0">
               <a:latin typeface="font000000001f66afb4" charset="0"/>
@@ -17093,6 +18112,14 @@
   <p:clrMapOvr>
     <a:masterClrMapping/>
   </p:clrMapOvr>
+  <mc:AlternateContent xmlns:mc="http://schemas.openxmlformats.org/markup-compatibility/2006">
+    <mc:Choice xmlns:p14="http://schemas.microsoft.com/office/powerpoint/2010/main" Requires="p14">
+      <p:transition spd="slow" p14:dur="2000"/>
+    </mc:Choice>
+    <mc:Fallback>
+      <p:transition spd="slow"/>
+    </mc:Fallback>
+  </mc:AlternateContent>
   <p:timing>
     <p:tnLst>
       <p:par>
@@ -17168,7 +18195,7 @@
         <p:spPr>
           <a:xfrm>
             <a:off x="457200" y="908720"/>
-            <a:ext cx="8229600" cy="5217443"/>
+            <a:ext cx="7859216" cy="5217443"/>
           </a:xfrm>
         </p:spPr>
         <p:txBody>
@@ -17182,19 +18209,25 @@
               <a:rPr lang="zh-CN" altLang="en-US" sz="1800" dirty="0" smtClean="0">
                 <a:latin typeface="font000000001f66afb4" charset="0"/>
               </a:rPr>
-              <a:t>总数</a:t>
+              <a:t>总数操作符</a:t>
+            </a:r>
+            <a:r>
+              <a:rPr lang="en-US" altLang="zh-CN" sz="1800" dirty="0" smtClean="0">
+                <a:latin typeface="font000000001f66afb4" charset="0"/>
+              </a:rPr>
+              <a:t>:</a:t>
             </a:r>
             <a:r>
               <a:rPr lang="zh-CN" altLang="en-US" sz="1800" dirty="0" smtClean="0">
                 <a:latin typeface="font000000001f66afb4" charset="0"/>
               </a:rPr>
-              <a:t>操作符</a:t>
+              <a:t>  </a:t>
             </a:r>
             <a:r>
               <a:rPr lang="en-US" altLang="zh-CN" sz="1800" dirty="0" smtClean="0">
                 <a:latin typeface="font000000001f66afb4" charset="0"/>
               </a:rPr>
-              <a:t>:</a:t>
+              <a:t>any,</a:t>
             </a:r>
             <a:r>
               <a:rPr lang="zh-CN" altLang="en-US" sz="1800" dirty="0" smtClean="0">
@@ -17206,7 +18239,7 @@
               <a:rPr lang="en-US" altLang="zh-CN" sz="1800" dirty="0" smtClean="0">
                 <a:latin typeface="font000000001f66afb4" charset="0"/>
               </a:rPr>
-              <a:t>any,</a:t>
+              <a:t>all,</a:t>
             </a:r>
             <a:r>
               <a:rPr lang="zh-CN" altLang="en-US" sz="1800" dirty="0" smtClean="0">
@@ -17218,7 +18251,7 @@
               <a:rPr lang="en-US" altLang="zh-CN" sz="1800" dirty="0" smtClean="0">
                 <a:latin typeface="font000000001f66afb4" charset="0"/>
               </a:rPr>
-              <a:t>all,</a:t>
+              <a:t>count,</a:t>
             </a:r>
             <a:r>
               <a:rPr lang="zh-CN" altLang="en-US" sz="1800" dirty="0" smtClean="0">
@@ -17230,7 +18263,7 @@
               <a:rPr lang="en-US" altLang="zh-CN" sz="1800" dirty="0" smtClean="0">
                 <a:latin typeface="font000000001f66afb4" charset="0"/>
               </a:rPr>
-              <a:t>count,</a:t>
+              <a:t>fold,</a:t>
             </a:r>
             <a:r>
               <a:rPr lang="zh-CN" altLang="en-US" sz="1800" dirty="0" smtClean="0">
@@ -17239,10 +18272,16 @@
               <a:t>  </a:t>
             </a:r>
             <a:r>
+              <a:rPr lang="en-US" altLang="zh-CN" sz="1800" dirty="0" err="1" smtClean="0">
+                <a:latin typeface="font000000001f66afb4" charset="0"/>
+              </a:rPr>
+              <a:t>foldRight</a:t>
+            </a:r>
+            <a:r>
               <a:rPr lang="en-US" altLang="zh-CN" sz="1800" dirty="0" smtClean="0">
                 <a:latin typeface="font000000001f66afb4" charset="0"/>
               </a:rPr>
-              <a:t>fold,</a:t>
+              <a:t>,</a:t>
             </a:r>
             <a:r>
               <a:rPr lang="zh-CN" altLang="en-US" sz="1800" dirty="0" smtClean="0">
@@ -17254,7 +18293,7 @@
               <a:rPr lang="en-US" altLang="zh-CN" sz="1800" dirty="0" err="1" smtClean="0">
                 <a:latin typeface="font000000001f66afb4" charset="0"/>
               </a:rPr>
-              <a:t>foldRight</a:t>
+              <a:t>forEach</a:t>
             </a:r>
             <a:r>
               <a:rPr lang="en-US" altLang="zh-CN" sz="1800" dirty="0" smtClean="0">
@@ -17272,31 +18311,7 @@
               <a:rPr lang="en-US" altLang="zh-CN" sz="1800" dirty="0" err="1" smtClean="0">
                 <a:latin typeface="font000000001f66afb4" charset="0"/>
               </a:rPr>
-              <a:t>forEach</a:t>
-            </a:r>
-            <a:r>
-              <a:rPr lang="en-US" altLang="zh-CN" sz="1800" dirty="0" smtClean="0">
-                <a:latin typeface="font000000001f66afb4" charset="0"/>
-              </a:rPr>
-              <a:t>,</a:t>
-            </a:r>
-            <a:r>
-              <a:rPr lang="zh-CN" altLang="en-US" sz="1800" dirty="0" smtClean="0">
-                <a:latin typeface="font000000001f66afb4" charset="0"/>
-              </a:rPr>
-              <a:t>  </a:t>
-            </a:r>
-            <a:r>
-              <a:rPr lang="en-US" altLang="zh-CN" sz="1800" dirty="0" err="1" smtClean="0">
-                <a:latin typeface="font000000001f66afb4" charset="0"/>
-              </a:rPr>
-              <a:t>for</a:t>
-            </a:r>
-            <a:r>
-              <a:rPr lang="en-US" altLang="zh-CN" sz="1800" dirty="0" err="1" smtClean="0">
-                <a:latin typeface="font000000001f66afb4" charset="0"/>
-              </a:rPr>
-              <a:t>EachInexed</a:t>
+              <a:t>forEachInexed</a:t>
             </a:r>
             <a:r>
               <a:rPr lang="en-US" altLang="zh-CN" sz="1800" dirty="0" smtClean="0">
@@ -17428,13 +18443,7 @@
               <a:rPr lang="en-US" altLang="zh-CN" sz="1800" dirty="0" smtClean="0">
                 <a:latin typeface="font000000001f66afb4" charset="0"/>
               </a:rPr>
-              <a:t>drop</a:t>
-            </a:r>
-            <a:r>
-              <a:rPr lang="en-US" altLang="zh-CN" sz="1800" dirty="0" smtClean="0">
-                <a:latin typeface="font000000001f66afb4" charset="0"/>
-              </a:rPr>
-              <a:t>,</a:t>
+              <a:t>drop,</a:t>
             </a:r>
             <a:r>
               <a:rPr lang="zh-CN" altLang="en-US" sz="1800" dirty="0" smtClean="0">
@@ -18152,334 +19161,14 @@
   <p:clrMapOvr>
     <a:masterClrMapping/>
   </p:clrMapOvr>
-  <p:timing>
-    <p:tnLst>
-      <p:par>
-        <p:cTn id="1" dur="indefinite" restart="never" nodeType="tmRoot"/>
-      </p:par>
-    </p:tnLst>
-  </p:timing>
-</p:sld>
-</file>
-
-<file path=ppt/slides/slide36.xml><?xml version="1.0" encoding="utf-8"?>
-<p:sld xmlns:a="http://schemas.openxmlformats.org/drawingml/2006/main" xmlns:r="http://schemas.openxmlformats.org/officeDocument/2006/relationships" xmlns:p="http://schemas.openxmlformats.org/presentationml/2006/main">
-  <p:cSld>
-    <p:spTree>
-      <p:nvGrpSpPr>
-        <p:cNvPr id="1" name=""/>
-        <p:cNvGrpSpPr/>
-        <p:nvPr/>
-      </p:nvGrpSpPr>
-      <p:grpSpPr>
-        <a:xfrm>
-          <a:off x="0" y="0"/>
-          <a:ext cx="0" cy="0"/>
-          <a:chOff x="0" y="0"/>
-          <a:chExt cx="0" cy="0"/>
-        </a:xfrm>
-      </p:grpSpPr>
-      <p:sp>
-        <p:nvSpPr>
-          <p:cNvPr id="2" name="标题 1"/>
-          <p:cNvSpPr>
-            <a:spLocks noGrp="1"/>
-          </p:cNvSpPr>
-          <p:nvPr>
-            <p:ph type="title"/>
-          </p:nvPr>
-        </p:nvSpPr>
-        <p:spPr>
-          <a:xfrm>
-            <a:off x="457200" y="274638"/>
-            <a:ext cx="3610744" cy="346050"/>
-          </a:xfrm>
-        </p:spPr>
-        <p:txBody>
-          <a:bodyPr>
-            <a:normAutofit fontScale="90000"/>
-          </a:bodyPr>
-          <a:lstStyle/>
-          <a:p>
-            <a:pPr algn="l"/>
-            <a:r>
-              <a:rPr lang="zh-CN" altLang="en-US" sz="2800" dirty="0" smtClean="0"/>
-              <a:t>遍历</a:t>
-            </a:r>
-            <a:endParaRPr lang="zh-CN" altLang="en-US" sz="2800" dirty="0"/>
-          </a:p>
-        </p:txBody>
-      </p:sp>
-      <p:sp>
-        <p:nvSpPr>
-          <p:cNvPr id="3" name="内容占位符 2"/>
-          <p:cNvSpPr>
-            <a:spLocks noGrp="1"/>
-          </p:cNvSpPr>
-          <p:nvPr>
-            <p:ph idx="1"/>
-          </p:nvPr>
-        </p:nvSpPr>
-        <p:spPr>
-          <a:xfrm>
-            <a:off x="457200" y="908720"/>
-            <a:ext cx="8229600" cy="5217443"/>
-          </a:xfrm>
-        </p:spPr>
-        <p:txBody>
-          <a:bodyPr>
-            <a:normAutofit/>
-          </a:bodyPr>
-          <a:lstStyle/>
-          <a:p>
-            <a:r>
-              <a:rPr lang="en-US" altLang="zh-CN" sz="1800" dirty="0" smtClean="0"/>
-              <a:t>Ranges</a:t>
-            </a:r>
-            <a:r>
-              <a:rPr lang="zh-CN" altLang="en-US" sz="1800" dirty="0" smtClean="0"/>
-              <a:t>使用两个点作为符号</a:t>
-            </a:r>
-            <a:r>
-              <a:rPr lang="en-US" altLang="zh-CN" sz="1800" dirty="0" smtClean="0"/>
-              <a:t>. </a:t>
-            </a:r>
-            <a:r>
-              <a:rPr lang="zh-CN" altLang="en-US" sz="1800" dirty="0" smtClean="0"/>
-              <a:t>表示从多少到多少</a:t>
-            </a:r>
-            <a:endParaRPr lang="en-US" altLang="zh-CN" sz="1800" dirty="0" smtClean="0"/>
-          </a:p>
-          <a:p>
-            <a:r>
-              <a:rPr lang="en-US" altLang="zh-CN" sz="1800" dirty="0" smtClean="0"/>
-              <a:t>for(</a:t>
-            </a:r>
-            <a:r>
-              <a:rPr lang="en-US" altLang="zh-CN" sz="1800" dirty="0" err="1" smtClean="0"/>
-              <a:t>i</a:t>
-            </a:r>
-            <a:r>
-              <a:rPr lang="en-US" altLang="zh-CN" sz="1800" dirty="0" smtClean="0"/>
-              <a:t> in 0..10)</a:t>
-            </a:r>
-            <a:r>
-              <a:rPr lang="zh-CN" altLang="en-US" sz="1800" dirty="0" smtClean="0"/>
-              <a:t>从</a:t>
-            </a:r>
-            <a:r>
-              <a:rPr lang="en-US" altLang="zh-CN" sz="1800" dirty="0" smtClean="0"/>
-              <a:t>0</a:t>
-            </a:r>
-            <a:r>
-              <a:rPr lang="zh-CN" altLang="en-US" sz="1800" dirty="0" smtClean="0"/>
-              <a:t>到</a:t>
-            </a:r>
-            <a:r>
-              <a:rPr lang="en-US" altLang="zh-CN" sz="1800" dirty="0" smtClean="0"/>
-              <a:t>10</a:t>
-            </a:r>
-          </a:p>
-          <a:p>
-            <a:r>
-              <a:rPr lang="en-US" altLang="zh-CN" sz="1800" dirty="0" smtClean="0"/>
-              <a:t>for(</a:t>
-            </a:r>
-            <a:r>
-              <a:rPr lang="en-US" altLang="zh-CN" sz="1800" dirty="0" err="1" smtClean="0"/>
-              <a:t>i</a:t>
-            </a:r>
-            <a:r>
-              <a:rPr lang="en-US" altLang="zh-CN" sz="1800" dirty="0" smtClean="0"/>
-              <a:t> in </a:t>
-            </a:r>
-            <a:r>
-              <a:rPr lang="en-US" altLang="zh-CN" sz="1800" dirty="0" err="1" smtClean="0"/>
-              <a:t>a..z</a:t>
-            </a:r>
-            <a:r>
-              <a:rPr lang="en-US" altLang="zh-CN" sz="1800" dirty="0" smtClean="0"/>
-              <a:t>)</a:t>
-            </a:r>
-            <a:r>
-              <a:rPr lang="zh-CN" altLang="en-US" sz="1800" dirty="0" smtClean="0"/>
-              <a:t>从</a:t>
-            </a:r>
-            <a:r>
-              <a:rPr lang="en-US" altLang="zh-CN" sz="1800" dirty="0" smtClean="0"/>
-              <a:t>a</a:t>
-            </a:r>
-            <a:r>
-              <a:rPr lang="zh-CN" altLang="en-US" sz="1800" dirty="0" smtClean="0"/>
-              <a:t>到</a:t>
-            </a:r>
-            <a:r>
-              <a:rPr lang="en-US" altLang="zh-CN" sz="1800" dirty="0" smtClean="0"/>
-              <a:t>b</a:t>
-            </a:r>
-          </a:p>
-          <a:p>
-            <a:r>
-              <a:rPr lang="en-US" altLang="zh-CN" sz="1800" dirty="0" smtClean="0"/>
-              <a:t>for(</a:t>
-            </a:r>
-            <a:r>
-              <a:rPr lang="en-US" altLang="zh-CN" sz="1800" dirty="0" err="1" smtClean="0"/>
-              <a:t>i</a:t>
-            </a:r>
-            <a:r>
-              <a:rPr lang="en-US" altLang="zh-CN" sz="1800" dirty="0" smtClean="0"/>
-              <a:t> in 0..array.size-1)</a:t>
-            </a:r>
-            <a:r>
-              <a:rPr lang="zh-CN" altLang="en-US" sz="1800" dirty="0" smtClean="0"/>
-              <a:t>遍历所有数组</a:t>
-            </a:r>
-            <a:endParaRPr lang="en-US" altLang="zh-CN" sz="1800" dirty="0" smtClean="0"/>
-          </a:p>
-          <a:p>
-            <a:r>
-              <a:rPr lang="en-US" altLang="zh-CN" sz="1800" dirty="0" smtClean="0"/>
-              <a:t>for(</a:t>
-            </a:r>
-            <a:r>
-              <a:rPr lang="en-US" altLang="zh-CN" sz="1800" dirty="0" err="1" smtClean="0"/>
-              <a:t>i</a:t>
-            </a:r>
-            <a:r>
-              <a:rPr lang="en-US" altLang="zh-CN" sz="1800" dirty="0" smtClean="0"/>
-              <a:t> in 10 </a:t>
-            </a:r>
-            <a:r>
-              <a:rPr lang="en-US" altLang="zh-CN" sz="1800" dirty="0" err="1" smtClean="0"/>
-              <a:t>downTo</a:t>
-            </a:r>
-            <a:r>
-              <a:rPr lang="en-US" altLang="zh-CN" sz="1800" dirty="0" smtClean="0"/>
-              <a:t> 0)</a:t>
-            </a:r>
-            <a:r>
-              <a:rPr lang="zh-CN" altLang="en-US" sz="1800" dirty="0" smtClean="0"/>
-              <a:t>从</a:t>
-            </a:r>
-            <a:r>
-              <a:rPr lang="en-US" altLang="zh-CN" sz="1800" dirty="0" smtClean="0"/>
-              <a:t>10</a:t>
-            </a:r>
-            <a:r>
-              <a:rPr lang="zh-CN" altLang="en-US" sz="1800" dirty="0" smtClean="0"/>
-              <a:t>到</a:t>
-            </a:r>
-            <a:r>
-              <a:rPr lang="en-US" altLang="zh-CN" sz="1800" dirty="0" smtClean="0"/>
-              <a:t>0</a:t>
-            </a:r>
-          </a:p>
-          <a:p>
-            <a:r>
-              <a:rPr lang="en-US" altLang="zh-CN" sz="1800" dirty="0" smtClean="0"/>
-              <a:t>for(</a:t>
-            </a:r>
-            <a:r>
-              <a:rPr lang="en-US" altLang="zh-CN" sz="1800" dirty="0" err="1" smtClean="0"/>
-              <a:t>i</a:t>
-            </a:r>
-            <a:r>
-              <a:rPr lang="en-US" altLang="zh-CN" sz="1800" dirty="0" smtClean="0"/>
-              <a:t> in 0 until 10)</a:t>
-            </a:r>
-            <a:r>
-              <a:rPr lang="zh-CN" altLang="en-US" sz="1800" dirty="0" smtClean="0"/>
-              <a:t>从</a:t>
-            </a:r>
-            <a:r>
-              <a:rPr lang="en-US" altLang="zh-CN" sz="1800" dirty="0" smtClean="0"/>
-              <a:t>0</a:t>
-            </a:r>
-            <a:r>
-              <a:rPr lang="zh-CN" altLang="en-US" sz="1800" dirty="0" smtClean="0"/>
-              <a:t>到</a:t>
-            </a:r>
-            <a:r>
-              <a:rPr lang="en-US" altLang="zh-CN" sz="1800" dirty="0" smtClean="0"/>
-              <a:t>10</a:t>
-            </a:r>
-            <a:r>
-              <a:rPr lang="zh-CN" altLang="en-US" sz="1800" dirty="0" smtClean="0"/>
-              <a:t>不包括</a:t>
-            </a:r>
-            <a:r>
-              <a:rPr lang="en-US" altLang="zh-CN" sz="1800" dirty="0" smtClean="0"/>
-              <a:t>10</a:t>
-            </a:r>
-          </a:p>
-          <a:p>
-            <a:r>
-              <a:rPr lang="zh-CN" altLang="en-US" sz="1800" dirty="0"/>
-              <a:t>也</a:t>
-            </a:r>
-            <a:r>
-              <a:rPr lang="zh-CN" altLang="en-US" sz="1800" dirty="0" smtClean="0"/>
-              <a:t>可以在后面加</a:t>
-            </a:r>
-            <a:r>
-              <a:rPr lang="en-US" altLang="zh-CN" sz="1800" dirty="0" smtClean="0"/>
-              <a:t>step</a:t>
-            </a:r>
-            <a:r>
-              <a:rPr lang="zh-CN" altLang="en-US" sz="1800" dirty="0" smtClean="0"/>
-              <a:t>表示步数如</a:t>
-            </a:r>
-            <a:endParaRPr lang="en-US" altLang="zh-CN" sz="1800" dirty="0" smtClean="0"/>
-          </a:p>
-          <a:p>
-            <a:r>
-              <a:rPr lang="en-US" altLang="zh-CN" sz="1800" dirty="0" smtClean="0"/>
-              <a:t>for(</a:t>
-            </a:r>
-            <a:r>
-              <a:rPr lang="en-US" altLang="zh-CN" sz="1800" dirty="0" err="1" smtClean="0"/>
-              <a:t>i</a:t>
-            </a:r>
-            <a:r>
-              <a:rPr lang="en-US" altLang="zh-CN" sz="1800" dirty="0" smtClean="0"/>
-              <a:t> in 0 .. 10 step 2)</a:t>
-            </a:r>
-            <a:r>
-              <a:rPr lang="zh-CN" altLang="en-US" sz="1800" dirty="0" smtClean="0"/>
-              <a:t>表示从</a:t>
-            </a:r>
-            <a:r>
-              <a:rPr lang="en-US" altLang="zh-CN" sz="1800" dirty="0" smtClean="0"/>
-              <a:t>0</a:t>
-            </a:r>
-            <a:r>
-              <a:rPr lang="zh-CN" altLang="en-US" sz="1800" dirty="0" smtClean="0"/>
-              <a:t>到</a:t>
-            </a:r>
-            <a:r>
-              <a:rPr lang="en-US" altLang="zh-CN" sz="1800" dirty="0" smtClean="0"/>
-              <a:t>10:  0, 2, 4, 6, 8, 10</a:t>
-            </a:r>
-          </a:p>
-          <a:p>
-            <a:endParaRPr lang="en-US" altLang="zh-CN" sz="1800" dirty="0" smtClean="0"/>
-          </a:p>
-          <a:p>
-            <a:endParaRPr lang="zh-CN" altLang="en-US" sz="1800" dirty="0"/>
-          </a:p>
-        </p:txBody>
-      </p:sp>
-    </p:spTree>
-    <p:extLst>
-      <p:ext uri="{BB962C8B-B14F-4D97-AF65-F5344CB8AC3E}">
-        <p14:creationId xmlns:p14="http://schemas.microsoft.com/office/powerpoint/2010/main" val="1162431505"/>
-      </p:ext>
-    </p:extLst>
-  </p:cSld>
-  <p:clrMapOvr>
-    <a:masterClrMapping/>
-  </p:clrMapOvr>
+  <mc:AlternateContent xmlns:mc="http://schemas.openxmlformats.org/markup-compatibility/2006">
+    <mc:Choice xmlns:p14="http://schemas.microsoft.com/office/powerpoint/2010/main" Requires="p14">
+      <p:transition spd="slow" p14:dur="2000"/>
+    </mc:Choice>
+    <mc:Fallback>
+      <p:transition spd="slow"/>
+    </mc:Fallback>
+  </mc:AlternateContent>
   <p:timing>
     <p:tnLst>
       <p:par>
@@ -18536,7 +19225,15 @@
             </a:r>
             <a:r>
               <a:rPr lang="zh-CN" altLang="en-US" sz="2800" dirty="0" smtClean="0"/>
-              <a:t> 基本类型</a:t>
+              <a:t> </a:t>
+            </a:r>
+            <a:r>
+              <a:rPr lang="zh-CN" altLang="en-US" sz="2800" dirty="0" smtClean="0"/>
+              <a:t>数值基本</a:t>
+            </a:r>
+            <a:r>
+              <a:rPr lang="zh-CN" altLang="en-US" sz="2800" dirty="0" smtClean="0"/>
+              <a:t>类型</a:t>
             </a:r>
             <a:endParaRPr lang="zh-CN" altLang="en-US" sz="2800" dirty="0"/>
           </a:p>
@@ -18552,7 +19249,7 @@
             <p:ph idx="1"/>
             <p:extLst>
               <p:ext uri="{D42A27DB-BD31-4B8C-83A1-F6EECF244321}">
-                <p14:modId xmlns:p14="http://schemas.microsoft.com/office/powerpoint/2010/main" val="965598399"/>
+                <p14:modId xmlns:p14="http://schemas.microsoft.com/office/powerpoint/2010/main" val="2490313118"/>
               </p:ext>
             </p:extLst>
           </p:nvPr>
@@ -18577,6 +19274,9 @@
                     <a:p>
                       <a:r>
                         <a:rPr lang="zh-CN" altLang="en-US" b="1" dirty="0">
+                          <a:solidFill>
+                            <a:schemeClr val="tx1"/>
+                          </a:solidFill>
                           <a:effectLst/>
                         </a:rPr>
                         <a:t>类型</a:t>
@@ -18633,6 +19333,9 @@
                       <a:pPr algn="ctr"/>
                       <a:r>
                         <a:rPr lang="zh-CN" altLang="en-US" b="1">
+                          <a:solidFill>
+                            <a:schemeClr val="tx1"/>
+                          </a:solidFill>
                           <a:effectLst/>
                         </a:rPr>
                         <a:t>字宽</a:t>
@@ -18690,6 +19393,9 @@
                     <a:p>
                       <a:r>
                         <a:rPr lang="en-US">
+                          <a:solidFill>
+                            <a:schemeClr val="tx1"/>
+                          </a:solidFill>
                           <a:effectLst/>
                         </a:rPr>
                         <a:t>Double</a:t>
@@ -18746,6 +19452,9 @@
                       <a:pPr algn="ctr"/>
                       <a:r>
                         <a:rPr lang="en-US" altLang="zh-CN" dirty="0">
+                          <a:solidFill>
+                            <a:schemeClr val="tx1"/>
+                          </a:solidFill>
                           <a:effectLst/>
                         </a:rPr>
                         <a:t>64</a:t>
@@ -18803,6 +19512,9 @@
                     <a:p>
                       <a:r>
                         <a:rPr lang="en-US">
+                          <a:solidFill>
+                            <a:schemeClr val="tx1"/>
+                          </a:solidFill>
                           <a:effectLst/>
                         </a:rPr>
                         <a:t>Float</a:t>
@@ -18859,6 +19571,9 @@
                       <a:pPr algn="ctr"/>
                       <a:r>
                         <a:rPr lang="en-US" altLang="zh-CN" dirty="0">
+                          <a:solidFill>
+                            <a:schemeClr val="tx1"/>
+                          </a:solidFill>
                           <a:effectLst/>
                         </a:rPr>
                         <a:t>32</a:t>
@@ -18916,6 +19631,9 @@
                     <a:p>
                       <a:r>
                         <a:rPr lang="en-US">
+                          <a:solidFill>
+                            <a:schemeClr val="tx1"/>
+                          </a:solidFill>
                           <a:effectLst/>
                         </a:rPr>
                         <a:t>Long</a:t>
@@ -18972,6 +19690,9 @@
                       <a:pPr algn="ctr"/>
                       <a:r>
                         <a:rPr lang="en-US" altLang="zh-CN" dirty="0">
+                          <a:solidFill>
+                            <a:schemeClr val="tx1"/>
+                          </a:solidFill>
                           <a:effectLst/>
                         </a:rPr>
                         <a:t>64</a:t>
@@ -19029,6 +19750,9 @@
                     <a:p>
                       <a:r>
                         <a:rPr lang="en-US">
+                          <a:solidFill>
+                            <a:schemeClr val="tx1"/>
+                          </a:solidFill>
                           <a:effectLst/>
                         </a:rPr>
                         <a:t>Int</a:t>
@@ -19085,6 +19809,9 @@
                       <a:pPr algn="ctr"/>
                       <a:r>
                         <a:rPr lang="en-US" altLang="zh-CN">
+                          <a:solidFill>
+                            <a:schemeClr val="tx1"/>
+                          </a:solidFill>
                           <a:effectLst/>
                         </a:rPr>
                         <a:t>32</a:t>
@@ -19142,6 +19869,9 @@
                     <a:p>
                       <a:r>
                         <a:rPr lang="en-US">
+                          <a:solidFill>
+                            <a:schemeClr val="tx1"/>
+                          </a:solidFill>
                           <a:effectLst/>
                         </a:rPr>
                         <a:t>Short</a:t>
@@ -19198,6 +19928,9 @@
                       <a:pPr algn="ctr"/>
                       <a:r>
                         <a:rPr lang="en-US" altLang="zh-CN" dirty="0">
+                          <a:solidFill>
+                            <a:schemeClr val="tx1"/>
+                          </a:solidFill>
                           <a:effectLst/>
                         </a:rPr>
                         <a:t>16</a:t>
@@ -19255,6 +19988,9 @@
                     <a:p>
                       <a:r>
                         <a:rPr lang="en-US">
+                          <a:solidFill>
+                            <a:schemeClr val="tx1"/>
+                          </a:solidFill>
                           <a:effectLst/>
                         </a:rPr>
                         <a:t>Byte</a:t>
@@ -19311,6 +20047,9 @@
                       <a:pPr algn="ctr"/>
                       <a:r>
                         <a:rPr lang="en-US" altLang="zh-CN" dirty="0">
+                          <a:solidFill>
+                            <a:schemeClr val="tx1"/>
+                          </a:solidFill>
                           <a:effectLst/>
                         </a:rPr>
                         <a:t>8</a:t>
@@ -19822,7 +20561,23 @@
                   <a:srgbClr val="6A8759"/>
                 </a:solidFill>
               </a:rPr>
-              <a:t>             """</a:t>
+              <a:t>          </a:t>
+            </a:r>
+            <a:r>
+              <a:rPr lang="en-US" altLang="zh-CN" sz="2800" dirty="0" smtClean="0">
+                <a:solidFill>
+                  <a:srgbClr val="6A8759"/>
+                </a:solidFill>
+              </a:rPr>
+              <a:t>      </a:t>
+            </a:r>
+            <a:r>
+              <a:rPr lang="en-US" altLang="zh-CN" sz="2800" dirty="0">
+                <a:solidFill>
+                  <a:srgbClr val="6A8759"/>
+                </a:solidFill>
+              </a:rPr>
+              <a:t>"""</a:t>
             </a:r>
             <a:endParaRPr lang="zh-CN" altLang="en-US" sz="2800" dirty="0"/>
           </a:p>
@@ -19838,6 +20593,14 @@
   <p:clrMapOvr>
     <a:masterClrMapping/>
   </p:clrMapOvr>
+  <mc:AlternateContent xmlns:mc="http://schemas.openxmlformats.org/markup-compatibility/2006">
+    <mc:Choice xmlns:p14="http://schemas.microsoft.com/office/powerpoint/2010/main" Requires="p14">
+      <p:transition spd="slow" p14:dur="2000"/>
+    </mc:Choice>
+    <mc:Fallback>
+      <p:transition spd="slow"/>
+    </mc:Fallback>
+  </mc:AlternateContent>
 </p:sld>
 </file>
 
@@ -19871,7 +20634,7 @@
         <p:spPr>
           <a:xfrm>
             <a:off x="457200" y="1340768"/>
-            <a:ext cx="8229600" cy="4785395"/>
+            <a:ext cx="7859216" cy="4785395"/>
           </a:xfrm>
         </p:spPr>
         <p:txBody>
@@ -19881,146 +20644,435 @@
           <a:lstStyle/>
           <a:p>
             <a:r>
-              <a:rPr lang="zh-CN" altLang="zh-CN" sz="2000" dirty="0" smtClean="0"/>
+              <a:rPr lang="zh-CN" altLang="zh-CN" sz="2400" dirty="0" smtClean="0"/>
               <a:t>常量</a:t>
             </a:r>
             <a:r>
-              <a:rPr lang="zh-CN" altLang="zh-CN" sz="2000" dirty="0"/>
+              <a:rPr lang="zh-CN" altLang="zh-CN" sz="2400" dirty="0"/>
               <a:t>用</a:t>
             </a:r>
             <a:r>
-              <a:rPr lang="en-US" altLang="zh-CN" sz="2000" dirty="0" err="1"/>
+              <a:rPr lang="en-US" altLang="zh-CN" sz="2400" dirty="0" err="1"/>
               <a:t>val</a:t>
             </a:r>
             <a:r>
-              <a:rPr lang="zh-CN" altLang="zh-CN" sz="2000" dirty="0"/>
+              <a:rPr lang="zh-CN" altLang="zh-CN" sz="2400" dirty="0"/>
               <a:t>声明，变了用</a:t>
             </a:r>
             <a:r>
-              <a:rPr lang="en-US" altLang="zh-CN" sz="2000" dirty="0" err="1"/>
+              <a:rPr lang="en-US" altLang="zh-CN" sz="2400" dirty="0" err="1"/>
               <a:t>var</a:t>
             </a:r>
             <a:r>
-              <a:rPr lang="zh-CN" altLang="zh-CN" sz="2000" dirty="0"/>
+              <a:rPr lang="zh-CN" altLang="zh-CN" sz="2400" dirty="0"/>
               <a:t>声明，关键字在前面，类型以冒号</a:t>
             </a:r>
             <a:r>
-              <a:rPr lang="en-US" altLang="zh-CN" sz="2000" dirty="0"/>
+              <a:rPr lang="en-US" altLang="zh-CN" sz="2400" dirty="0"/>
               <a:t>:</a:t>
             </a:r>
             <a:r>
-              <a:rPr lang="zh-CN" altLang="zh-CN" sz="2000" dirty="0"/>
-              <a:t>隔开在后面，也可以省略直接赋值，类型后带问号</a:t>
-            </a:r>
-            <a:r>
-              <a:rPr lang="en-US" altLang="zh-CN" sz="2000" dirty="0"/>
-              <a:t>?</a:t>
-            </a:r>
-            <a:r>
-              <a:rPr lang="zh-CN" altLang="zh-CN" sz="2000" dirty="0"/>
-              <a:t>表示可为空类型</a:t>
-            </a:r>
-            <a:r>
-              <a:rPr lang="en-US" altLang="zh-CN" sz="2000" dirty="0"/>
+              <a:rPr lang="zh-CN" altLang="zh-CN" sz="2400" dirty="0" smtClean="0"/>
+              <a:t>隔开</a:t>
+            </a:r>
+            <a:r>
+              <a:rPr lang="zh-CN" altLang="en-US" sz="2400" dirty="0" smtClean="0"/>
+              <a:t>放在</a:t>
+            </a:r>
+            <a:r>
+              <a:rPr lang="zh-CN" altLang="zh-CN" sz="2400" dirty="0" smtClean="0"/>
+              <a:t>在</a:t>
+            </a:r>
+            <a:r>
+              <a:rPr lang="zh-CN" altLang="zh-CN" sz="2400" dirty="0"/>
+              <a:t>后面，也可以省略直接赋值，类型后带问号</a:t>
+            </a:r>
+            <a:r>
+              <a:rPr lang="en-US" altLang="zh-CN" sz="2400" dirty="0" smtClean="0"/>
+              <a:t>?   </a:t>
+            </a:r>
+            <a:r>
+              <a:rPr lang="zh-CN" altLang="zh-CN" sz="2400" dirty="0" smtClean="0"/>
+              <a:t>表示</a:t>
+            </a:r>
+            <a:r>
+              <a:rPr lang="zh-CN" altLang="zh-CN" sz="2400" dirty="0"/>
+              <a:t>可为空类型</a:t>
+            </a:r>
+            <a:r>
+              <a:rPr lang="en-US" altLang="zh-CN" sz="2400" dirty="0"/>
               <a:t>(</a:t>
             </a:r>
             <a:r>
-              <a:rPr lang="zh-CN" altLang="zh-CN" sz="2000" dirty="0"/>
+              <a:rPr lang="zh-CN" altLang="zh-CN" sz="2400" dirty="0"/>
               <a:t>默认空安全</a:t>
             </a:r>
             <a:r>
-              <a:rPr lang="en-US" altLang="zh-CN" sz="2000" dirty="0"/>
+              <a:rPr lang="en-US" altLang="zh-CN" sz="2400" dirty="0"/>
               <a:t>)</a:t>
             </a:r>
             <a:r>
-              <a:rPr lang="zh-CN" altLang="zh-CN" sz="2000" dirty="0" smtClean="0"/>
+              <a:rPr lang="zh-CN" altLang="zh-CN" sz="2400" dirty="0" smtClean="0"/>
               <a:t>。</a:t>
             </a:r>
-            <a:endParaRPr lang="en-US" altLang="zh-CN" sz="2000" dirty="0" smtClean="0"/>
-          </a:p>
-          <a:p>
-            <a:r>
-              <a:rPr lang="en-US" altLang="zh-CN" sz="2000" dirty="0">
+            <a:endParaRPr lang="en-US" altLang="zh-CN" sz="2400" dirty="0" smtClean="0"/>
+          </a:p>
+          <a:p>
+            <a:endParaRPr lang="en-US" altLang="zh-CN" sz="2400" dirty="0" smtClean="0"/>
+          </a:p>
+          <a:p>
+            <a:r>
+              <a:rPr lang="en-US" altLang="zh-CN" sz="2400" dirty="0" smtClean="0">
                 <a:solidFill>
                   <a:srgbClr val="808080"/>
                 </a:solidFill>
               </a:rPr>
+              <a:t>//java</a:t>
+            </a:r>
+            <a:r>
+              <a:rPr lang="zh-CN" altLang="en-US" sz="2400" dirty="0" smtClean="0">
+                <a:solidFill>
+                  <a:srgbClr val="808080"/>
+                </a:solidFill>
+                <a:latin typeface="宋体"/>
+              </a:rPr>
+              <a:t>常量</a:t>
+            </a:r>
+            <a:r>
+              <a:rPr lang="zh-CN" altLang="en-US" sz="2400" dirty="0">
+                <a:solidFill>
+                  <a:srgbClr val="808080"/>
+                </a:solidFill>
+                <a:latin typeface="宋体"/>
+              </a:rPr>
+              <a:t>数组</a:t>
+            </a:r>
+            <a:r>
+              <a:rPr lang="en-US" altLang="zh-CN" sz="2400" dirty="0" err="1">
+                <a:solidFill>
+                  <a:srgbClr val="808080"/>
+                </a:solidFill>
+              </a:rPr>
+              <a:t>int</a:t>
+            </a:r>
+            <a:r>
+              <a:rPr lang="en-US" altLang="zh-CN" sz="2400" dirty="0">
+                <a:solidFill>
+                  <a:srgbClr val="808080"/>
+                </a:solidFill>
+              </a:rPr>
+              <a:t>[][][] </a:t>
+            </a:r>
+            <a:r>
+              <a:rPr lang="en-US" altLang="zh-CN" sz="2400" dirty="0" err="1">
+                <a:solidFill>
+                  <a:srgbClr val="808080"/>
+                </a:solidFill>
+              </a:rPr>
+              <a:t>arrs</a:t>
+            </a:r>
+            <a:r>
+              <a:rPr lang="en-US" altLang="zh-CN" sz="2400" dirty="0">
+                <a:solidFill>
+                  <a:srgbClr val="808080"/>
+                </a:solidFill>
+              </a:rPr>
+              <a:t> = new </a:t>
+            </a:r>
+            <a:r>
+              <a:rPr lang="en-US" altLang="zh-CN" sz="2400" dirty="0" err="1">
+                <a:solidFill>
+                  <a:srgbClr val="808080"/>
+                </a:solidFill>
+              </a:rPr>
+              <a:t>int</a:t>
+            </a:r>
+            <a:r>
+              <a:rPr lang="en-US" altLang="zh-CN" sz="2400" dirty="0">
+                <a:solidFill>
+                  <a:srgbClr val="808080"/>
+                </a:solidFill>
+              </a:rPr>
+              <a:t>[3][2][1];</a:t>
+            </a:r>
+            <a:br>
+              <a:rPr lang="en-US" altLang="zh-CN" sz="2400" dirty="0">
+                <a:solidFill>
+                  <a:srgbClr val="808080"/>
+                </a:solidFill>
+              </a:rPr>
+            </a:br>
+            <a:r>
+              <a:rPr lang="en-US" altLang="zh-CN" sz="2400" dirty="0" err="1">
+                <a:solidFill>
+                  <a:srgbClr val="CC7832"/>
+                </a:solidFill>
+              </a:rPr>
+              <a:t>val</a:t>
+            </a:r>
+            <a:r>
+              <a:rPr lang="en-US" altLang="zh-CN" sz="2400" dirty="0">
+                <a:solidFill>
+                  <a:srgbClr val="CC7832"/>
+                </a:solidFill>
+              </a:rPr>
+              <a:t> </a:t>
+            </a:r>
+            <a:r>
+              <a:rPr lang="en-US" altLang="zh-CN" sz="2400" dirty="0" err="1"/>
+              <a:t>arrs</a:t>
+            </a:r>
+            <a:r>
+              <a:rPr lang="en-US" altLang="zh-CN" sz="2400" dirty="0"/>
+              <a:t> = Array(</a:t>
+            </a:r>
+            <a:r>
+              <a:rPr lang="en-US" altLang="zh-CN" sz="2400" dirty="0">
+                <a:solidFill>
+                  <a:srgbClr val="6897BB"/>
+                </a:solidFill>
+              </a:rPr>
+              <a:t>3</a:t>
+            </a:r>
+            <a:r>
+              <a:rPr lang="en-US" altLang="zh-CN" sz="2400" dirty="0"/>
+              <a:t>) </a:t>
+            </a:r>
+            <a:r>
+              <a:rPr lang="en-US" altLang="zh-CN" sz="2400" b="1" dirty="0"/>
+              <a:t>{ </a:t>
+            </a:r>
+            <a:r>
+              <a:rPr lang="en-US" altLang="zh-CN" sz="2400" dirty="0"/>
+              <a:t>Array(</a:t>
+            </a:r>
+            <a:r>
+              <a:rPr lang="en-US" altLang="zh-CN" sz="2400" dirty="0">
+                <a:solidFill>
+                  <a:srgbClr val="6897BB"/>
+                </a:solidFill>
+              </a:rPr>
+              <a:t>2</a:t>
+            </a:r>
+            <a:r>
+              <a:rPr lang="en-US" altLang="zh-CN" sz="2400" dirty="0"/>
+              <a:t>) </a:t>
+            </a:r>
+            <a:r>
+              <a:rPr lang="en-US" altLang="zh-CN" sz="2400" b="1" dirty="0"/>
+              <a:t>{ </a:t>
+            </a:r>
+            <a:r>
+              <a:rPr lang="en-US" altLang="zh-CN" sz="2400" dirty="0" err="1"/>
+              <a:t>IntArray</a:t>
+            </a:r>
+            <a:r>
+              <a:rPr lang="en-US" altLang="zh-CN" sz="2400" dirty="0"/>
+              <a:t>(</a:t>
+            </a:r>
+            <a:r>
+              <a:rPr lang="en-US" altLang="zh-CN" sz="2400" dirty="0">
+                <a:solidFill>
+                  <a:srgbClr val="6897BB"/>
+                </a:solidFill>
+              </a:rPr>
+              <a:t>1</a:t>
+            </a:r>
+            <a:r>
+              <a:rPr lang="en-US" altLang="zh-CN" sz="2400" dirty="0"/>
+              <a:t>) </a:t>
+            </a:r>
+            <a:r>
+              <a:rPr lang="en-US" altLang="zh-CN" sz="2400" b="1" dirty="0"/>
+              <a:t>} }</a:t>
+            </a:r>
+            <a:br>
+              <a:rPr lang="en-US" altLang="zh-CN" sz="2400" b="1" dirty="0"/>
+            </a:br>
+            <a:r>
+              <a:rPr lang="en-US" altLang="zh-CN" sz="2400" dirty="0" smtClean="0">
+                <a:solidFill>
+                  <a:srgbClr val="808080"/>
+                </a:solidFill>
+              </a:rPr>
               <a:t>//</a:t>
             </a:r>
             <a:r>
-              <a:rPr lang="zh-CN" altLang="en-US" sz="2000" dirty="0">
+              <a:rPr lang="zh-CN" altLang="en-US" sz="2400" dirty="0" smtClean="0">
                 <a:solidFill>
                   <a:srgbClr val="808080"/>
                 </a:solidFill>
+              </a:rPr>
+              <a:t>下面</a:t>
+            </a:r>
+            <a:r>
+              <a:rPr lang="zh-CN" altLang="en-US" sz="2400" dirty="0" smtClean="0">
+                <a:solidFill>
+                  <a:srgbClr val="808080"/>
+                </a:solidFill>
                 <a:latin typeface="宋体"/>
               </a:rPr>
-              <a:t>常量数组</a:t>
-            </a:r>
-            <a:r>
-              <a:rPr lang="en-US" altLang="zh-CN" sz="2000" dirty="0" err="1">
+              <a:t>空</a:t>
+            </a:r>
+            <a:r>
+              <a:rPr lang="zh-CN" altLang="en-US" sz="2400" dirty="0">
                 <a:solidFill>
                   <a:srgbClr val="808080"/>
                 </a:solidFill>
-              </a:rPr>
-              <a:t>int</a:t>
-            </a:r>
-            <a:r>
-              <a:rPr lang="en-US" altLang="zh-CN" sz="2000" dirty="0">
+                <a:latin typeface="宋体"/>
+              </a:rPr>
+              <a:t>安全变量</a:t>
+            </a:r>
+            <a:br>
+              <a:rPr lang="zh-CN" altLang="en-US" sz="2400" dirty="0">
                 <a:solidFill>
                   <a:srgbClr val="808080"/>
                 </a:solidFill>
-              </a:rPr>
-              <a:t>[][][] </a:t>
-            </a:r>
-            <a:r>
-              <a:rPr lang="en-US" altLang="zh-CN" sz="2000" dirty="0" err="1">
+                <a:latin typeface="宋体"/>
+              </a:rPr>
+            </a:br>
+            <a:r>
+              <a:rPr lang="en-US" altLang="zh-CN" sz="2400" dirty="0" err="1">
+                <a:solidFill>
+                  <a:srgbClr val="CC7832"/>
+                </a:solidFill>
+              </a:rPr>
+              <a:t>var</a:t>
+            </a:r>
+            <a:r>
+              <a:rPr lang="en-US" altLang="zh-CN" sz="2400" dirty="0">
+                <a:solidFill>
+                  <a:srgbClr val="CC7832"/>
+                </a:solidFill>
+              </a:rPr>
+              <a:t> </a:t>
+            </a:r>
+            <a:r>
+              <a:rPr lang="en-US" altLang="zh-CN" sz="2400" dirty="0" err="1"/>
+              <a:t>str</a:t>
+            </a:r>
+            <a:r>
+              <a:rPr lang="en-US" altLang="zh-CN" sz="2400" dirty="0"/>
+              <a:t>: String = </a:t>
+            </a:r>
+            <a:r>
+              <a:rPr lang="en-US" altLang="zh-CN" sz="2400" dirty="0" smtClean="0">
+                <a:solidFill>
+                  <a:srgbClr val="6A8759"/>
+                </a:solidFill>
+              </a:rPr>
+              <a:t>“hello”</a:t>
+            </a:r>
+            <a:r>
+              <a:rPr lang="en-US" altLang="zh-CN" sz="2400" dirty="0">
+                <a:solidFill>
+                  <a:srgbClr val="6A8759"/>
+                </a:solidFill>
+              </a:rPr>
+              <a:t/>
+            </a:r>
+            <a:br>
+              <a:rPr lang="en-US" altLang="zh-CN" sz="2400" dirty="0">
+                <a:solidFill>
+                  <a:srgbClr val="6A8759"/>
+                </a:solidFill>
+              </a:rPr>
+            </a:br>
+            <a:r>
+              <a:rPr lang="en-US" altLang="zh-CN" sz="2400" dirty="0" err="1">
+                <a:solidFill>
+                  <a:srgbClr val="CC7832"/>
+                </a:solidFill>
+              </a:rPr>
+              <a:t>var</a:t>
+            </a:r>
+            <a:r>
+              <a:rPr lang="en-US" altLang="zh-CN" sz="2400" dirty="0">
+                <a:solidFill>
+                  <a:srgbClr val="CC7832"/>
+                </a:solidFill>
+              </a:rPr>
+              <a:t> </a:t>
+            </a:r>
+            <a:r>
+              <a:rPr lang="en-US" altLang="zh-CN" sz="2400" dirty="0"/>
+              <a:t>str1 = </a:t>
+            </a:r>
+            <a:r>
+              <a:rPr lang="en-US" altLang="zh-CN" sz="2400" dirty="0" smtClean="0">
+                <a:solidFill>
+                  <a:srgbClr val="6A8759"/>
+                </a:solidFill>
+              </a:rPr>
+              <a:t>“word”</a:t>
+            </a:r>
+            <a:r>
+              <a:rPr lang="en-US" altLang="zh-CN" sz="2400" dirty="0">
+                <a:solidFill>
+                  <a:srgbClr val="6A8759"/>
+                </a:solidFill>
+              </a:rPr>
+              <a:t/>
+            </a:r>
+            <a:br>
+              <a:rPr lang="en-US" altLang="zh-CN" sz="2400" dirty="0">
+                <a:solidFill>
+                  <a:srgbClr val="6A8759"/>
+                </a:solidFill>
+              </a:rPr>
+            </a:br>
+            <a:r>
+              <a:rPr lang="en-US" altLang="zh-CN" sz="2400" dirty="0" smtClean="0">
                 <a:solidFill>
                   <a:srgbClr val="808080"/>
                 </a:solidFill>
               </a:rPr>
-              <a:t>arrs</a:t>
-            </a:r>
-            <a:r>
-              <a:rPr lang="en-US" altLang="zh-CN" sz="2000" dirty="0">
+              <a:t>//</a:t>
+            </a:r>
+            <a:r>
+              <a:rPr lang="zh-CN" altLang="en-US" sz="2400" dirty="0" smtClean="0">
                 <a:solidFill>
                   <a:srgbClr val="808080"/>
                 </a:solidFill>
               </a:rPr>
-              <a:t> = new </a:t>
-            </a:r>
-            <a:r>
-              <a:rPr lang="en-US" altLang="zh-CN" sz="2000" dirty="0" err="1">
+              <a:t>下面是</a:t>
+            </a:r>
+            <a:r>
+              <a:rPr lang="zh-CN" altLang="en-US" sz="2400" dirty="0" smtClean="0">
                 <a:solidFill>
                   <a:srgbClr val="808080"/>
                 </a:solidFill>
-              </a:rPr>
-              <a:t>int</a:t>
-            </a:r>
-            <a:r>
-              <a:rPr lang="en-US" altLang="zh-CN" sz="2000" dirty="0">
+                <a:latin typeface="宋体"/>
+              </a:rPr>
+              <a:t>可</a:t>
+            </a:r>
+            <a:r>
+              <a:rPr lang="zh-CN" altLang="en-US" sz="2400" dirty="0">
                 <a:solidFill>
                   <a:srgbClr val="808080"/>
                 </a:solidFill>
-              </a:rPr>
-              <a:t>[3][2][1];</a:t>
+                <a:latin typeface="宋体"/>
+              </a:rPr>
+              <a:t>为空字符串变量</a:t>
             </a:r>
             <a:br>
-              <a:rPr lang="en-US" altLang="zh-CN" sz="2000" dirty="0">
+              <a:rPr lang="zh-CN" altLang="en-US" sz="2400" dirty="0">
                 <a:solidFill>
                   <a:srgbClr val="808080"/>
                 </a:solidFill>
+                <a:latin typeface="宋体"/>
               </a:rPr>
             </a:br>
             <a:r>
-              <a:rPr lang="en-US" altLang="zh-CN" sz="2000" dirty="0" err="1">
-                <a:solidFill>
-                  <a:srgbClr val="CC7832"/>
-                </a:solidFill>
-              </a:rPr>
-              <a:t>val</a:t>
-            </a:r>
-            <a:r>
-              <a:rPr lang="en-US" altLang="zh-CN" sz="2000" dirty="0">
+              <a:rPr lang="en-US" altLang="zh-CN" sz="2400" dirty="0" err="1">
+                <a:solidFill>
+                  <a:srgbClr val="CC7832"/>
+                </a:solidFill>
+              </a:rPr>
+              <a:t>var</a:t>
+            </a:r>
+            <a:r>
+              <a:rPr lang="en-US" altLang="zh-CN" sz="2400" dirty="0">
                 <a:solidFill>
                   <a:srgbClr val="CC7832"/>
                 </a:solidFill>
@@ -20028,267 +21080,18 @@
               <a:t> </a:t>
             </a:r>
             <a:r>
-              <a:rPr lang="en-US" altLang="zh-CN" sz="2000" dirty="0" err="1"/>
-              <a:t>arrs</a:t>
-            </a:r>
-            <a:r>
-              <a:rPr lang="en-US" altLang="zh-CN" sz="2000" dirty="0"/>
-              <a:t> = Array(</a:t>
-            </a:r>
-            <a:r>
-              <a:rPr lang="en-US" altLang="zh-CN" sz="2000" dirty="0">
-                <a:solidFill>
-                  <a:srgbClr val="6897BB"/>
-                </a:solidFill>
-              </a:rPr>
-              <a:t>3</a:t>
-            </a:r>
-            <a:r>
-              <a:rPr lang="en-US" altLang="zh-CN" sz="2000" dirty="0"/>
-              <a:t>) </a:t>
-            </a:r>
-            <a:r>
-              <a:rPr lang="en-US" altLang="zh-CN" sz="2000" b="1" dirty="0"/>
-              <a:t>{ </a:t>
-            </a:r>
-            <a:r>
-              <a:rPr lang="en-US" altLang="zh-CN" sz="2000" dirty="0"/>
-              <a:t>Array(</a:t>
-            </a:r>
-            <a:r>
-              <a:rPr lang="en-US" altLang="zh-CN" sz="2000" dirty="0">
-                <a:solidFill>
-                  <a:srgbClr val="6897BB"/>
-                </a:solidFill>
-              </a:rPr>
-              <a:t>2</a:t>
-            </a:r>
-            <a:r>
-              <a:rPr lang="en-US" altLang="zh-CN" sz="2000" dirty="0"/>
-              <a:t>) </a:t>
-            </a:r>
-            <a:r>
-              <a:rPr lang="en-US" altLang="zh-CN" sz="2000" b="1" dirty="0"/>
-              <a:t>{ </a:t>
-            </a:r>
-            <a:r>
-              <a:rPr lang="en-US" altLang="zh-CN" sz="2000" dirty="0" err="1"/>
-              <a:t>IntArray</a:t>
-            </a:r>
-            <a:r>
-              <a:rPr lang="en-US" altLang="zh-CN" sz="2000" dirty="0"/>
-              <a:t>(</a:t>
-            </a:r>
-            <a:r>
-              <a:rPr lang="en-US" altLang="zh-CN" sz="2000" dirty="0">
-                <a:solidFill>
-                  <a:srgbClr val="6897BB"/>
-                </a:solidFill>
-              </a:rPr>
-              <a:t>1</a:t>
-            </a:r>
-            <a:r>
-              <a:rPr lang="en-US" altLang="zh-CN" sz="2000" dirty="0"/>
-              <a:t>) </a:t>
-            </a:r>
-            <a:r>
-              <a:rPr lang="en-US" altLang="zh-CN" sz="2000" b="1" dirty="0"/>
-              <a:t>} }</a:t>
-            </a:r>
-            <a:br>
-              <a:rPr lang="en-US" altLang="zh-CN" sz="2000" b="1" dirty="0"/>
-            </a:br>
-            <a:r>
-              <a:rPr lang="en-US" altLang="zh-CN" sz="2000" dirty="0">
-                <a:solidFill>
-                  <a:srgbClr val="808080"/>
-                </a:solidFill>
-              </a:rPr>
-              <a:t>//</a:t>
-            </a:r>
-            <a:r>
-              <a:rPr lang="zh-CN" altLang="en-US" sz="2000" dirty="0">
-                <a:solidFill>
-                  <a:srgbClr val="808080"/>
-                </a:solidFill>
-                <a:latin typeface="宋体"/>
-              </a:rPr>
-              <a:t>空安全变量</a:t>
-            </a:r>
-            <a:br>
-              <a:rPr lang="zh-CN" altLang="en-US" sz="2000" dirty="0">
-                <a:solidFill>
-                  <a:srgbClr val="808080"/>
-                </a:solidFill>
-                <a:latin typeface="宋体"/>
-              </a:rPr>
-            </a:br>
-            <a:r>
-              <a:rPr lang="en-US" altLang="zh-CN" sz="2000" dirty="0" err="1">
-                <a:solidFill>
-                  <a:srgbClr val="CC7832"/>
-                </a:solidFill>
-              </a:rPr>
-              <a:t>var</a:t>
-            </a:r>
-            <a:r>
-              <a:rPr lang="en-US" altLang="zh-CN" sz="2000" dirty="0">
-                <a:solidFill>
-                  <a:srgbClr val="CC7832"/>
-                </a:solidFill>
-              </a:rPr>
-              <a:t> </a:t>
-            </a:r>
-            <a:r>
-              <a:rPr lang="en-US" altLang="zh-CN" sz="2000" dirty="0" err="1"/>
-              <a:t>str</a:t>
-            </a:r>
-            <a:r>
-              <a:rPr lang="en-US" altLang="zh-CN" sz="2000" dirty="0"/>
-              <a:t>: String = </a:t>
-            </a:r>
-            <a:r>
-              <a:rPr lang="en-US" altLang="zh-CN" sz="2000" dirty="0">
-                <a:solidFill>
-                  <a:srgbClr val="6A8759"/>
-                </a:solidFill>
-              </a:rPr>
-              <a:t>"hello</a:t>
-            </a:r>
-            <a:r>
-              <a:rPr lang="en-US" altLang="zh-CN" sz="2000" dirty="0" smtClean="0">
-                <a:solidFill>
-                  <a:srgbClr val="6A8759"/>
-                </a:solidFill>
-              </a:rPr>
-              <a:t>"</a:t>
-            </a:r>
-            <a:r>
-              <a:rPr lang="en-US" altLang="zh-CN" sz="2000" dirty="0">
-                <a:solidFill>
-                  <a:srgbClr val="6A8759"/>
-                </a:solidFill>
-              </a:rPr>
-              <a:t/>
-            </a:r>
-            <a:br>
-              <a:rPr lang="en-US" altLang="zh-CN" sz="2000" dirty="0">
-                <a:solidFill>
-                  <a:srgbClr val="6A8759"/>
-                </a:solidFill>
-              </a:rPr>
-            </a:br>
-            <a:r>
-              <a:rPr lang="en-US" altLang="zh-CN" sz="2000" dirty="0" err="1">
-                <a:solidFill>
-                  <a:srgbClr val="CC7832"/>
-                </a:solidFill>
-              </a:rPr>
-              <a:t>var</a:t>
-            </a:r>
-            <a:r>
-              <a:rPr lang="en-US" altLang="zh-CN" sz="2000" dirty="0">
-                <a:solidFill>
-                  <a:srgbClr val="CC7832"/>
-                </a:solidFill>
-              </a:rPr>
-              <a:t> </a:t>
-            </a:r>
-            <a:r>
-              <a:rPr lang="en-US" altLang="zh-CN" sz="2000" dirty="0"/>
-              <a:t>str1 = </a:t>
-            </a:r>
-            <a:r>
-              <a:rPr lang="en-US" altLang="zh-CN" sz="2000" dirty="0">
-                <a:solidFill>
-                  <a:srgbClr val="6A8759"/>
-                </a:solidFill>
-              </a:rPr>
-              <a:t>"word</a:t>
-            </a:r>
-            <a:r>
-              <a:rPr lang="en-US" altLang="zh-CN" sz="2000" dirty="0" smtClean="0">
-                <a:solidFill>
-                  <a:srgbClr val="6A8759"/>
-                </a:solidFill>
-              </a:rPr>
-              <a:t>"</a:t>
-            </a:r>
-            <a:r>
-              <a:rPr lang="en-US" altLang="zh-CN" sz="2000" dirty="0">
-                <a:solidFill>
-                  <a:srgbClr val="6A8759"/>
-                </a:solidFill>
-              </a:rPr>
-              <a:t/>
-            </a:r>
-            <a:br>
-              <a:rPr lang="en-US" altLang="zh-CN" sz="2000" dirty="0">
-                <a:solidFill>
-                  <a:srgbClr val="6A8759"/>
-                </a:solidFill>
-              </a:rPr>
-            </a:br>
-            <a:r>
-              <a:rPr lang="en-US" altLang="zh-CN" sz="2000" dirty="0">
-                <a:solidFill>
-                  <a:srgbClr val="808080"/>
-                </a:solidFill>
-              </a:rPr>
-              <a:t>//</a:t>
-            </a:r>
-            <a:r>
-              <a:rPr lang="zh-CN" altLang="en-US" sz="2000" dirty="0">
-                <a:solidFill>
-                  <a:srgbClr val="808080"/>
-                </a:solidFill>
-                <a:latin typeface="宋体"/>
-              </a:rPr>
-              <a:t>可为空字符串变量</a:t>
-            </a:r>
-            <a:br>
-              <a:rPr lang="zh-CN" altLang="en-US" sz="2000" dirty="0">
-                <a:solidFill>
-                  <a:srgbClr val="808080"/>
-                </a:solidFill>
-                <a:latin typeface="宋体"/>
-              </a:rPr>
-            </a:br>
-            <a:r>
-              <a:rPr lang="en-US" altLang="zh-CN" sz="2000" dirty="0" err="1">
-                <a:solidFill>
-                  <a:srgbClr val="CC7832"/>
-                </a:solidFill>
-              </a:rPr>
-              <a:t>var</a:t>
-            </a:r>
-            <a:r>
-              <a:rPr lang="en-US" altLang="zh-CN" sz="2000" dirty="0">
-                <a:solidFill>
-                  <a:srgbClr val="CC7832"/>
-                </a:solidFill>
-              </a:rPr>
-              <a:t> </a:t>
-            </a:r>
-            <a:r>
-              <a:rPr lang="en-US" altLang="zh-CN" sz="2000" dirty="0"/>
+              <a:rPr lang="en-US" altLang="zh-CN" sz="2400" dirty="0"/>
               <a:t>str2: String? = </a:t>
             </a:r>
             <a:r>
-              <a:rPr lang="en-US" altLang="zh-CN" sz="2000" dirty="0">
+              <a:rPr lang="en-US" altLang="zh-CN" sz="2400" dirty="0" smtClean="0">
                 <a:solidFill>
                   <a:srgbClr val="CC7832"/>
                 </a:solidFill>
               </a:rPr>
               <a:t>null</a:t>
             </a:r>
-            <a:endParaRPr lang="en-US" altLang="zh-CN" sz="2000" dirty="0"/>
-          </a:p>
-          <a:p>
-            <a:endParaRPr lang="zh-CN" altLang="zh-CN" sz="2000" dirty="0"/>
-          </a:p>
-          <a:p>
-            <a:endParaRPr lang="zh-CN" altLang="en-US" dirty="0"/>
+            <a:endParaRPr lang="zh-CN" altLang="en-US" sz="2400" dirty="0"/>
           </a:p>
         </p:txBody>
       </p:sp>
@@ -20353,6 +21156,14 @@
   <p:clrMapOvr>
     <a:masterClrMapping/>
   </p:clrMapOvr>
+  <mc:AlternateContent xmlns:mc="http://schemas.openxmlformats.org/markup-compatibility/2006">
+    <mc:Choice xmlns:p14="http://schemas.microsoft.com/office/powerpoint/2010/main" Requires="p14">
+      <p:transition spd="slow" p14:dur="2000"/>
+    </mc:Choice>
+    <mc:Fallback>
+      <p:transition spd="slow"/>
+    </mc:Fallback>
+  </mc:AlternateContent>
   <p:timing>
     <p:tnLst>
       <p:par>
@@ -20428,7 +21239,7 @@
         <p:spPr>
           <a:xfrm>
             <a:off x="457200" y="908720"/>
-            <a:ext cx="8229600" cy="5217443"/>
+            <a:ext cx="7283152" cy="5217443"/>
           </a:xfrm>
         </p:spPr>
         <p:txBody>
@@ -20438,93 +21249,93 @@
           <a:lstStyle/>
           <a:p>
             <a:r>
-              <a:rPr lang="zh-CN" altLang="en-US" sz="1800" dirty="0"/>
+              <a:rPr lang="zh-CN" altLang="en-US" sz="2800" dirty="0"/>
               <a:t>在 </a:t>
             </a:r>
             <a:r>
-              <a:rPr lang="en-US" altLang="zh-CN" sz="1800" dirty="0" err="1"/>
+              <a:rPr lang="en-US" altLang="zh-CN" sz="2800" dirty="0" err="1"/>
               <a:t>Kotlin</a:t>
             </a:r>
             <a:r>
-              <a:rPr lang="en-US" altLang="zh-CN" sz="1800" dirty="0"/>
+              <a:rPr lang="en-US" altLang="zh-CN" sz="2800" dirty="0"/>
               <a:t> </a:t>
             </a:r>
             <a:r>
-              <a:rPr lang="zh-CN" altLang="en-US" sz="1800" dirty="0"/>
+              <a:rPr lang="zh-CN" altLang="en-US" sz="2800" dirty="0"/>
               <a:t>中有四种修饰词：</a:t>
             </a:r>
             <a:r>
-              <a:rPr lang="en-US" altLang="zh-CN" sz="1800" dirty="0"/>
+              <a:rPr lang="en-US" altLang="zh-CN" sz="2800" dirty="0"/>
               <a:t>private</a:t>
             </a:r>
             <a:r>
-              <a:rPr lang="en-US" altLang="zh-CN" sz="1800" dirty="0" smtClean="0"/>
+              <a:rPr lang="en-US" altLang="zh-CN" sz="2800" dirty="0" smtClean="0"/>
               <a:t>, protected, internal</a:t>
             </a:r>
             <a:r>
-              <a:rPr lang="en-US" altLang="zh-CN" sz="1800" dirty="0"/>
+              <a:rPr lang="en-US" altLang="zh-CN" sz="2800" dirty="0"/>
               <a:t>,</a:t>
             </a:r>
             <a:r>
-              <a:rPr lang="zh-CN" altLang="en-US" sz="1800" dirty="0"/>
+              <a:rPr lang="zh-CN" altLang="en-US" sz="2800" dirty="0"/>
               <a:t>以及 </a:t>
             </a:r>
             <a:r>
-              <a:rPr lang="en-US" altLang="zh-CN" sz="1800" dirty="0"/>
+              <a:rPr lang="en-US" altLang="zh-CN" sz="2800" dirty="0"/>
               <a:t>public </a:t>
             </a:r>
             <a:r>
-              <a:rPr lang="zh-CN" altLang="en-US" sz="1800" dirty="0"/>
+              <a:rPr lang="zh-CN" altLang="en-US" sz="2800" dirty="0"/>
               <a:t>。默认的修饰符是 </a:t>
             </a:r>
             <a:r>
-              <a:rPr lang="en-US" altLang="zh-CN" sz="1800" dirty="0"/>
+              <a:rPr lang="en-US" altLang="zh-CN" sz="2800" dirty="0"/>
               <a:t>public</a:t>
             </a:r>
             <a:r>
-              <a:rPr lang="zh-CN" altLang="en-US" sz="1800" dirty="0"/>
+              <a:rPr lang="zh-CN" altLang="en-US" sz="2800" dirty="0"/>
               <a:t>。 </a:t>
             </a:r>
-            <a:endParaRPr lang="en-US" altLang="zh-CN" sz="1800" dirty="0" smtClean="0"/>
-          </a:p>
-          <a:p>
-            <a:r>
-              <a:rPr lang="zh-CN" altLang="en-US" sz="1800" dirty="0" smtClean="0"/>
+            <a:endParaRPr lang="en-US" altLang="zh-CN" sz="2800" dirty="0" smtClean="0"/>
+          </a:p>
+          <a:p>
+            <a:r>
+              <a:rPr lang="zh-CN" altLang="en-US" sz="2800" dirty="0" smtClean="0"/>
               <a:t>需要注意的是</a:t>
             </a:r>
             <a:r>
-              <a:rPr lang="en-US" altLang="zh-CN" sz="1800" dirty="0" smtClean="0"/>
+              <a:rPr lang="en-US" altLang="zh-CN" sz="2800" dirty="0" smtClean="0"/>
               <a:t>internal </a:t>
             </a:r>
             <a:r>
-              <a:rPr lang="zh-CN" altLang="en-US" sz="1800" dirty="0" smtClean="0"/>
+              <a:rPr lang="zh-CN" altLang="en-US" sz="2800" dirty="0" smtClean="0"/>
               <a:t>是模块可见</a:t>
             </a:r>
             <a:r>
-              <a:rPr lang="en-US" altLang="zh-CN" sz="1800" dirty="0" smtClean="0"/>
+              <a:rPr lang="en-US" altLang="zh-CN" sz="2800" dirty="0" smtClean="0"/>
               <a:t>, </a:t>
             </a:r>
             <a:r>
-              <a:rPr lang="zh-CN" altLang="en-US" sz="1800" dirty="0" smtClean="0"/>
+              <a:rPr lang="zh-CN" altLang="en-US" sz="2800" dirty="0" smtClean="0"/>
               <a:t>就是在相同模块下的</a:t>
             </a:r>
             <a:r>
-              <a:rPr lang="en-US" altLang="zh-CN" sz="1800" dirty="0" smtClean="0"/>
+              <a:rPr lang="en-US" altLang="zh-CN" sz="2800" dirty="0" smtClean="0"/>
               <a:t>public, </a:t>
             </a:r>
             <a:r>
-              <a:rPr lang="zh-CN" altLang="en-US" sz="1800" dirty="0" smtClean="0"/>
+              <a:rPr lang="zh-CN" altLang="en-US" sz="2800" dirty="0" smtClean="0"/>
               <a:t>对于其他模块则是</a:t>
             </a:r>
             <a:r>
-              <a:rPr lang="en-US" altLang="zh-CN" sz="1800" dirty="0" smtClean="0"/>
+              <a:rPr lang="en-US" altLang="zh-CN" sz="2800" dirty="0" smtClean="0"/>
               <a:t>private</a:t>
             </a:r>
             <a:r>
-              <a:rPr lang="zh-CN" altLang="en-US" sz="1800" dirty="0" smtClean="0"/>
+              <a:rPr lang="zh-CN" altLang="en-US" sz="2800" dirty="0" smtClean="0"/>
               <a:t>的意思</a:t>
             </a:r>
-            <a:endParaRPr lang="zh-CN" altLang="en-US" sz="1800" dirty="0"/>
+            <a:endParaRPr lang="zh-CN" altLang="en-US" sz="2800" dirty="0"/>
           </a:p>
         </p:txBody>
       </p:sp>
@@ -20538,6 +21349,14 @@
   <p:clrMapOvr>
     <a:masterClrMapping/>
   </p:clrMapOvr>
+  <mc:AlternateContent xmlns:mc="http://schemas.openxmlformats.org/markup-compatibility/2006">
+    <mc:Choice xmlns:p14="http://schemas.microsoft.com/office/powerpoint/2010/main" Requires="p14">
+      <p:transition spd="slow" p14:dur="2000"/>
+    </mc:Choice>
+    <mc:Fallback>
+      <p:transition spd="slow"/>
+    </mc:Fallback>
+  </mc:AlternateContent>
   <p:timing>
     <p:tnLst>
       <p:par>
@@ -20590,7 +21409,7 @@
             <a:pPr algn="l"/>
             <a:r>
               <a:rPr lang="en-US" altLang="zh-CN" sz="2800" dirty="0" smtClean="0"/>
-              <a:t>4</a:t>
+              <a:t>4 </a:t>
             </a:r>
             <a:r>
               <a:rPr lang="zh-CN" altLang="en-US" sz="2800" dirty="0" smtClean="0"/>
@@ -20602,7 +21421,11 @@
             </a:r>
             <a:r>
               <a:rPr lang="zh-CN" altLang="en-US" sz="2800" dirty="0" smtClean="0"/>
-              <a:t>表达式  </a:t>
+              <a:t>表达式 </a:t>
+            </a:r>
+            <a:r>
+              <a:rPr lang="zh-CN" altLang="en-US" sz="2800" dirty="0" smtClean="0"/>
+              <a:t>和 </a:t>
             </a:r>
             <a:r>
               <a:rPr lang="en-US" altLang="zh-CN" sz="2800" dirty="0" smtClean="0"/>
@@ -20629,7 +21452,7 @@
         <p:spPr>
           <a:xfrm>
             <a:off x="457200" y="908720"/>
-            <a:ext cx="8229600" cy="5217443"/>
+            <a:ext cx="7427168" cy="5217443"/>
           </a:xfrm>
         </p:spPr>
         <p:txBody>
@@ -20707,7 +21530,11 @@
             </a:r>
             <a:r>
               <a:rPr lang="en-US" altLang="zh-CN" sz="1800" dirty="0"/>
-              <a:t> a </a:t>
+              <a:t> </a:t>
+            </a:r>
+            <a:r>
+              <a:rPr lang="en-US" altLang="zh-CN" sz="1800" dirty="0" smtClean="0"/>
+              <a:t>a                  </a:t>
             </a:r>
             <a:r>
               <a:rPr lang="en-US" altLang="zh-CN" sz="1800" dirty="0">
@@ -20731,7 +21558,15 @@
             </a:r>
             <a:r>
               <a:rPr lang="en-US" altLang="zh-CN" sz="1800" dirty="0"/>
-              <a:t> b) max </a:t>
+              <a:t> b) </a:t>
+            </a:r>
+            <a:r>
+              <a:rPr lang="en-US" altLang="zh-CN" sz="1800" dirty="0" smtClean="0"/>
+              <a:t>{</a:t>
+            </a:r>
+            <a:r>
+              <a:rPr lang="en-US" altLang="zh-CN" sz="1800" dirty="0" smtClean="0"/>
+              <a:t>max  </a:t>
             </a:r>
             <a:r>
               <a:rPr lang="en-US" altLang="zh-CN" sz="1800" dirty="0">
@@ -20749,14 +21584,14 @@
               <a:rPr lang="en-US" altLang="zh-CN" sz="1800" dirty="0" smtClean="0"/>
               <a:t>b</a:t>
             </a:r>
-          </a:p>
-          <a:p>
             <a:r>
               <a:rPr lang="en-US" altLang="zh-CN" sz="1800" dirty="0" smtClean="0"/>
-              <a:t> </a:t>
-            </a:r>
-            <a:r>
-              <a:rPr lang="en-US" altLang="zh-CN" sz="1800" dirty="0">
+              <a:t>}</a:t>
+            </a:r>
+          </a:p>
+          <a:p>
+            <a:r>
+              <a:rPr lang="en-US" altLang="zh-CN" sz="1800" dirty="0" smtClean="0">
                 <a:solidFill>
                   <a:srgbClr val="969896"/>
                 </a:solidFill>
@@ -20831,7 +21666,11 @@
               <a:t> </a:t>
             </a:r>
             <a:r>
-              <a:rPr lang="en-US" altLang="zh-CN" sz="1800" dirty="0">
+              <a:rPr lang="en-US" altLang="zh-CN" sz="1800" dirty="0" smtClean="0"/>
+              <a:t>                   </a:t>
+            </a:r>
+            <a:r>
+              <a:rPr lang="en-US" altLang="zh-CN" sz="1800" dirty="0" smtClean="0">
                 <a:solidFill>
                   <a:srgbClr val="A71D5D"/>
                 </a:solidFill>
@@ -20839,8 +21678,12 @@
               <a:t>if</a:t>
             </a:r>
             <a:r>
-              <a:rPr lang="en-US" altLang="zh-CN" sz="1800" dirty="0"/>
-              <a:t> (a </a:t>
+              <a:rPr lang="en-US" altLang="zh-CN" sz="1800" dirty="0" smtClean="0"/>
+              <a:t> </a:t>
+            </a:r>
+            <a:r>
+              <a:rPr lang="en-US" altLang="zh-CN" sz="1800" dirty="0"/>
+              <a:t>(a </a:t>
             </a:r>
             <a:r>
               <a:rPr lang="en-US" altLang="zh-CN" sz="1800" dirty="0">
@@ -20896,29 +21739,36 @@
             </a:r>
           </a:p>
           <a:p>
+            <a:endParaRPr lang="en-US" altLang="zh-CN" sz="1800" dirty="0" smtClean="0"/>
+          </a:p>
+          <a:p>
             <a:r>
               <a:rPr lang="en-US" altLang="zh-CN" sz="1800" dirty="0" smtClean="0"/>
               <a:t> </a:t>
             </a:r>
             <a:r>
-              <a:rPr lang="en-US" altLang="zh-CN" sz="1800" dirty="0">
+              <a:rPr lang="en-US" altLang="zh-CN" sz="1800" dirty="0" smtClean="0">
                 <a:solidFill>
                   <a:srgbClr val="969896"/>
                 </a:solidFill>
               </a:rPr>
-              <a:t>//</a:t>
-            </a:r>
-            <a:r>
-              <a:rPr lang="zh-CN" altLang="en-US" sz="1800" dirty="0">
+              <a:t>//if</a:t>
+            </a:r>
+            <a:r>
+              <a:rPr lang="zh-CN" altLang="en-US" sz="1800" dirty="0" smtClean="0">
                 <a:solidFill>
                   <a:srgbClr val="969896"/>
                 </a:solidFill>
               </a:rPr>
-              <a:t>作为表达式</a:t>
-            </a:r>
-            <a:r>
-              <a:rPr lang="zh-CN" altLang="en-US" sz="1800" dirty="0"/>
-              <a:t> </a:t>
+              <a:t>语句可以作为表达式使用</a:t>
+            </a:r>
+            <a:r>
+              <a:rPr lang="en-US" altLang="zh-CN" sz="1800" dirty="0" smtClean="0">
+                <a:solidFill>
+                  <a:srgbClr val="969896"/>
+                </a:solidFill>
+              </a:rPr>
+              <a:t>:</a:t>
             </a:r>
             <a:endParaRPr lang="en-US" altLang="zh-CN" sz="1800" dirty="0" smtClean="0"/>
           </a:p>
@@ -21001,6 +21851,17 @@
             </a:r>
           </a:p>
           <a:p>
+            <a:endParaRPr lang="en-US" altLang="zh-CN" sz="1800" dirty="0" smtClean="0"/>
+          </a:p>
+          <a:p>
+            <a:r>
+              <a:rPr lang="zh-CN" altLang="en-US" sz="1800" dirty="0" smtClean="0"/>
+              <a:t>而更强大的条件判断和赋值则是</a:t>
+            </a:r>
+            <a:r>
+              <a:rPr lang="en-US" altLang="zh-CN" sz="1800" dirty="0" smtClean="0"/>
+              <a:t>when</a:t>
+            </a:r>
             <a:endParaRPr lang="en-US" altLang="zh-CN" sz="1800" dirty="0"/>
           </a:p>
           <a:p>
@@ -21026,7 +21887,11 @@
             </a:r>
             <a:r>
               <a:rPr lang="en-US" altLang="zh-CN" sz="1800" dirty="0"/>
-              <a:t> = </a:t>
+              <a:t> </a:t>
+            </a:r>
+            <a:r>
+              <a:rPr lang="en-US" altLang="zh-CN" sz="1800" dirty="0" smtClean="0"/>
+              <a:t> =  </a:t>
             </a:r>
             <a:r>
               <a:rPr lang="en-US" altLang="zh-CN" sz="1800" dirty="0">
@@ -21117,8 +21982,6 @@
               <a:rPr lang="en-US" altLang="zh-CN" sz="1800" dirty="0" smtClean="0"/>
               <a:t>}</a:t>
             </a:r>
-          </a:p>
-          <a:p>
             <a:endParaRPr lang="en-US" altLang="zh-CN" sz="1800" dirty="0"/>
           </a:p>
           <a:p>
@@ -21155,6 +22018,14 @@
   <p:clrMapOvr>
     <a:masterClrMapping/>
   </p:clrMapOvr>
+  <mc:AlternateContent xmlns:mc="http://schemas.openxmlformats.org/markup-compatibility/2006">
+    <mc:Choice xmlns:p14="http://schemas.microsoft.com/office/powerpoint/2010/main" Requires="p14">
+      <p:transition spd="slow" p14:dur="2000"/>
+    </mc:Choice>
+    <mc:Fallback>
+      <p:transition spd="slow"/>
+    </mc:Fallback>
+  </mc:AlternateContent>
   <p:timing>
     <p:tnLst>
       <p:par>
@@ -21207,11 +22078,15 @@
             <a:pPr algn="l"/>
             <a:r>
               <a:rPr lang="en-US" altLang="zh-CN" sz="2800" dirty="0" smtClean="0"/>
-              <a:t>5</a:t>
+              <a:t>5 </a:t>
             </a:r>
             <a:r>
               <a:rPr lang="zh-CN" altLang="en-US" sz="2800" dirty="0" smtClean="0"/>
-              <a:t> 条件语句</a:t>
+              <a:t> </a:t>
+            </a:r>
+            <a:r>
+              <a:rPr lang="zh-CN" altLang="en-US" sz="2800" dirty="0" smtClean="0"/>
+              <a:t>条件语句</a:t>
             </a:r>
             <a:endParaRPr lang="zh-CN" altLang="en-US" sz="2800" dirty="0"/>
           </a:p>
@@ -21230,7 +22105,7 @@
         <p:spPr>
           <a:xfrm>
             <a:off x="457200" y="908720"/>
-            <a:ext cx="8229600" cy="5217443"/>
+            <a:ext cx="7499176" cy="5217443"/>
           </a:xfrm>
         </p:spPr>
         <p:txBody>
@@ -21357,13 +22232,46 @@
             </a:r>
             <a:r>
               <a:rPr lang="en-US" altLang="zh-CN" sz="1600" dirty="0"/>
-              <a:t>(v) {</a:t>
+              <a:t>(v) </a:t>
+            </a:r>
+            <a:r>
+              <a:rPr lang="en-US" altLang="zh-CN" sz="1600" dirty="0" smtClean="0"/>
+              <a:t>{</a:t>
+            </a:r>
+          </a:p>
+          <a:p>
+            <a:pPr marL="114300" indent="0">
+              <a:buNone/>
+            </a:pPr>
+            <a:r>
+              <a:rPr lang="en-US" altLang="zh-CN" sz="1600" dirty="0"/>
+              <a:t>	</a:t>
+            </a:r>
+            <a:r>
+              <a:rPr lang="zh-CN" altLang="en-US" sz="1600" dirty="0" smtClean="0"/>
+              <a:t>判断条件   </a:t>
+            </a:r>
+            <a:r>
+              <a:rPr lang="en-US" altLang="zh-CN" sz="1600" dirty="0" smtClean="0"/>
+              <a:t>-&gt;   </a:t>
+            </a:r>
+            <a:r>
+              <a:rPr lang="zh-CN" altLang="en-US" sz="1600" dirty="0" smtClean="0"/>
+              <a:t>某个操作或返回值</a:t>
+            </a:r>
+            <a:r>
+              <a:rPr lang="en-US" altLang="zh-CN" sz="1600" dirty="0"/>
+              <a:t/>
             </a:r>
             <a:br>
               <a:rPr lang="en-US" altLang="zh-CN" sz="1600" dirty="0"/>
             </a:br>
             <a:r>
-              <a:rPr lang="en-US" altLang="zh-CN" sz="1600" dirty="0">
+              <a:rPr lang="en-US" altLang="zh-CN" sz="1600" dirty="0" smtClean="0"/>
+              <a:t>	</a:t>
+            </a:r>
+            <a:r>
+              <a:rPr lang="en-US" altLang="zh-CN" sz="1600" dirty="0" smtClean="0">
                 <a:solidFill>
                   <a:srgbClr val="808080"/>
                 </a:solidFill>
@@ -21394,7 +22302,25 @@
                 </a:solidFill>
                 <a:latin typeface="宋体"/>
               </a:rPr>
-              <a:t>    </a:t>
+              <a:t>  </a:t>
+            </a:r>
+            <a:r>
+              <a:rPr lang="en-US" altLang="zh-CN" sz="1600" dirty="0" smtClean="0">
+                <a:solidFill>
+                  <a:srgbClr val="808080"/>
+                </a:solidFill>
+                <a:latin typeface="宋体"/>
+              </a:rPr>
+              <a:t>	</a:t>
+            </a:r>
+            <a:r>
+              <a:rPr lang="zh-CN" altLang="en-US" sz="1600" dirty="0" smtClean="0">
+                <a:solidFill>
+                  <a:srgbClr val="808080"/>
+                </a:solidFill>
+                <a:latin typeface="宋体"/>
+              </a:rPr>
+              <a:t>  </a:t>
             </a:r>
             <a:r>
               <a:rPr lang="en-US" altLang="zh-CN" sz="1600" dirty="0">
@@ -21449,7 +22375,11 @@
               <a:rPr lang="en-US" altLang="zh-CN" sz="1600" dirty="0"/>
             </a:br>
             <a:r>
-              <a:rPr lang="en-US" altLang="zh-CN" sz="1600" dirty="0">
+              <a:rPr lang="en-US" altLang="zh-CN" sz="1600" dirty="0" smtClean="0"/>
+              <a:t>	</a:t>
+            </a:r>
+            <a:r>
+              <a:rPr lang="en-US" altLang="zh-CN" sz="1600" dirty="0" smtClean="0">
                 <a:solidFill>
                   <a:srgbClr val="808080"/>
                 </a:solidFill>
@@ -21483,7 +22413,16 @@
               <a:t>    </a:t>
             </a:r>
             <a:r>
-              <a:rPr lang="en-US" altLang="zh-CN" sz="1600" dirty="0">
+              <a:rPr lang="en-US" altLang="zh-CN" sz="1600" dirty="0" smtClean="0">
+                <a:solidFill>
+                  <a:srgbClr val="808080"/>
+                </a:solidFill>
+                <a:latin typeface="宋体"/>
+              </a:rPr>
+              <a:t>	</a:t>
+            </a:r>
+            <a:r>
+              <a:rPr lang="en-US" altLang="zh-CN" sz="1600" dirty="0" smtClean="0">
                 <a:solidFill>
                   <a:srgbClr val="CC7832"/>
                 </a:solidFill>
@@ -21681,12 +22620,24 @@
               <a:rPr lang="en-US" altLang="zh-CN" sz="1600" dirty="0"/>
             </a:br>
             <a:r>
+              <a:rPr lang="en-US" altLang="zh-CN" sz="1600" dirty="0" smtClean="0"/>
+              <a:t>	</a:t>
+            </a:r>
+            <a:r>
+              <a:rPr lang="en-US" altLang="zh-CN" sz="1600" dirty="0" smtClean="0">
+                <a:solidFill>
+                  <a:srgbClr val="808080"/>
+                </a:solidFill>
+              </a:rPr>
+              <a:t>//</a:t>
+            </a:r>
+            <a:r>
               <a:rPr lang="en-US" altLang="zh-CN" sz="1600" dirty="0">
                 <a:solidFill>
                   <a:srgbClr val="808080"/>
                 </a:solidFill>
               </a:rPr>
-              <a:t>//Boolean</a:t>
+              <a:t>Boolean</a:t>
             </a:r>
             <a:r>
               <a:rPr lang="zh-CN" altLang="en-US" sz="1600" dirty="0">
@@ -21713,6 +22664,15 @@
                 <a:latin typeface="宋体"/>
               </a:rPr>
               <a:t>  </a:t>
+            </a:r>
+            <a:r>
+              <a:rPr lang="en-US" altLang="zh-CN" sz="1600" dirty="0" smtClean="0">
+                <a:solidFill>
+                  <a:srgbClr val="808080"/>
+                </a:solidFill>
+                <a:latin typeface="宋体"/>
+              </a:rPr>
+              <a:t>	</a:t>
             </a:r>
             <a:r>
               <a:rPr lang="en-US" altLang="zh-CN" sz="1600" dirty="0" smtClean="0">
@@ -21791,12 +22751,24 @@
               <a:t>    </a:t>
             </a:r>
             <a:r>
+              <a:rPr lang="en-US" altLang="zh-CN" sz="1600" dirty="0" smtClean="0"/>
+              <a:t>	</a:t>
+            </a:r>
+            <a:r>
+              <a:rPr lang="en-US" altLang="zh-CN" sz="1600" dirty="0" smtClean="0">
+                <a:solidFill>
+                  <a:srgbClr val="CC7832"/>
+                </a:solidFill>
+              </a:rPr>
+              <a:t>!</a:t>
+            </a:r>
+            <a:r>
               <a:rPr lang="en-US" altLang="zh-CN" sz="1600" dirty="0">
                 <a:solidFill>
                   <a:srgbClr val="CC7832"/>
                 </a:solidFill>
               </a:rPr>
-              <a:t>!in </a:t>
+              <a:t>in </a:t>
             </a:r>
             <a:r>
               <a:rPr lang="en-US" altLang="zh-CN" sz="1600" dirty="0">
@@ -21864,7 +22836,11 @@
             </a:br>
             <a:r>
               <a:rPr lang="en-US" altLang="zh-CN" sz="1600" dirty="0"/>
-              <a:t>    </a:t>
+              <a:t>   </a:t>
+            </a:r>
+            <a:r>
+              <a:rPr lang="en-US" altLang="zh-CN" sz="1600" dirty="0" smtClean="0"/>
+              <a:t>	 </a:t>
             </a:r>
             <a:r>
               <a:rPr lang="en-US" altLang="zh-CN" sz="1600" dirty="0">
@@ -21927,7 +22903,11 @@
               <a:t>    </a:t>
             </a:r>
             <a:r>
-              <a:rPr lang="en-US" altLang="zh-CN" sz="1600" dirty="0">
+              <a:rPr lang="en-US" altLang="zh-CN" sz="1600" dirty="0" smtClean="0"/>
+              <a:t>	 </a:t>
+            </a:r>
+            <a:r>
+              <a:rPr lang="en-US" altLang="zh-CN" sz="1600" dirty="0" smtClean="0">
                 <a:solidFill>
                   <a:srgbClr val="CC7832"/>
                 </a:solidFill>
@@ -22218,6 +23198,14 @@
   <p:clrMapOvr>
     <a:masterClrMapping/>
   </p:clrMapOvr>
+  <mc:AlternateContent xmlns:mc="http://schemas.openxmlformats.org/markup-compatibility/2006">
+    <mc:Choice xmlns:p14="http://schemas.microsoft.com/office/powerpoint/2010/main" Requires="p14">
+      <p:transition spd="slow" p14:dur="2000"/>
+    </mc:Choice>
+    <mc:Fallback>
+      <p:transition spd="slow"/>
+    </mc:Fallback>
+  </mc:AlternateContent>
 </p:sld>
 </file>
 
@@ -22263,11 +23251,15 @@
             <a:pPr algn="l"/>
             <a:r>
               <a:rPr lang="en-US" altLang="zh-CN" sz="2800" dirty="0" smtClean="0"/>
-              <a:t>6</a:t>
+              <a:t>6 </a:t>
             </a:r>
             <a:r>
               <a:rPr lang="zh-CN" altLang="en-US" sz="2800" dirty="0" smtClean="0"/>
-              <a:t> 循环</a:t>
+              <a:t> </a:t>
+            </a:r>
+            <a:r>
+              <a:rPr lang="zh-CN" altLang="en-US" sz="2800" dirty="0" smtClean="0"/>
+              <a:t>循环</a:t>
             </a:r>
             <a:endParaRPr lang="zh-CN" altLang="en-US" sz="2800" dirty="0"/>
           </a:p>
@@ -22286,7 +23278,7 @@
         <p:spPr>
           <a:xfrm>
             <a:off x="457200" y="764704"/>
-            <a:ext cx="8229600" cy="5688632"/>
+            <a:ext cx="7571184" cy="5688632"/>
           </a:xfrm>
         </p:spPr>
         <p:txBody>
@@ -22992,6 +23984,319 @@
               <a:t>}</a:t>
             </a:r>
             <a:endParaRPr lang="zh-CN" altLang="en-US" sz="1600" dirty="0"/>
+          </a:p>
+        </p:txBody>
+      </p:sp>
+      <p:sp>
+        <p:nvSpPr>
+          <p:cNvPr id="4" name="TextBox 3"/>
+          <p:cNvSpPr txBox="1"/>
+          <p:nvPr/>
+        </p:nvSpPr>
+        <p:spPr>
+          <a:xfrm>
+            <a:off x="3635896" y="1700808"/>
+            <a:ext cx="4608512" cy="4524315"/>
+          </a:xfrm>
+          <a:prstGeom prst="rect">
+            <a:avLst/>
+          </a:prstGeom>
+          <a:noFill/>
+        </p:spPr>
+        <p:txBody>
+          <a:bodyPr wrap="square" rtlCol="0">
+            <a:spAutoFit/>
+          </a:bodyPr>
+          <a:lstStyle/>
+          <a:p>
+            <a:r>
+              <a:rPr lang="en-US" altLang="zh-CN" dirty="0" err="1" smtClean="0"/>
+              <a:t>Kotlin</a:t>
+            </a:r>
+            <a:r>
+              <a:rPr lang="zh-CN" altLang="en-US" dirty="0" smtClean="0"/>
+              <a:t>中</a:t>
+            </a:r>
+            <a:r>
+              <a:rPr lang="en-US" altLang="zh-CN" dirty="0" smtClean="0"/>
+              <a:t>Ranges</a:t>
+            </a:r>
+            <a:r>
+              <a:rPr lang="zh-CN" altLang="en-US" dirty="0"/>
+              <a:t>使用两个点作为符号</a:t>
+            </a:r>
+            <a:r>
+              <a:rPr lang="en-US" altLang="zh-CN" dirty="0"/>
+              <a:t>. </a:t>
+            </a:r>
+            <a:r>
+              <a:rPr lang="zh-CN" altLang="en-US" dirty="0"/>
+              <a:t>表示从多少到</a:t>
+            </a:r>
+            <a:r>
+              <a:rPr lang="zh-CN" altLang="en-US" dirty="0" smtClean="0"/>
+              <a:t>多少用于循环中</a:t>
+            </a:r>
+            <a:r>
+              <a:rPr lang="zh-CN" altLang="en-US" dirty="0"/>
+              <a:t/>
+            </a:r>
+            <a:br>
+              <a:rPr lang="zh-CN" altLang="en-US" dirty="0"/>
+            </a:br>
+            <a:r>
+              <a:rPr lang="en-US" altLang="zh-CN" dirty="0"/>
+              <a:t>for(</a:t>
+            </a:r>
+            <a:r>
+              <a:rPr lang="en-US" altLang="zh-CN" dirty="0" err="1"/>
+              <a:t>i</a:t>
+            </a:r>
+            <a:r>
+              <a:rPr lang="en-US" altLang="zh-CN" dirty="0"/>
+              <a:t> in 0..10</a:t>
+            </a:r>
+            <a:r>
+              <a:rPr lang="en-US" altLang="zh-CN" dirty="0" smtClean="0"/>
+              <a:t>)</a:t>
+            </a:r>
+          </a:p>
+          <a:p>
+            <a:r>
+              <a:rPr lang="zh-CN" altLang="en-US" dirty="0" smtClean="0"/>
+              <a:t>从</a:t>
+            </a:r>
+            <a:r>
+              <a:rPr lang="en-US" altLang="zh-CN" dirty="0"/>
+              <a:t>0</a:t>
+            </a:r>
+            <a:r>
+              <a:rPr lang="zh-CN" altLang="en-US" dirty="0"/>
+              <a:t>到</a:t>
+            </a:r>
+            <a:r>
+              <a:rPr lang="en-US" altLang="zh-CN" dirty="0"/>
+              <a:t>10</a:t>
+            </a:r>
+            <a:br>
+              <a:rPr lang="en-US" altLang="zh-CN" dirty="0"/>
+            </a:br>
+            <a:r>
+              <a:rPr lang="en-US" altLang="zh-CN" dirty="0"/>
+              <a:t>for(</a:t>
+            </a:r>
+            <a:r>
+              <a:rPr lang="en-US" altLang="zh-CN" dirty="0" err="1"/>
+              <a:t>i</a:t>
+            </a:r>
+            <a:r>
+              <a:rPr lang="en-US" altLang="zh-CN" dirty="0"/>
+              <a:t> in </a:t>
+            </a:r>
+            <a:r>
+              <a:rPr lang="en-US" altLang="zh-CN" dirty="0" err="1"/>
+              <a:t>a..z</a:t>
+            </a:r>
+            <a:r>
+              <a:rPr lang="en-US" altLang="zh-CN" dirty="0" smtClean="0"/>
+              <a:t>)</a:t>
+            </a:r>
+          </a:p>
+          <a:p>
+            <a:r>
+              <a:rPr lang="zh-CN" altLang="en-US" dirty="0" smtClean="0"/>
+              <a:t>从</a:t>
+            </a:r>
+            <a:r>
+              <a:rPr lang="en-US" altLang="zh-CN" dirty="0"/>
+              <a:t>a</a:t>
+            </a:r>
+            <a:r>
+              <a:rPr lang="zh-CN" altLang="en-US" dirty="0"/>
+              <a:t>到</a:t>
+            </a:r>
+            <a:r>
+              <a:rPr lang="en-US" altLang="zh-CN" dirty="0"/>
+              <a:t>b</a:t>
+            </a:r>
+            <a:br>
+              <a:rPr lang="en-US" altLang="zh-CN" dirty="0"/>
+            </a:br>
+            <a:r>
+              <a:rPr lang="en-US" altLang="zh-CN" dirty="0"/>
+              <a:t>for(</a:t>
+            </a:r>
+            <a:r>
+              <a:rPr lang="en-US" altLang="zh-CN" dirty="0" err="1"/>
+              <a:t>i</a:t>
+            </a:r>
+            <a:r>
+              <a:rPr lang="en-US" altLang="zh-CN" dirty="0"/>
+              <a:t> in 0..array.size-1</a:t>
+            </a:r>
+            <a:r>
+              <a:rPr lang="en-US" altLang="zh-CN" dirty="0" smtClean="0"/>
+              <a:t>)</a:t>
+            </a:r>
+          </a:p>
+          <a:p>
+            <a:r>
+              <a:rPr lang="zh-CN" altLang="en-US" dirty="0" smtClean="0"/>
+              <a:t>遍历</a:t>
+            </a:r>
+            <a:r>
+              <a:rPr lang="zh-CN" altLang="en-US" dirty="0"/>
+              <a:t>所有数组</a:t>
+            </a:r>
+            <a:br>
+              <a:rPr lang="zh-CN" altLang="en-US" dirty="0"/>
+            </a:br>
+            <a:r>
+              <a:rPr lang="en-US" altLang="zh-CN" dirty="0"/>
+              <a:t>for(</a:t>
+            </a:r>
+            <a:r>
+              <a:rPr lang="en-US" altLang="zh-CN" dirty="0" err="1"/>
+              <a:t>i</a:t>
+            </a:r>
+            <a:r>
+              <a:rPr lang="en-US" altLang="zh-CN" dirty="0"/>
+              <a:t> in 10 </a:t>
+            </a:r>
+            <a:r>
+              <a:rPr lang="en-US" altLang="zh-CN" dirty="0" err="1"/>
+              <a:t>downTo</a:t>
+            </a:r>
+            <a:r>
+              <a:rPr lang="en-US" altLang="zh-CN" dirty="0"/>
+              <a:t> 0</a:t>
+            </a:r>
+            <a:r>
+              <a:rPr lang="en-US" altLang="zh-CN" dirty="0" smtClean="0"/>
+              <a:t>)</a:t>
+            </a:r>
+          </a:p>
+          <a:p>
+            <a:r>
+              <a:rPr lang="zh-CN" altLang="en-US" dirty="0" smtClean="0"/>
+              <a:t>从</a:t>
+            </a:r>
+            <a:r>
+              <a:rPr lang="en-US" altLang="zh-CN" dirty="0"/>
+              <a:t>10</a:t>
+            </a:r>
+            <a:r>
+              <a:rPr lang="zh-CN" altLang="en-US" dirty="0"/>
+              <a:t>到</a:t>
+            </a:r>
+            <a:r>
+              <a:rPr lang="en-US" altLang="zh-CN" dirty="0"/>
+              <a:t>0</a:t>
+            </a:r>
+            <a:br>
+              <a:rPr lang="en-US" altLang="zh-CN" dirty="0"/>
+            </a:br>
+            <a:r>
+              <a:rPr lang="en-US" altLang="zh-CN" dirty="0"/>
+              <a:t>for(</a:t>
+            </a:r>
+            <a:r>
+              <a:rPr lang="en-US" altLang="zh-CN" dirty="0" err="1"/>
+              <a:t>i</a:t>
+            </a:r>
+            <a:r>
+              <a:rPr lang="en-US" altLang="zh-CN" dirty="0"/>
+              <a:t> in 0 until 10</a:t>
+            </a:r>
+            <a:r>
+              <a:rPr lang="en-US" altLang="zh-CN" dirty="0" smtClean="0"/>
+              <a:t>)</a:t>
+            </a:r>
+          </a:p>
+          <a:p>
+            <a:r>
+              <a:rPr lang="zh-CN" altLang="en-US" dirty="0" smtClean="0"/>
+              <a:t>从</a:t>
+            </a:r>
+            <a:r>
+              <a:rPr lang="en-US" altLang="zh-CN" dirty="0"/>
+              <a:t>0</a:t>
+            </a:r>
+            <a:r>
+              <a:rPr lang="zh-CN" altLang="en-US" dirty="0"/>
+              <a:t>到</a:t>
+            </a:r>
+            <a:r>
+              <a:rPr lang="en-US" altLang="zh-CN" dirty="0"/>
+              <a:t>10</a:t>
+            </a:r>
+            <a:r>
+              <a:rPr lang="zh-CN" altLang="en-US" dirty="0"/>
+              <a:t>不包括</a:t>
+            </a:r>
+            <a:r>
+              <a:rPr lang="en-US" altLang="zh-CN" dirty="0"/>
+              <a:t>10</a:t>
+            </a:r>
+            <a:br>
+              <a:rPr lang="en-US" altLang="zh-CN" dirty="0"/>
+            </a:br>
+            <a:r>
+              <a:rPr lang="zh-CN" altLang="en-US" dirty="0"/>
+              <a:t>也可以在后面加</a:t>
+            </a:r>
+            <a:r>
+              <a:rPr lang="en-US" altLang="zh-CN" dirty="0"/>
+              <a:t>step</a:t>
+            </a:r>
+            <a:r>
+              <a:rPr lang="zh-CN" altLang="en-US" dirty="0"/>
+              <a:t>表示步数如</a:t>
+            </a:r>
+            <a:br>
+              <a:rPr lang="zh-CN" altLang="en-US" dirty="0"/>
+            </a:br>
+            <a:r>
+              <a:rPr lang="en-US" altLang="zh-CN" dirty="0"/>
+              <a:t>for(</a:t>
+            </a:r>
+            <a:r>
+              <a:rPr lang="en-US" altLang="zh-CN" dirty="0" err="1"/>
+              <a:t>i</a:t>
+            </a:r>
+            <a:r>
+              <a:rPr lang="en-US" altLang="zh-CN" dirty="0"/>
+              <a:t> in 0 .. 10 step 2</a:t>
+            </a:r>
+            <a:r>
+              <a:rPr lang="en-US" altLang="zh-CN" dirty="0" smtClean="0"/>
+              <a:t>)</a:t>
+            </a:r>
+          </a:p>
+          <a:p>
+            <a:r>
+              <a:rPr lang="zh-CN" altLang="en-US" dirty="0" smtClean="0"/>
+              <a:t>表示</a:t>
+            </a:r>
+            <a:r>
+              <a:rPr lang="zh-CN" altLang="en-US" dirty="0"/>
+              <a:t>从</a:t>
+            </a:r>
+            <a:r>
+              <a:rPr lang="en-US" altLang="zh-CN" dirty="0"/>
+              <a:t>0</a:t>
+            </a:r>
+            <a:r>
+              <a:rPr lang="zh-CN" altLang="en-US" dirty="0"/>
+              <a:t>到</a:t>
+            </a:r>
+            <a:r>
+              <a:rPr lang="en-US" altLang="zh-CN" dirty="0"/>
+              <a:t>10:  0, 2, 4, 6, 8, 10 </a:t>
+            </a:r>
+          </a:p>
+          <a:p>
+            <a:endParaRPr lang="zh-CN" altLang="en-US" dirty="0"/>
           </a:p>
         </p:txBody>
       </p:sp>
@@ -23005,6 +24310,14 @@
   <p:clrMapOvr>
     <a:masterClrMapping/>
   </p:clrMapOvr>
+  <mc:AlternateContent xmlns:mc="http://schemas.openxmlformats.org/markup-compatibility/2006">
+    <mc:Choice xmlns:p14="http://schemas.microsoft.com/office/powerpoint/2010/main" Requires="p14">
+      <p:transition spd="slow" p14:dur="2000"/>
+    </mc:Choice>
+    <mc:Fallback>
+      <p:transition spd="slow"/>
+    </mc:Fallback>
+  </mc:AlternateContent>
   <p:timing>
     <p:tnLst>
       <p:par>
@@ -23016,52 +24329,52 @@
 </file>
 
 <file path=ppt/theme/theme1.xml><?xml version="1.0" encoding="utf-8"?>
-<a:theme xmlns:a="http://schemas.openxmlformats.org/drawingml/2006/main" name="Office 主题">
+<a:theme xmlns:a="http://schemas.openxmlformats.org/drawingml/2006/main" name="相邻">
   <a:themeElements>
-    <a:clrScheme name="Office">
+    <a:clrScheme name="相邻">
       <a:dk1>
-        <a:sysClr val="windowText" lastClr="000000"/>
+        <a:srgbClr val="2F2B20"/>
       </a:dk1>
       <a:lt1>
-        <a:sysClr val="window" lastClr="FFFFFF"/>
+        <a:srgbClr val="FFFFFF"/>
       </a:lt1>
       <a:dk2>
-        <a:srgbClr val="1F497D"/>
+        <a:srgbClr val="675E47"/>
       </a:dk2>
       <a:lt2>
-        <a:srgbClr val="EEECE1"/>
+        <a:srgbClr val="DFDCB7"/>
       </a:lt2>
       <a:accent1>
-        <a:srgbClr val="4F81BD"/>
+        <a:srgbClr val="A9A57C"/>
       </a:accent1>
       <a:accent2>
-        <a:srgbClr val="C0504D"/>
+        <a:srgbClr val="9CBEBD"/>
       </a:accent2>
       <a:accent3>
-        <a:srgbClr val="9BBB59"/>
+        <a:srgbClr val="D2CB6C"/>
       </a:accent3>
       <a:accent4>
-        <a:srgbClr val="8064A2"/>
+        <a:srgbClr val="95A39D"/>
       </a:accent4>
       <a:accent5>
-        <a:srgbClr val="4BACC6"/>
+        <a:srgbClr val="C89F5D"/>
       </a:accent5>
       <a:accent6>
-        <a:srgbClr val="F79646"/>
+        <a:srgbClr val="B1A089"/>
       </a:accent6>
       <a:hlink>
-        <a:srgbClr val="0000FF"/>
+        <a:srgbClr val="D25814"/>
       </a:hlink>
       <a:folHlink>
-        <a:srgbClr val="800080"/>
+        <a:srgbClr val="849A0A"/>
       </a:folHlink>
     </a:clrScheme>
     <a:fontScheme name="Office">
       <a:majorFont>
-        <a:latin typeface="Calibri"/>
+        <a:latin typeface="Cambria"/>
         <a:ea typeface=""/>
         <a:cs typeface=""/>
-        <a:font script="Jpan" typeface="ＭＳ Ｐゴシック"/>
+        <a:font script="Jpan" typeface="ＭＳ ゴシック"/>
         <a:font script="Hang" typeface="맑은 고딕"/>
         <a:font script="Hans" typeface="宋体"/>
         <a:font script="Hant" typeface="新細明體"/>
@@ -23090,12 +24403,13 @@
         <a:font script="Mong" typeface="Mongolian Baiti"/>
         <a:font script="Viet" typeface="Times New Roman"/>
         <a:font script="Uigh" typeface="Microsoft Uighur"/>
+        <a:font script="Geor" typeface="Sylfaen"/>
       </a:majorFont>
       <a:minorFont>
         <a:latin typeface="Calibri"/>
         <a:ea typeface=""/>
         <a:cs typeface=""/>
-        <a:font script="Jpan" typeface="ＭＳ Ｐゴシック"/>
+        <a:font script="Jpan" typeface="ＭＳ 明朝"/>
         <a:font script="Hang" typeface="맑은 고딕"/>
         <a:font script="Hans" typeface="宋体"/>
         <a:font script="Hant" typeface="新細明體"/>
@@ -23124,62 +24438,25 @@
         <a:font script="Mong" typeface="Mongolian Baiti"/>
         <a:font script="Viet" typeface="Arial"/>
         <a:font script="Uigh" typeface="Microsoft Uighur"/>
+        <a:font script="Geor" typeface="Sylfaen"/>
       </a:minorFont>
     </a:fontScheme>
-    <a:fmtScheme name="Office">
+    <a:fmtScheme name="相邻">
       <a:fillStyleLst>
         <a:solidFill>
           <a:schemeClr val="phClr"/>
         </a:solidFill>
-        <a:gradFill rotWithShape="1">
-          <a:gsLst>
-            <a:gs pos="0">
-              <a:schemeClr val="phClr">
-                <a:tint val="50000"/>
-                <a:satMod val="300000"/>
-              </a:schemeClr>
-            </a:gs>
-            <a:gs pos="35000">
-              <a:schemeClr val="phClr">
-                <a:tint val="37000"/>
-                <a:satMod val="300000"/>
-              </a:schemeClr>
-            </a:gs>
-            <a:gs pos="100000">
-              <a:schemeClr val="phClr">
-                <a:tint val="15000"/>
-                <a:satMod val="350000"/>
-              </a:schemeClr>
-            </a:gs>
-          </a:gsLst>
-          <a:lin ang="16200000" scaled="1"/>
-        </a:gradFill>
-        <a:gradFill rotWithShape="1">
-          <a:gsLst>
-            <a:gs pos="0">
-              <a:schemeClr val="phClr">
-                <a:shade val="51000"/>
-                <a:satMod val="130000"/>
-              </a:schemeClr>
-            </a:gs>
-            <a:gs pos="80000">
-              <a:schemeClr val="phClr">
-                <a:shade val="93000"/>
-                <a:satMod val="130000"/>
-              </a:schemeClr>
-            </a:gs>
-            <a:gs pos="100000">
-              <a:schemeClr val="phClr">
-                <a:shade val="94000"/>
-                <a:satMod val="135000"/>
-              </a:schemeClr>
-            </a:gs>
-          </a:gsLst>
-          <a:lin ang="16200000" scaled="0"/>
-        </a:gradFill>
+        <a:solidFill>
+          <a:schemeClr val="phClr">
+            <a:tint val="55000"/>
+          </a:schemeClr>
+        </a:solidFill>
+        <a:solidFill>
+          <a:schemeClr val="phClr"/>
+        </a:solidFill>
       </a:fillStyleLst>
       <a:lnStyleLst>
-        <a:ln w="9525" cap="flat" cmpd="sng" algn="ctr">
+        <a:ln w="12700" cap="flat" cmpd="sng" algn="ctr">
           <a:solidFill>
             <a:schemeClr val="phClr">
               <a:shade val="95000"/>
@@ -23203,41 +24480,35 @@
       </a:lnStyleLst>
       <a:effectStyleLst>
         <a:effectStyle>
+          <a:effectLst/>
+        </a:effectStyle>
+        <a:effectStyle>
           <a:effectLst>
-            <a:outerShdw blurRad="40000" dist="20000" dir="5400000" rotWithShape="0">
+            <a:outerShdw blurRad="50800" dist="25400" algn="bl" rotWithShape="0">
               <a:srgbClr val="000000">
-                <a:alpha val="38000"/>
+                <a:alpha val="60000"/>
               </a:srgbClr>
             </a:outerShdw>
           </a:effectLst>
         </a:effectStyle>
         <a:effectStyle>
-          <a:effectLst>
-            <a:outerShdw blurRad="40000" dist="23000" dir="5400000" rotWithShape="0">
-              <a:srgbClr val="000000">
-                <a:alpha val="35000"/>
-              </a:srgbClr>
-            </a:outerShdw>
-          </a:effectLst>
-        </a:effectStyle>
-        <a:effectStyle>
-          <a:effectLst>
-            <a:outerShdw blurRad="40000" dist="23000" dir="5400000" rotWithShape="0">
-              <a:srgbClr val="000000">
-                <a:alpha val="35000"/>
-              </a:srgbClr>
-            </a:outerShdw>
-          </a:effectLst>
+          <a:effectLst/>
           <a:scene3d>
             <a:camera prst="orthographicFront">
               <a:rot lat="0" lon="0" rev="0"/>
             </a:camera>
-            <a:lightRig rig="threePt" dir="t">
-              <a:rot lat="0" lon="0" rev="1200000"/>
+            <a:lightRig rig="brightRoom" dir="tl">
+              <a:rot lat="0" lon="0" rev="1800000"/>
             </a:lightRig>
           </a:scene3d>
-          <a:sp3d>
-            <a:bevelT w="63500" h="25400"/>
+          <a:sp3d contourW="10160" prstMaterial="dkEdge">
+            <a:bevelT w="38100" h="50800" prst="angle"/>
+            <a:contourClr>
+              <a:schemeClr val="phClr">
+                <a:shade val="40000"/>
+                <a:satMod val="150000"/>
+              </a:schemeClr>
+            </a:contourClr>
           </a:sp3d>
         </a:effectStyle>
       </a:effectStyleLst>
@@ -23249,47 +24520,39 @@
           <a:gsLst>
             <a:gs pos="0">
               <a:schemeClr val="phClr">
-                <a:tint val="40000"/>
-                <a:satMod val="350000"/>
+                <a:tint val="90000"/>
               </a:schemeClr>
             </a:gs>
-            <a:gs pos="40000">
+            <a:gs pos="75000">
               <a:schemeClr val="phClr">
-                <a:tint val="45000"/>
-                <a:shade val="99000"/>
-                <a:satMod val="350000"/>
+                <a:shade val="100000"/>
+                <a:satMod val="115000"/>
               </a:schemeClr>
             </a:gs>
             <a:gs pos="100000">
               <a:schemeClr val="phClr">
-                <a:shade val="20000"/>
-                <a:satMod val="255000"/>
+                <a:shade val="70000"/>
+                <a:satMod val="130000"/>
               </a:schemeClr>
             </a:gs>
           </a:gsLst>
           <a:path path="circle">
-            <a:fillToRect l="50000" t="-80000" r="50000" b="180000"/>
+            <a:fillToRect l="20000" t="50000" r="100000" b="50000"/>
           </a:path>
         </a:gradFill>
-        <a:gradFill rotWithShape="1">
-          <a:gsLst>
-            <a:gs pos="0">
+        <a:blipFill rotWithShape="1">
+          <a:blip xmlns:r="http://schemas.openxmlformats.org/officeDocument/2006/relationships" r:embed="rId1">
+            <a:duotone>
               <a:schemeClr val="phClr">
-                <a:tint val="80000"/>
-                <a:satMod val="300000"/>
+                <a:tint val="97000"/>
               </a:schemeClr>
-            </a:gs>
-            <a:gs pos="100000">
               <a:schemeClr val="phClr">
-                <a:shade val="30000"/>
-                <a:satMod val="200000"/>
+                <a:shade val="96000"/>
               </a:schemeClr>
-            </a:gs>
-          </a:gsLst>
-          <a:path path="circle">
-            <a:fillToRect l="50000" t="50000" r="50000" b="50000"/>
-          </a:path>
-        </a:gradFill>
+            </a:duotone>
+          </a:blip>
+          <a:tile tx="0" ty="0" sx="32000" sy="32000" flip="none" algn="tl"/>
+        </a:blipFill>
       </a:bgFillStyleLst>
     </a:fmtScheme>
   </a:themeElements>
@@ -23553,7 +24816,7 @@
   <a:extraClrSchemeLst/>
   <a:extLst>
     <a:ext uri="{05A4C25C-085E-4340-85A3-A5531E510DB2}">
-      <thm15:themeFamily xmlns:thm15="http://schemas.microsoft.com/office/thememl/2012/main" name="Office Theme" id="{62F939B6-93AF-4DB8-9C6B-D6C7DFDC589F}" vid="{4A3C46E8-61CC-4603-A589-7422A47A8E4A}"/>
+      <thm15:themeFamily xmlns:thm15="http://schemas.microsoft.com/office/thememl/2012/main" xmlns="" name="Office Theme" id="{62F939B6-93AF-4DB8-9C6B-D6C7DFDC589F}" vid="{4A3C46E8-61CC-4603-A589-7422A47A8E4A}"/>
     </a:ext>
   </a:extLst>
 </a:theme>
